--- a/doc/2019-10-22 bom项目前端开发的收获.pptx
+++ b/doc/2019-10-22 bom项目前端开发的收获.pptx
@@ -1,17 +1,20 @@
 
 <file path=ppt/presentation.xml><?xml version="1.0" encoding="utf-8"?>
-<p:presentation xmlns:a="http://schemas.openxmlformats.org/drawingml/2006/main" xmlns:r="http://schemas.openxmlformats.org/officeDocument/2006/relationships" xmlns:p="http://schemas.openxmlformats.org/presentationml/2006/main" saveSubsetFonts="1">
+<p:presentation xmlns:a="http://schemas.openxmlformats.org/drawingml/2006/main" xmlns:r="http://schemas.openxmlformats.org/officeDocument/2006/relationships" xmlns:p="http://schemas.openxmlformats.org/presentationml/2006/main">
   <p:sldMasterIdLst>
     <p:sldMasterId id="2147483648" r:id="rId1"/>
   </p:sldMasterIdLst>
   <p:notesMasterIdLst>
-    <p:notesMasterId r:id="rId6"/>
+    <p:notesMasterId r:id="rId10"/>
   </p:notesMasterIdLst>
   <p:sldIdLst>
-    <p:sldId id="267" r:id="rId2"/>
-    <p:sldId id="257" r:id="rId3"/>
+    <p:sldId id="267" r:id="rId3"/>
     <p:sldId id="306" r:id="rId4"/>
-    <p:sldId id="269" r:id="rId5"/>
+    <p:sldId id="308" r:id="rId5"/>
+    <p:sldId id="309" r:id="rId6"/>
+    <p:sldId id="310" r:id="rId7"/>
+    <p:sldId id="311" r:id="rId8"/>
+    <p:sldId id="269" r:id="rId9"/>
   </p:sldIdLst>
   <p:sldSz cx="9144000" cy="5143500" type="screen16x9"/>
   <p:notesSz cx="6858000" cy="9144000"/>
@@ -110,23 +113,3030 @@
       </a:defRPr>
     </a:lvl9pPr>
   </p:defaultTextStyle>
-  <p:extLst>
-    <p:ext uri="{EFAFB233-063F-42B5-8137-9DF3F51BA10A}">
-      <p15:sldGuideLst xmlns:p15="http://schemas.microsoft.com/office/powerpoint/2012/main" xmlns="">
-        <p15:guide id="1" orient="horz" pos="1620">
-          <p15:clr>
-            <a:srgbClr val="A4A3A4"/>
-          </p15:clr>
-        </p15:guide>
-        <p15:guide id="2" pos="2880">
-          <p15:clr>
-            <a:srgbClr val="A4A3A4"/>
-          </p15:clr>
-        </p15:guide>
-      </p15:sldGuideLst>
-    </p:ext>
-  </p:extLst>
 </p:presentation>
+</file>
+
+<file path=ppt/diagrams/colors1.xml><?xml version="1.0" encoding="utf-8"?>
+<dgm:colorsDef xmlns:dgm="http://schemas.openxmlformats.org/drawingml/2006/diagram" xmlns:a="http://schemas.openxmlformats.org/drawingml/2006/main" uniqueId="urn:microsoft.com/office/officeart/2005/8/colors/accent1_2">
+  <dgm:title val=""/>
+  <dgm:desc val=""/>
+  <dgm:catLst>
+    <dgm:cat type="accent1" pri="11200"/>
+  </dgm:catLst>
+  <dgm:styleLbl name="alignAcc1">
+    <dgm:fillClrLst meth="repeat">
+      <a:schemeClr val="lt1">
+        <a:alpha val="90000"/>
+      </a:schemeClr>
+    </dgm:fillClrLst>
+    <dgm:linClrLst meth="repeat">
+      <a:schemeClr val="accent1"/>
+    </dgm:linClrLst>
+    <dgm:effectClrLst/>
+    <dgm:txLinClrLst/>
+    <dgm:txFillClrLst meth="repeat">
+      <a:schemeClr val="dk1"/>
+    </dgm:txFillClrLst>
+    <dgm:txEffectClrLst/>
+  </dgm:styleLbl>
+  <dgm:styleLbl name="alignAccFollowNode1">
+    <dgm:fillClrLst meth="repeat">
+      <a:schemeClr val="accent1">
+        <a:alpha val="90000"/>
+        <a:tint val="40000"/>
+      </a:schemeClr>
+    </dgm:fillClrLst>
+    <dgm:linClrLst meth="repeat">
+      <a:schemeClr val="accent1">
+        <a:alpha val="90000"/>
+        <a:tint val="40000"/>
+      </a:schemeClr>
+    </dgm:linClrLst>
+    <dgm:effectClrLst/>
+    <dgm:txLinClrLst/>
+    <dgm:txFillClrLst meth="repeat">
+      <a:schemeClr val="dk1"/>
+    </dgm:txFillClrLst>
+    <dgm:txEffectClrLst/>
+  </dgm:styleLbl>
+  <dgm:styleLbl name="alignImgPlace1">
+    <dgm:fillClrLst meth="repeat">
+      <a:schemeClr val="accent1">
+        <a:tint val="50000"/>
+      </a:schemeClr>
+    </dgm:fillClrLst>
+    <dgm:linClrLst meth="repeat">
+      <a:schemeClr val="lt1"/>
+    </dgm:linClrLst>
+    <dgm:effectClrLst/>
+    <dgm:txLinClrLst/>
+    <dgm:txFillClrLst meth="repeat">
+      <a:schemeClr val="lt1"/>
+    </dgm:txFillClrLst>
+    <dgm:txEffectClrLst/>
+  </dgm:styleLbl>
+  <dgm:styleLbl name="alignNode1">
+    <dgm:fillClrLst meth="repeat">
+      <a:schemeClr val="accent1"/>
+    </dgm:fillClrLst>
+    <dgm:linClrLst meth="repeat">
+      <a:schemeClr val="accent1"/>
+    </dgm:linClrLst>
+    <dgm:effectClrLst/>
+    <dgm:txLinClrLst/>
+    <dgm:txFillClrLst/>
+    <dgm:txEffectClrLst/>
+  </dgm:styleLbl>
+  <dgm:styleLbl name="asst0">
+    <dgm:fillClrLst meth="repeat">
+      <a:schemeClr val="accent1"/>
+    </dgm:fillClrLst>
+    <dgm:linClrLst meth="repeat">
+      <a:schemeClr val="lt1"/>
+    </dgm:linClrLst>
+    <dgm:effectClrLst/>
+    <dgm:txLinClrLst/>
+    <dgm:txFillClrLst/>
+    <dgm:txEffectClrLst/>
+  </dgm:styleLbl>
+  <dgm:styleLbl name="asst1">
+    <dgm:fillClrLst meth="repeat">
+      <a:schemeClr val="accent1"/>
+    </dgm:fillClrLst>
+    <dgm:linClrLst meth="repeat">
+      <a:schemeClr val="lt1"/>
+    </dgm:linClrLst>
+    <dgm:effectClrLst/>
+    <dgm:txLinClrLst/>
+    <dgm:txFillClrLst/>
+    <dgm:txEffectClrLst/>
+  </dgm:styleLbl>
+  <dgm:styleLbl name="asst2">
+    <dgm:fillClrLst meth="repeat">
+      <a:schemeClr val="accent1"/>
+    </dgm:fillClrLst>
+    <dgm:linClrLst meth="repeat">
+      <a:schemeClr val="lt1"/>
+    </dgm:linClrLst>
+    <dgm:effectClrLst/>
+    <dgm:txLinClrLst/>
+    <dgm:txFillClrLst/>
+    <dgm:txEffectClrLst/>
+  </dgm:styleLbl>
+  <dgm:styleLbl name="asst3">
+    <dgm:fillClrLst meth="repeat">
+      <a:schemeClr val="accent1"/>
+    </dgm:fillClrLst>
+    <dgm:linClrLst meth="repeat">
+      <a:schemeClr val="lt1"/>
+    </dgm:linClrLst>
+    <dgm:effectClrLst/>
+    <dgm:txLinClrLst/>
+    <dgm:txFillClrLst/>
+    <dgm:txEffectClrLst/>
+  </dgm:styleLbl>
+  <dgm:styleLbl name="asst4">
+    <dgm:fillClrLst meth="repeat">
+      <a:schemeClr val="accent1"/>
+    </dgm:fillClrLst>
+    <dgm:linClrLst meth="repeat">
+      <a:schemeClr val="lt1"/>
+    </dgm:linClrLst>
+    <dgm:effectClrLst/>
+    <dgm:txLinClrLst/>
+    <dgm:txFillClrLst/>
+    <dgm:txEffectClrLst/>
+  </dgm:styleLbl>
+  <dgm:styleLbl name="bgAcc1">
+    <dgm:fillClrLst meth="repeat">
+      <a:schemeClr val="lt1">
+        <a:alpha val="90000"/>
+      </a:schemeClr>
+    </dgm:fillClrLst>
+    <dgm:linClrLst meth="repeat">
+      <a:schemeClr val="accent1"/>
+    </dgm:linClrLst>
+    <dgm:effectClrLst/>
+    <dgm:txLinClrLst/>
+    <dgm:txFillClrLst meth="repeat">
+      <a:schemeClr val="dk1"/>
+    </dgm:txFillClrLst>
+    <dgm:txEffectClrLst/>
+  </dgm:styleLbl>
+  <dgm:styleLbl name="bgAccFollowNode1">
+    <dgm:fillClrLst meth="repeat">
+      <a:schemeClr val="accent1">
+        <a:alpha val="90000"/>
+        <a:tint val="40000"/>
+      </a:schemeClr>
+    </dgm:fillClrLst>
+    <dgm:linClrLst meth="repeat">
+      <a:schemeClr val="accent1">
+        <a:alpha val="90000"/>
+        <a:tint val="40000"/>
+      </a:schemeClr>
+    </dgm:linClrLst>
+    <dgm:effectClrLst/>
+    <dgm:txLinClrLst/>
+    <dgm:txFillClrLst meth="repeat">
+      <a:schemeClr val="dk1"/>
+    </dgm:txFillClrLst>
+    <dgm:txEffectClrLst/>
+  </dgm:styleLbl>
+  <dgm:styleLbl name="bgImgPlace1">
+    <dgm:fillClrLst meth="repeat">
+      <a:schemeClr val="accent1">
+        <a:tint val="50000"/>
+      </a:schemeClr>
+    </dgm:fillClrLst>
+    <dgm:linClrLst meth="repeat">
+      <a:schemeClr val="lt1"/>
+    </dgm:linClrLst>
+    <dgm:effectClrLst/>
+    <dgm:txLinClrLst/>
+    <dgm:txFillClrLst meth="repeat">
+      <a:schemeClr val="lt1"/>
+    </dgm:txFillClrLst>
+    <dgm:txEffectClrLst/>
+  </dgm:styleLbl>
+  <dgm:styleLbl name="bgShp">
+    <dgm:fillClrLst meth="repeat">
+      <a:schemeClr val="accent1">
+        <a:tint val="40000"/>
+      </a:schemeClr>
+    </dgm:fillClrLst>
+    <dgm:linClrLst meth="repeat">
+      <a:schemeClr val="accent1"/>
+    </dgm:linClrLst>
+    <dgm:effectClrLst/>
+    <dgm:txLinClrLst/>
+    <dgm:txFillClrLst meth="repeat">
+      <a:schemeClr val="dk1"/>
+    </dgm:txFillClrLst>
+    <dgm:txEffectClrLst/>
+  </dgm:styleLbl>
+  <dgm:styleLbl name="bgSibTrans2D1">
+    <dgm:fillClrLst meth="repeat">
+      <a:schemeClr val="accent1">
+        <a:tint val="60000"/>
+      </a:schemeClr>
+    </dgm:fillClrLst>
+    <dgm:linClrLst meth="repeat">
+      <a:schemeClr val="accent1">
+        <a:tint val="60000"/>
+      </a:schemeClr>
+    </dgm:linClrLst>
+    <dgm:effectClrLst/>
+    <dgm:txLinClrLst/>
+    <dgm:txFillClrLst/>
+    <dgm:txEffectClrLst/>
+  </dgm:styleLbl>
+  <dgm:styleLbl name="callout">
+    <dgm:fillClrLst meth="repeat">
+      <a:schemeClr val="accent1"/>
+    </dgm:fillClrLst>
+    <dgm:linClrLst meth="repeat">
+      <a:schemeClr val="accent1">
+        <a:tint val="50000"/>
+      </a:schemeClr>
+    </dgm:linClrLst>
+    <dgm:effectClrLst/>
+    <dgm:txLinClrLst/>
+    <dgm:txFillClrLst meth="repeat">
+      <a:schemeClr val="tx1"/>
+    </dgm:txFillClrLst>
+    <dgm:txEffectClrLst/>
+  </dgm:styleLbl>
+  <dgm:styleLbl name="conFgAcc1">
+    <dgm:fillClrLst meth="repeat">
+      <a:schemeClr val="lt1">
+        <a:alpha val="90000"/>
+      </a:schemeClr>
+    </dgm:fillClrLst>
+    <dgm:linClrLst meth="repeat">
+      <a:schemeClr val="accent1"/>
+    </dgm:linClrLst>
+    <dgm:effectClrLst/>
+    <dgm:txLinClrLst/>
+    <dgm:txFillClrLst meth="repeat">
+      <a:schemeClr val="dk1"/>
+    </dgm:txFillClrLst>
+    <dgm:txEffectClrLst/>
+  </dgm:styleLbl>
+  <dgm:styleLbl name="dkBgShp">
+    <dgm:fillClrLst meth="repeat">
+      <a:schemeClr val="accent1">
+        <a:shade val="80000"/>
+      </a:schemeClr>
+    </dgm:fillClrLst>
+    <dgm:linClrLst meth="repeat">
+      <a:schemeClr val="accent1"/>
+    </dgm:linClrLst>
+    <dgm:effectClrLst/>
+    <dgm:txLinClrLst/>
+    <dgm:txFillClrLst meth="repeat">
+      <a:schemeClr val="lt1"/>
+    </dgm:txFillClrLst>
+    <dgm:txEffectClrLst/>
+  </dgm:styleLbl>
+  <dgm:styleLbl name="fgAcc0">
+    <dgm:fillClrLst meth="repeat">
+      <a:schemeClr val="lt1">
+        <a:alpha val="90000"/>
+      </a:schemeClr>
+    </dgm:fillClrLst>
+    <dgm:linClrLst meth="repeat">
+      <a:schemeClr val="accent1"/>
+    </dgm:linClrLst>
+    <dgm:effectClrLst/>
+    <dgm:txLinClrLst/>
+    <dgm:txFillClrLst meth="repeat">
+      <a:schemeClr val="dk1"/>
+    </dgm:txFillClrLst>
+    <dgm:txEffectClrLst/>
+  </dgm:styleLbl>
+  <dgm:styleLbl name="fgAcc1">
+    <dgm:fillClrLst meth="repeat">
+      <a:schemeClr val="lt1">
+        <a:alpha val="90000"/>
+      </a:schemeClr>
+    </dgm:fillClrLst>
+    <dgm:linClrLst meth="repeat">
+      <a:schemeClr val="accent1"/>
+    </dgm:linClrLst>
+    <dgm:effectClrLst/>
+    <dgm:txLinClrLst/>
+    <dgm:txFillClrLst meth="repeat">
+      <a:schemeClr val="dk1"/>
+    </dgm:txFillClrLst>
+    <dgm:txEffectClrLst/>
+  </dgm:styleLbl>
+  <dgm:styleLbl name="fgAcc2">
+    <dgm:fillClrLst meth="repeat">
+      <a:schemeClr val="lt1">
+        <a:alpha val="90000"/>
+      </a:schemeClr>
+    </dgm:fillClrLst>
+    <dgm:linClrLst meth="repeat">
+      <a:schemeClr val="accent1"/>
+    </dgm:linClrLst>
+    <dgm:effectClrLst/>
+    <dgm:txLinClrLst/>
+    <dgm:txFillClrLst meth="repeat">
+      <a:schemeClr val="dk1"/>
+    </dgm:txFillClrLst>
+    <dgm:txEffectClrLst/>
+  </dgm:styleLbl>
+  <dgm:styleLbl name="fgAcc3">
+    <dgm:fillClrLst meth="repeat">
+      <a:schemeClr val="lt1">
+        <a:alpha val="90000"/>
+      </a:schemeClr>
+    </dgm:fillClrLst>
+    <dgm:linClrLst meth="repeat">
+      <a:schemeClr val="accent1"/>
+    </dgm:linClrLst>
+    <dgm:effectClrLst/>
+    <dgm:txLinClrLst/>
+    <dgm:txFillClrLst meth="repeat">
+      <a:schemeClr val="dk1"/>
+    </dgm:txFillClrLst>
+    <dgm:txEffectClrLst/>
+  </dgm:styleLbl>
+  <dgm:styleLbl name="fgAcc4">
+    <dgm:fillClrLst meth="repeat">
+      <a:schemeClr val="lt1">
+        <a:alpha val="90000"/>
+      </a:schemeClr>
+    </dgm:fillClrLst>
+    <dgm:linClrLst meth="repeat">
+      <a:schemeClr val="accent1"/>
+    </dgm:linClrLst>
+    <dgm:effectClrLst/>
+    <dgm:txLinClrLst/>
+    <dgm:txFillClrLst meth="repeat">
+      <a:schemeClr val="dk1"/>
+    </dgm:txFillClrLst>
+    <dgm:txEffectClrLst/>
+  </dgm:styleLbl>
+  <dgm:styleLbl name="fgAccFollowNode1">
+    <dgm:fillClrLst meth="repeat">
+      <a:schemeClr val="accent1">
+        <a:alpha val="90000"/>
+        <a:tint val="40000"/>
+      </a:schemeClr>
+    </dgm:fillClrLst>
+    <dgm:linClrLst meth="repeat">
+      <a:schemeClr val="accent1">
+        <a:alpha val="90000"/>
+        <a:tint val="40000"/>
+      </a:schemeClr>
+    </dgm:linClrLst>
+    <dgm:effectClrLst/>
+    <dgm:txLinClrLst/>
+    <dgm:txFillClrLst meth="repeat">
+      <a:schemeClr val="dk1"/>
+    </dgm:txFillClrLst>
+    <dgm:txEffectClrLst/>
+  </dgm:styleLbl>
+  <dgm:styleLbl name="fgImgPlace1">
+    <dgm:fillClrLst meth="repeat">
+      <a:schemeClr val="accent1">
+        <a:tint val="50000"/>
+      </a:schemeClr>
+    </dgm:fillClrLst>
+    <dgm:linClrLst meth="repeat">
+      <a:schemeClr val="lt1"/>
+    </dgm:linClrLst>
+    <dgm:effectClrLst/>
+    <dgm:txLinClrLst/>
+    <dgm:txFillClrLst meth="repeat">
+      <a:schemeClr val="lt1"/>
+    </dgm:txFillClrLst>
+    <dgm:txEffectClrLst/>
+  </dgm:styleLbl>
+  <dgm:styleLbl name="fgShp">
+    <dgm:fillClrLst meth="repeat">
+      <a:schemeClr val="accent1">
+        <a:tint val="60000"/>
+      </a:schemeClr>
+    </dgm:fillClrLst>
+    <dgm:linClrLst meth="repeat">
+      <a:schemeClr val="lt1"/>
+    </dgm:linClrLst>
+    <dgm:effectClrLst/>
+    <dgm:txLinClrLst/>
+    <dgm:txFillClrLst meth="repeat">
+      <a:schemeClr val="dk1"/>
+    </dgm:txFillClrLst>
+    <dgm:txEffectClrLst/>
+  </dgm:styleLbl>
+  <dgm:styleLbl name="fgSibTrans2D1">
+    <dgm:fillClrLst meth="repeat">
+      <a:schemeClr val="accent1">
+        <a:tint val="60000"/>
+      </a:schemeClr>
+    </dgm:fillClrLst>
+    <dgm:linClrLst meth="repeat">
+      <a:schemeClr val="accent1">
+        <a:tint val="60000"/>
+      </a:schemeClr>
+    </dgm:linClrLst>
+    <dgm:effectClrLst/>
+    <dgm:txLinClrLst/>
+    <dgm:txFillClrLst/>
+    <dgm:txEffectClrLst/>
+  </dgm:styleLbl>
+  <dgm:styleLbl name="lnNode1">
+    <dgm:fillClrLst meth="repeat">
+      <a:schemeClr val="accent1"/>
+    </dgm:fillClrLst>
+    <dgm:linClrLst meth="repeat">
+      <a:schemeClr val="lt1"/>
+    </dgm:linClrLst>
+    <dgm:effectClrLst/>
+    <dgm:txLinClrLst/>
+    <dgm:txFillClrLst/>
+    <dgm:txEffectClrLst/>
+  </dgm:styleLbl>
+  <dgm:styleLbl name="node0">
+    <dgm:fillClrLst meth="repeat">
+      <a:schemeClr val="accent1"/>
+    </dgm:fillClrLst>
+    <dgm:linClrLst meth="repeat">
+      <a:schemeClr val="lt1"/>
+    </dgm:linClrLst>
+    <dgm:effectClrLst/>
+    <dgm:txLinClrLst/>
+    <dgm:txFillClrLst/>
+    <dgm:txEffectClrLst/>
+  </dgm:styleLbl>
+  <dgm:styleLbl name="node1">
+    <dgm:fillClrLst meth="repeat">
+      <a:schemeClr val="accent1"/>
+    </dgm:fillClrLst>
+    <dgm:linClrLst meth="repeat">
+      <a:schemeClr val="lt1"/>
+    </dgm:linClrLst>
+    <dgm:effectClrLst/>
+    <dgm:txLinClrLst/>
+    <dgm:txFillClrLst/>
+    <dgm:txEffectClrLst/>
+  </dgm:styleLbl>
+  <dgm:styleLbl name="node2">
+    <dgm:fillClrLst meth="repeat">
+      <a:schemeClr val="accent1"/>
+    </dgm:fillClrLst>
+    <dgm:linClrLst meth="repeat">
+      <a:schemeClr val="lt1"/>
+    </dgm:linClrLst>
+    <dgm:effectClrLst/>
+    <dgm:txLinClrLst/>
+    <dgm:txFillClrLst/>
+    <dgm:txEffectClrLst/>
+  </dgm:styleLbl>
+  <dgm:styleLbl name="node3">
+    <dgm:fillClrLst meth="repeat">
+      <a:schemeClr val="accent1"/>
+    </dgm:fillClrLst>
+    <dgm:linClrLst meth="repeat">
+      <a:schemeClr val="lt1"/>
+    </dgm:linClrLst>
+    <dgm:effectClrLst/>
+    <dgm:txLinClrLst/>
+    <dgm:txFillClrLst/>
+    <dgm:txEffectClrLst/>
+  </dgm:styleLbl>
+  <dgm:styleLbl name="node4">
+    <dgm:fillClrLst meth="repeat">
+      <a:schemeClr val="accent1"/>
+    </dgm:fillClrLst>
+    <dgm:linClrLst meth="repeat">
+      <a:schemeClr val="lt1"/>
+    </dgm:linClrLst>
+    <dgm:effectClrLst/>
+    <dgm:txLinClrLst/>
+    <dgm:txFillClrLst/>
+    <dgm:txEffectClrLst/>
+  </dgm:styleLbl>
+  <dgm:styleLbl name="parChTrans1D1">
+    <dgm:fillClrLst meth="repeat">
+      <a:schemeClr val="accent1"/>
+    </dgm:fillClrLst>
+    <dgm:linClrLst meth="repeat">
+      <a:schemeClr val="accent1">
+        <a:shade val="60000"/>
+      </a:schemeClr>
+    </dgm:linClrLst>
+    <dgm:effectClrLst/>
+    <dgm:txLinClrLst/>
+    <dgm:txFillClrLst meth="repeat">
+      <a:schemeClr val="tx1"/>
+    </dgm:txFillClrLst>
+    <dgm:txEffectClrLst/>
+  </dgm:styleLbl>
+  <dgm:styleLbl name="parChTrans1D2">
+    <dgm:fillClrLst meth="repeat">
+      <a:schemeClr val="accent1"/>
+    </dgm:fillClrLst>
+    <dgm:linClrLst meth="repeat">
+      <a:schemeClr val="accent1">
+        <a:shade val="60000"/>
+      </a:schemeClr>
+    </dgm:linClrLst>
+    <dgm:effectClrLst/>
+    <dgm:txLinClrLst/>
+    <dgm:txFillClrLst meth="repeat">
+      <a:schemeClr val="tx1"/>
+    </dgm:txFillClrLst>
+    <dgm:txEffectClrLst/>
+  </dgm:styleLbl>
+  <dgm:styleLbl name="parChTrans1D3">
+    <dgm:fillClrLst meth="repeat">
+      <a:schemeClr val="accent1"/>
+    </dgm:fillClrLst>
+    <dgm:linClrLst meth="repeat">
+      <a:schemeClr val="accent1">
+        <a:shade val="80000"/>
+      </a:schemeClr>
+    </dgm:linClrLst>
+    <dgm:effectClrLst/>
+    <dgm:txLinClrLst/>
+    <dgm:txFillClrLst meth="repeat">
+      <a:schemeClr val="tx1"/>
+    </dgm:txFillClrLst>
+    <dgm:txEffectClrLst/>
+  </dgm:styleLbl>
+  <dgm:styleLbl name="parChTrans1D4">
+    <dgm:fillClrLst meth="repeat">
+      <a:schemeClr val="accent1"/>
+    </dgm:fillClrLst>
+    <dgm:linClrLst meth="repeat">
+      <a:schemeClr val="accent1">
+        <a:shade val="80000"/>
+      </a:schemeClr>
+    </dgm:linClrLst>
+    <dgm:effectClrLst/>
+    <dgm:txLinClrLst/>
+    <dgm:txFillClrLst meth="repeat">
+      <a:schemeClr val="tx1"/>
+    </dgm:txFillClrLst>
+    <dgm:txEffectClrLst/>
+  </dgm:styleLbl>
+  <dgm:styleLbl name="parChTrans2D1">
+    <dgm:fillClrLst meth="repeat">
+      <a:schemeClr val="accent1">
+        <a:tint val="60000"/>
+      </a:schemeClr>
+    </dgm:fillClrLst>
+    <dgm:linClrLst meth="repeat">
+      <a:schemeClr val="accent1">
+        <a:tint val="60000"/>
+      </a:schemeClr>
+    </dgm:linClrLst>
+    <dgm:effectClrLst/>
+    <dgm:txLinClrLst/>
+    <dgm:txFillClrLst meth="repeat">
+      <a:schemeClr val="lt1"/>
+    </dgm:txFillClrLst>
+    <dgm:txEffectClrLst/>
+  </dgm:styleLbl>
+  <dgm:styleLbl name="parChTrans2D2">
+    <dgm:fillClrLst meth="repeat">
+      <a:schemeClr val="accent1"/>
+    </dgm:fillClrLst>
+    <dgm:linClrLst meth="repeat">
+      <a:schemeClr val="accent1"/>
+    </dgm:linClrLst>
+    <dgm:effectClrLst/>
+    <dgm:txLinClrLst/>
+    <dgm:txFillClrLst meth="repeat">
+      <a:schemeClr val="lt1"/>
+    </dgm:txFillClrLst>
+    <dgm:txEffectClrLst/>
+  </dgm:styleLbl>
+  <dgm:styleLbl name="parChTrans2D3">
+    <dgm:fillClrLst meth="repeat">
+      <a:schemeClr val="accent1"/>
+    </dgm:fillClrLst>
+    <dgm:linClrLst meth="repeat">
+      <a:schemeClr val="accent1"/>
+    </dgm:linClrLst>
+    <dgm:effectClrLst/>
+    <dgm:txLinClrLst/>
+    <dgm:txFillClrLst meth="repeat">
+      <a:schemeClr val="lt1"/>
+    </dgm:txFillClrLst>
+    <dgm:txEffectClrLst/>
+  </dgm:styleLbl>
+  <dgm:styleLbl name="parChTrans2D4">
+    <dgm:fillClrLst meth="repeat">
+      <a:schemeClr val="accent1"/>
+    </dgm:fillClrLst>
+    <dgm:linClrLst meth="repeat">
+      <a:schemeClr val="accent1"/>
+    </dgm:linClrLst>
+    <dgm:effectClrLst/>
+    <dgm:txLinClrLst/>
+    <dgm:txFillClrLst meth="repeat">
+      <a:schemeClr val="lt1"/>
+    </dgm:txFillClrLst>
+    <dgm:txEffectClrLst/>
+  </dgm:styleLbl>
+  <dgm:styleLbl name="revTx">
+    <dgm:fillClrLst meth="repeat">
+      <a:schemeClr val="lt1">
+        <a:alpha val="0"/>
+      </a:schemeClr>
+    </dgm:fillClrLst>
+    <dgm:linClrLst meth="repeat">
+      <a:schemeClr val="dk1">
+        <a:alpha val="0"/>
+      </a:schemeClr>
+    </dgm:linClrLst>
+    <dgm:effectClrLst/>
+    <dgm:txLinClrLst/>
+    <dgm:txFillClrLst meth="repeat">
+      <a:schemeClr val="tx1"/>
+    </dgm:txFillClrLst>
+    <dgm:txEffectClrLst/>
+  </dgm:styleLbl>
+  <dgm:styleLbl name="sibTrans1D1">
+    <dgm:fillClrLst meth="repeat">
+      <a:schemeClr val="accent1"/>
+    </dgm:fillClrLst>
+    <dgm:linClrLst meth="repeat">
+      <a:schemeClr val="accent1"/>
+    </dgm:linClrLst>
+    <dgm:effectClrLst/>
+    <dgm:txLinClrLst/>
+    <dgm:txFillClrLst meth="repeat">
+      <a:schemeClr val="tx1"/>
+    </dgm:txFillClrLst>
+    <dgm:txEffectClrLst/>
+  </dgm:styleLbl>
+  <dgm:styleLbl name="sibTrans2D1">
+    <dgm:fillClrLst meth="repeat">
+      <a:schemeClr val="accent1">
+        <a:tint val="60000"/>
+      </a:schemeClr>
+    </dgm:fillClrLst>
+    <dgm:linClrLst meth="repeat">
+      <a:schemeClr val="accent1">
+        <a:tint val="60000"/>
+      </a:schemeClr>
+    </dgm:linClrLst>
+    <dgm:effectClrLst/>
+    <dgm:txLinClrLst/>
+    <dgm:txFillClrLst/>
+    <dgm:txEffectClrLst/>
+  </dgm:styleLbl>
+  <dgm:styleLbl name="solidAlignAcc1">
+    <dgm:fillClrLst meth="repeat">
+      <a:schemeClr val="lt1"/>
+    </dgm:fillClrLst>
+    <dgm:linClrLst meth="repeat">
+      <a:schemeClr val="accent1"/>
+    </dgm:linClrLst>
+    <dgm:effectClrLst/>
+    <dgm:txLinClrLst/>
+    <dgm:txFillClrLst meth="repeat">
+      <a:schemeClr val="dk1"/>
+    </dgm:txFillClrLst>
+    <dgm:txEffectClrLst/>
+  </dgm:styleLbl>
+  <dgm:styleLbl name="solidBgAcc1">
+    <dgm:fillClrLst meth="repeat">
+      <a:schemeClr val="lt1"/>
+    </dgm:fillClrLst>
+    <dgm:linClrLst meth="repeat">
+      <a:schemeClr val="accent1"/>
+    </dgm:linClrLst>
+    <dgm:effectClrLst/>
+    <dgm:txLinClrLst/>
+    <dgm:txFillClrLst meth="repeat">
+      <a:schemeClr val="dk1"/>
+    </dgm:txFillClrLst>
+    <dgm:txEffectClrLst/>
+  </dgm:styleLbl>
+  <dgm:styleLbl name="solidFgAcc1">
+    <dgm:fillClrLst meth="repeat">
+      <a:schemeClr val="lt1"/>
+    </dgm:fillClrLst>
+    <dgm:linClrLst meth="repeat">
+      <a:schemeClr val="accent1"/>
+    </dgm:linClrLst>
+    <dgm:effectClrLst/>
+    <dgm:txLinClrLst/>
+    <dgm:txFillClrLst meth="repeat">
+      <a:schemeClr val="dk1"/>
+    </dgm:txFillClrLst>
+    <dgm:txEffectClrLst/>
+  </dgm:styleLbl>
+  <dgm:styleLbl name="trAlignAcc1">
+    <dgm:fillClrLst meth="repeat">
+      <a:schemeClr val="lt1">
+        <a:alpha val="40000"/>
+      </a:schemeClr>
+    </dgm:fillClrLst>
+    <dgm:linClrLst meth="repeat">
+      <a:schemeClr val="accent1"/>
+    </dgm:linClrLst>
+    <dgm:effectClrLst/>
+    <dgm:txLinClrLst/>
+    <dgm:txFillClrLst meth="repeat">
+      <a:schemeClr val="dk1"/>
+    </dgm:txFillClrLst>
+    <dgm:txEffectClrLst/>
+  </dgm:styleLbl>
+  <dgm:styleLbl name="trBgShp">
+    <dgm:fillClrLst meth="repeat">
+      <a:schemeClr val="accent1">
+        <a:tint val="50000"/>
+        <a:alpha val="40000"/>
+      </a:schemeClr>
+    </dgm:fillClrLst>
+    <dgm:linClrLst meth="repeat">
+      <a:schemeClr val="accent1"/>
+    </dgm:linClrLst>
+    <dgm:effectClrLst/>
+    <dgm:txLinClrLst/>
+    <dgm:txFillClrLst meth="repeat">
+      <a:schemeClr val="lt1"/>
+    </dgm:txFillClrLst>
+    <dgm:txEffectClrLst/>
+  </dgm:styleLbl>
+  <dgm:styleLbl name="vennNode1">
+    <dgm:fillClrLst meth="repeat">
+      <a:schemeClr val="accent1">
+        <a:alpha val="50000"/>
+      </a:schemeClr>
+    </dgm:fillClrLst>
+    <dgm:linClrLst meth="repeat">
+      <a:schemeClr val="lt1"/>
+    </dgm:linClrLst>
+    <dgm:effectClrLst/>
+    <dgm:txLinClrLst/>
+    <dgm:txFillClrLst/>
+    <dgm:txEffectClrLst/>
+  </dgm:styleLbl>
+</dgm:colorsDef>
+</file>
+
+<file path=ppt/diagrams/data1.xml><?xml version="1.0" encoding="utf-8"?>
+<dgm:dataModel xmlns:dgm="http://schemas.openxmlformats.org/drawingml/2006/diagram" xmlns:a="http://schemas.openxmlformats.org/drawingml/2006/main">
+  <dgm:ptLst>
+    <dgm:pt modelId="{72E22519-E63E-4E81-8F31-647C808BDDFF}" type="doc">
+      <dgm:prSet loTypeId="urn:microsoft.com/office/officeart/2005/8/layout/chevron2" loCatId="process" qsTypeId="urn:microsoft.com/office/officeart/2005/8/quickstyle/simple1" qsCatId="simple" csTypeId="urn:microsoft.com/office/officeart/2005/8/colors/accent1_2" csCatId="accent1" phldr="1"/>
+      <dgm:spPr/>
+      <dgm:t>
+        <a:bodyPr/>
+        <a:p>
+          <a:endParaRPr lang="zh-CN" altLang="en-US"/>
+        </a:p>
+      </dgm:t>
+    </dgm:pt>
+    <dgm:pt modelId="{FAB57939-EFA0-4221-A514-61978AF799AE}">
+      <dgm:prSet phldrT="[文本]"/>
+      <dgm:spPr/>
+      <dgm:t>
+        <a:bodyPr/>
+        <a:p>
+          <a:r>
+            <a:rPr lang="zh-CN" altLang="en-US"/>
+            <a:t>智能匹配流程</a:t>
+          </a:r>
+        </a:p>
+      </dgm:t>
+    </dgm:pt>
+    <dgm:pt modelId="{B81C684C-10EB-4D19-87FC-EAC83AD4AF7C}" cxnId="{5BC934CF-8A5D-4EA1-8BE6-CA7719A718BC}" type="parTrans">
+      <dgm:prSet/>
+      <dgm:spPr/>
+      <dgm:t>
+        <a:bodyPr/>
+        <a:p>
+          <a:endParaRPr lang="zh-CN" altLang="en-US"/>
+        </a:p>
+      </dgm:t>
+    </dgm:pt>
+    <dgm:pt modelId="{56D6D007-FF05-42D4-94EC-9C88E9AA35E7}" cxnId="{5BC934CF-8A5D-4EA1-8BE6-CA7719A718BC}" type="sibTrans">
+      <dgm:prSet/>
+      <dgm:spPr/>
+      <dgm:t>
+        <a:bodyPr/>
+        <a:p>
+          <a:endParaRPr lang="zh-CN" altLang="en-US"/>
+        </a:p>
+      </dgm:t>
+    </dgm:pt>
+    <dgm:pt modelId="{B0187E75-1A5B-4750-9856-EA728E45D51F}">
+      <dgm:prSet phldrT="[文本]"/>
+      <dgm:spPr/>
+      <dgm:t>
+        <a:bodyPr/>
+        <a:p>
+          <a:r>
+            <a:rPr lang="zh-CN" altLang="en-US"/>
+            <a:t>收集用户输入的数据</a:t>
+          </a:r>
+        </a:p>
+      </dgm:t>
+    </dgm:pt>
+    <dgm:pt modelId="{666CA778-0B80-41C7-AD65-6468DE95E9CF}" cxnId="{427CD0DA-2B5F-46C7-B48E-EB0C0A21F87A}" type="parTrans">
+      <dgm:prSet/>
+      <dgm:spPr/>
+      <dgm:t>
+        <a:bodyPr/>
+        <a:p>
+          <a:endParaRPr lang="zh-CN" altLang="en-US"/>
+        </a:p>
+      </dgm:t>
+    </dgm:pt>
+    <dgm:pt modelId="{0BCC4495-3770-4000-9461-4A544C9E7E59}" cxnId="{427CD0DA-2B5F-46C7-B48E-EB0C0A21F87A}" type="sibTrans">
+      <dgm:prSet/>
+      <dgm:spPr/>
+      <dgm:t>
+        <a:bodyPr/>
+        <a:p>
+          <a:endParaRPr lang="zh-CN" altLang="en-US"/>
+        </a:p>
+      </dgm:t>
+    </dgm:pt>
+    <dgm:pt modelId="{6B1E25F0-9C72-448D-B394-EA62A6B399E3}">
+      <dgm:prSet phldrT="[文本]"/>
+      <dgm:spPr/>
+      <dgm:t>
+        <a:bodyPr/>
+        <a:p>
+          <a:r>
+            <a:rPr lang="zh-CN" altLang="en-US"/>
+            <a:t>标准化输出：封装，型号，位置等字段</a:t>
+          </a:r>
+        </a:p>
+      </dgm:t>
+    </dgm:pt>
+    <dgm:pt modelId="{13855004-13C2-4F32-975F-FF9B0A14FD33}" cxnId="{3522B673-D083-4AED-868E-AC3E9E15F22A}" type="parTrans">
+      <dgm:prSet/>
+      <dgm:spPr/>
+      <dgm:t>
+        <a:bodyPr/>
+        <a:p>
+          <a:endParaRPr lang="zh-CN" altLang="en-US"/>
+        </a:p>
+      </dgm:t>
+    </dgm:pt>
+    <dgm:pt modelId="{9883850A-AE4E-4FDF-91DA-0A6A0394949E}" cxnId="{3522B673-D083-4AED-868E-AC3E9E15F22A}" type="sibTrans">
+      <dgm:prSet/>
+      <dgm:spPr/>
+      <dgm:t>
+        <a:bodyPr/>
+        <a:p>
+          <a:endParaRPr lang="zh-CN" altLang="en-US"/>
+        </a:p>
+      </dgm:t>
+    </dgm:pt>
+    <dgm:pt modelId="{A032E63E-C5F9-48B0-AA59-8702C5E8694E}">
+      <dgm:prSet phldrT="[文本]"/>
+      <dgm:spPr/>
+      <dgm:t>
+        <a:bodyPr/>
+        <a:p>
+          <a:r>
+            <a:rPr lang="zh-CN" altLang="en-US"/>
+            <a:t>参数智能匹配</a:t>
+          </a:r>
+        </a:p>
+      </dgm:t>
+    </dgm:pt>
+    <dgm:pt modelId="{6487E77D-C017-49C0-A09E-7674EBE016C1}" cxnId="{069221DC-FE2D-4C29-8D53-A5731F369BBB}" type="parTrans">
+      <dgm:prSet/>
+      <dgm:spPr/>
+      <dgm:t>
+        <a:bodyPr/>
+        <a:p>
+          <a:endParaRPr lang="zh-CN" altLang="en-US"/>
+        </a:p>
+      </dgm:t>
+    </dgm:pt>
+    <dgm:pt modelId="{F9A6603D-90B3-4D2E-B669-559207954EDC}" cxnId="{069221DC-FE2D-4C29-8D53-A5731F369BBB}" type="sibTrans">
+      <dgm:prSet/>
+      <dgm:spPr/>
+      <dgm:t>
+        <a:bodyPr/>
+        <a:p>
+          <a:endParaRPr lang="zh-CN" altLang="en-US"/>
+        </a:p>
+      </dgm:t>
+    </dgm:pt>
+    <dgm:pt modelId="{3F8CF4AF-FE4E-4105-BB05-982DDD593CB6}">
+      <dgm:prSet phldrT="[文本]"/>
+      <dgm:spPr/>
+      <dgm:t>
+        <a:bodyPr/>
+        <a:p>
+          <a:r>
+            <a:rPr lang="zh-CN" altLang="en-US"/>
+            <a:t>将用户输入参数格式化过滤</a:t>
+          </a:r>
+        </a:p>
+      </dgm:t>
+    </dgm:pt>
+    <dgm:pt modelId="{A4CC7632-1186-48AA-8C6C-CB627FACF657}" cxnId="{C50245BF-484D-4779-ACF8-541A36B26158}" type="parTrans">
+      <dgm:prSet/>
+      <dgm:spPr/>
+      <dgm:t>
+        <a:bodyPr/>
+        <a:p>
+          <a:endParaRPr lang="zh-CN" altLang="en-US"/>
+        </a:p>
+      </dgm:t>
+    </dgm:pt>
+    <dgm:pt modelId="{901A70FD-D21B-400E-A2C5-36D687DDD8DD}" cxnId="{C50245BF-484D-4779-ACF8-541A36B26158}" type="sibTrans">
+      <dgm:prSet/>
+      <dgm:spPr/>
+      <dgm:t>
+        <a:bodyPr/>
+        <a:p>
+          <a:endParaRPr lang="zh-CN" altLang="en-US"/>
+        </a:p>
+      </dgm:t>
+    </dgm:pt>
+    <dgm:pt modelId="{41AE41DF-0DEB-4D84-80AF-FB61146A7338}">
+      <dgm:prSet phldrT="[文本]"/>
+      <dgm:spPr/>
+      <dgm:t>
+        <a:bodyPr/>
+        <a:p>
+          <a:r>
+            <a:rPr lang="zh-CN" altLang="en-US"/>
+            <a:t>提取关键参数，定位类别</a:t>
+          </a:r>
+        </a:p>
+      </dgm:t>
+    </dgm:pt>
+    <dgm:pt modelId="{23014281-0B69-41F0-8B7C-443845D5C404}" cxnId="{2C0CCA6B-C276-40D1-BC5A-8C94CAC7EF57}" type="parTrans">
+      <dgm:prSet/>
+      <dgm:spPr/>
+      <dgm:t>
+        <a:bodyPr/>
+        <a:p>
+          <a:endParaRPr lang="zh-CN" altLang="en-US"/>
+        </a:p>
+      </dgm:t>
+    </dgm:pt>
+    <dgm:pt modelId="{8745FD29-1783-43D8-B7A6-79F82930E31F}" cxnId="{2C0CCA6B-C276-40D1-BC5A-8C94CAC7EF57}" type="sibTrans">
+      <dgm:prSet/>
+      <dgm:spPr/>
+      <dgm:t>
+        <a:bodyPr/>
+        <a:p>
+          <a:endParaRPr lang="zh-CN" altLang="en-US"/>
+        </a:p>
+      </dgm:t>
+    </dgm:pt>
+    <dgm:pt modelId="{E3AEACC5-811E-4C39-B326-6BF5A0BCDB47}">
+      <dgm:prSet phldrT="[文本]"/>
+      <dgm:spPr/>
+      <dgm:t>
+        <a:bodyPr/>
+        <a:p>
+          <a:r>
+            <a:rPr lang="zh-CN" altLang="en-US"/>
+            <a:t>智慧搜索引擎</a:t>
+          </a:r>
+        </a:p>
+      </dgm:t>
+    </dgm:pt>
+    <dgm:pt modelId="{6D5088CE-0FE6-4C0C-9CAF-2AC542D39DD8}" cxnId="{867FDB2A-4EB5-4B12-8E1D-7158AD7E5C68}" type="parTrans">
+      <dgm:prSet/>
+      <dgm:spPr/>
+      <dgm:t>
+        <a:bodyPr/>
+        <a:p>
+          <a:endParaRPr lang="zh-CN" altLang="en-US"/>
+        </a:p>
+      </dgm:t>
+    </dgm:pt>
+    <dgm:pt modelId="{35768274-6B1B-49DF-BE19-73EF3D46B307}" cxnId="{867FDB2A-4EB5-4B12-8E1D-7158AD7E5C68}" type="sibTrans">
+      <dgm:prSet/>
+      <dgm:spPr/>
+      <dgm:t>
+        <a:bodyPr/>
+        <a:p>
+          <a:endParaRPr lang="zh-CN" altLang="en-US"/>
+        </a:p>
+      </dgm:t>
+    </dgm:pt>
+    <dgm:pt modelId="{4290A714-988C-478D-91E3-DA7C1F92281C}">
+      <dgm:prSet phldrT="[文本]"/>
+      <dgm:spPr/>
+      <dgm:t>
+        <a:bodyPr/>
+        <a:p>
+          <a:r>
+            <a:rPr lang="zh-CN" altLang="en-US"/>
+            <a:t>提取匹配度最高的数据</a:t>
+          </a:r>
+        </a:p>
+      </dgm:t>
+    </dgm:pt>
+    <dgm:pt modelId="{2A8DF3B7-8A0F-41D2-897B-58FCD6C29992}" cxnId="{06F93F2D-A7F9-4A30-949B-79177D2E2350}" type="parTrans">
+      <dgm:prSet/>
+      <dgm:spPr/>
+      <dgm:t>
+        <a:bodyPr/>
+        <a:p>
+          <a:endParaRPr lang="zh-CN" altLang="en-US"/>
+        </a:p>
+      </dgm:t>
+    </dgm:pt>
+    <dgm:pt modelId="{FC170E10-5DF1-4A60-89B2-1626398A312F}" cxnId="{06F93F2D-A7F9-4A30-949B-79177D2E2350}" type="sibTrans">
+      <dgm:prSet/>
+      <dgm:spPr/>
+      <dgm:t>
+        <a:bodyPr/>
+        <a:p>
+          <a:endParaRPr lang="zh-CN" altLang="en-US"/>
+        </a:p>
+      </dgm:t>
+    </dgm:pt>
+    <dgm:pt modelId="{F087DC2C-C650-4D1C-9EC0-1C9BC1A01D5F}">
+      <dgm:prSet phldrT="[文本]"/>
+      <dgm:spPr/>
+      <dgm:t>
+        <a:bodyPr/>
+        <a:p>
+          <a:r>
+            <a:rPr lang="zh-CN" altLang="en-US"/>
+            <a:t>优质厂牌优先展示</a:t>
+          </a:r>
+        </a:p>
+      </dgm:t>
+    </dgm:pt>
+    <dgm:pt modelId="{F8365AB3-4B27-4EB1-BB5F-06992168FF3C}" cxnId="{3CD9B510-7B46-45FE-82E4-3408DB29C3C0}" type="parTrans">
+      <dgm:prSet/>
+      <dgm:spPr/>
+      <dgm:t>
+        <a:bodyPr/>
+        <a:p>
+          <a:endParaRPr lang="zh-CN" altLang="en-US"/>
+        </a:p>
+      </dgm:t>
+    </dgm:pt>
+    <dgm:pt modelId="{92295698-538D-475C-A9C8-E42FF6BFE205}" cxnId="{3CD9B510-7B46-45FE-82E4-3408DB29C3C0}" type="sibTrans">
+      <dgm:prSet/>
+      <dgm:spPr/>
+      <dgm:t>
+        <a:bodyPr/>
+        <a:p>
+          <a:endParaRPr lang="zh-CN" altLang="en-US"/>
+        </a:p>
+      </dgm:t>
+    </dgm:pt>
+    <dgm:pt modelId="{2E3BC0E7-7D1C-46BC-85D0-DC866B86DD5A}">
+      <dgm:prSet phldrT="[文本]"/>
+      <dgm:spPr/>
+      <dgm:t>
+        <a:bodyPr/>
+        <a:p>
+          <a:r>
+            <a:rPr lang="zh-CN" altLang="en-US"/>
+            <a:t>参数缺失提醒等报警机制</a:t>
+          </a:r>
+        </a:p>
+      </dgm:t>
+    </dgm:pt>
+    <dgm:pt modelId="{DF78F4B5-4ED7-40EF-83F4-47BD50A4E29A}" cxnId="{3E7204E4-94AE-475D-8990-1EA17AE8B640}" type="parTrans">
+      <dgm:prSet/>
+      <dgm:spPr/>
+    </dgm:pt>
+    <dgm:pt modelId="{7E6C7041-39E7-43DD-825B-F3ABA73256A2}" cxnId="{3E7204E4-94AE-475D-8990-1EA17AE8B640}" type="sibTrans">
+      <dgm:prSet/>
+      <dgm:spPr/>
+    </dgm:pt>
+    <dgm:pt modelId="{380CD1BC-416B-4530-908B-BA59CCDC7E83}" type="pres">
+      <dgm:prSet presAssocID="{72E22519-E63E-4E81-8F31-647C808BDDFF}" presName="linearFlow" presStyleCnt="0">
+        <dgm:presLayoutVars>
+          <dgm:dir/>
+          <dgm:animLvl val="lvl"/>
+          <dgm:resizeHandles val="exact"/>
+        </dgm:presLayoutVars>
+      </dgm:prSet>
+      <dgm:spPr/>
+    </dgm:pt>
+    <dgm:pt modelId="{848F170F-4FEC-4952-85CD-BD4CFB7EE8CF}" type="pres">
+      <dgm:prSet presAssocID="{FAB57939-EFA0-4221-A514-61978AF799AE}" presName="composite" presStyleCnt="0"/>
+      <dgm:spPr/>
+    </dgm:pt>
+    <dgm:pt modelId="{0C8C90E4-E21A-4161-97D5-A054DB119D4B}" type="pres">
+      <dgm:prSet presAssocID="{FAB57939-EFA0-4221-A514-61978AF799AE}" presName="parentText" presStyleLbl="alignNode1" presStyleIdx="0" presStyleCnt="3">
+        <dgm:presLayoutVars>
+          <dgm:chMax val="1"/>
+          <dgm:bulletEnabled val="1"/>
+        </dgm:presLayoutVars>
+      </dgm:prSet>
+      <dgm:spPr/>
+      <dgm:t>
+        <a:bodyPr/>
+        <a:p>
+          <a:endParaRPr lang="zh-CN" altLang="en-US"/>
+        </a:p>
+      </dgm:t>
+    </dgm:pt>
+    <dgm:pt modelId="{C5034323-FB6B-4290-857E-CDD08C8D48AD}" type="pres">
+      <dgm:prSet presAssocID="{FAB57939-EFA0-4221-A514-61978AF799AE}" presName="descendantText" presStyleLbl="alignAcc1" presStyleIdx="0" presStyleCnt="3">
+        <dgm:presLayoutVars>
+          <dgm:bulletEnabled val="1"/>
+        </dgm:presLayoutVars>
+      </dgm:prSet>
+      <dgm:spPr/>
+      <dgm:t>
+        <a:bodyPr/>
+        <a:p>
+          <a:endParaRPr lang="zh-CN" altLang="en-US"/>
+        </a:p>
+      </dgm:t>
+    </dgm:pt>
+    <dgm:pt modelId="{9864D472-BED1-45DE-9BCB-4D9C5F8B9657}" type="pres">
+      <dgm:prSet presAssocID="{56D6D007-FF05-42D4-94EC-9C88E9AA35E7}" presName="sp" presStyleCnt="0"/>
+      <dgm:spPr/>
+    </dgm:pt>
+    <dgm:pt modelId="{FADDEB4B-24F0-45ED-A539-60738FA52A04}" type="pres">
+      <dgm:prSet presAssocID="{A032E63E-C5F9-48B0-AA59-8702C5E8694E}" presName="composite" presStyleCnt="0"/>
+      <dgm:spPr/>
+    </dgm:pt>
+    <dgm:pt modelId="{4048F7A5-4B98-4BFE-A419-F932EF18DEB0}" type="pres">
+      <dgm:prSet presAssocID="{A032E63E-C5F9-48B0-AA59-8702C5E8694E}" presName="parentText" presStyleLbl="alignNode1" presStyleIdx="1" presStyleCnt="3">
+        <dgm:presLayoutVars>
+          <dgm:chMax val="1"/>
+          <dgm:bulletEnabled val="1"/>
+        </dgm:presLayoutVars>
+      </dgm:prSet>
+      <dgm:spPr/>
+      <dgm:t>
+        <a:bodyPr/>
+        <a:p>
+          <a:endParaRPr lang="zh-CN" altLang="en-US"/>
+        </a:p>
+      </dgm:t>
+    </dgm:pt>
+    <dgm:pt modelId="{513EEC51-96DD-463B-85DE-486ECB10560A}" type="pres">
+      <dgm:prSet presAssocID="{A032E63E-C5F9-48B0-AA59-8702C5E8694E}" presName="descendantText" presStyleLbl="alignAcc1" presStyleIdx="1" presStyleCnt="3">
+        <dgm:presLayoutVars>
+          <dgm:bulletEnabled val="1"/>
+        </dgm:presLayoutVars>
+      </dgm:prSet>
+      <dgm:spPr/>
+      <dgm:t>
+        <a:bodyPr/>
+        <a:p>
+          <a:endParaRPr lang="zh-CN" altLang="en-US"/>
+        </a:p>
+      </dgm:t>
+    </dgm:pt>
+    <dgm:pt modelId="{2B81BE6A-0556-4F3C-83E5-54E7068E50C4}" type="pres">
+      <dgm:prSet presAssocID="{F9A6603D-90B3-4D2E-B669-559207954EDC}" presName="sp" presStyleCnt="0"/>
+      <dgm:spPr/>
+    </dgm:pt>
+    <dgm:pt modelId="{DF333588-F7C0-47EC-9EE1-967B1FE2F621}" type="pres">
+      <dgm:prSet presAssocID="{E3AEACC5-811E-4C39-B326-6BF5A0BCDB47}" presName="composite" presStyleCnt="0"/>
+      <dgm:spPr/>
+    </dgm:pt>
+    <dgm:pt modelId="{347AEF46-25CB-4875-818B-6D1350B95787}" type="pres">
+      <dgm:prSet presAssocID="{E3AEACC5-811E-4C39-B326-6BF5A0BCDB47}" presName="parentText" presStyleLbl="alignNode1" presStyleIdx="2" presStyleCnt="3">
+        <dgm:presLayoutVars>
+          <dgm:chMax val="1"/>
+          <dgm:bulletEnabled val="1"/>
+        </dgm:presLayoutVars>
+      </dgm:prSet>
+      <dgm:spPr/>
+      <dgm:t>
+        <a:bodyPr/>
+        <a:p>
+          <a:endParaRPr lang="zh-CN" altLang="en-US"/>
+        </a:p>
+      </dgm:t>
+    </dgm:pt>
+    <dgm:pt modelId="{12D9ED95-5505-4033-9861-9B3BCBE34AD7}" type="pres">
+      <dgm:prSet presAssocID="{E3AEACC5-811E-4C39-B326-6BF5A0BCDB47}" presName="descendantText" presStyleLbl="alignAcc1" presStyleIdx="2" presStyleCnt="3">
+        <dgm:presLayoutVars>
+          <dgm:bulletEnabled val="1"/>
+        </dgm:presLayoutVars>
+      </dgm:prSet>
+      <dgm:spPr/>
+      <dgm:t>
+        <a:bodyPr/>
+        <a:p>
+          <a:endParaRPr lang="zh-CN" altLang="en-US"/>
+        </a:p>
+      </dgm:t>
+    </dgm:pt>
+  </dgm:ptLst>
+  <dgm:cxnLst>
+    <dgm:cxn modelId="{2C0CCA6B-C276-40D1-BC5A-8C94CAC7EF57}" srcId="{A032E63E-C5F9-48B0-AA59-8702C5E8694E}" destId="{41AE41DF-0DEB-4D84-80AF-FB61146A7338}" srcOrd="1" destOrd="0" parTransId="{23014281-0B69-41F0-8B7C-443845D5C404}" sibTransId="{8745FD29-1783-43D8-B7A6-79F82930E31F}"/>
+    <dgm:cxn modelId="{FD9BB530-292E-419D-9402-F14C11232A5D}" type="presOf" srcId="{FAB57939-EFA0-4221-A514-61978AF799AE}" destId="{0C8C90E4-E21A-4161-97D5-A054DB119D4B}" srcOrd="0" destOrd="0" presId="urn:microsoft.com/office/officeart/2005/8/layout/chevron2"/>
+    <dgm:cxn modelId="{069221DC-FE2D-4C29-8D53-A5731F369BBB}" srcId="{72E22519-E63E-4E81-8F31-647C808BDDFF}" destId="{A032E63E-C5F9-48B0-AA59-8702C5E8694E}" srcOrd="1" destOrd="0" parTransId="{6487E77D-C017-49C0-A09E-7674EBE016C1}" sibTransId="{F9A6603D-90B3-4D2E-B669-559207954EDC}"/>
+    <dgm:cxn modelId="{3EC7D98C-BC9C-446A-891F-91FF18FFA0FF}" type="presOf" srcId="{3F8CF4AF-FE4E-4105-BB05-982DDD593CB6}" destId="{513EEC51-96DD-463B-85DE-486ECB10560A}" srcOrd="0" destOrd="0" presId="urn:microsoft.com/office/officeart/2005/8/layout/chevron2"/>
+    <dgm:cxn modelId="{5BC934CF-8A5D-4EA1-8BE6-CA7719A718BC}" srcId="{72E22519-E63E-4E81-8F31-647C808BDDFF}" destId="{FAB57939-EFA0-4221-A514-61978AF799AE}" srcOrd="0" destOrd="0" parTransId="{B81C684C-10EB-4D19-87FC-EAC83AD4AF7C}" sibTransId="{56D6D007-FF05-42D4-94EC-9C88E9AA35E7}"/>
+    <dgm:cxn modelId="{06F93F2D-A7F9-4A30-949B-79177D2E2350}" srcId="{E3AEACC5-811E-4C39-B326-6BF5A0BCDB47}" destId="{4290A714-988C-478D-91E3-DA7C1F92281C}" srcOrd="0" destOrd="0" parTransId="{2A8DF3B7-8A0F-41D2-897B-58FCD6C29992}" sibTransId="{FC170E10-5DF1-4A60-89B2-1626398A312F}"/>
+    <dgm:cxn modelId="{3E7204E4-94AE-475D-8990-1EA17AE8B640}" srcId="{E3AEACC5-811E-4C39-B326-6BF5A0BCDB47}" destId="{2E3BC0E7-7D1C-46BC-85D0-DC866B86DD5A}" srcOrd="2" destOrd="0" parTransId="{DF78F4B5-4ED7-40EF-83F4-47BD50A4E29A}" sibTransId="{7E6C7041-39E7-43DD-825B-F3ABA73256A2}"/>
+    <dgm:cxn modelId="{C3B89565-D58F-4D98-9C53-3B5D25705DE4}" type="presOf" srcId="{A032E63E-C5F9-48B0-AA59-8702C5E8694E}" destId="{4048F7A5-4B98-4BFE-A419-F932EF18DEB0}" srcOrd="0" destOrd="0" presId="urn:microsoft.com/office/officeart/2005/8/layout/chevron2"/>
+    <dgm:cxn modelId="{E2E20C53-A5AF-448F-BEB6-5488B03720E6}" type="presOf" srcId="{4290A714-988C-478D-91E3-DA7C1F92281C}" destId="{12D9ED95-5505-4033-9861-9B3BCBE34AD7}" srcOrd="0" destOrd="0" presId="urn:microsoft.com/office/officeart/2005/8/layout/chevron2"/>
+    <dgm:cxn modelId="{CBF39293-77DB-40BB-A8D7-77DDE950E2C6}" type="presOf" srcId="{E3AEACC5-811E-4C39-B326-6BF5A0BCDB47}" destId="{347AEF46-25CB-4875-818B-6D1350B95787}" srcOrd="0" destOrd="0" presId="urn:microsoft.com/office/officeart/2005/8/layout/chevron2"/>
+    <dgm:cxn modelId="{02F54AED-D3E1-4FDC-962B-5BCA13D59A40}" type="presOf" srcId="{6B1E25F0-9C72-448D-B394-EA62A6B399E3}" destId="{C5034323-FB6B-4290-857E-CDD08C8D48AD}" srcOrd="0" destOrd="1" presId="urn:microsoft.com/office/officeart/2005/8/layout/chevron2"/>
+    <dgm:cxn modelId="{3522B673-D083-4AED-868E-AC3E9E15F22A}" srcId="{FAB57939-EFA0-4221-A514-61978AF799AE}" destId="{6B1E25F0-9C72-448D-B394-EA62A6B399E3}" srcOrd="1" destOrd="0" parTransId="{13855004-13C2-4F32-975F-FF9B0A14FD33}" sibTransId="{9883850A-AE4E-4FDF-91DA-0A6A0394949E}"/>
+    <dgm:cxn modelId="{427CD0DA-2B5F-46C7-B48E-EB0C0A21F87A}" srcId="{FAB57939-EFA0-4221-A514-61978AF799AE}" destId="{B0187E75-1A5B-4750-9856-EA728E45D51F}" srcOrd="0" destOrd="0" parTransId="{666CA778-0B80-41C7-AD65-6468DE95E9CF}" sibTransId="{0BCC4495-3770-4000-9461-4A544C9E7E59}"/>
+    <dgm:cxn modelId="{867FDB2A-4EB5-4B12-8E1D-7158AD7E5C68}" srcId="{72E22519-E63E-4E81-8F31-647C808BDDFF}" destId="{E3AEACC5-811E-4C39-B326-6BF5A0BCDB47}" srcOrd="2" destOrd="0" parTransId="{6D5088CE-0FE6-4C0C-9CAF-2AC542D39DD8}" sibTransId="{35768274-6B1B-49DF-BE19-73EF3D46B307}"/>
+    <dgm:cxn modelId="{C50245BF-484D-4779-ACF8-541A36B26158}" srcId="{A032E63E-C5F9-48B0-AA59-8702C5E8694E}" destId="{3F8CF4AF-FE4E-4105-BB05-982DDD593CB6}" srcOrd="0" destOrd="0" parTransId="{A4CC7632-1186-48AA-8C6C-CB627FACF657}" sibTransId="{901A70FD-D21B-400E-A2C5-36D687DDD8DD}"/>
+    <dgm:cxn modelId="{5E7A59D9-AFB2-46B4-B88D-11E3ADF6280E}" type="presOf" srcId="{B0187E75-1A5B-4750-9856-EA728E45D51F}" destId="{C5034323-FB6B-4290-857E-CDD08C8D48AD}" srcOrd="0" destOrd="0" presId="urn:microsoft.com/office/officeart/2005/8/layout/chevron2"/>
+    <dgm:cxn modelId="{20D49279-B04F-4906-B77F-5026E09E5CA4}" type="presOf" srcId="{F087DC2C-C650-4D1C-9EC0-1C9BC1A01D5F}" destId="{12D9ED95-5505-4033-9861-9B3BCBE34AD7}" srcOrd="0" destOrd="1" presId="urn:microsoft.com/office/officeart/2005/8/layout/chevron2"/>
+    <dgm:cxn modelId="{507FBD77-4F8D-4973-9DFE-7AF980047745}" type="presOf" srcId="{2E3BC0E7-7D1C-46BC-85D0-DC866B86DD5A}" destId="{12D9ED95-5505-4033-9861-9B3BCBE34AD7}" srcOrd="0" destOrd="2" presId="urn:microsoft.com/office/officeart/2005/8/layout/chevron2"/>
+    <dgm:cxn modelId="{6A586FF1-5103-46C7-B0D4-814E46547FE6}" type="presOf" srcId="{72E22519-E63E-4E81-8F31-647C808BDDFF}" destId="{380CD1BC-416B-4530-908B-BA59CCDC7E83}" srcOrd="0" destOrd="0" presId="urn:microsoft.com/office/officeart/2005/8/layout/chevron2"/>
+    <dgm:cxn modelId="{3CD9B510-7B46-45FE-82E4-3408DB29C3C0}" srcId="{E3AEACC5-811E-4C39-B326-6BF5A0BCDB47}" destId="{F087DC2C-C650-4D1C-9EC0-1C9BC1A01D5F}" srcOrd="1" destOrd="0" parTransId="{F8365AB3-4B27-4EB1-BB5F-06992168FF3C}" sibTransId="{92295698-538D-475C-A9C8-E42FF6BFE205}"/>
+    <dgm:cxn modelId="{E342D4D4-ECC1-4656-A1BA-D184BAB6D1CC}" type="presOf" srcId="{41AE41DF-0DEB-4D84-80AF-FB61146A7338}" destId="{513EEC51-96DD-463B-85DE-486ECB10560A}" srcOrd="0" destOrd="1" presId="urn:microsoft.com/office/officeart/2005/8/layout/chevron2"/>
+    <dgm:cxn modelId="{366E4848-4176-4BEC-9962-49DD10009BBD}" type="presParOf" srcId="{380CD1BC-416B-4530-908B-BA59CCDC7E83}" destId="{848F170F-4FEC-4952-85CD-BD4CFB7EE8CF}" srcOrd="0" destOrd="0" presId="urn:microsoft.com/office/officeart/2005/8/layout/chevron2"/>
+    <dgm:cxn modelId="{69CEBFAE-C5C8-4F0A-A70D-5AD49F2BC854}" type="presParOf" srcId="{848F170F-4FEC-4952-85CD-BD4CFB7EE8CF}" destId="{0C8C90E4-E21A-4161-97D5-A054DB119D4B}" srcOrd="0" destOrd="0" presId="urn:microsoft.com/office/officeart/2005/8/layout/chevron2"/>
+    <dgm:cxn modelId="{D23958B3-B14A-4A7D-9410-CE284821E051}" type="presParOf" srcId="{848F170F-4FEC-4952-85CD-BD4CFB7EE8CF}" destId="{C5034323-FB6B-4290-857E-CDD08C8D48AD}" srcOrd="1" destOrd="0" presId="urn:microsoft.com/office/officeart/2005/8/layout/chevron2"/>
+    <dgm:cxn modelId="{EF9886F2-5252-497B-99DA-8655FAA467D8}" type="presParOf" srcId="{380CD1BC-416B-4530-908B-BA59CCDC7E83}" destId="{9864D472-BED1-45DE-9BCB-4D9C5F8B9657}" srcOrd="1" destOrd="0" presId="urn:microsoft.com/office/officeart/2005/8/layout/chevron2"/>
+    <dgm:cxn modelId="{96109298-A08F-469F-8609-8F90C1B4E841}" type="presParOf" srcId="{380CD1BC-416B-4530-908B-BA59CCDC7E83}" destId="{FADDEB4B-24F0-45ED-A539-60738FA52A04}" srcOrd="2" destOrd="0" presId="urn:microsoft.com/office/officeart/2005/8/layout/chevron2"/>
+    <dgm:cxn modelId="{8CFF6E14-16BF-40EA-A3D5-745AB2B4B44D}" type="presParOf" srcId="{FADDEB4B-24F0-45ED-A539-60738FA52A04}" destId="{4048F7A5-4B98-4BFE-A419-F932EF18DEB0}" srcOrd="0" destOrd="0" presId="urn:microsoft.com/office/officeart/2005/8/layout/chevron2"/>
+    <dgm:cxn modelId="{AF5DCFBD-9D91-4401-B983-E96EB0919988}" type="presParOf" srcId="{FADDEB4B-24F0-45ED-A539-60738FA52A04}" destId="{513EEC51-96DD-463B-85DE-486ECB10560A}" srcOrd="1" destOrd="0" presId="urn:microsoft.com/office/officeart/2005/8/layout/chevron2"/>
+    <dgm:cxn modelId="{112205A0-76A3-43B9-B683-00627BB801CE}" type="presParOf" srcId="{380CD1BC-416B-4530-908B-BA59CCDC7E83}" destId="{2B81BE6A-0556-4F3C-83E5-54E7068E50C4}" srcOrd="3" destOrd="0" presId="urn:microsoft.com/office/officeart/2005/8/layout/chevron2"/>
+    <dgm:cxn modelId="{242FFD06-F0E3-4709-9AAC-3AA06361A5D0}" type="presParOf" srcId="{380CD1BC-416B-4530-908B-BA59CCDC7E83}" destId="{DF333588-F7C0-47EC-9EE1-967B1FE2F621}" srcOrd="4" destOrd="0" presId="urn:microsoft.com/office/officeart/2005/8/layout/chevron2"/>
+    <dgm:cxn modelId="{E998EBF1-7D97-4F96-868B-2C4D866E18D1}" type="presParOf" srcId="{DF333588-F7C0-47EC-9EE1-967B1FE2F621}" destId="{347AEF46-25CB-4875-818B-6D1350B95787}" srcOrd="0" destOrd="0" presId="urn:microsoft.com/office/officeart/2005/8/layout/chevron2"/>
+    <dgm:cxn modelId="{15E2332E-9E22-453A-BC16-3A493E56CD1A}" type="presParOf" srcId="{DF333588-F7C0-47EC-9EE1-967B1FE2F621}" destId="{12D9ED95-5505-4033-9861-9B3BCBE34AD7}" srcOrd="1" destOrd="0" presId="urn:microsoft.com/office/officeart/2005/8/layout/chevron2"/>
+  </dgm:cxnLst>
+  <dgm:bg/>
+  <dgm:whole/>
+  <dgm:extLst>
+    <a:ext uri="http://schemas.microsoft.com/office/drawing/2008/diagram">
+      <dsp:dataModelExt xmlns:dsp="http://schemas.microsoft.com/office/drawing/2008/diagram" relId="rId5" minVer="http://schemas.openxmlformats.org/drawingml/2006/diagram"/>
+    </a:ext>
+  </dgm:extLst>
+</dgm:dataModel>
+</file>
+
+<file path=ppt/diagrams/drawing1.xml><?xml version="1.0" encoding="utf-8"?>
+<dsp:drawing xmlns:dgm="http://schemas.openxmlformats.org/drawingml/2006/diagram" xmlns:dsp="http://schemas.microsoft.com/office/drawing/2008/diagram" xmlns:a="http://schemas.openxmlformats.org/drawingml/2006/main">
+  <dsp:spTree>
+    <dsp:nvGrpSpPr>
+      <dsp:cNvPr id="0" name=""/>
+      <dsp:cNvGrpSpPr/>
+    </dsp:nvGrpSpPr>
+    <dsp:grpSpPr/>
+    <dsp:sp modelId="{0C8C90E4-E21A-4161-97D5-A054DB119D4B}">
+      <dsp:nvSpPr>
+        <dsp:cNvPr id="0" name=""/>
+        <dsp:cNvSpPr/>
+      </dsp:nvSpPr>
+      <dsp:spPr>
+        <a:xfrm rot="5400000">
+          <a:off x="-173958" y="174585"/>
+          <a:ext cx="1159724" cy="811807"/>
+        </a:xfrm>
+        <a:prstGeom prst="chevron">
+          <a:avLst/>
+        </a:prstGeom>
+        <a:solidFill>
+          <a:schemeClr val="accent1">
+            <a:hueOff val="0"/>
+            <a:satOff val="0"/>
+            <a:lumOff val="0"/>
+            <a:alphaOff val="0"/>
+          </a:schemeClr>
+        </a:solidFill>
+        <a:ln w="25400" cap="flat" cmpd="sng" algn="ctr">
+          <a:solidFill>
+            <a:schemeClr val="accent1">
+              <a:hueOff val="0"/>
+              <a:satOff val="0"/>
+              <a:lumOff val="0"/>
+              <a:alphaOff val="0"/>
+            </a:schemeClr>
+          </a:solidFill>
+          <a:prstDash val="solid"/>
+        </a:ln>
+        <a:effectLst/>
+      </dsp:spPr>
+      <dsp:style>
+        <a:lnRef idx="2">
+          <a:scrgbClr r="0" g="0" b="0"/>
+        </a:lnRef>
+        <a:fillRef idx="1">
+          <a:scrgbClr r="0" g="0" b="0"/>
+        </a:fillRef>
+        <a:effectRef idx="0">
+          <a:scrgbClr r="0" g="0" b="0"/>
+        </a:effectRef>
+        <a:fontRef idx="minor">
+          <a:schemeClr val="lt1"/>
+        </a:fontRef>
+      </dsp:style>
+      <dsp:txBody>
+        <a:bodyPr spcFirstLastPara="0" vert="horz" wrap="square" lIns="6985" tIns="6985" rIns="6985" bIns="6985" numCol="1" spcCol="1270" anchor="ctr" anchorCtr="0">
+          <a:noAutofit/>
+        </a:bodyPr>
+        <a:lstStyle/>
+        <a:p>
+          <a:pPr lvl="0" algn="ctr" defTabSz="488950">
+            <a:lnSpc>
+              <a:spcPct val="90000"/>
+            </a:lnSpc>
+            <a:spcBef>
+              <a:spcPct val="0"/>
+            </a:spcBef>
+            <a:spcAft>
+              <a:spcPct val="35000"/>
+            </a:spcAft>
+          </a:pPr>
+          <a:r>
+            <a:rPr lang="zh-CN" altLang="en-US" sz="1100" kern="1200"/>
+            <a:t>智能匹配流程</a:t>
+          </a:r>
+        </a:p>
+      </dsp:txBody>
+      <dsp:txXfrm rot="-5400000">
+        <a:off x="1" y="406531"/>
+        <a:ext cx="811807" cy="347917"/>
+      </dsp:txXfrm>
+    </dsp:sp>
+    <dsp:sp modelId="{C5034323-FB6B-4290-857E-CDD08C8D48AD}">
+      <dsp:nvSpPr>
+        <dsp:cNvPr id="0" name=""/>
+        <dsp:cNvSpPr/>
+      </dsp:nvSpPr>
+      <dsp:spPr>
+        <a:xfrm rot="5400000">
+          <a:off x="2666148" y="-1853714"/>
+          <a:ext cx="753820" cy="4462502"/>
+        </a:xfrm>
+        <a:prstGeom prst="round2SameRect">
+          <a:avLst/>
+        </a:prstGeom>
+        <a:solidFill>
+          <a:schemeClr val="lt1">
+            <a:alpha val="90000"/>
+            <a:hueOff val="0"/>
+            <a:satOff val="0"/>
+            <a:lumOff val="0"/>
+            <a:alphaOff val="0"/>
+          </a:schemeClr>
+        </a:solidFill>
+        <a:ln w="25400" cap="flat" cmpd="sng" algn="ctr">
+          <a:solidFill>
+            <a:schemeClr val="accent1">
+              <a:hueOff val="0"/>
+              <a:satOff val="0"/>
+              <a:lumOff val="0"/>
+              <a:alphaOff val="0"/>
+            </a:schemeClr>
+          </a:solidFill>
+          <a:prstDash val="solid"/>
+        </a:ln>
+        <a:effectLst/>
+      </dsp:spPr>
+      <dsp:style>
+        <a:lnRef idx="2">
+          <a:scrgbClr r="0" g="0" b="0"/>
+        </a:lnRef>
+        <a:fillRef idx="1">
+          <a:scrgbClr r="0" g="0" b="0"/>
+        </a:fillRef>
+        <a:effectRef idx="0">
+          <a:scrgbClr r="0" g="0" b="0"/>
+        </a:effectRef>
+        <a:fontRef idx="minor"/>
+      </dsp:style>
+      <dsp:txBody>
+        <a:bodyPr spcFirstLastPara="0" vert="horz" wrap="square" lIns="92456" tIns="8255" rIns="8255" bIns="8255" numCol="1" spcCol="1270" anchor="ctr" anchorCtr="0">
+          <a:noAutofit/>
+        </a:bodyPr>
+        <a:lstStyle/>
+        <a:p>
+          <a:pPr marL="114300" lvl="1" indent="-114300" algn="l" defTabSz="577850">
+            <a:lnSpc>
+              <a:spcPct val="90000"/>
+            </a:lnSpc>
+            <a:spcBef>
+              <a:spcPct val="0"/>
+            </a:spcBef>
+            <a:spcAft>
+              <a:spcPct val="15000"/>
+            </a:spcAft>
+            <a:buChar char="••"/>
+          </a:pPr>
+          <a:r>
+            <a:rPr lang="zh-CN" altLang="en-US" sz="1300" kern="1200"/>
+            <a:t>收集用户输入的数据</a:t>
+          </a:r>
+        </a:p>
+        <a:p>
+          <a:pPr marL="114300" lvl="1" indent="-114300" algn="l" defTabSz="577850">
+            <a:lnSpc>
+              <a:spcPct val="90000"/>
+            </a:lnSpc>
+            <a:spcBef>
+              <a:spcPct val="0"/>
+            </a:spcBef>
+            <a:spcAft>
+              <a:spcPct val="15000"/>
+            </a:spcAft>
+            <a:buChar char="••"/>
+          </a:pPr>
+          <a:r>
+            <a:rPr lang="zh-CN" altLang="en-US" sz="1300" kern="1200"/>
+            <a:t>标准化输出：封装，型号，位置等字段</a:t>
+          </a:r>
+        </a:p>
+      </dsp:txBody>
+      <dsp:txXfrm rot="-5400000">
+        <a:off x="811807" y="37425"/>
+        <a:ext cx="4425704" cy="680224"/>
+      </dsp:txXfrm>
+    </dsp:sp>
+    <dsp:sp modelId="{4048F7A5-4B98-4BFE-A419-F932EF18DEB0}">
+      <dsp:nvSpPr>
+        <dsp:cNvPr id="0" name=""/>
+        <dsp:cNvSpPr/>
+      </dsp:nvSpPr>
+      <dsp:spPr>
+        <a:xfrm rot="5400000">
+          <a:off x="-173958" y="1132383"/>
+          <a:ext cx="1159724" cy="811807"/>
+        </a:xfrm>
+        <a:prstGeom prst="chevron">
+          <a:avLst/>
+        </a:prstGeom>
+        <a:solidFill>
+          <a:schemeClr val="accent1">
+            <a:hueOff val="0"/>
+            <a:satOff val="0"/>
+            <a:lumOff val="0"/>
+            <a:alphaOff val="0"/>
+          </a:schemeClr>
+        </a:solidFill>
+        <a:ln w="25400" cap="flat" cmpd="sng" algn="ctr">
+          <a:solidFill>
+            <a:schemeClr val="accent1">
+              <a:hueOff val="0"/>
+              <a:satOff val="0"/>
+              <a:lumOff val="0"/>
+              <a:alphaOff val="0"/>
+            </a:schemeClr>
+          </a:solidFill>
+          <a:prstDash val="solid"/>
+        </a:ln>
+        <a:effectLst/>
+      </dsp:spPr>
+      <dsp:style>
+        <a:lnRef idx="2">
+          <a:scrgbClr r="0" g="0" b="0"/>
+        </a:lnRef>
+        <a:fillRef idx="1">
+          <a:scrgbClr r="0" g="0" b="0"/>
+        </a:fillRef>
+        <a:effectRef idx="0">
+          <a:scrgbClr r="0" g="0" b="0"/>
+        </a:effectRef>
+        <a:fontRef idx="minor">
+          <a:schemeClr val="lt1"/>
+        </a:fontRef>
+      </dsp:style>
+      <dsp:txBody>
+        <a:bodyPr spcFirstLastPara="0" vert="horz" wrap="square" lIns="6985" tIns="6985" rIns="6985" bIns="6985" numCol="1" spcCol="1270" anchor="ctr" anchorCtr="0">
+          <a:noAutofit/>
+        </a:bodyPr>
+        <a:lstStyle/>
+        <a:p>
+          <a:pPr lvl="0" algn="ctr" defTabSz="488950">
+            <a:lnSpc>
+              <a:spcPct val="90000"/>
+            </a:lnSpc>
+            <a:spcBef>
+              <a:spcPct val="0"/>
+            </a:spcBef>
+            <a:spcAft>
+              <a:spcPct val="35000"/>
+            </a:spcAft>
+          </a:pPr>
+          <a:r>
+            <a:rPr lang="zh-CN" altLang="en-US" sz="1100" kern="1200"/>
+            <a:t>参数智能匹配</a:t>
+          </a:r>
+        </a:p>
+      </dsp:txBody>
+      <dsp:txXfrm rot="-5400000">
+        <a:off x="1" y="1364329"/>
+        <a:ext cx="811807" cy="347917"/>
+      </dsp:txXfrm>
+    </dsp:sp>
+    <dsp:sp modelId="{513EEC51-96DD-463B-85DE-486ECB10560A}">
+      <dsp:nvSpPr>
+        <dsp:cNvPr id="0" name=""/>
+        <dsp:cNvSpPr/>
+      </dsp:nvSpPr>
+      <dsp:spPr>
+        <a:xfrm rot="5400000">
+          <a:off x="2666148" y="-895915"/>
+          <a:ext cx="753820" cy="4462502"/>
+        </a:xfrm>
+        <a:prstGeom prst="round2SameRect">
+          <a:avLst/>
+        </a:prstGeom>
+        <a:solidFill>
+          <a:schemeClr val="lt1">
+            <a:alpha val="90000"/>
+            <a:hueOff val="0"/>
+            <a:satOff val="0"/>
+            <a:lumOff val="0"/>
+            <a:alphaOff val="0"/>
+          </a:schemeClr>
+        </a:solidFill>
+        <a:ln w="25400" cap="flat" cmpd="sng" algn="ctr">
+          <a:solidFill>
+            <a:schemeClr val="accent1">
+              <a:hueOff val="0"/>
+              <a:satOff val="0"/>
+              <a:lumOff val="0"/>
+              <a:alphaOff val="0"/>
+            </a:schemeClr>
+          </a:solidFill>
+          <a:prstDash val="solid"/>
+        </a:ln>
+        <a:effectLst/>
+      </dsp:spPr>
+      <dsp:style>
+        <a:lnRef idx="2">
+          <a:scrgbClr r="0" g="0" b="0"/>
+        </a:lnRef>
+        <a:fillRef idx="1">
+          <a:scrgbClr r="0" g="0" b="0"/>
+        </a:fillRef>
+        <a:effectRef idx="0">
+          <a:scrgbClr r="0" g="0" b="0"/>
+        </a:effectRef>
+        <a:fontRef idx="minor"/>
+      </dsp:style>
+      <dsp:txBody>
+        <a:bodyPr spcFirstLastPara="0" vert="horz" wrap="square" lIns="92456" tIns="8255" rIns="8255" bIns="8255" numCol="1" spcCol="1270" anchor="ctr" anchorCtr="0">
+          <a:noAutofit/>
+        </a:bodyPr>
+        <a:lstStyle/>
+        <a:p>
+          <a:pPr marL="114300" lvl="1" indent="-114300" algn="l" defTabSz="577850">
+            <a:lnSpc>
+              <a:spcPct val="90000"/>
+            </a:lnSpc>
+            <a:spcBef>
+              <a:spcPct val="0"/>
+            </a:spcBef>
+            <a:spcAft>
+              <a:spcPct val="15000"/>
+            </a:spcAft>
+            <a:buChar char="••"/>
+          </a:pPr>
+          <a:r>
+            <a:rPr lang="zh-CN" altLang="en-US" sz="1300" kern="1200"/>
+            <a:t>将用户输入参数格式化过滤</a:t>
+          </a:r>
+        </a:p>
+        <a:p>
+          <a:pPr marL="114300" lvl="1" indent="-114300" algn="l" defTabSz="577850">
+            <a:lnSpc>
+              <a:spcPct val="90000"/>
+            </a:lnSpc>
+            <a:spcBef>
+              <a:spcPct val="0"/>
+            </a:spcBef>
+            <a:spcAft>
+              <a:spcPct val="15000"/>
+            </a:spcAft>
+            <a:buChar char="••"/>
+          </a:pPr>
+          <a:r>
+            <a:rPr lang="zh-CN" altLang="en-US" sz="1300" kern="1200"/>
+            <a:t>提取关键参数，定位类别</a:t>
+          </a:r>
+        </a:p>
+      </dsp:txBody>
+      <dsp:txXfrm rot="-5400000">
+        <a:off x="811807" y="995224"/>
+        <a:ext cx="4425704" cy="680224"/>
+      </dsp:txXfrm>
+    </dsp:sp>
+    <dsp:sp modelId="{347AEF46-25CB-4875-818B-6D1350B95787}">
+      <dsp:nvSpPr>
+        <dsp:cNvPr id="0" name=""/>
+        <dsp:cNvSpPr/>
+      </dsp:nvSpPr>
+      <dsp:spPr>
+        <a:xfrm rot="5400000">
+          <a:off x="-173958" y="2090182"/>
+          <a:ext cx="1159724" cy="811807"/>
+        </a:xfrm>
+        <a:prstGeom prst="chevron">
+          <a:avLst/>
+        </a:prstGeom>
+        <a:solidFill>
+          <a:schemeClr val="accent1">
+            <a:hueOff val="0"/>
+            <a:satOff val="0"/>
+            <a:lumOff val="0"/>
+            <a:alphaOff val="0"/>
+          </a:schemeClr>
+        </a:solidFill>
+        <a:ln w="25400" cap="flat" cmpd="sng" algn="ctr">
+          <a:solidFill>
+            <a:schemeClr val="accent1">
+              <a:hueOff val="0"/>
+              <a:satOff val="0"/>
+              <a:lumOff val="0"/>
+              <a:alphaOff val="0"/>
+            </a:schemeClr>
+          </a:solidFill>
+          <a:prstDash val="solid"/>
+        </a:ln>
+        <a:effectLst/>
+      </dsp:spPr>
+      <dsp:style>
+        <a:lnRef idx="2">
+          <a:scrgbClr r="0" g="0" b="0"/>
+        </a:lnRef>
+        <a:fillRef idx="1">
+          <a:scrgbClr r="0" g="0" b="0"/>
+        </a:fillRef>
+        <a:effectRef idx="0">
+          <a:scrgbClr r="0" g="0" b="0"/>
+        </a:effectRef>
+        <a:fontRef idx="minor">
+          <a:schemeClr val="lt1"/>
+        </a:fontRef>
+      </dsp:style>
+      <dsp:txBody>
+        <a:bodyPr spcFirstLastPara="0" vert="horz" wrap="square" lIns="6985" tIns="6985" rIns="6985" bIns="6985" numCol="1" spcCol="1270" anchor="ctr" anchorCtr="0">
+          <a:noAutofit/>
+        </a:bodyPr>
+        <a:lstStyle/>
+        <a:p>
+          <a:pPr lvl="0" algn="ctr" defTabSz="488950">
+            <a:lnSpc>
+              <a:spcPct val="90000"/>
+            </a:lnSpc>
+            <a:spcBef>
+              <a:spcPct val="0"/>
+            </a:spcBef>
+            <a:spcAft>
+              <a:spcPct val="35000"/>
+            </a:spcAft>
+          </a:pPr>
+          <a:r>
+            <a:rPr lang="zh-CN" altLang="en-US" sz="1100" kern="1200"/>
+            <a:t>智慧搜索引擎</a:t>
+          </a:r>
+        </a:p>
+      </dsp:txBody>
+      <dsp:txXfrm rot="-5400000">
+        <a:off x="1" y="2322128"/>
+        <a:ext cx="811807" cy="347917"/>
+      </dsp:txXfrm>
+    </dsp:sp>
+    <dsp:sp modelId="{12D9ED95-5505-4033-9861-9B3BCBE34AD7}">
+      <dsp:nvSpPr>
+        <dsp:cNvPr id="0" name=""/>
+        <dsp:cNvSpPr/>
+      </dsp:nvSpPr>
+      <dsp:spPr>
+        <a:xfrm rot="5400000">
+          <a:off x="2666148" y="61882"/>
+          <a:ext cx="753820" cy="4462502"/>
+        </a:xfrm>
+        <a:prstGeom prst="round2SameRect">
+          <a:avLst/>
+        </a:prstGeom>
+        <a:solidFill>
+          <a:schemeClr val="lt1">
+            <a:alpha val="90000"/>
+            <a:hueOff val="0"/>
+            <a:satOff val="0"/>
+            <a:lumOff val="0"/>
+            <a:alphaOff val="0"/>
+          </a:schemeClr>
+        </a:solidFill>
+        <a:ln w="25400" cap="flat" cmpd="sng" algn="ctr">
+          <a:solidFill>
+            <a:schemeClr val="accent1">
+              <a:hueOff val="0"/>
+              <a:satOff val="0"/>
+              <a:lumOff val="0"/>
+              <a:alphaOff val="0"/>
+            </a:schemeClr>
+          </a:solidFill>
+          <a:prstDash val="solid"/>
+        </a:ln>
+        <a:effectLst/>
+      </dsp:spPr>
+      <dsp:style>
+        <a:lnRef idx="2">
+          <a:scrgbClr r="0" g="0" b="0"/>
+        </a:lnRef>
+        <a:fillRef idx="1">
+          <a:scrgbClr r="0" g="0" b="0"/>
+        </a:fillRef>
+        <a:effectRef idx="0">
+          <a:scrgbClr r="0" g="0" b="0"/>
+        </a:effectRef>
+        <a:fontRef idx="minor"/>
+      </dsp:style>
+      <dsp:txBody>
+        <a:bodyPr spcFirstLastPara="0" vert="horz" wrap="square" lIns="92456" tIns="8255" rIns="8255" bIns="8255" numCol="1" spcCol="1270" anchor="ctr" anchorCtr="0">
+          <a:noAutofit/>
+        </a:bodyPr>
+        <a:lstStyle/>
+        <a:p>
+          <a:pPr marL="114300" lvl="1" indent="-114300" algn="l" defTabSz="577850">
+            <a:lnSpc>
+              <a:spcPct val="90000"/>
+            </a:lnSpc>
+            <a:spcBef>
+              <a:spcPct val="0"/>
+            </a:spcBef>
+            <a:spcAft>
+              <a:spcPct val="15000"/>
+            </a:spcAft>
+            <a:buChar char="••"/>
+          </a:pPr>
+          <a:r>
+            <a:rPr lang="zh-CN" altLang="en-US" sz="1300" kern="1200"/>
+            <a:t>提取匹配度最高的数据</a:t>
+          </a:r>
+        </a:p>
+        <a:p>
+          <a:pPr marL="114300" lvl="1" indent="-114300" algn="l" defTabSz="577850">
+            <a:lnSpc>
+              <a:spcPct val="90000"/>
+            </a:lnSpc>
+            <a:spcBef>
+              <a:spcPct val="0"/>
+            </a:spcBef>
+            <a:spcAft>
+              <a:spcPct val="15000"/>
+            </a:spcAft>
+            <a:buChar char="••"/>
+          </a:pPr>
+          <a:r>
+            <a:rPr lang="zh-CN" altLang="en-US" sz="1300" kern="1200"/>
+            <a:t>优质厂牌优先展示</a:t>
+          </a:r>
+        </a:p>
+        <a:p>
+          <a:pPr marL="114300" lvl="1" indent="-114300" algn="l" defTabSz="577850">
+            <a:lnSpc>
+              <a:spcPct val="90000"/>
+            </a:lnSpc>
+            <a:spcBef>
+              <a:spcPct val="0"/>
+            </a:spcBef>
+            <a:spcAft>
+              <a:spcPct val="15000"/>
+            </a:spcAft>
+            <a:buChar char="••"/>
+          </a:pPr>
+          <a:r>
+            <a:rPr lang="zh-CN" altLang="en-US" sz="1300" kern="1200"/>
+            <a:t>参数缺失提醒等报警机制</a:t>
+          </a:r>
+        </a:p>
+      </dsp:txBody>
+      <dsp:txXfrm rot="-5400000">
+        <a:off x="811807" y="1953021"/>
+        <a:ext cx="4425704" cy="680224"/>
+      </dsp:txXfrm>
+    </dsp:sp>
+  </dsp:spTree>
+</dsp:drawing>
+</file>
+
+<file path=ppt/diagrams/layout1.xml><?xml version="1.0" encoding="utf-8"?>
+<dgm:layoutDef xmlns:dgm="http://schemas.openxmlformats.org/drawingml/2006/diagram" xmlns:a="http://schemas.openxmlformats.org/drawingml/2006/main" uniqueId="urn:microsoft.com/office/officeart/2005/8/layout/chevron2">
+  <dgm:title val=""/>
+  <dgm:desc val=""/>
+  <dgm:catLst>
+    <dgm:cat type="process" pri="12000"/>
+    <dgm:cat type="list" pri="16000"/>
+    <dgm:cat type="convert" pri="11000"/>
+  </dgm:catLst>
+  <dgm:sampData>
+    <dgm:dataModel>
+      <dgm:ptLst>
+        <dgm:pt modelId="0" type="doc"/>
+        <dgm:pt modelId="1">
+          <dgm:prSet phldr="1"/>
+        </dgm:pt>
+        <dgm:pt modelId="11">
+          <dgm:prSet phldr="1"/>
+        </dgm:pt>
+        <dgm:pt modelId="12">
+          <dgm:prSet phldr="1"/>
+        </dgm:pt>
+        <dgm:pt modelId="2">
+          <dgm:prSet phldr="1"/>
+        </dgm:pt>
+        <dgm:pt modelId="21">
+          <dgm:prSet phldr="1"/>
+        </dgm:pt>
+        <dgm:pt modelId="22">
+          <dgm:prSet phldr="1"/>
+        </dgm:pt>
+        <dgm:pt modelId="3">
+          <dgm:prSet phldr="1"/>
+        </dgm:pt>
+        <dgm:pt modelId="31">
+          <dgm:prSet phldr="1"/>
+        </dgm:pt>
+        <dgm:pt modelId="32">
+          <dgm:prSet phldr="1"/>
+        </dgm:pt>
+      </dgm:ptLst>
+      <dgm:cxnLst>
+        <dgm:cxn modelId="4" srcId="0" destId="1" srcOrd="0" destOrd="0"/>
+        <dgm:cxn modelId="5" srcId="0" destId="2" srcOrd="1" destOrd="0"/>
+        <dgm:cxn modelId="6" srcId="0" destId="3" srcOrd="2" destOrd="0"/>
+        <dgm:cxn modelId="13" srcId="1" destId="11" srcOrd="0" destOrd="0"/>
+        <dgm:cxn modelId="14" srcId="1" destId="12" srcOrd="1" destOrd="0"/>
+        <dgm:cxn modelId="23" srcId="2" destId="21" srcOrd="0" destOrd="0"/>
+        <dgm:cxn modelId="24" srcId="2" destId="22" srcOrd="1" destOrd="0"/>
+        <dgm:cxn modelId="33" srcId="3" destId="31" srcOrd="0" destOrd="0"/>
+        <dgm:cxn modelId="34" srcId="3" destId="32" srcOrd="1" destOrd="0"/>
+      </dgm:cxnLst>
+      <dgm:bg/>
+      <dgm:whole/>
+    </dgm:dataModel>
+  </dgm:sampData>
+  <dgm:styleData>
+    <dgm:dataModel>
+      <dgm:ptLst>
+        <dgm:pt modelId="0" type="doc">
+          <dgm:prSet qsTypeId="urn:microsoft.com/office/officeart/2005/8/quickstyle/simple5"/>
+        </dgm:pt>
+        <dgm:pt modelId="1"/>
+      </dgm:ptLst>
+      <dgm:cxnLst>
+        <dgm:cxn modelId="4" srcId="0" destId="1" srcOrd="0" destOrd="0"/>
+      </dgm:cxnLst>
+      <dgm:bg/>
+      <dgm:whole/>
+    </dgm:dataModel>
+  </dgm:styleData>
+  <dgm:clrData>
+    <dgm:dataModel>
+      <dgm:ptLst>
+        <dgm:pt modelId="0" type="doc"/>
+        <dgm:pt modelId="1"/>
+        <dgm:pt modelId="11"/>
+        <dgm:pt modelId="2"/>
+        <dgm:pt modelId="21"/>
+        <dgm:pt modelId="3"/>
+        <dgm:pt modelId="31"/>
+        <dgm:pt modelId="4"/>
+        <dgm:pt modelId="41"/>
+      </dgm:ptLst>
+      <dgm:cxnLst>
+        <dgm:cxn modelId="5" srcId="0" destId="1" srcOrd="0" destOrd="0"/>
+        <dgm:cxn modelId="6" srcId="0" destId="2" srcOrd="1" destOrd="0"/>
+        <dgm:cxn modelId="7" srcId="0" destId="3" srcOrd="2" destOrd="0"/>
+        <dgm:cxn modelId="8" srcId="0" destId="4" srcOrd="3" destOrd="0"/>
+        <dgm:cxn modelId="13" srcId="1" destId="11" srcOrd="0" destOrd="0"/>
+        <dgm:cxn modelId="23" srcId="2" destId="21" srcOrd="0" destOrd="0"/>
+        <dgm:cxn modelId="33" srcId="3" destId="31" srcOrd="0" destOrd="0"/>
+        <dgm:cxn modelId="43" srcId="4" destId="41" srcOrd="0" destOrd="0"/>
+      </dgm:cxnLst>
+      <dgm:bg/>
+      <dgm:whole/>
+    </dgm:dataModel>
+  </dgm:clrData>
+  <dgm:layoutNode name="linearFlow">
+    <dgm:varLst>
+      <dgm:dir/>
+      <dgm:animLvl val="lvl"/>
+      <dgm:resizeHandles val="exact"/>
+    </dgm:varLst>
+    <dgm:alg type="lin">
+      <dgm:param type="linDir" val="fromT"/>
+      <dgm:param type="nodeHorzAlign" val="l"/>
+    </dgm:alg>
+    <dgm:shape xmlns:r="http://schemas.openxmlformats.org/officeDocument/2006/relationships" r:blip="">
+      <dgm:adjLst/>
+    </dgm:shape>
+    <dgm:presOf/>
+    <dgm:constrLst>
+      <dgm:constr type="h" for="ch" forName="composite" refType="h"/>
+      <dgm:constr type="w" for="ch" forName="composite" refType="w"/>
+      <dgm:constr type="h" for="des" forName="parentText" op="equ"/>
+      <dgm:constr type="h" for="ch" forName="sp" val="-14.88"/>
+      <dgm:constr type="h" for="ch" forName="sp" refType="w" refFor="des" refForName="parentText" op="gte" fact="-0.3"/>
+      <dgm:constr type="primFontSz" for="des" forName="parentText" op="equ" val="65"/>
+      <dgm:constr type="primFontSz" for="des" forName="descendantText" op="equ" val="65"/>
+    </dgm:constrLst>
+    <dgm:ruleLst/>
+    <dgm:forEach name="Name0" axis="ch" ptType="node">
+      <dgm:layoutNode name="composite">
+        <dgm:alg type="composite"/>
+        <dgm:shape xmlns:r="http://schemas.openxmlformats.org/officeDocument/2006/relationships" r:blip="">
+          <dgm:adjLst/>
+        </dgm:shape>
+        <dgm:presOf/>
+        <dgm:choose name="Name1">
+          <dgm:if name="Name2" func="var" arg="dir" op="equ" val="norm">
+            <dgm:constrLst>
+              <dgm:constr type="t" for="ch" forName="parentText"/>
+              <dgm:constr type="l" for="ch" forName="parentText"/>
+              <dgm:constr type="w" for="ch" forName="parentText" refType="w" fact="0.4"/>
+              <dgm:constr type="h" for="ch" forName="parentText" refType="h"/>
+              <dgm:constr type="w" for="ch" forName="parentText" refType="w" op="lte" fact="0.5"/>
+              <dgm:constr type="w" for="ch" forName="parentText" refType="h" refFor="ch" refForName="parentText" op="lte" fact="0.7"/>
+              <dgm:constr type="h" for="ch" forName="parentText" refType="w" refFor="ch" refForName="parentText" op="lte" fact="3"/>
+              <dgm:constr type="l" for="ch" forName="descendantText" refType="w" refFor="ch" refForName="parentText"/>
+              <dgm:constr type="w" for="ch" forName="descendantText" refType="w"/>
+              <dgm:constr type="wOff" for="ch" forName="descendantText" refType="w" refFor="ch" refForName="parentText" fact="-1"/>
+              <dgm:constr type="t" for="ch" forName="descendantText"/>
+              <dgm:constr type="b" for="ch" forName="descendantText" refType="h" refFor="ch" refForName="parentText"/>
+              <dgm:constr type="bOff" for="ch" forName="descendantText" refType="w" refFor="ch" refForName="parentText" fact="-0.5"/>
+            </dgm:constrLst>
+          </dgm:if>
+          <dgm:else name="Name3">
+            <dgm:constrLst>
+              <dgm:constr type="t" for="ch" forName="parentText"/>
+              <dgm:constr type="r" for="ch" forName="parentText" refType="w"/>
+              <dgm:constr type="w" for="ch" forName="parentText" refType="w" fact="0.4"/>
+              <dgm:constr type="h" for="ch" forName="parentText" refType="h"/>
+              <dgm:constr type="w" for="ch" forName="parentText" refType="w" op="lte" fact="0.5"/>
+              <dgm:constr type="w" for="ch" forName="parentText" refType="h" refFor="ch" refForName="parentText" op="lte" fact="0.7"/>
+              <dgm:constr type="h" for="ch" forName="parentText" refType="w" refFor="ch" refForName="parentText" op="lte" fact="3"/>
+              <dgm:constr type="l" for="ch" forName="descendantText"/>
+              <dgm:constr type="w" for="ch" forName="descendantText" refType="w"/>
+              <dgm:constr type="wOff" for="ch" forName="descendantText" refType="w" refFor="ch" refForName="parentText" fact="-1"/>
+              <dgm:constr type="t" for="ch" forName="descendantText"/>
+              <dgm:constr type="b" for="ch" forName="descendantText" refType="h" refFor="ch" refForName="parentText"/>
+              <dgm:constr type="bOff" for="ch" forName="descendantText" refType="w" refFor="ch" refForName="parentText" fact="-0.5"/>
+            </dgm:constrLst>
+          </dgm:else>
+        </dgm:choose>
+        <dgm:ruleLst/>
+        <dgm:layoutNode name="parentText" styleLbl="alignNode1">
+          <dgm:varLst>
+            <dgm:chMax val="1"/>
+            <dgm:bulletEnabled val="1"/>
+          </dgm:varLst>
+          <dgm:alg type="tx"/>
+          <dgm:shape xmlns:r="http://schemas.openxmlformats.org/officeDocument/2006/relationships" type="chevron" r:blip="" rot="90">
+            <dgm:adjLst/>
+          </dgm:shape>
+          <dgm:presOf axis="self" ptType="node"/>
+          <dgm:constrLst>
+            <dgm:constr type="lMarg" refType="primFontSz" fact="0.05"/>
+            <dgm:constr type="rMarg" refType="primFontSz" fact="0.05"/>
+            <dgm:constr type="tMarg" refType="primFontSz" fact="0.05"/>
+            <dgm:constr type="bMarg" refType="primFontSz" fact="0.05"/>
+          </dgm:constrLst>
+          <dgm:ruleLst>
+            <dgm:rule type="h" val="100" fact="NaN" max="NaN"/>
+            <dgm:rule type="primFontSz" val="24" fact="NaN" max="NaN"/>
+            <dgm:rule type="h" val="110" fact="NaN" max="NaN"/>
+            <dgm:rule type="primFontSz" val="18" fact="NaN" max="NaN"/>
+            <dgm:rule type="h" val="INF" fact="NaN" max="NaN"/>
+            <dgm:rule type="primFontSz" val="5" fact="NaN" max="NaN"/>
+          </dgm:ruleLst>
+        </dgm:layoutNode>
+        <dgm:layoutNode name="descendantText" styleLbl="alignAcc1">
+          <dgm:varLst>
+            <dgm:bulletEnabled val="1"/>
+          </dgm:varLst>
+          <dgm:choose name="Name4">
+            <dgm:if name="Name5" func="var" arg="dir" op="equ" val="norm">
+              <dgm:alg type="tx">
+                <dgm:param type="stBulletLvl" val="1"/>
+                <dgm:param type="txAnchorVertCh" val="mid"/>
+              </dgm:alg>
+              <dgm:shape xmlns:r="http://schemas.openxmlformats.org/officeDocument/2006/relationships" type="round2SameRect" r:blip="" rot="90">
+                <dgm:adjLst/>
+              </dgm:shape>
+            </dgm:if>
+            <dgm:else name="Name6">
+              <dgm:alg type="tx">
+                <dgm:param type="stBulletLvl" val="1"/>
+                <dgm:param type="txAnchorVertCh" val="mid"/>
+              </dgm:alg>
+              <dgm:shape xmlns:r="http://schemas.openxmlformats.org/officeDocument/2006/relationships" type="round2SameRect" r:blip="" rot="-90">
+                <dgm:adjLst/>
+              </dgm:shape>
+            </dgm:else>
+          </dgm:choose>
+          <dgm:presOf axis="des" ptType="node"/>
+          <dgm:choose name="Name7">
+            <dgm:if name="Name8" func="var" arg="dir" op="equ" val="norm">
+              <dgm:constrLst>
+                <dgm:constr type="secFontSz" refType="primFontSz"/>
+                <dgm:constr type="tMarg" refType="primFontSz" fact="0.05"/>
+                <dgm:constr type="bMarg" refType="primFontSz" fact="0.05"/>
+                <dgm:constr type="rMarg" refType="primFontSz" fact="0.05"/>
+              </dgm:constrLst>
+            </dgm:if>
+            <dgm:else name="Name9">
+              <dgm:constrLst>
+                <dgm:constr type="secFontSz" refType="primFontSz"/>
+                <dgm:constr type="tMarg" refType="primFontSz" fact="0.05"/>
+                <dgm:constr type="bMarg" refType="primFontSz" fact="0.05"/>
+                <dgm:constr type="lMarg" refType="primFontSz" fact="0.05"/>
+              </dgm:constrLst>
+            </dgm:else>
+          </dgm:choose>
+          <dgm:ruleLst>
+            <dgm:rule type="primFontSz" val="5" fact="NaN" max="NaN"/>
+          </dgm:ruleLst>
+        </dgm:layoutNode>
+      </dgm:layoutNode>
+      <dgm:forEach name="Name10" axis="followSib" ptType="sibTrans" cnt="1">
+        <dgm:layoutNode name="sp">
+          <dgm:alg type="sp"/>
+          <dgm:shape xmlns:r="http://schemas.openxmlformats.org/officeDocument/2006/relationships" r:blip="">
+            <dgm:adjLst/>
+          </dgm:shape>
+          <dgm:presOf axis="self"/>
+          <dgm:constrLst>
+            <dgm:constr type="w" val="1"/>
+            <dgm:constr type="h" val="37.5"/>
+          </dgm:constrLst>
+          <dgm:ruleLst/>
+        </dgm:layoutNode>
+      </dgm:forEach>
+    </dgm:forEach>
+  </dgm:layoutNode>
+</dgm:layoutDef>
+</file>
+
+<file path=ppt/diagrams/quickStyle1.xml><?xml version="1.0" encoding="utf-8"?>
+<dgm:styleDef xmlns:dgm="http://schemas.openxmlformats.org/drawingml/2006/diagram" xmlns:a="http://schemas.openxmlformats.org/drawingml/2006/main" uniqueId="urn:microsoft.com/office/officeart/2005/8/quickstyle/simple1">
+  <dgm:title val=""/>
+  <dgm:desc val=""/>
+  <dgm:catLst>
+    <dgm:cat type="simple" pri="10100"/>
+  </dgm:catLst>
+  <dgm:scene3d>
+    <a:camera prst="orthographicFront"/>
+    <a:lightRig rig="threePt" dir="t"/>
+  </dgm:scene3d>
+  <dgm:styleLbl name="alignAcc1">
+    <dgm:scene3d>
+      <a:camera prst="orthographicFront"/>
+      <a:lightRig rig="threePt" dir="t"/>
+    </dgm:scene3d>
+    <dgm:txPr/>
+    <dgm:style>
+      <a:lnRef idx="2">
+        <a:scrgbClr r="0" g="0" b="0"/>
+      </a:lnRef>
+      <a:fillRef idx="1">
+        <a:scrgbClr r="0" g="0" b="0"/>
+      </a:fillRef>
+      <a:effectRef idx="0">
+        <a:scrgbClr r="0" g="0" b="0"/>
+      </a:effectRef>
+      <a:fontRef idx="minor"/>
+    </dgm:style>
+  </dgm:styleLbl>
+  <dgm:styleLbl name="alignAccFollowNode1">
+    <dgm:scene3d>
+      <a:camera prst="orthographicFront"/>
+      <a:lightRig rig="threePt" dir="t"/>
+    </dgm:scene3d>
+    <dgm:txPr/>
+    <dgm:style>
+      <a:lnRef idx="2">
+        <a:scrgbClr r="0" g="0" b="0"/>
+      </a:lnRef>
+      <a:fillRef idx="1">
+        <a:scrgbClr r="0" g="0" b="0"/>
+      </a:fillRef>
+      <a:effectRef idx="0">
+        <a:scrgbClr r="0" g="0" b="0"/>
+      </a:effectRef>
+      <a:fontRef idx="minor"/>
+    </dgm:style>
+  </dgm:styleLbl>
+  <dgm:styleLbl name="alignImgPlace1">
+    <dgm:scene3d>
+      <a:camera prst="orthographicFront"/>
+      <a:lightRig rig="threePt" dir="t"/>
+    </dgm:scene3d>
+    <dgm:txPr/>
+    <dgm:style>
+      <a:lnRef idx="2">
+        <a:scrgbClr r="0" g="0" b="0"/>
+      </a:lnRef>
+      <a:fillRef idx="1">
+        <a:scrgbClr r="0" g="0" b="0"/>
+      </a:fillRef>
+      <a:effectRef idx="0">
+        <a:scrgbClr r="0" g="0" b="0"/>
+      </a:effectRef>
+      <a:fontRef idx="minor"/>
+    </dgm:style>
+  </dgm:styleLbl>
+  <dgm:styleLbl name="alignNode1">
+    <dgm:scene3d>
+      <a:camera prst="orthographicFront"/>
+      <a:lightRig rig="threePt" dir="t"/>
+    </dgm:scene3d>
+    <dgm:txPr/>
+    <dgm:style>
+      <a:lnRef idx="2">
+        <a:scrgbClr r="0" g="0" b="0"/>
+      </a:lnRef>
+      <a:fillRef idx="1">
+        <a:scrgbClr r="0" g="0" b="0"/>
+      </a:fillRef>
+      <a:effectRef idx="0">
+        <a:scrgbClr r="0" g="0" b="0"/>
+      </a:effectRef>
+      <a:fontRef idx="minor">
+        <a:schemeClr val="lt1"/>
+      </a:fontRef>
+    </dgm:style>
+  </dgm:styleLbl>
+  <dgm:styleLbl name="asst0">
+    <dgm:scene3d>
+      <a:camera prst="orthographicFront"/>
+      <a:lightRig rig="threePt" dir="t"/>
+    </dgm:scene3d>
+    <dgm:txPr/>
+    <dgm:style>
+      <a:lnRef idx="2">
+        <a:scrgbClr r="0" g="0" b="0"/>
+      </a:lnRef>
+      <a:fillRef idx="1">
+        <a:scrgbClr r="0" g="0" b="0"/>
+      </a:fillRef>
+      <a:effectRef idx="0">
+        <a:scrgbClr r="0" g="0" b="0"/>
+      </a:effectRef>
+      <a:fontRef idx="minor">
+        <a:schemeClr val="lt1"/>
+      </a:fontRef>
+    </dgm:style>
+  </dgm:styleLbl>
+  <dgm:styleLbl name="asst1">
+    <dgm:scene3d>
+      <a:camera prst="orthographicFront"/>
+      <a:lightRig rig="threePt" dir="t"/>
+    </dgm:scene3d>
+    <dgm:txPr/>
+    <dgm:style>
+      <a:lnRef idx="2">
+        <a:scrgbClr r="0" g="0" b="0"/>
+      </a:lnRef>
+      <a:fillRef idx="1">
+        <a:scrgbClr r="0" g="0" b="0"/>
+      </a:fillRef>
+      <a:effectRef idx="0">
+        <a:scrgbClr r="0" g="0" b="0"/>
+      </a:effectRef>
+      <a:fontRef idx="minor">
+        <a:schemeClr val="lt1"/>
+      </a:fontRef>
+    </dgm:style>
+  </dgm:styleLbl>
+  <dgm:styleLbl name="asst2">
+    <dgm:scene3d>
+      <a:camera prst="orthographicFront"/>
+      <a:lightRig rig="threePt" dir="t"/>
+    </dgm:scene3d>
+    <dgm:txPr/>
+    <dgm:style>
+      <a:lnRef idx="2">
+        <a:scrgbClr r="0" g="0" b="0"/>
+      </a:lnRef>
+      <a:fillRef idx="1">
+        <a:scrgbClr r="0" g="0" b="0"/>
+      </a:fillRef>
+      <a:effectRef idx="0">
+        <a:scrgbClr r="0" g="0" b="0"/>
+      </a:effectRef>
+      <a:fontRef idx="minor">
+        <a:schemeClr val="lt1"/>
+      </a:fontRef>
+    </dgm:style>
+  </dgm:styleLbl>
+  <dgm:styleLbl name="asst3">
+    <dgm:scene3d>
+      <a:camera prst="orthographicFront"/>
+      <a:lightRig rig="threePt" dir="t"/>
+    </dgm:scene3d>
+    <dgm:txPr/>
+    <dgm:style>
+      <a:lnRef idx="2">
+        <a:scrgbClr r="0" g="0" b="0"/>
+      </a:lnRef>
+      <a:fillRef idx="1">
+        <a:scrgbClr r="0" g="0" b="0"/>
+      </a:fillRef>
+      <a:effectRef idx="0">
+        <a:scrgbClr r="0" g="0" b="0"/>
+      </a:effectRef>
+      <a:fontRef idx="minor">
+        <a:schemeClr val="lt1"/>
+      </a:fontRef>
+    </dgm:style>
+  </dgm:styleLbl>
+  <dgm:styleLbl name="asst4">
+    <dgm:scene3d>
+      <a:camera prst="orthographicFront"/>
+      <a:lightRig rig="threePt" dir="t"/>
+    </dgm:scene3d>
+    <dgm:txPr/>
+    <dgm:style>
+      <a:lnRef idx="2">
+        <a:scrgbClr r="0" g="0" b="0"/>
+      </a:lnRef>
+      <a:fillRef idx="1">
+        <a:scrgbClr r="0" g="0" b="0"/>
+      </a:fillRef>
+      <a:effectRef idx="0">
+        <a:scrgbClr r="0" g="0" b="0"/>
+      </a:effectRef>
+      <a:fontRef idx="minor">
+        <a:schemeClr val="lt1"/>
+      </a:fontRef>
+    </dgm:style>
+  </dgm:styleLbl>
+  <dgm:styleLbl name="bgAcc1">
+    <dgm:scene3d>
+      <a:camera prst="orthographicFront"/>
+      <a:lightRig rig="threePt" dir="t"/>
+    </dgm:scene3d>
+    <dgm:txPr/>
+    <dgm:style>
+      <a:lnRef idx="2">
+        <a:scrgbClr r="0" g="0" b="0"/>
+      </a:lnRef>
+      <a:fillRef idx="1">
+        <a:scrgbClr r="0" g="0" b="0"/>
+      </a:fillRef>
+      <a:effectRef idx="0">
+        <a:scrgbClr r="0" g="0" b="0"/>
+      </a:effectRef>
+      <a:fontRef idx="minor"/>
+    </dgm:style>
+  </dgm:styleLbl>
+  <dgm:styleLbl name="bgAccFollowNode1">
+    <dgm:scene3d>
+      <a:camera prst="orthographicFront"/>
+      <a:lightRig rig="threePt" dir="t"/>
+    </dgm:scene3d>
+    <dgm:txPr/>
+    <dgm:style>
+      <a:lnRef idx="2">
+        <a:scrgbClr r="0" g="0" b="0"/>
+      </a:lnRef>
+      <a:fillRef idx="1">
+        <a:scrgbClr r="0" g="0" b="0"/>
+      </a:fillRef>
+      <a:effectRef idx="0">
+        <a:scrgbClr r="0" g="0" b="0"/>
+      </a:effectRef>
+      <a:fontRef idx="minor"/>
+    </dgm:style>
+  </dgm:styleLbl>
+  <dgm:styleLbl name="bgImgPlace1">
+    <dgm:scene3d>
+      <a:camera prst="orthographicFront"/>
+      <a:lightRig rig="threePt" dir="t"/>
+    </dgm:scene3d>
+    <dgm:txPr/>
+    <dgm:style>
+      <a:lnRef idx="2">
+        <a:scrgbClr r="0" g="0" b="0"/>
+      </a:lnRef>
+      <a:fillRef idx="1">
+        <a:scrgbClr r="0" g="0" b="0"/>
+      </a:fillRef>
+      <a:effectRef idx="0">
+        <a:scrgbClr r="0" g="0" b="0"/>
+      </a:effectRef>
+      <a:fontRef idx="minor"/>
+    </dgm:style>
+  </dgm:styleLbl>
+  <dgm:styleLbl name="bgShp">
+    <dgm:scene3d>
+      <a:camera prst="orthographicFront"/>
+      <a:lightRig rig="threePt" dir="t"/>
+    </dgm:scene3d>
+    <dgm:txPr/>
+    <dgm:style>
+      <a:lnRef idx="0">
+        <a:scrgbClr r="0" g="0" b="0"/>
+      </a:lnRef>
+      <a:fillRef idx="1">
+        <a:scrgbClr r="0" g="0" b="0"/>
+      </a:fillRef>
+      <a:effectRef idx="0">
+        <a:scrgbClr r="0" g="0" b="0"/>
+      </a:effectRef>
+      <a:fontRef idx="minor"/>
+    </dgm:style>
+  </dgm:styleLbl>
+  <dgm:styleLbl name="bgSibTrans2D1">
+    <dgm:scene3d>
+      <a:camera prst="orthographicFront"/>
+      <a:lightRig rig="threePt" dir="t"/>
+    </dgm:scene3d>
+    <dgm:txPr/>
+    <dgm:style>
+      <a:lnRef idx="0">
+        <a:scrgbClr r="0" g="0" b="0"/>
+      </a:lnRef>
+      <a:fillRef idx="1">
+        <a:scrgbClr r="0" g="0" b="0"/>
+      </a:fillRef>
+      <a:effectRef idx="0">
+        <a:scrgbClr r="0" g="0" b="0"/>
+      </a:effectRef>
+      <a:fontRef idx="minor">
+        <a:schemeClr val="lt1"/>
+      </a:fontRef>
+    </dgm:style>
+  </dgm:styleLbl>
+  <dgm:styleLbl name="callout">
+    <dgm:scene3d>
+      <a:camera prst="orthographicFront"/>
+      <a:lightRig rig="threePt" dir="t"/>
+    </dgm:scene3d>
+    <dgm:txPr/>
+    <dgm:style>
+      <a:lnRef idx="2">
+        <a:scrgbClr r="0" g="0" b="0"/>
+      </a:lnRef>
+      <a:fillRef idx="1">
+        <a:scrgbClr r="0" g="0" b="0"/>
+      </a:fillRef>
+      <a:effectRef idx="0">
+        <a:scrgbClr r="0" g="0" b="0"/>
+      </a:effectRef>
+      <a:fontRef idx="minor"/>
+    </dgm:style>
+  </dgm:styleLbl>
+  <dgm:styleLbl name="conFgAcc1">
+    <dgm:scene3d>
+      <a:camera prst="orthographicFront"/>
+      <a:lightRig rig="threePt" dir="t"/>
+    </dgm:scene3d>
+    <dgm:txPr/>
+    <dgm:style>
+      <a:lnRef idx="2">
+        <a:scrgbClr r="0" g="0" b="0"/>
+      </a:lnRef>
+      <a:fillRef idx="1">
+        <a:scrgbClr r="0" g="0" b="0"/>
+      </a:fillRef>
+      <a:effectRef idx="0">
+        <a:scrgbClr r="0" g="0" b="0"/>
+      </a:effectRef>
+      <a:fontRef idx="minor"/>
+    </dgm:style>
+  </dgm:styleLbl>
+  <dgm:styleLbl name="dkBgShp">
+    <dgm:scene3d>
+      <a:camera prst="orthographicFront"/>
+      <a:lightRig rig="threePt" dir="t"/>
+    </dgm:scene3d>
+    <dgm:txPr/>
+    <dgm:style>
+      <a:lnRef idx="0">
+        <a:scrgbClr r="0" g="0" b="0"/>
+      </a:lnRef>
+      <a:fillRef idx="1">
+        <a:scrgbClr r="0" g="0" b="0"/>
+      </a:fillRef>
+      <a:effectRef idx="0">
+        <a:scrgbClr r="0" g="0" b="0"/>
+      </a:effectRef>
+      <a:fontRef idx="minor"/>
+    </dgm:style>
+  </dgm:styleLbl>
+  <dgm:styleLbl name="fgAcc0">
+    <dgm:scene3d>
+      <a:camera prst="orthographicFront"/>
+      <a:lightRig rig="threePt" dir="t"/>
+    </dgm:scene3d>
+    <dgm:txPr/>
+    <dgm:style>
+      <a:lnRef idx="2">
+        <a:scrgbClr r="0" g="0" b="0"/>
+      </a:lnRef>
+      <a:fillRef idx="1">
+        <a:scrgbClr r="0" g="0" b="0"/>
+      </a:fillRef>
+      <a:effectRef idx="0">
+        <a:scrgbClr r="0" g="0" b="0"/>
+      </a:effectRef>
+      <a:fontRef idx="minor"/>
+    </dgm:style>
+  </dgm:styleLbl>
+  <dgm:styleLbl name="fgAcc1">
+    <dgm:scene3d>
+      <a:camera prst="orthographicFront"/>
+      <a:lightRig rig="threePt" dir="t"/>
+    </dgm:scene3d>
+    <dgm:txPr/>
+    <dgm:style>
+      <a:lnRef idx="2">
+        <a:scrgbClr r="0" g="0" b="0"/>
+      </a:lnRef>
+      <a:fillRef idx="1">
+        <a:scrgbClr r="0" g="0" b="0"/>
+      </a:fillRef>
+      <a:effectRef idx="0">
+        <a:scrgbClr r="0" g="0" b="0"/>
+      </a:effectRef>
+      <a:fontRef idx="minor"/>
+    </dgm:style>
+  </dgm:styleLbl>
+  <dgm:styleLbl name="fgAcc2">
+    <dgm:scene3d>
+      <a:camera prst="orthographicFront"/>
+      <a:lightRig rig="threePt" dir="t"/>
+    </dgm:scene3d>
+    <dgm:txPr/>
+    <dgm:style>
+      <a:lnRef idx="2">
+        <a:scrgbClr r="0" g="0" b="0"/>
+      </a:lnRef>
+      <a:fillRef idx="1">
+        <a:scrgbClr r="0" g="0" b="0"/>
+      </a:fillRef>
+      <a:effectRef idx="0">
+        <a:scrgbClr r="0" g="0" b="0"/>
+      </a:effectRef>
+      <a:fontRef idx="minor"/>
+    </dgm:style>
+  </dgm:styleLbl>
+  <dgm:styleLbl name="fgAcc3">
+    <dgm:scene3d>
+      <a:camera prst="orthographicFront"/>
+      <a:lightRig rig="threePt" dir="t"/>
+    </dgm:scene3d>
+    <dgm:txPr/>
+    <dgm:style>
+      <a:lnRef idx="2">
+        <a:scrgbClr r="0" g="0" b="0"/>
+      </a:lnRef>
+      <a:fillRef idx="1">
+        <a:scrgbClr r="0" g="0" b="0"/>
+      </a:fillRef>
+      <a:effectRef idx="0">
+        <a:scrgbClr r="0" g="0" b="0"/>
+      </a:effectRef>
+      <a:fontRef idx="minor"/>
+    </dgm:style>
+  </dgm:styleLbl>
+  <dgm:styleLbl name="fgAcc4">
+    <dgm:scene3d>
+      <a:camera prst="orthographicFront"/>
+      <a:lightRig rig="threePt" dir="t"/>
+    </dgm:scene3d>
+    <dgm:txPr/>
+    <dgm:style>
+      <a:lnRef idx="2">
+        <a:scrgbClr r="0" g="0" b="0"/>
+      </a:lnRef>
+      <a:fillRef idx="1">
+        <a:scrgbClr r="0" g="0" b="0"/>
+      </a:fillRef>
+      <a:effectRef idx="0">
+        <a:scrgbClr r="0" g="0" b="0"/>
+      </a:effectRef>
+      <a:fontRef idx="minor"/>
+    </dgm:style>
+  </dgm:styleLbl>
+  <dgm:styleLbl name="fgAccFollowNode1">
+    <dgm:scene3d>
+      <a:camera prst="orthographicFront"/>
+      <a:lightRig rig="threePt" dir="t"/>
+    </dgm:scene3d>
+    <dgm:txPr/>
+    <dgm:style>
+      <a:lnRef idx="2">
+        <a:scrgbClr r="0" g="0" b="0"/>
+      </a:lnRef>
+      <a:fillRef idx="1">
+        <a:scrgbClr r="0" g="0" b="0"/>
+      </a:fillRef>
+      <a:effectRef idx="0">
+        <a:scrgbClr r="0" g="0" b="0"/>
+      </a:effectRef>
+      <a:fontRef idx="minor"/>
+    </dgm:style>
+  </dgm:styleLbl>
+  <dgm:styleLbl name="fgImgPlace1">
+    <dgm:scene3d>
+      <a:camera prst="orthographicFront"/>
+      <a:lightRig rig="threePt" dir="t"/>
+    </dgm:scene3d>
+    <dgm:txPr/>
+    <dgm:style>
+      <a:lnRef idx="2">
+        <a:scrgbClr r="0" g="0" b="0"/>
+      </a:lnRef>
+      <a:fillRef idx="1">
+        <a:scrgbClr r="0" g="0" b="0"/>
+      </a:fillRef>
+      <a:effectRef idx="0">
+        <a:scrgbClr r="0" g="0" b="0"/>
+      </a:effectRef>
+      <a:fontRef idx="minor"/>
+    </dgm:style>
+  </dgm:styleLbl>
+  <dgm:styleLbl name="fgShp">
+    <dgm:scene3d>
+      <a:camera prst="orthographicFront"/>
+      <a:lightRig rig="threePt" dir="t"/>
+    </dgm:scene3d>
+    <dgm:txPr/>
+    <dgm:style>
+      <a:lnRef idx="2">
+        <a:scrgbClr r="0" g="0" b="0"/>
+      </a:lnRef>
+      <a:fillRef idx="1">
+        <a:scrgbClr r="0" g="0" b="0"/>
+      </a:fillRef>
+      <a:effectRef idx="0">
+        <a:scrgbClr r="0" g="0" b="0"/>
+      </a:effectRef>
+      <a:fontRef idx="minor"/>
+    </dgm:style>
+  </dgm:styleLbl>
+  <dgm:styleLbl name="fgSibTrans2D1">
+    <dgm:scene3d>
+      <a:camera prst="orthographicFront"/>
+      <a:lightRig rig="threePt" dir="t"/>
+    </dgm:scene3d>
+    <dgm:txPr/>
+    <dgm:style>
+      <a:lnRef idx="0">
+        <a:scrgbClr r="0" g="0" b="0"/>
+      </a:lnRef>
+      <a:fillRef idx="1">
+        <a:scrgbClr r="0" g="0" b="0"/>
+      </a:fillRef>
+      <a:effectRef idx="0">
+        <a:scrgbClr r="0" g="0" b="0"/>
+      </a:effectRef>
+      <a:fontRef idx="minor">
+        <a:schemeClr val="lt1"/>
+      </a:fontRef>
+    </dgm:style>
+  </dgm:styleLbl>
+  <dgm:styleLbl name="lnNode1">
+    <dgm:scene3d>
+      <a:camera prst="orthographicFront"/>
+      <a:lightRig rig="threePt" dir="t"/>
+    </dgm:scene3d>
+    <dgm:txPr/>
+    <dgm:style>
+      <a:lnRef idx="2">
+        <a:scrgbClr r="0" g="0" b="0"/>
+      </a:lnRef>
+      <a:fillRef idx="1">
+        <a:scrgbClr r="0" g="0" b="0"/>
+      </a:fillRef>
+      <a:effectRef idx="0">
+        <a:scrgbClr r="0" g="0" b="0"/>
+      </a:effectRef>
+      <a:fontRef idx="minor">
+        <a:schemeClr val="lt1"/>
+      </a:fontRef>
+    </dgm:style>
+  </dgm:styleLbl>
+  <dgm:styleLbl name="node0">
+    <dgm:scene3d>
+      <a:camera prst="orthographicFront"/>
+      <a:lightRig rig="threePt" dir="t"/>
+    </dgm:scene3d>
+    <dgm:txPr/>
+    <dgm:style>
+      <a:lnRef idx="2">
+        <a:scrgbClr r="0" g="0" b="0"/>
+      </a:lnRef>
+      <a:fillRef idx="1">
+        <a:scrgbClr r="0" g="0" b="0"/>
+      </a:fillRef>
+      <a:effectRef idx="0">
+        <a:scrgbClr r="0" g="0" b="0"/>
+      </a:effectRef>
+      <a:fontRef idx="minor">
+        <a:schemeClr val="lt1"/>
+      </a:fontRef>
+    </dgm:style>
+  </dgm:styleLbl>
+  <dgm:styleLbl name="node1">
+    <dgm:scene3d>
+      <a:camera prst="orthographicFront"/>
+      <a:lightRig rig="threePt" dir="t"/>
+    </dgm:scene3d>
+    <dgm:txPr/>
+    <dgm:style>
+      <a:lnRef idx="2">
+        <a:scrgbClr r="0" g="0" b="0"/>
+      </a:lnRef>
+      <a:fillRef idx="1">
+        <a:scrgbClr r="0" g="0" b="0"/>
+      </a:fillRef>
+      <a:effectRef idx="0">
+        <a:scrgbClr r="0" g="0" b="0"/>
+      </a:effectRef>
+      <a:fontRef idx="minor">
+        <a:schemeClr val="lt1"/>
+      </a:fontRef>
+    </dgm:style>
+  </dgm:styleLbl>
+  <dgm:styleLbl name="node2">
+    <dgm:scene3d>
+      <a:camera prst="orthographicFront"/>
+      <a:lightRig rig="threePt" dir="t"/>
+    </dgm:scene3d>
+    <dgm:txPr/>
+    <dgm:style>
+      <a:lnRef idx="2">
+        <a:scrgbClr r="0" g="0" b="0"/>
+      </a:lnRef>
+      <a:fillRef idx="1">
+        <a:scrgbClr r="0" g="0" b="0"/>
+      </a:fillRef>
+      <a:effectRef idx="0">
+        <a:scrgbClr r="0" g="0" b="0"/>
+      </a:effectRef>
+      <a:fontRef idx="minor">
+        <a:schemeClr val="lt1"/>
+      </a:fontRef>
+    </dgm:style>
+  </dgm:styleLbl>
+  <dgm:styleLbl name="node3">
+    <dgm:scene3d>
+      <a:camera prst="orthographicFront"/>
+      <a:lightRig rig="threePt" dir="t"/>
+    </dgm:scene3d>
+    <dgm:txPr/>
+    <dgm:style>
+      <a:lnRef idx="2">
+        <a:scrgbClr r="0" g="0" b="0"/>
+      </a:lnRef>
+      <a:fillRef idx="1">
+        <a:scrgbClr r="0" g="0" b="0"/>
+      </a:fillRef>
+      <a:effectRef idx="0">
+        <a:scrgbClr r="0" g="0" b="0"/>
+      </a:effectRef>
+      <a:fontRef idx="minor">
+        <a:schemeClr val="lt1"/>
+      </a:fontRef>
+    </dgm:style>
+  </dgm:styleLbl>
+  <dgm:styleLbl name="node4">
+    <dgm:scene3d>
+      <a:camera prst="orthographicFront"/>
+      <a:lightRig rig="threePt" dir="t"/>
+    </dgm:scene3d>
+    <dgm:txPr/>
+    <dgm:style>
+      <a:lnRef idx="2">
+        <a:scrgbClr r="0" g="0" b="0"/>
+      </a:lnRef>
+      <a:fillRef idx="1">
+        <a:scrgbClr r="0" g="0" b="0"/>
+      </a:fillRef>
+      <a:effectRef idx="0">
+        <a:scrgbClr r="0" g="0" b="0"/>
+      </a:effectRef>
+      <a:fontRef idx="minor">
+        <a:schemeClr val="lt1"/>
+      </a:fontRef>
+    </dgm:style>
+  </dgm:styleLbl>
+  <dgm:styleLbl name="parChTrans1D1">
+    <dgm:scene3d>
+      <a:camera prst="orthographicFront"/>
+      <a:lightRig rig="threePt" dir="t"/>
+    </dgm:scene3d>
+    <dgm:txPr/>
+    <dgm:style>
+      <a:lnRef idx="2">
+        <a:scrgbClr r="0" g="0" b="0"/>
+      </a:lnRef>
+      <a:fillRef idx="0">
+        <a:scrgbClr r="0" g="0" b="0"/>
+      </a:fillRef>
+      <a:effectRef idx="0">
+        <a:scrgbClr r="0" g="0" b="0"/>
+      </a:effectRef>
+      <a:fontRef idx="minor"/>
+    </dgm:style>
+  </dgm:styleLbl>
+  <dgm:styleLbl name="parChTrans1D2">
+    <dgm:scene3d>
+      <a:camera prst="orthographicFront"/>
+      <a:lightRig rig="threePt" dir="t"/>
+    </dgm:scene3d>
+    <dgm:txPr/>
+    <dgm:style>
+      <a:lnRef idx="2">
+        <a:scrgbClr r="0" g="0" b="0"/>
+      </a:lnRef>
+      <a:fillRef idx="0">
+        <a:scrgbClr r="0" g="0" b="0"/>
+      </a:fillRef>
+      <a:effectRef idx="0">
+        <a:scrgbClr r="0" g="0" b="0"/>
+      </a:effectRef>
+      <a:fontRef idx="minor"/>
+    </dgm:style>
+  </dgm:styleLbl>
+  <dgm:styleLbl name="parChTrans1D3">
+    <dgm:scene3d>
+      <a:camera prst="orthographicFront"/>
+      <a:lightRig rig="threePt" dir="t"/>
+    </dgm:scene3d>
+    <dgm:txPr/>
+    <dgm:style>
+      <a:lnRef idx="2">
+        <a:scrgbClr r="0" g="0" b="0"/>
+      </a:lnRef>
+      <a:fillRef idx="0">
+        <a:scrgbClr r="0" g="0" b="0"/>
+      </a:fillRef>
+      <a:effectRef idx="0">
+        <a:scrgbClr r="0" g="0" b="0"/>
+      </a:effectRef>
+      <a:fontRef idx="minor"/>
+    </dgm:style>
+  </dgm:styleLbl>
+  <dgm:styleLbl name="parChTrans1D4">
+    <dgm:scene3d>
+      <a:camera prst="orthographicFront"/>
+      <a:lightRig rig="threePt" dir="t"/>
+    </dgm:scene3d>
+    <dgm:txPr/>
+    <dgm:style>
+      <a:lnRef idx="2">
+        <a:scrgbClr r="0" g="0" b="0"/>
+      </a:lnRef>
+      <a:fillRef idx="0">
+        <a:scrgbClr r="0" g="0" b="0"/>
+      </a:fillRef>
+      <a:effectRef idx="0">
+        <a:scrgbClr r="0" g="0" b="0"/>
+      </a:effectRef>
+      <a:fontRef idx="minor"/>
+    </dgm:style>
+  </dgm:styleLbl>
+  <dgm:styleLbl name="parChTrans2D1">
+    <dgm:scene3d>
+      <a:camera prst="orthographicFront"/>
+      <a:lightRig rig="threePt" dir="t"/>
+    </dgm:scene3d>
+    <dgm:txPr/>
+    <dgm:style>
+      <a:lnRef idx="2">
+        <a:scrgbClr r="0" g="0" b="0"/>
+      </a:lnRef>
+      <a:fillRef idx="1">
+        <a:scrgbClr r="0" g="0" b="0"/>
+      </a:fillRef>
+      <a:effectRef idx="0">
+        <a:scrgbClr r="0" g="0" b="0"/>
+      </a:effectRef>
+      <a:fontRef idx="minor">
+        <a:schemeClr val="lt1"/>
+      </a:fontRef>
+    </dgm:style>
+  </dgm:styleLbl>
+  <dgm:styleLbl name="parChTrans2D2">
+    <dgm:scene3d>
+      <a:camera prst="orthographicFront"/>
+      <a:lightRig rig="threePt" dir="t"/>
+    </dgm:scene3d>
+    <dgm:txPr/>
+    <dgm:style>
+      <a:lnRef idx="2">
+        <a:scrgbClr r="0" g="0" b="0"/>
+      </a:lnRef>
+      <a:fillRef idx="1">
+        <a:scrgbClr r="0" g="0" b="0"/>
+      </a:fillRef>
+      <a:effectRef idx="0">
+        <a:scrgbClr r="0" g="0" b="0"/>
+      </a:effectRef>
+      <a:fontRef idx="minor">
+        <a:schemeClr val="lt1"/>
+      </a:fontRef>
+    </dgm:style>
+  </dgm:styleLbl>
+  <dgm:styleLbl name="parChTrans2D3">
+    <dgm:scene3d>
+      <a:camera prst="orthographicFront"/>
+      <a:lightRig rig="threePt" dir="t"/>
+    </dgm:scene3d>
+    <dgm:txPr/>
+    <dgm:style>
+      <a:lnRef idx="2">
+        <a:scrgbClr r="0" g="0" b="0"/>
+      </a:lnRef>
+      <a:fillRef idx="1">
+        <a:scrgbClr r="0" g="0" b="0"/>
+      </a:fillRef>
+      <a:effectRef idx="0">
+        <a:scrgbClr r="0" g="0" b="0"/>
+      </a:effectRef>
+      <a:fontRef idx="minor">
+        <a:schemeClr val="lt1"/>
+      </a:fontRef>
+    </dgm:style>
+  </dgm:styleLbl>
+  <dgm:styleLbl name="parChTrans2D4">
+    <dgm:scene3d>
+      <a:camera prst="orthographicFront"/>
+      <a:lightRig rig="threePt" dir="t"/>
+    </dgm:scene3d>
+    <dgm:txPr/>
+    <dgm:style>
+      <a:lnRef idx="2">
+        <a:scrgbClr r="0" g="0" b="0"/>
+      </a:lnRef>
+      <a:fillRef idx="1">
+        <a:scrgbClr r="0" g="0" b="0"/>
+      </a:fillRef>
+      <a:effectRef idx="0">
+        <a:scrgbClr r="0" g="0" b="0"/>
+      </a:effectRef>
+      <a:fontRef idx="minor">
+        <a:schemeClr val="lt1"/>
+      </a:fontRef>
+    </dgm:style>
+  </dgm:styleLbl>
+  <dgm:styleLbl name="revTx">
+    <dgm:scene3d>
+      <a:camera prst="orthographicFront"/>
+      <a:lightRig rig="threePt" dir="t"/>
+    </dgm:scene3d>
+    <dgm:txPr/>
+    <dgm:style>
+      <a:lnRef idx="0">
+        <a:scrgbClr r="0" g="0" b="0"/>
+      </a:lnRef>
+      <a:fillRef idx="0">
+        <a:scrgbClr r="0" g="0" b="0"/>
+      </a:fillRef>
+      <a:effectRef idx="0">
+        <a:scrgbClr r="0" g="0" b="0"/>
+      </a:effectRef>
+      <a:fontRef idx="minor"/>
+    </dgm:style>
+  </dgm:styleLbl>
+  <dgm:styleLbl name="sibTrans1D1">
+    <dgm:scene3d>
+      <a:camera prst="orthographicFront"/>
+      <a:lightRig rig="threePt" dir="t"/>
+    </dgm:scene3d>
+    <dgm:txPr/>
+    <dgm:style>
+      <a:lnRef idx="1">
+        <a:scrgbClr r="0" g="0" b="0"/>
+      </a:lnRef>
+      <a:fillRef idx="0">
+        <a:scrgbClr r="0" g="0" b="0"/>
+      </a:fillRef>
+      <a:effectRef idx="0">
+        <a:scrgbClr r="0" g="0" b="0"/>
+      </a:effectRef>
+      <a:fontRef idx="minor"/>
+    </dgm:style>
+  </dgm:styleLbl>
+  <dgm:styleLbl name="sibTrans2D1">
+    <dgm:scene3d>
+      <a:camera prst="orthographicFront"/>
+      <a:lightRig rig="threePt" dir="t"/>
+    </dgm:scene3d>
+    <dgm:txPr/>
+    <dgm:style>
+      <a:lnRef idx="0">
+        <a:scrgbClr r="0" g="0" b="0"/>
+      </a:lnRef>
+      <a:fillRef idx="1">
+        <a:scrgbClr r="0" g="0" b="0"/>
+      </a:fillRef>
+      <a:effectRef idx="0">
+        <a:scrgbClr r="0" g="0" b="0"/>
+      </a:effectRef>
+      <a:fontRef idx="minor">
+        <a:schemeClr val="lt1"/>
+      </a:fontRef>
+    </dgm:style>
+  </dgm:styleLbl>
+  <dgm:styleLbl name="solidAlignAcc1">
+    <dgm:scene3d>
+      <a:camera prst="orthographicFront"/>
+      <a:lightRig rig="threePt" dir="t"/>
+    </dgm:scene3d>
+    <dgm:txPr/>
+    <dgm:style>
+      <a:lnRef idx="2">
+        <a:scrgbClr r="0" g="0" b="0"/>
+      </a:lnRef>
+      <a:fillRef idx="1">
+        <a:scrgbClr r="0" g="0" b="0"/>
+      </a:fillRef>
+      <a:effectRef idx="0">
+        <a:scrgbClr r="0" g="0" b="0"/>
+      </a:effectRef>
+      <a:fontRef idx="minor"/>
+    </dgm:style>
+  </dgm:styleLbl>
+  <dgm:styleLbl name="solidBgAcc1">
+    <dgm:scene3d>
+      <a:camera prst="orthographicFront"/>
+      <a:lightRig rig="threePt" dir="t"/>
+    </dgm:scene3d>
+    <dgm:txPr/>
+    <dgm:style>
+      <a:lnRef idx="2">
+        <a:scrgbClr r="0" g="0" b="0"/>
+      </a:lnRef>
+      <a:fillRef idx="1">
+        <a:scrgbClr r="0" g="0" b="0"/>
+      </a:fillRef>
+      <a:effectRef idx="0">
+        <a:scrgbClr r="0" g="0" b="0"/>
+      </a:effectRef>
+      <a:fontRef idx="minor"/>
+    </dgm:style>
+  </dgm:styleLbl>
+  <dgm:styleLbl name="solidFgAcc1">
+    <dgm:scene3d>
+      <a:camera prst="orthographicFront"/>
+      <a:lightRig rig="threePt" dir="t"/>
+    </dgm:scene3d>
+    <dgm:txPr/>
+    <dgm:style>
+      <a:lnRef idx="2">
+        <a:scrgbClr r="0" g="0" b="0"/>
+      </a:lnRef>
+      <a:fillRef idx="1">
+        <a:scrgbClr r="0" g="0" b="0"/>
+      </a:fillRef>
+      <a:effectRef idx="0">
+        <a:scrgbClr r="0" g="0" b="0"/>
+      </a:effectRef>
+      <a:fontRef idx="minor"/>
+    </dgm:style>
+  </dgm:styleLbl>
+  <dgm:styleLbl name="trAlignAcc1">
+    <dgm:scene3d>
+      <a:camera prst="orthographicFront"/>
+      <a:lightRig rig="threePt" dir="t"/>
+    </dgm:scene3d>
+    <dgm:txPr/>
+    <dgm:style>
+      <a:lnRef idx="1">
+        <a:scrgbClr r="0" g="0" b="0"/>
+      </a:lnRef>
+      <a:fillRef idx="1">
+        <a:scrgbClr r="0" g="0" b="0"/>
+      </a:fillRef>
+      <a:effectRef idx="0">
+        <a:scrgbClr r="0" g="0" b="0"/>
+      </a:effectRef>
+      <a:fontRef idx="minor"/>
+    </dgm:style>
+  </dgm:styleLbl>
+  <dgm:styleLbl name="trBgShp">
+    <dgm:scene3d>
+      <a:camera prst="orthographicFront"/>
+      <a:lightRig rig="threePt" dir="t"/>
+    </dgm:scene3d>
+    <dgm:txPr/>
+    <dgm:style>
+      <a:lnRef idx="0">
+        <a:scrgbClr r="0" g="0" b="0"/>
+      </a:lnRef>
+      <a:fillRef idx="1">
+        <a:scrgbClr r="0" g="0" b="0"/>
+      </a:fillRef>
+      <a:effectRef idx="0">
+        <a:scrgbClr r="0" g="0" b="0"/>
+      </a:effectRef>
+      <a:fontRef idx="minor"/>
+    </dgm:style>
+  </dgm:styleLbl>
+  <dgm:styleLbl name="vennNode1">
+    <dgm:scene3d>
+      <a:camera prst="orthographicFront"/>
+      <a:lightRig rig="threePt" dir="t"/>
+    </dgm:scene3d>
+    <dgm:txPr/>
+    <dgm:style>
+      <a:lnRef idx="2">
+        <a:scrgbClr r="0" g="0" b="0"/>
+      </a:lnRef>
+      <a:fillRef idx="1">
+        <a:scrgbClr r="0" g="0" b="0"/>
+      </a:fillRef>
+      <a:effectRef idx="0">
+        <a:scrgbClr r="0" g="0" b="0"/>
+      </a:effectRef>
+      <a:fontRef idx="minor">
+        <a:schemeClr val="tx1"/>
+      </a:fontRef>
+    </dgm:style>
+  </dgm:styleLbl>
+</dgm:styleDef>
 </file>
 
 <file path=ppt/notesMasters/notesMaster1.xml><?xml version="1.0" encoding="utf-8"?>
@@ -211,7 +3221,6 @@
           <a:p>
             <a:fld id="{E7A6AE1F-63B1-47AD-9B8C-A17AEA898225}" type="datetimeFigureOut">
               <a:rPr lang="zh-CN" altLang="en-US" smtClean="0"/>
-              <a:t>2019/10/18</a:t>
             </a:fld>
             <a:endParaRPr lang="zh-CN" altLang="en-US"/>
           </a:p>
@@ -278,6 +3287,7 @@
               <a:rPr lang="zh-CN" altLang="en-US"/>
               <a:t>单击此处编辑母版文本样式</a:t>
             </a:r>
+            <a:endParaRPr lang="zh-CN" altLang="en-US"/>
           </a:p>
           <a:p>
             <a:pPr lvl="1"/>
@@ -285,6 +3295,7 @@
               <a:rPr lang="zh-CN" altLang="en-US"/>
               <a:t>第二级</a:t>
             </a:r>
+            <a:endParaRPr lang="zh-CN" altLang="en-US"/>
           </a:p>
           <a:p>
             <a:pPr lvl="2"/>
@@ -292,6 +3303,7 @@
               <a:rPr lang="zh-CN" altLang="en-US"/>
               <a:t>第三级</a:t>
             </a:r>
+            <a:endParaRPr lang="zh-CN" altLang="en-US"/>
           </a:p>
           <a:p>
             <a:pPr lvl="3"/>
@@ -299,6 +3311,7 @@
               <a:rPr lang="zh-CN" altLang="en-US"/>
               <a:t>第四级</a:t>
             </a:r>
+            <a:endParaRPr lang="zh-CN" altLang="en-US"/>
           </a:p>
           <a:p>
             <a:pPr lvl="4"/>
@@ -306,6 +3319,7 @@
               <a:rPr lang="zh-CN" altLang="en-US"/>
               <a:t>第五级</a:t>
             </a:r>
+            <a:endParaRPr lang="zh-CN" altLang="en-US"/>
           </a:p>
         </p:txBody>
       </p:sp>
@@ -369,18 +3383,12 @@
           <a:p>
             <a:fld id="{9CEB52F8-B5AC-413F-BEE6-6F443B985EDE}" type="slidenum">
               <a:rPr lang="zh-CN" altLang="en-US" smtClean="0"/>
-              <a:t>‹#›</a:t>
             </a:fld>
             <a:endParaRPr lang="zh-CN" altLang="en-US"/>
           </a:p>
         </p:txBody>
       </p:sp>
     </p:spTree>
-    <p:extLst>
-      <p:ext uri="{BB962C8B-B14F-4D97-AF65-F5344CB8AC3E}">
-        <p14:creationId xmlns:p14="http://schemas.microsoft.com/office/powerpoint/2010/main" val="2017490174"/>
-      </p:ext>
-    </p:extLst>
   </p:cSld>
   <p:clrMap bg1="lt1" tx1="dk1" bg2="lt2" tx2="dk2" accent1="accent1" accent2="accent2" accent3="accent3" accent4="accent4" accent5="accent5" accent6="accent6" hlink="hlink" folHlink="folHlink"/>
   <p:notesStyle>
@@ -504,15 +3512,11 @@
           <p:nvPr userDrawn="1"/>
         </p:nvPicPr>
         <p:blipFill rotWithShape="1">
-          <a:blip r:embed="rId2" cstate="screen">
-            <a:extLst>
-              <a:ext uri="{28A0092B-C50C-407E-A947-70E740481C1C}">
-                <a14:useLocalDpi xmlns:a14="http://schemas.microsoft.com/office/drawing/2010/main"/>
-              </a:ext>
-            </a:extLst>
-          </a:blip>
+          <a:blip r:embed="rId2" cstate="screen"/>
           <a:srcRect/>
-          <a:stretch/>
+          <a:stretch>
+            <a:fillRect/>
+          </a:stretch>
         </p:blipFill>
         <p:spPr>
           <a:xfrm>
@@ -719,8 +3723,8 @@
                   <a:solidFill>
                     <a:schemeClr val="bg1"/>
                   </a:solidFill>
-                  <a:latin typeface="Calibri" pitchFamily="34" charset="0"/>
-                  <a:cs typeface="Calibri" pitchFamily="34" charset="0"/>
+                  <a:latin typeface="Calibri" panose="020F0502020204030204" pitchFamily="34" charset="0"/>
+                  <a:cs typeface="Calibri" panose="020F0502020204030204" pitchFamily="34" charset="0"/>
                 </a:rPr>
                 <a:t>www.ickey.cn</a:t>
               </a:r>
@@ -728,8 +3732,8 @@
                 <a:solidFill>
                   <a:schemeClr val="bg1"/>
                 </a:solidFill>
-                <a:latin typeface="Calibri" pitchFamily="34" charset="0"/>
-                <a:cs typeface="Calibri" pitchFamily="34" charset="0"/>
+                <a:latin typeface="Calibri" panose="020F0502020204030204" pitchFamily="34" charset="0"/>
+                <a:cs typeface="Calibri" panose="020F0502020204030204" pitchFamily="34" charset="0"/>
               </a:endParaRPr>
             </a:p>
           </p:txBody>
@@ -791,13 +3795,7 @@
             <p:nvPr/>
           </p:nvPicPr>
           <p:blipFill>
-            <a:blip r:embed="rId3" cstate="screen">
-              <a:extLst>
-                <a:ext uri="{28A0092B-C50C-407E-A947-70E740481C1C}">
-                  <a14:useLocalDpi xmlns:a14="http://schemas.microsoft.com/office/drawing/2010/main"/>
-                </a:ext>
-              </a:extLst>
-            </a:blip>
+            <a:blip r:embed="rId3" cstate="screen"/>
             <a:srcRect/>
             <a:stretch>
               <a:fillRect/>
@@ -864,7 +3862,9 @@
             </a:extLst>
           </a:blip>
           <a:srcRect l="2988" t="20388" r="14587" b="14556"/>
-          <a:stretch/>
+          <a:stretch>
+            <a:fillRect/>
+          </a:stretch>
         </p:blipFill>
         <p:spPr bwMode="auto">
           <a:xfrm>
@@ -887,11 +3887,6 @@
         </p:spPr>
       </p:pic>
     </p:spTree>
-    <p:extLst>
-      <p:ext uri="{BB962C8B-B14F-4D97-AF65-F5344CB8AC3E}">
-        <p14:creationId xmlns:p14="http://schemas.microsoft.com/office/powerpoint/2010/main" val="3620940548"/>
-      </p:ext>
-    </p:extLst>
   </p:cSld>
   <p:clrMapOvr>
     <a:masterClrMapping/>
@@ -1037,7 +4032,9 @@
             </a:extLst>
           </a:blip>
           <a:srcRect l="2988" t="20388" r="14587" b="14556"/>
-          <a:stretch/>
+          <a:stretch>
+            <a:fillRect/>
+          </a:stretch>
         </p:blipFill>
         <p:spPr bwMode="auto">
           <a:xfrm>
@@ -1060,11 +4057,6 @@
         </p:spPr>
       </p:pic>
     </p:spTree>
-    <p:extLst>
-      <p:ext uri="{BB962C8B-B14F-4D97-AF65-F5344CB8AC3E}">
-        <p14:creationId xmlns:p14="http://schemas.microsoft.com/office/powerpoint/2010/main" val="3721595669"/>
-      </p:ext>
-    </p:extLst>
   </p:cSld>
   <p:clrMapOvr>
     <a:masterClrMapping/>
@@ -1092,9 +4084,7 @@
       <p:grpSp>
         <p:nvGrpSpPr>
           <p:cNvPr id="8" name="组合 11"/>
-          <p:cNvGrpSpPr>
-            <a:grpSpLocks/>
-          </p:cNvGrpSpPr>
+          <p:cNvGrpSpPr/>
           <p:nvPr userDrawn="1"/>
         </p:nvGrpSpPr>
         <p:grpSpPr bwMode="auto">
@@ -1325,7 +4315,9 @@
             </a:extLst>
           </a:blip>
           <a:srcRect l="2988" t="20388" r="14587" b="14556"/>
-          <a:stretch/>
+          <a:stretch>
+            <a:fillRect/>
+          </a:stretch>
         </p:blipFill>
         <p:spPr bwMode="auto">
           <a:xfrm>
@@ -1348,11 +4340,6 @@
         </p:spPr>
       </p:pic>
     </p:spTree>
-    <p:extLst>
-      <p:ext uri="{BB962C8B-B14F-4D97-AF65-F5344CB8AC3E}">
-        <p14:creationId xmlns:p14="http://schemas.microsoft.com/office/powerpoint/2010/main" val="1605675744"/>
-      </p:ext>
-    </p:extLst>
   </p:cSld>
   <p:clrMapOvr>
     <a:masterClrMapping/>
@@ -1386,15 +4373,11 @@
           <p:nvPr userDrawn="1"/>
         </p:nvPicPr>
         <p:blipFill rotWithShape="1">
-          <a:blip r:embed="rId2" cstate="screen">
-            <a:extLst>
-              <a:ext uri="{28A0092B-C50C-407E-A947-70E740481C1C}">
-                <a14:useLocalDpi xmlns:a14="http://schemas.microsoft.com/office/drawing/2010/main"/>
-              </a:ext>
-            </a:extLst>
-          </a:blip>
+          <a:blip r:embed="rId2" cstate="screen"/>
           <a:srcRect/>
-          <a:stretch/>
+          <a:stretch>
+            <a:fillRect/>
+          </a:stretch>
         </p:blipFill>
         <p:spPr>
           <a:xfrm>
@@ -1706,8 +4689,8 @@
                   <a:solidFill>
                     <a:schemeClr val="bg1"/>
                   </a:solidFill>
-                  <a:latin typeface="Calibri" pitchFamily="34" charset="0"/>
-                  <a:cs typeface="Calibri" pitchFamily="34" charset="0"/>
+                  <a:latin typeface="Calibri" panose="020F0502020204030204" pitchFamily="34" charset="0"/>
+                  <a:cs typeface="Calibri" panose="020F0502020204030204" pitchFamily="34" charset="0"/>
                 </a:rPr>
                 <a:t>www.ickey.cn</a:t>
               </a:r>
@@ -1715,8 +4698,8 @@
                 <a:solidFill>
                   <a:schemeClr val="bg1"/>
                 </a:solidFill>
-                <a:latin typeface="Calibri" pitchFamily="34" charset="0"/>
-                <a:cs typeface="Calibri" pitchFamily="34" charset="0"/>
+                <a:latin typeface="Calibri" panose="020F0502020204030204" pitchFamily="34" charset="0"/>
+                <a:cs typeface="Calibri" panose="020F0502020204030204" pitchFamily="34" charset="0"/>
               </a:endParaRPr>
             </a:p>
           </p:txBody>
@@ -1778,13 +4761,7 @@
             <p:nvPr/>
           </p:nvPicPr>
           <p:blipFill>
-            <a:blip r:embed="rId3" cstate="screen">
-              <a:extLst>
-                <a:ext uri="{28A0092B-C50C-407E-A947-70E740481C1C}">
-                  <a14:useLocalDpi xmlns:a14="http://schemas.microsoft.com/office/drawing/2010/main"/>
-                </a:ext>
-              </a:extLst>
-            </a:blip>
+            <a:blip r:embed="rId3" cstate="screen"/>
             <a:srcRect/>
             <a:stretch>
               <a:fillRect/>
@@ -1835,11 +4812,6 @@
         </p:pic>
       </p:grpSp>
     </p:spTree>
-    <p:extLst>
-      <p:ext uri="{BB962C8B-B14F-4D97-AF65-F5344CB8AC3E}">
-        <p14:creationId xmlns:p14="http://schemas.microsoft.com/office/powerpoint/2010/main" val="1596382098"/>
-      </p:ext>
-    </p:extLst>
   </p:cSld>
   <p:clrMapOvr>
     <a:masterClrMapping/>
@@ -2018,7 +4990,6 @@
           <a:p>
             <a:fld id="{7F10855C-C9CE-404D-9516-02768B0B9445}" type="datetimeFigureOut">
               <a:rPr lang="zh-CN" altLang="en-US" smtClean="0"/>
-              <a:t>2019/10/18</a:t>
             </a:fld>
             <a:endParaRPr lang="zh-CN" altLang="en-US"/>
           </a:p>
@@ -2060,18 +5031,12 @@
           <a:p>
             <a:fld id="{3C860A2B-FFB5-4C27-AAF9-3D9798C812F8}" type="slidenum">
               <a:rPr lang="zh-CN" altLang="en-US" smtClean="0"/>
-              <a:t>‹#›</a:t>
             </a:fld>
             <a:endParaRPr lang="zh-CN" altLang="en-US"/>
           </a:p>
         </p:txBody>
       </p:sp>
     </p:spTree>
-    <p:extLst>
-      <p:ext uri="{BB962C8B-B14F-4D97-AF65-F5344CB8AC3E}">
-        <p14:creationId xmlns:p14="http://schemas.microsoft.com/office/powerpoint/2010/main" val="3218727955"/>
-      </p:ext>
-    </p:extLst>
   </p:cSld>
   <p:clrMapOvr>
     <a:masterClrMapping/>
@@ -2174,6 +5139,7 @@
               <a:rPr lang="zh-CN" altLang="en-US"/>
               <a:t>单击此处编辑母版文本样式</a:t>
             </a:r>
+            <a:endParaRPr lang="zh-CN" altLang="en-US"/>
           </a:p>
           <a:p>
             <a:pPr lvl="1"/>
@@ -2181,6 +5147,7 @@
               <a:rPr lang="zh-CN" altLang="en-US"/>
               <a:t>二级</a:t>
             </a:r>
+            <a:endParaRPr lang="zh-CN" altLang="en-US"/>
           </a:p>
           <a:p>
             <a:pPr lvl="2"/>
@@ -2188,6 +5155,7 @@
               <a:rPr lang="zh-CN" altLang="en-US"/>
               <a:t>三级</a:t>
             </a:r>
+            <a:endParaRPr lang="zh-CN" altLang="en-US"/>
           </a:p>
           <a:p>
             <a:pPr lvl="3"/>
@@ -2195,6 +5163,7 @@
               <a:rPr lang="zh-CN" altLang="en-US"/>
               <a:t>四级</a:t>
             </a:r>
+            <a:endParaRPr lang="zh-CN" altLang="en-US"/>
           </a:p>
           <a:p>
             <a:pPr lvl="4"/>
@@ -2223,7 +5192,6 @@
           <a:p>
             <a:fld id="{7F10855C-C9CE-404D-9516-02768B0B9445}" type="datetimeFigureOut">
               <a:rPr lang="zh-CN" altLang="en-US" smtClean="0"/>
-              <a:t>2019/10/18</a:t>
             </a:fld>
             <a:endParaRPr lang="zh-CN" altLang="en-US"/>
           </a:p>
@@ -2265,18 +5233,12 @@
           <a:p>
             <a:fld id="{3C860A2B-FFB5-4C27-AAF9-3D9798C812F8}" type="slidenum">
               <a:rPr lang="zh-CN" altLang="en-US" smtClean="0"/>
-              <a:t>‹#›</a:t>
             </a:fld>
             <a:endParaRPr lang="zh-CN" altLang="en-US"/>
           </a:p>
         </p:txBody>
       </p:sp>
     </p:spTree>
-    <p:extLst>
-      <p:ext uri="{BB962C8B-B14F-4D97-AF65-F5344CB8AC3E}">
-        <p14:creationId xmlns:p14="http://schemas.microsoft.com/office/powerpoint/2010/main" val="3104782352"/>
-      </p:ext>
-    </p:extLst>
   </p:cSld>
   <p:clrMapOvr>
     <a:masterClrMapping/>
@@ -2307,20 +5269,15 @@
         </a:xfrm>
       </p:grpSpPr>
     </p:spTree>
-    <p:extLst>
-      <p:ext uri="{BB962C8B-B14F-4D97-AF65-F5344CB8AC3E}">
-        <p14:creationId xmlns:p14="http://schemas.microsoft.com/office/powerpoint/2010/main" val="4293927481"/>
-      </p:ext>
-    </p:extLst>
   </p:cSld>
   <p:clrMap bg1="lt1" tx1="dk1" bg2="lt2" tx2="dk2" accent1="accent1" accent2="accent2" accent3="accent3" accent4="accent4" accent5="accent5" accent6="accent6" hlink="hlink" folHlink="folHlink"/>
   <p:sldLayoutIdLst>
-    <p:sldLayoutId id="2147483651" r:id="rId1"/>
-    <p:sldLayoutId id="2147483649" r:id="rId2"/>
-    <p:sldLayoutId id="2147483650" r:id="rId3"/>
-    <p:sldLayoutId id="2147483654" r:id="rId4"/>
-    <p:sldLayoutId id="2147483655" r:id="rId5"/>
-    <p:sldLayoutId id="2147483656" r:id="rId6"/>
+    <p:sldLayoutId id="2147483649" r:id="rId1"/>
+    <p:sldLayoutId id="2147483650" r:id="rId2"/>
+    <p:sldLayoutId id="2147483651" r:id="rId3"/>
+    <p:sldLayoutId id="2147483652" r:id="rId4"/>
+    <p:sldLayoutId id="2147483653" r:id="rId5"/>
+    <p:sldLayoutId id="2147483654" r:id="rId6"/>
   </p:sldLayoutIdLst>
   <p:txStyles>
     <p:titleStyle>
@@ -2344,7 +5301,7 @@
         <a:spcBef>
           <a:spcPct val="20000"/>
         </a:spcBef>
-        <a:buFont typeface="Arial" pitchFamily="34" charset="0"/>
+        <a:buFont typeface="Arial" panose="020B0604020202020204" pitchFamily="34" charset="0"/>
         <a:buChar char="•"/>
         <a:defRPr sz="3200" kern="1200">
           <a:solidFill>
@@ -2359,7 +5316,7 @@
         <a:spcBef>
           <a:spcPct val="20000"/>
         </a:spcBef>
-        <a:buFont typeface="Arial" pitchFamily="34" charset="0"/>
+        <a:buFont typeface="Arial" panose="020B0604020202020204" pitchFamily="34" charset="0"/>
         <a:buChar char="–"/>
         <a:defRPr sz="2800" kern="1200">
           <a:solidFill>
@@ -2374,7 +5331,7 @@
         <a:spcBef>
           <a:spcPct val="20000"/>
         </a:spcBef>
-        <a:buFont typeface="Arial" pitchFamily="34" charset="0"/>
+        <a:buFont typeface="Arial" panose="020B0604020202020204" pitchFamily="34" charset="0"/>
         <a:buChar char="•"/>
         <a:defRPr sz="2400" kern="1200">
           <a:solidFill>
@@ -2389,7 +5346,7 @@
         <a:spcBef>
           <a:spcPct val="20000"/>
         </a:spcBef>
-        <a:buFont typeface="Arial" pitchFamily="34" charset="0"/>
+        <a:buFont typeface="Arial" panose="020B0604020202020204" pitchFamily="34" charset="0"/>
         <a:buChar char="–"/>
         <a:defRPr sz="2000" kern="1200">
           <a:solidFill>
@@ -2404,7 +5361,7 @@
         <a:spcBef>
           <a:spcPct val="20000"/>
         </a:spcBef>
-        <a:buFont typeface="Arial" pitchFamily="34" charset="0"/>
+        <a:buFont typeface="Arial" panose="020B0604020202020204" pitchFamily="34" charset="0"/>
         <a:buChar char="»"/>
         <a:defRPr sz="2000" kern="1200">
           <a:solidFill>
@@ -2419,7 +5376,7 @@
         <a:spcBef>
           <a:spcPct val="20000"/>
         </a:spcBef>
-        <a:buFont typeface="Arial" pitchFamily="34" charset="0"/>
+        <a:buFont typeface="Arial" panose="020B0604020202020204" pitchFamily="34" charset="0"/>
         <a:buChar char="•"/>
         <a:defRPr sz="2000" kern="1200">
           <a:solidFill>
@@ -2434,7 +5391,7 @@
         <a:spcBef>
           <a:spcPct val="20000"/>
         </a:spcBef>
-        <a:buFont typeface="Arial" pitchFamily="34" charset="0"/>
+        <a:buFont typeface="Arial" panose="020B0604020202020204" pitchFamily="34" charset="0"/>
         <a:buChar char="•"/>
         <a:defRPr sz="2000" kern="1200">
           <a:solidFill>
@@ -2449,7 +5406,7 @@
         <a:spcBef>
           <a:spcPct val="20000"/>
         </a:spcBef>
-        <a:buFont typeface="Arial" pitchFamily="34" charset="0"/>
+        <a:buFont typeface="Arial" panose="020B0604020202020204" pitchFamily="34" charset="0"/>
         <a:buChar char="•"/>
         <a:defRPr sz="2000" kern="1200">
           <a:solidFill>
@@ -2464,7 +5421,7 @@
         <a:spcBef>
           <a:spcPct val="20000"/>
         </a:spcBef>
-        <a:buFont typeface="Arial" pitchFamily="34" charset="0"/>
+        <a:buFont typeface="Arial" panose="020B0604020202020204" pitchFamily="34" charset="0"/>
         <a:buChar char="•"/>
         <a:defRPr sz="2000" kern="1200">
           <a:solidFill>
@@ -2619,8 +5576,8 @@
                 <a:solidFill>
                   <a:srgbClr val="00A0E8"/>
                 </a:solidFill>
-                <a:latin typeface="微软雅黑" pitchFamily="34" charset="-122"/>
-                <a:ea typeface="微软雅黑" pitchFamily="34" charset="-122"/>
+                <a:latin typeface="微软雅黑" panose="020B0503020204020204" pitchFamily="34" charset="-122"/>
+                <a:ea typeface="微软雅黑" panose="020B0503020204020204" pitchFamily="34" charset="-122"/>
               </a:rPr>
               <a:t>联接电子世界</a:t>
             </a:r>
@@ -2629,8 +5586,8 @@
                 <a:solidFill>
                   <a:srgbClr val="00A0E8"/>
                 </a:solidFill>
-                <a:latin typeface="微软雅黑" pitchFamily="34" charset="-122"/>
-                <a:ea typeface="微软雅黑" pitchFamily="34" charset="-122"/>
+                <a:latin typeface="微软雅黑" panose="020B0503020204020204" pitchFamily="34" charset="-122"/>
+                <a:ea typeface="微软雅黑" panose="020B0503020204020204" pitchFamily="34" charset="-122"/>
               </a:rPr>
               <a:t>  </a:t>
             </a:r>
@@ -2639,23 +5596,24 @@
                 <a:solidFill>
                   <a:srgbClr val="00A0E8"/>
                 </a:solidFill>
-                <a:latin typeface="微软雅黑" pitchFamily="34" charset="-122"/>
-                <a:ea typeface="微软雅黑" pitchFamily="34" charset="-122"/>
+                <a:latin typeface="微软雅黑" panose="020B0503020204020204" pitchFamily="34" charset="-122"/>
+                <a:ea typeface="微软雅黑" panose="020B0503020204020204" pitchFamily="34" charset="-122"/>
               </a:rPr>
               <a:t>共创产业繁荣</a:t>
             </a:r>
+            <a:endParaRPr lang="zh-CN" altLang="en-US" sz="2800" b="1" dirty="0">
+              <a:solidFill>
+                <a:srgbClr val="00A0E8"/>
+              </a:solidFill>
+              <a:latin typeface="微软雅黑" panose="020B0503020204020204" pitchFamily="34" charset="-122"/>
+              <a:ea typeface="微软雅黑" panose="020B0503020204020204" pitchFamily="34" charset="-122"/>
+            </a:endParaRPr>
           </a:p>
         </p:txBody>
       </p:sp>
       <p:sp>
         <p:nvSpPr>
-          <p:cNvPr id="3" name="文本框 2">
-            <a:extLst>
-              <a:ext uri="{FF2B5EF4-FFF2-40B4-BE49-F238E27FC236}">
-                <a16:creationId xmlns:a16="http://schemas.microsoft.com/office/drawing/2014/main" xmlns="" id="{97CDD2B7-C9DD-5546-A327-A40A9607ED01}"/>
-              </a:ext>
-            </a:extLst>
-          </p:cNvPr>
+          <p:cNvPr id="3" name="文本框 2"/>
           <p:cNvSpPr txBox="1"/>
           <p:nvPr/>
         </p:nvSpPr>
@@ -2701,13 +5659,7 @@
       </p:sp>
       <p:sp>
         <p:nvSpPr>
-          <p:cNvPr id="4" name="文本框 3">
-            <a:extLst>
-              <a:ext uri="{FF2B5EF4-FFF2-40B4-BE49-F238E27FC236}">
-                <a16:creationId xmlns:a16="http://schemas.microsoft.com/office/drawing/2014/main" xmlns="" id="{F24E04B7-3179-0140-8543-979C59479F63}"/>
-              </a:ext>
-            </a:extLst>
-          </p:cNvPr>
+          <p:cNvPr id="4" name="文本框 3"/>
           <p:cNvSpPr txBox="1"/>
           <p:nvPr/>
         </p:nvSpPr>
@@ -2761,11 +5713,6 @@
         </p:txBody>
       </p:sp>
     </p:spTree>
-    <p:extLst>
-      <p:ext uri="{BB962C8B-B14F-4D97-AF65-F5344CB8AC3E}">
-        <p14:creationId xmlns:p14="http://schemas.microsoft.com/office/powerpoint/2010/main" val="269202449"/>
-      </p:ext>
-    </p:extLst>
   </p:cSld>
   <p:clrMapOvr>
     <a:masterClrMapping/>
@@ -2790,214 +5737,51 @@
           <a:chExt cx="0" cy="0"/>
         </a:xfrm>
       </p:grpSpPr>
-      <p:sp>
-        <p:nvSpPr>
-          <p:cNvPr id="36" name="圆角矩形 35"/>
-          <p:cNvSpPr/>
+      <p:cxnSp>
+        <p:nvCxnSpPr>
+          <p:cNvPr id="2" name="直接连接符 1"/>
+          <p:cNvCxnSpPr/>
           <p:nvPr/>
-        </p:nvSpPr>
+        </p:nvCxnSpPr>
         <p:spPr>
           <a:xfrm>
-            <a:off x="4748810" y="1562076"/>
-            <a:ext cx="3470410" cy="428075"/>
+            <a:off x="0" y="581892"/>
+            <a:ext cx="9144000" cy="0"/>
           </a:xfrm>
-          <a:prstGeom prst="roundRect">
-            <a:avLst>
-              <a:gd name="adj" fmla="val 50000"/>
-            </a:avLst>
+          <a:prstGeom prst="line">
+            <a:avLst/>
           </a:prstGeom>
-          <a:solidFill>
-            <a:schemeClr val="accent3"/>
-          </a:solidFill>
-          <a:ln w="25400">
-            <a:gradFill flip="none" rotWithShape="1">
-              <a:gsLst>
-                <a:gs pos="0">
-                  <a:srgbClr val="CFCFCF"/>
-                </a:gs>
-                <a:gs pos="100000">
-                  <a:schemeClr val="bg1"/>
-                </a:gs>
-              </a:gsLst>
-              <a:lin ang="2700000" scaled="1"/>
-              <a:tileRect/>
-            </a:gradFill>
+          <a:ln w="19050">
+            <a:solidFill>
+              <a:schemeClr val="accent1"/>
+            </a:solidFill>
           </a:ln>
-          <a:effectLst>
-            <a:innerShdw blurRad="139700" dist="63500" dir="13500000">
-              <a:prstClr val="black">
-                <a:alpha val="40000"/>
-              </a:prstClr>
-            </a:innerShdw>
-          </a:effectLst>
         </p:spPr>
         <p:style>
-          <a:lnRef idx="2">
-            <a:schemeClr val="accent1">
-              <a:shade val="50000"/>
-            </a:schemeClr>
+          <a:lnRef idx="1">
+            <a:schemeClr val="accent1"/>
           </a:lnRef>
-          <a:fillRef idx="1">
+          <a:fillRef idx="0">
             <a:schemeClr val="accent1"/>
           </a:fillRef>
           <a:effectRef idx="0">
             <a:schemeClr val="accent1"/>
           </a:effectRef>
           <a:fontRef idx="minor">
-            <a:schemeClr val="lt1"/>
+            <a:schemeClr val="tx1"/>
           </a:fontRef>
         </p:style>
-        <p:txBody>
-          <a:bodyPr rtlCol="0" anchor="ctr"/>
-          <a:lstStyle/>
-          <a:p>
-            <a:pPr algn="ctr"/>
-            <a:endParaRPr lang="zh-CN" altLang="en-US" sz="1350"/>
-          </a:p>
-        </p:txBody>
-      </p:sp>
+      </p:cxnSp>
       <p:sp>
         <p:nvSpPr>
-          <p:cNvPr id="38" name="圆角矩形 37"/>
-          <p:cNvSpPr/>
-          <p:nvPr/>
-        </p:nvSpPr>
-        <p:spPr>
-          <a:xfrm>
-            <a:off x="4748810" y="2080720"/>
-            <a:ext cx="3470410" cy="428075"/>
-          </a:xfrm>
-          <a:prstGeom prst="roundRect">
-            <a:avLst>
-              <a:gd name="adj" fmla="val 50000"/>
-            </a:avLst>
-          </a:prstGeom>
-          <a:solidFill>
-            <a:schemeClr val="accent2"/>
-          </a:solidFill>
-          <a:ln w="25400">
-            <a:gradFill flip="none" rotWithShape="1">
-              <a:gsLst>
-                <a:gs pos="0">
-                  <a:srgbClr val="CFCFCF"/>
-                </a:gs>
-                <a:gs pos="100000">
-                  <a:schemeClr val="bg1"/>
-                </a:gs>
-              </a:gsLst>
-              <a:lin ang="2700000" scaled="1"/>
-              <a:tileRect/>
-            </a:gradFill>
-          </a:ln>
-          <a:effectLst>
-            <a:innerShdw blurRad="139700" dist="63500" dir="13500000">
-              <a:prstClr val="black">
-                <a:alpha val="40000"/>
-              </a:prstClr>
-            </a:innerShdw>
-          </a:effectLst>
-        </p:spPr>
-        <p:style>
-          <a:lnRef idx="2">
-            <a:schemeClr val="accent1">
-              <a:shade val="50000"/>
-            </a:schemeClr>
-          </a:lnRef>
-          <a:fillRef idx="1">
-            <a:schemeClr val="accent1"/>
-          </a:fillRef>
-          <a:effectRef idx="0">
-            <a:schemeClr val="accent1"/>
-          </a:effectRef>
-          <a:fontRef idx="minor">
-            <a:schemeClr val="lt1"/>
-          </a:fontRef>
-        </p:style>
-        <p:txBody>
-          <a:bodyPr rtlCol="0" anchor="ctr"/>
-          <a:lstStyle/>
-          <a:p>
-            <a:pPr algn="ctr"/>
-            <a:endParaRPr lang="zh-CN" altLang="en-US" sz="1350"/>
-          </a:p>
-        </p:txBody>
-      </p:sp>
-      <p:sp>
-        <p:nvSpPr>
-          <p:cNvPr id="39" name="圆角矩形 38"/>
-          <p:cNvSpPr/>
-          <p:nvPr/>
-        </p:nvSpPr>
-        <p:spPr>
-          <a:xfrm>
-            <a:off x="4748810" y="2599363"/>
-            <a:ext cx="3470410" cy="428075"/>
-          </a:xfrm>
-          <a:prstGeom prst="roundRect">
-            <a:avLst>
-              <a:gd name="adj" fmla="val 50000"/>
-            </a:avLst>
-          </a:prstGeom>
-          <a:solidFill>
-            <a:schemeClr val="accent3"/>
-          </a:solidFill>
-          <a:ln w="25400">
-            <a:gradFill flip="none" rotWithShape="1">
-              <a:gsLst>
-                <a:gs pos="0">
-                  <a:srgbClr val="CFCFCF"/>
-                </a:gs>
-                <a:gs pos="100000">
-                  <a:schemeClr val="bg1"/>
-                </a:gs>
-              </a:gsLst>
-              <a:lin ang="2700000" scaled="1"/>
-              <a:tileRect/>
-            </a:gradFill>
-          </a:ln>
-          <a:effectLst>
-            <a:innerShdw blurRad="139700" dist="63500" dir="13500000">
-              <a:prstClr val="black">
-                <a:alpha val="40000"/>
-              </a:prstClr>
-            </a:innerShdw>
-          </a:effectLst>
-        </p:spPr>
-        <p:style>
-          <a:lnRef idx="2">
-            <a:schemeClr val="accent1">
-              <a:shade val="50000"/>
-            </a:schemeClr>
-          </a:lnRef>
-          <a:fillRef idx="1">
-            <a:schemeClr val="accent1"/>
-          </a:fillRef>
-          <a:effectRef idx="0">
-            <a:schemeClr val="accent1"/>
-          </a:effectRef>
-          <a:fontRef idx="minor">
-            <a:schemeClr val="lt1"/>
-          </a:fontRef>
-        </p:style>
-        <p:txBody>
-          <a:bodyPr rtlCol="0" anchor="ctr"/>
-          <a:lstStyle/>
-          <a:p>
-            <a:pPr algn="ctr"/>
-            <a:endParaRPr lang="zh-CN" altLang="en-US" sz="1350"/>
-          </a:p>
-        </p:txBody>
-      </p:sp>
-      <p:sp>
-        <p:nvSpPr>
-          <p:cNvPr id="43" name="文本框 42"/>
+          <p:cNvPr id="3" name="文本框 2"/>
           <p:cNvSpPr txBox="1"/>
           <p:nvPr/>
         </p:nvSpPr>
         <p:spPr>
           <a:xfrm>
-            <a:off x="4743693" y="2125480"/>
-            <a:ext cx="2588508" cy="338554"/>
+            <a:off x="193574" y="189773"/>
+            <a:ext cx="3086619" cy="414020"/>
           </a:xfrm>
           <a:prstGeom prst="rect">
             <a:avLst/>
@@ -3010,47 +5794,38 @@
           </a:bodyPr>
           <a:lstStyle/>
           <a:p>
-            <a:pPr algn="ctr" fontAlgn="base">
-              <a:spcBef>
-                <a:spcPct val="0"/>
-              </a:spcBef>
-              <a:spcAft>
-                <a:spcPct val="0"/>
-              </a:spcAft>
-            </a:pPr>
             <a:r>
-              <a:rPr lang="en-US" altLang="zh-CN" sz="1600" b="1" dirty="0">
+              <a:rPr lang="zh-CN" altLang="en-US" sz="2100" b="1" dirty="0">
                 <a:solidFill>
-                  <a:schemeClr val="bg1"/>
+                  <a:srgbClr val="005973"/>
                 </a:solidFill>
-                <a:latin typeface="Arial" pitchFamily="34" charset="0"/>
-                <a:ea typeface="宋体" pitchFamily="2" charset="-122"/>
+                <a:latin typeface="微软雅黑" panose="020B0503020204020204" pitchFamily="34" charset="-122"/>
+                <a:ea typeface="微软雅黑" panose="020B0503020204020204" pitchFamily="34" charset="-122"/>
+                <a:cs typeface="Aharoni" panose="02010803020104030203" pitchFamily="2" charset="-79"/>
               </a:rPr>
-              <a:t>02</a:t>
+              <a:t>目录</a:t>
             </a:r>
-            <a:r>
-              <a:rPr lang="zh-CN" altLang="en-US" sz="1600" b="1" dirty="0">
-                <a:solidFill>
-                  <a:schemeClr val="bg1"/>
-                </a:solidFill>
-                <a:latin typeface="Arial" pitchFamily="34" charset="0"/>
-                <a:ea typeface="宋体" pitchFamily="2" charset="-122"/>
-              </a:rPr>
-              <a:t> 现在</a:t>
-            </a:r>
+            <a:endParaRPr lang="zh-CN" altLang="en-US" sz="2100" b="1" dirty="0">
+              <a:solidFill>
+                <a:srgbClr val="005973"/>
+              </a:solidFill>
+              <a:latin typeface="微软雅黑" panose="020B0503020204020204" pitchFamily="34" charset="-122"/>
+              <a:ea typeface="微软雅黑" panose="020B0503020204020204" pitchFamily="34" charset="-122"/>
+              <a:cs typeface="Aharoni" panose="02010803020104030203" pitchFamily="2" charset="-79"/>
+            </a:endParaRPr>
           </a:p>
         </p:txBody>
       </p:sp>
       <p:sp>
         <p:nvSpPr>
-          <p:cNvPr id="44" name="文本框 43"/>
+          <p:cNvPr id="70" name="文本框 69"/>
           <p:cNvSpPr txBox="1"/>
           <p:nvPr/>
         </p:nvSpPr>
         <p:spPr>
           <a:xfrm>
-            <a:off x="4748810" y="2629226"/>
-            <a:ext cx="2593181" cy="338554"/>
+            <a:off x="611560" y="1017810"/>
+            <a:ext cx="8020544" cy="1814830"/>
           </a:xfrm>
           <a:prstGeom prst="rect">
             <a:avLst/>
@@ -3063,774 +5838,88 @@
           </a:bodyPr>
           <a:lstStyle/>
           <a:p>
-            <a:pPr algn="ctr" fontAlgn="base">
-              <a:spcBef>
-                <a:spcPct val="0"/>
-              </a:spcBef>
-              <a:spcAft>
-                <a:spcPct val="0"/>
-              </a:spcAft>
-            </a:pPr>
             <a:r>
-              <a:rPr lang="en-US" altLang="zh-CN" sz="1600" b="1" dirty="0">
-                <a:solidFill>
-                  <a:schemeClr val="bg1"/>
-                </a:solidFill>
-                <a:latin typeface="Arial" pitchFamily="34" charset="0"/>
-                <a:ea typeface="宋体" pitchFamily="2" charset="-122"/>
-              </a:rPr>
-              <a:t>03</a:t>
+              <a:rPr lang="en-US" altLang="en-GB" sz="1400" dirty="0"/>
+              <a:t>1. Bom</a:t>
             </a:r>
             <a:r>
-              <a:rPr lang="zh-CN" altLang="en-US" sz="1600" b="1" dirty="0">
-                <a:solidFill>
-                  <a:schemeClr val="bg1"/>
-                </a:solidFill>
-                <a:latin typeface="Arial" pitchFamily="34" charset="0"/>
-                <a:ea typeface="宋体" pitchFamily="2" charset="-122"/>
-              </a:rPr>
-              <a:t> 未来</a:t>
-            </a:r>
-            <a:endParaRPr lang="en-US" altLang="zh-CN" sz="1600" b="1" dirty="0">
-              <a:solidFill>
-                <a:schemeClr val="bg1"/>
-              </a:solidFill>
-              <a:latin typeface="Arial" pitchFamily="34" charset="0"/>
-              <a:ea typeface="宋体" pitchFamily="2" charset="-122"/>
-            </a:endParaRPr>
-          </a:p>
-        </p:txBody>
-      </p:sp>
-      <p:sp>
-        <p:nvSpPr>
-          <p:cNvPr id="46" name="文本框 45"/>
-          <p:cNvSpPr txBox="1"/>
-          <p:nvPr/>
-        </p:nvSpPr>
-        <p:spPr>
-          <a:xfrm>
-            <a:off x="4929188" y="3280887"/>
-            <a:ext cx="3068955" cy="392415"/>
-          </a:xfrm>
-          <a:prstGeom prst="rect">
-            <a:avLst/>
-          </a:prstGeom>
-          <a:noFill/>
-        </p:spPr>
-        <p:txBody>
-          <a:bodyPr wrap="square" rtlCol="0">
-            <a:spAutoFit/>
-          </a:bodyPr>
-          <a:lstStyle/>
-          <a:p>
-            <a:pPr algn="ctr"/>
-            <a:r>
-              <a:rPr lang="en-US" altLang="zh-CN" sz="1500" b="1" dirty="0">
-                <a:solidFill>
-                  <a:schemeClr val="bg1"/>
-                </a:solidFill>
-                <a:latin typeface="微软雅黑" panose="020B0503020204020204" pitchFamily="34" charset="-122"/>
-                <a:ea typeface="微软雅黑" panose="020B0503020204020204" pitchFamily="34" charset="-122"/>
-                <a:cs typeface="Aharoni" panose="02010803020104030203" pitchFamily="2" charset="-79"/>
-              </a:rPr>
-              <a:t> 05   </a:t>
+              <a:rPr lang="zh-CN" altLang="en-US" sz="1400" dirty="0"/>
+              <a:t>前台化</a:t>
             </a:r>
             <a:r>
-              <a:rPr lang="zh-CN" altLang="en-US" sz="1950" b="1" dirty="0">
-                <a:solidFill>
-                  <a:schemeClr val="bg1"/>
-                </a:solidFill>
-                <a:latin typeface="微软雅黑" panose="020B0503020204020204" pitchFamily="34" charset="-122"/>
-                <a:ea typeface="微软雅黑" panose="020B0503020204020204" pitchFamily="34" charset="-122"/>
-                <a:cs typeface="Aharoni" panose="02010803020104030203" pitchFamily="2" charset="-79"/>
-              </a:rPr>
-              <a:t>下一阶段工作计划</a:t>
+              <a:rPr lang="zh-CN" altLang="en-US" sz="1400" dirty="0"/>
+              <a:t>的简单介绍</a:t>
             </a:r>
+            <a:endParaRPr lang="zh-CN" altLang="en-US" sz="1400" dirty="0"/>
           </a:p>
-        </p:txBody>
-      </p:sp>
-      <p:sp>
-        <p:nvSpPr>
-          <p:cNvPr id="21" name="椭圆 20"/>
-          <p:cNvSpPr/>
-          <p:nvPr/>
-        </p:nvSpPr>
-        <p:spPr>
-          <a:xfrm>
-            <a:off x="3238256" y="3131527"/>
-            <a:ext cx="508464" cy="508464"/>
-          </a:xfrm>
-          <a:prstGeom prst="ellipse">
-            <a:avLst/>
-          </a:prstGeom>
-          <a:gradFill flip="none" rotWithShape="1">
-            <a:gsLst>
-              <a:gs pos="0">
-                <a:schemeClr val="accent1"/>
-              </a:gs>
-              <a:gs pos="100000">
-                <a:schemeClr val="accent1">
-                  <a:lumMod val="50000"/>
-                </a:schemeClr>
-              </a:gs>
-            </a:gsLst>
-            <a:lin ang="13500000" scaled="1"/>
-            <a:tileRect/>
-          </a:gradFill>
-          <a:ln w="25400">
-            <a:gradFill flip="none" rotWithShape="1">
-              <a:gsLst>
-                <a:gs pos="0">
-                  <a:schemeClr val="accent1"/>
-                </a:gs>
-                <a:gs pos="100000">
-                  <a:schemeClr val="accent1">
-                    <a:lumMod val="50000"/>
-                  </a:schemeClr>
-                </a:gs>
-              </a:gsLst>
-              <a:lin ang="2700000" scaled="1"/>
-              <a:tileRect/>
-            </a:gradFill>
-          </a:ln>
-          <a:effectLst>
-            <a:outerShdw blurRad="152400" dist="152400" dir="2700000" algn="tl" rotWithShape="0">
-              <a:prstClr val="black">
-                <a:alpha val="60000"/>
-              </a:prstClr>
-            </a:outerShdw>
-          </a:effectLst>
-        </p:spPr>
-        <p:style>
-          <a:lnRef idx="2">
-            <a:schemeClr val="accent1">
-              <a:shade val="50000"/>
-            </a:schemeClr>
-          </a:lnRef>
-          <a:fillRef idx="1">
-            <a:schemeClr val="accent1"/>
-          </a:fillRef>
-          <a:effectRef idx="0">
-            <a:schemeClr val="accent1"/>
-          </a:effectRef>
-          <a:fontRef idx="minor">
-            <a:schemeClr val="lt1"/>
-          </a:fontRef>
-        </p:style>
-        <p:txBody>
-          <a:bodyPr rtlCol="0" anchor="ctr"/>
-          <a:lstStyle/>
           <a:p>
-            <a:pPr algn="ctr"/>
-            <a:endParaRPr lang="zh-CN" altLang="en-US" sz="1050">
-              <a:solidFill>
-                <a:prstClr val="white"/>
-              </a:solidFill>
-            </a:endParaRPr>
+            <a:endParaRPr lang="en-US" altLang="zh-CN" sz="1400" dirty="0"/>
           </a:p>
-        </p:txBody>
-      </p:sp>
-      <p:sp>
-        <p:nvSpPr>
-          <p:cNvPr id="22" name="椭圆 21"/>
-          <p:cNvSpPr/>
-          <p:nvPr/>
-        </p:nvSpPr>
-        <p:spPr>
-          <a:xfrm>
-            <a:off x="1272092" y="1065673"/>
-            <a:ext cx="622370" cy="622370"/>
-          </a:xfrm>
-          <a:prstGeom prst="ellipse">
-            <a:avLst/>
-          </a:prstGeom>
-          <a:gradFill flip="none" rotWithShape="1">
-            <a:gsLst>
-              <a:gs pos="0">
-                <a:schemeClr val="accent2"/>
-              </a:gs>
-              <a:gs pos="100000">
-                <a:schemeClr val="accent2">
-                  <a:lumMod val="50000"/>
-                </a:schemeClr>
-              </a:gs>
-            </a:gsLst>
-            <a:lin ang="13500000" scaled="1"/>
-            <a:tileRect/>
-          </a:gradFill>
-          <a:ln w="25400">
-            <a:gradFill flip="none" rotWithShape="1">
-              <a:gsLst>
-                <a:gs pos="0">
-                  <a:schemeClr val="accent2"/>
-                </a:gs>
-                <a:gs pos="100000">
-                  <a:schemeClr val="accent2">
-                    <a:lumMod val="50000"/>
-                  </a:schemeClr>
-                </a:gs>
-              </a:gsLst>
-              <a:lin ang="2700000" scaled="1"/>
-              <a:tileRect/>
-            </a:gradFill>
-          </a:ln>
-          <a:effectLst>
-            <a:outerShdw blurRad="152400" dist="152400" dir="2700000" algn="tl" rotWithShape="0">
-              <a:prstClr val="black">
-                <a:alpha val="60000"/>
-              </a:prstClr>
-            </a:outerShdw>
-          </a:effectLst>
-        </p:spPr>
-        <p:style>
-          <a:lnRef idx="2">
-            <a:schemeClr val="accent1">
-              <a:shade val="50000"/>
-            </a:schemeClr>
-          </a:lnRef>
-          <a:fillRef idx="1">
-            <a:schemeClr val="accent1"/>
-          </a:fillRef>
-          <a:effectRef idx="0">
-            <a:schemeClr val="accent1"/>
-          </a:effectRef>
-          <a:fontRef idx="minor">
-            <a:schemeClr val="lt1"/>
-          </a:fontRef>
-        </p:style>
-        <p:txBody>
-          <a:bodyPr rtlCol="0" anchor="ctr"/>
-          <a:lstStyle/>
           <a:p>
-            <a:pPr algn="ctr"/>
-            <a:endParaRPr lang="zh-CN" altLang="en-US" sz="1050">
-              <a:solidFill>
-                <a:prstClr val="white"/>
-              </a:solidFill>
-            </a:endParaRPr>
-          </a:p>
-        </p:txBody>
-      </p:sp>
-      <p:sp>
-        <p:nvSpPr>
-          <p:cNvPr id="23" name="椭圆 22"/>
-          <p:cNvSpPr/>
-          <p:nvPr/>
-        </p:nvSpPr>
-        <p:spPr>
-          <a:xfrm>
-            <a:off x="843365" y="2452490"/>
-            <a:ext cx="577566" cy="577566"/>
-          </a:xfrm>
-          <a:prstGeom prst="ellipse">
-            <a:avLst/>
-          </a:prstGeom>
-          <a:gradFill flip="none" rotWithShape="1">
-            <a:gsLst>
-              <a:gs pos="0">
-                <a:schemeClr val="accent3"/>
-              </a:gs>
-              <a:gs pos="100000">
-                <a:schemeClr val="accent3">
-                  <a:lumMod val="50000"/>
-                </a:schemeClr>
-              </a:gs>
-            </a:gsLst>
-            <a:lin ang="13500000" scaled="1"/>
-            <a:tileRect/>
-          </a:gradFill>
-          <a:ln w="25400">
-            <a:gradFill flip="none" rotWithShape="1">
-              <a:gsLst>
-                <a:gs pos="0">
-                  <a:schemeClr val="accent3"/>
-                </a:gs>
-                <a:gs pos="100000">
-                  <a:schemeClr val="accent3">
-                    <a:lumMod val="50000"/>
-                  </a:schemeClr>
-                </a:gs>
-              </a:gsLst>
-              <a:lin ang="2700000" scaled="1"/>
-              <a:tileRect/>
-            </a:gradFill>
-          </a:ln>
-          <a:effectLst>
-            <a:outerShdw blurRad="152400" dist="152400" dir="2700000" algn="tl" rotWithShape="0">
-              <a:prstClr val="black">
-                <a:alpha val="60000"/>
-              </a:prstClr>
-            </a:outerShdw>
-          </a:effectLst>
-        </p:spPr>
-        <p:style>
-          <a:lnRef idx="2">
-            <a:schemeClr val="accent1">
-              <a:shade val="50000"/>
-            </a:schemeClr>
-          </a:lnRef>
-          <a:fillRef idx="1">
-            <a:schemeClr val="accent1"/>
-          </a:fillRef>
-          <a:effectRef idx="0">
-            <a:schemeClr val="accent1"/>
-          </a:effectRef>
-          <a:fontRef idx="minor">
-            <a:schemeClr val="lt1"/>
-          </a:fontRef>
-        </p:style>
-        <p:txBody>
-          <a:bodyPr rtlCol="0" anchor="ctr"/>
-          <a:lstStyle/>
-          <a:p>
-            <a:pPr algn="ctr"/>
-            <a:endParaRPr lang="zh-CN" altLang="en-US" sz="1050">
-              <a:solidFill>
-                <a:prstClr val="white"/>
-              </a:solidFill>
-            </a:endParaRPr>
-          </a:p>
-        </p:txBody>
-      </p:sp>
-      <p:sp>
-        <p:nvSpPr>
-          <p:cNvPr id="24" name="椭圆 23"/>
-          <p:cNvSpPr/>
-          <p:nvPr/>
-        </p:nvSpPr>
-        <p:spPr>
-          <a:xfrm>
-            <a:off x="2920991" y="1012078"/>
-            <a:ext cx="547058" cy="547058"/>
-          </a:xfrm>
-          <a:prstGeom prst="ellipse">
-            <a:avLst/>
-          </a:prstGeom>
-          <a:gradFill flip="none" rotWithShape="1">
-            <a:gsLst>
-              <a:gs pos="0">
-                <a:schemeClr val="accent4"/>
-              </a:gs>
-              <a:gs pos="100000">
-                <a:schemeClr val="accent4">
-                  <a:lumMod val="50000"/>
-                </a:schemeClr>
-              </a:gs>
-            </a:gsLst>
-            <a:lin ang="13500000" scaled="1"/>
-            <a:tileRect/>
-          </a:gradFill>
-          <a:ln w="25400">
-            <a:gradFill flip="none" rotWithShape="1">
-              <a:gsLst>
-                <a:gs pos="0">
-                  <a:schemeClr val="accent4"/>
-                </a:gs>
-                <a:gs pos="100000">
-                  <a:schemeClr val="accent4">
-                    <a:lumMod val="50000"/>
-                  </a:schemeClr>
-                </a:gs>
-              </a:gsLst>
-              <a:lin ang="2700000" scaled="1"/>
-              <a:tileRect/>
-            </a:gradFill>
-          </a:ln>
-          <a:effectLst>
-            <a:outerShdw blurRad="152400" dist="152400" dir="2700000" algn="tl" rotWithShape="0">
-              <a:prstClr val="black">
-                <a:alpha val="60000"/>
-              </a:prstClr>
-            </a:outerShdw>
-          </a:effectLst>
-        </p:spPr>
-        <p:style>
-          <a:lnRef idx="2">
-            <a:schemeClr val="accent1">
-              <a:shade val="50000"/>
-            </a:schemeClr>
-          </a:lnRef>
-          <a:fillRef idx="1">
-            <a:schemeClr val="accent1"/>
-          </a:fillRef>
-          <a:effectRef idx="0">
-            <a:schemeClr val="accent1"/>
-          </a:effectRef>
-          <a:fontRef idx="minor">
-            <a:schemeClr val="lt1"/>
-          </a:fontRef>
-        </p:style>
-        <p:txBody>
-          <a:bodyPr rtlCol="0" anchor="ctr"/>
-          <a:lstStyle/>
-          <a:p>
-            <a:pPr algn="ctr"/>
-            <a:endParaRPr lang="zh-CN" altLang="en-US" sz="1050">
-              <a:solidFill>
-                <a:prstClr val="white"/>
-              </a:solidFill>
-            </a:endParaRPr>
-          </a:p>
-        </p:txBody>
-      </p:sp>
-      <p:sp>
-        <p:nvSpPr>
-          <p:cNvPr id="26" name="椭圆 25"/>
-          <p:cNvSpPr/>
-          <p:nvPr/>
-        </p:nvSpPr>
-        <p:spPr>
-          <a:xfrm>
-            <a:off x="1816060" y="2847574"/>
-            <a:ext cx="840416" cy="840416"/>
-          </a:xfrm>
-          <a:prstGeom prst="ellipse">
-            <a:avLst/>
-          </a:prstGeom>
-          <a:gradFill flip="none" rotWithShape="1">
-            <a:gsLst>
-              <a:gs pos="0">
-                <a:schemeClr val="bg1"/>
-              </a:gs>
-              <a:gs pos="100000">
-                <a:schemeClr val="bg1">
-                  <a:lumMod val="85000"/>
-                </a:schemeClr>
-              </a:gs>
-            </a:gsLst>
-            <a:lin ang="13500000" scaled="1"/>
-            <a:tileRect/>
-          </a:gradFill>
-          <a:ln w="25400">
-            <a:gradFill flip="none" rotWithShape="1">
-              <a:gsLst>
-                <a:gs pos="0">
-                  <a:schemeClr val="bg1">
-                    <a:lumMod val="100000"/>
-                  </a:schemeClr>
-                </a:gs>
-                <a:gs pos="100000">
-                  <a:schemeClr val="bg1">
-                    <a:lumMod val="85000"/>
-                  </a:schemeClr>
-                </a:gs>
-              </a:gsLst>
-              <a:lin ang="2700000" scaled="1"/>
-              <a:tileRect/>
-            </a:gradFill>
-          </a:ln>
-          <a:effectLst>
-            <a:outerShdw blurRad="152400" dist="152400" dir="2700000" algn="tl" rotWithShape="0">
-              <a:prstClr val="black">
-                <a:alpha val="60000"/>
-              </a:prstClr>
-            </a:outerShdw>
-          </a:effectLst>
-        </p:spPr>
-        <p:style>
-          <a:lnRef idx="2">
-            <a:schemeClr val="accent1">
-              <a:shade val="50000"/>
-            </a:schemeClr>
-          </a:lnRef>
-          <a:fillRef idx="1">
-            <a:schemeClr val="accent1"/>
-          </a:fillRef>
-          <a:effectRef idx="0">
-            <a:schemeClr val="accent1"/>
-          </a:effectRef>
-          <a:fontRef idx="minor">
-            <a:schemeClr val="lt1"/>
-          </a:fontRef>
-        </p:style>
-        <p:txBody>
-          <a:bodyPr rtlCol="0" anchor="ctr"/>
-          <a:lstStyle/>
-          <a:p>
-            <a:pPr algn="ctr"/>
-            <a:endParaRPr lang="zh-CN" altLang="en-US" sz="1050">
-              <a:solidFill>
-                <a:prstClr val="white"/>
-              </a:solidFill>
-            </a:endParaRPr>
-          </a:p>
-        </p:txBody>
-      </p:sp>
-      <p:sp>
-        <p:nvSpPr>
-          <p:cNvPr id="27" name="椭圆 26"/>
-          <p:cNvSpPr/>
-          <p:nvPr/>
-        </p:nvSpPr>
-        <p:spPr>
-          <a:xfrm>
-            <a:off x="3572955" y="2332740"/>
-            <a:ext cx="616951" cy="616951"/>
-          </a:xfrm>
-          <a:prstGeom prst="ellipse">
-            <a:avLst/>
-          </a:prstGeom>
-          <a:gradFill flip="none" rotWithShape="1">
-            <a:gsLst>
-              <a:gs pos="0">
-                <a:schemeClr val="bg1"/>
-              </a:gs>
-              <a:gs pos="100000">
-                <a:schemeClr val="bg1">
-                  <a:lumMod val="85000"/>
-                </a:schemeClr>
-              </a:gs>
-            </a:gsLst>
-            <a:lin ang="13500000" scaled="1"/>
-            <a:tileRect/>
-          </a:gradFill>
-          <a:ln w="25400">
-            <a:gradFill flip="none" rotWithShape="1">
-              <a:gsLst>
-                <a:gs pos="0">
-                  <a:schemeClr val="bg1">
-                    <a:lumMod val="100000"/>
-                  </a:schemeClr>
-                </a:gs>
-                <a:gs pos="100000">
-                  <a:schemeClr val="bg1">
-                    <a:lumMod val="85000"/>
-                  </a:schemeClr>
-                </a:gs>
-              </a:gsLst>
-              <a:lin ang="2700000" scaled="1"/>
-              <a:tileRect/>
-            </a:gradFill>
-          </a:ln>
-          <a:effectLst>
-            <a:outerShdw blurRad="152400" dist="152400" dir="2700000" algn="tl" rotWithShape="0">
-              <a:prstClr val="black">
-                <a:alpha val="60000"/>
-              </a:prstClr>
-            </a:outerShdw>
-          </a:effectLst>
-        </p:spPr>
-        <p:style>
-          <a:lnRef idx="2">
-            <a:schemeClr val="accent1">
-              <a:shade val="50000"/>
-            </a:schemeClr>
-          </a:lnRef>
-          <a:fillRef idx="1">
-            <a:schemeClr val="accent1"/>
-          </a:fillRef>
-          <a:effectRef idx="0">
-            <a:schemeClr val="accent1"/>
-          </a:effectRef>
-          <a:fontRef idx="minor">
-            <a:schemeClr val="lt1"/>
-          </a:fontRef>
-        </p:style>
-        <p:txBody>
-          <a:bodyPr rtlCol="0" anchor="ctr"/>
-          <a:lstStyle/>
-          <a:p>
-            <a:pPr algn="ctr"/>
-            <a:endParaRPr lang="zh-CN" altLang="en-US" sz="1050">
-              <a:solidFill>
-                <a:prstClr val="white"/>
-              </a:solidFill>
-            </a:endParaRPr>
-          </a:p>
-        </p:txBody>
-      </p:sp>
-      <p:sp>
-        <p:nvSpPr>
-          <p:cNvPr id="28" name="椭圆 27"/>
-          <p:cNvSpPr/>
-          <p:nvPr/>
-        </p:nvSpPr>
-        <p:spPr>
-          <a:xfrm>
-            <a:off x="1796062" y="1262606"/>
-            <a:ext cx="1926219" cy="1926219"/>
-          </a:xfrm>
-          <a:prstGeom prst="ellipse">
-            <a:avLst/>
-          </a:prstGeom>
-          <a:gradFill flip="none" rotWithShape="1">
-            <a:gsLst>
-              <a:gs pos="0">
-                <a:schemeClr val="bg1"/>
-              </a:gs>
-              <a:gs pos="100000">
-                <a:schemeClr val="bg1">
-                  <a:lumMod val="75000"/>
-                </a:schemeClr>
-              </a:gs>
-            </a:gsLst>
-            <a:lin ang="13500000" scaled="1"/>
-            <a:tileRect/>
-          </a:gradFill>
-          <a:ln w="38100">
-            <a:gradFill flip="none" rotWithShape="1">
-              <a:gsLst>
-                <a:gs pos="0">
-                  <a:schemeClr val="bg1">
-                    <a:lumMod val="100000"/>
-                  </a:schemeClr>
-                </a:gs>
-                <a:gs pos="100000">
-                  <a:schemeClr val="bg1">
-                    <a:lumMod val="85000"/>
-                  </a:schemeClr>
-                </a:gs>
-              </a:gsLst>
-              <a:lin ang="2700000" scaled="1"/>
-              <a:tileRect/>
-            </a:gradFill>
-          </a:ln>
-          <a:effectLst>
-            <a:outerShdw blurRad="254000" dist="203200" dir="2700000" algn="tl" rotWithShape="0">
-              <a:prstClr val="black">
-                <a:alpha val="60000"/>
-              </a:prstClr>
-            </a:outerShdw>
-          </a:effectLst>
-        </p:spPr>
-        <p:style>
-          <a:lnRef idx="2">
-            <a:schemeClr val="accent1">
-              <a:shade val="50000"/>
-            </a:schemeClr>
-          </a:lnRef>
-          <a:fillRef idx="1">
-            <a:schemeClr val="accent1"/>
-          </a:fillRef>
-          <a:effectRef idx="0">
-            <a:schemeClr val="accent1"/>
-          </a:effectRef>
-          <a:fontRef idx="minor">
-            <a:schemeClr val="lt1"/>
-          </a:fontRef>
-        </p:style>
-        <p:txBody>
-          <a:bodyPr rtlCol="0" anchor="ctr"/>
-          <a:lstStyle/>
-          <a:p>
-            <a:pPr algn="ctr"/>
-            <a:endParaRPr lang="zh-CN" altLang="en-US" sz="1050">
-              <a:solidFill>
-                <a:prstClr val="white"/>
-              </a:solidFill>
-            </a:endParaRPr>
-          </a:p>
-        </p:txBody>
-      </p:sp>
-      <p:sp>
-        <p:nvSpPr>
-          <p:cNvPr id="29" name="文本框 28"/>
-          <p:cNvSpPr txBox="1"/>
-          <p:nvPr/>
-        </p:nvSpPr>
-        <p:spPr>
-          <a:xfrm>
-            <a:off x="2089757" y="1845106"/>
-            <a:ext cx="1338829" cy="784830"/>
-          </a:xfrm>
-          <a:prstGeom prst="rect">
-            <a:avLst/>
-          </a:prstGeom>
-          <a:noFill/>
-          <a:effectLst/>
-        </p:spPr>
-        <p:txBody>
-          <a:bodyPr wrap="none" rtlCol="0">
-            <a:spAutoFit/>
-          </a:bodyPr>
-          <a:lstStyle/>
-          <a:p>
-            <a:pPr algn="ctr"/>
             <a:r>
-              <a:rPr lang="zh-CN" altLang="en-US" sz="4500" b="1" dirty="0">
-                <a:solidFill>
-                  <a:schemeClr val="accent1"/>
-                </a:solidFill>
-                <a:latin typeface="微软雅黑" panose="020B0503020204020204" pitchFamily="34" charset="-122"/>
-                <a:ea typeface="微软雅黑" panose="020B0503020204020204" pitchFamily="34" charset="-122"/>
-              </a:rPr>
-              <a:t>目录</a:t>
-            </a:r>
-          </a:p>
-        </p:txBody>
-      </p:sp>
-      <p:sp>
-        <p:nvSpPr>
-          <p:cNvPr id="20" name="文本框 19">
-            <a:extLst>
-              <a:ext uri="{FF2B5EF4-FFF2-40B4-BE49-F238E27FC236}">
-                <a16:creationId xmlns:a16="http://schemas.microsoft.com/office/drawing/2014/main" xmlns="" id="{F394FAF7-65C8-4348-A850-5771243878A3}"/>
-              </a:ext>
-            </a:extLst>
-          </p:cNvPr>
-          <p:cNvSpPr txBox="1"/>
-          <p:nvPr/>
-        </p:nvSpPr>
-        <p:spPr>
-          <a:xfrm>
-            <a:off x="4739019" y="1618160"/>
-            <a:ext cx="2593181" cy="338554"/>
-          </a:xfrm>
-          <a:prstGeom prst="rect">
-            <a:avLst/>
-          </a:prstGeom>
-          <a:noFill/>
-        </p:spPr>
-        <p:txBody>
-          <a:bodyPr wrap="square" rtlCol="0">
-            <a:spAutoFit/>
-          </a:bodyPr>
-          <a:lstStyle>
-            <a:defPPr>
-              <a:defRPr lang="zh-CN"/>
-            </a:defPPr>
-            <a:lvl1pPr fontAlgn="base">
-              <a:spcBef>
-                <a:spcPct val="0"/>
-              </a:spcBef>
-              <a:spcAft>
-                <a:spcPct val="0"/>
-              </a:spcAft>
-              <a:defRPr sz="1600" b="1">
-                <a:solidFill>
-                  <a:schemeClr val="bg1"/>
-                </a:solidFill>
-                <a:latin typeface="Arial" pitchFamily="34" charset="0"/>
-                <a:ea typeface="宋体" pitchFamily="2" charset="-122"/>
-              </a:defRPr>
-            </a:lvl1pPr>
-          </a:lstStyle>
-          <a:p>
-            <a:pPr algn="ctr"/>
-            <a:r>
-              <a:rPr lang="en-US" altLang="zh-CN" dirty="0"/>
-              <a:t>01</a:t>
+              <a:rPr lang="en-US" altLang="zh-CN" sz="1400" dirty="0"/>
+              <a:t>2. Bom</a:t>
             </a:r>
             <a:r>
-              <a:rPr lang="zh-CN" altLang="en-US" dirty="0"/>
-              <a:t> 过去</a:t>
+              <a:rPr lang="zh-CN" altLang="en-US" sz="1400" dirty="0"/>
+              <a:t>前台化的历程</a:t>
             </a:r>
+            <a:endParaRPr lang="zh-CN" altLang="en-US" sz="1400" dirty="0"/>
+          </a:p>
+          <a:p>
+            <a:endParaRPr lang="en-US" altLang="zh-CN" sz="1400" dirty="0"/>
+          </a:p>
+          <a:p>
+            <a:r>
+              <a:rPr lang="en-US" altLang="zh-CN" sz="1400" dirty="0"/>
+              <a:t>3. Bom</a:t>
+            </a:r>
+            <a:r>
+              <a:rPr lang="zh-CN" altLang="en-US" sz="1400" dirty="0"/>
+              <a:t>前台化暴露的</a:t>
+            </a:r>
+            <a:r>
+              <a:rPr lang="zh-CN" altLang="en-US" sz="1400" dirty="0"/>
+              <a:t>问题</a:t>
+            </a:r>
+            <a:endParaRPr lang="zh-CN" altLang="en-US" sz="1400" dirty="0"/>
+          </a:p>
+          <a:p>
+            <a:endParaRPr lang="en-US" altLang="zh-CN" sz="1400" dirty="0"/>
+          </a:p>
+          <a:p>
+            <a:r>
+              <a:rPr lang="en-US" altLang="zh-CN" sz="1400" dirty="0"/>
+              <a:t>4. Bom</a:t>
+            </a:r>
+            <a:r>
+              <a:rPr lang="zh-CN" altLang="en-US" sz="1400" dirty="0"/>
+              <a:t>前台化成果</a:t>
+            </a:r>
+            <a:endParaRPr lang="en-GB" altLang="zh-CN" sz="1400" dirty="0"/>
+          </a:p>
+          <a:p>
+            <a:endParaRPr lang="en-GB" altLang="zh-CN" sz="1400" dirty="0"/>
           </a:p>
         </p:txBody>
       </p:sp>
     </p:spTree>
-    <p:extLst>
-      <p:ext uri="{BB962C8B-B14F-4D97-AF65-F5344CB8AC3E}">
-        <p14:creationId xmlns:p14="http://schemas.microsoft.com/office/powerpoint/2010/main" val="331237722"/>
-      </p:ext>
-    </p:extLst>
   </p:cSld>
   <p:clrMapOvr>
     <a:masterClrMapping/>
   </p:clrMapOvr>
-  <p:transition spd="slow">
-    <p:fade/>
-  </p:transition>
+  <mc:AlternateContent xmlns:mc="http://schemas.openxmlformats.org/markup-compatibility/2006">
+    <mc:Choice xmlns:p14="http://schemas.microsoft.com/office/powerpoint/2010/main" Requires="p14">
+      <p:transition spd="slow" p14:dur="1400">
+        <p14:doors dir="vert"/>
+      </p:transition>
+    </mc:Choice>
+    <mc:Fallback>
+      <p:transition spd="slow">
+        <p:fade/>
+      </p:transition>
+    </mc:Fallback>
+  </mc:AlternateContent>
   <p:timing>
     <p:tnLst>
       <p:par>
@@ -3855,7 +5944,7 @@
                             </p:stCondLst>
                             <p:childTnLst>
                               <p:par>
-                                <p:cTn id="5" presetID="53" presetClass="entr" presetSubtype="16" fill="hold" grpId="0" nodeType="afterEffect">
+                                <p:cTn id="5" presetID="53" presetClass="entr" presetSubtype="16" fill="hold" nodeType="afterEffect">
                                   <p:stCondLst>
                                     <p:cond delay="0"/>
                                   </p:stCondLst>
@@ -3868,7 +5957,7 @@
                                           </p:stCondLst>
                                         </p:cTn>
                                         <p:tgtEl>
-                                          <p:spTgt spid="28"/>
+                                          <p:spTgt spid="2"/>
                                         </p:tgtEl>
                                         <p:attrNameLst>
                                           <p:attrName>style.visibility</p:attrName>
@@ -3880,9 +5969,9 @@
                                     </p:set>
                                     <p:anim calcmode="lin" valueType="num">
                                       <p:cBhvr>
-                                        <p:cTn id="7" dur="250" fill="hold"/>
+                                        <p:cTn id="7" dur="500" fill="hold"/>
                                         <p:tgtEl>
-                                          <p:spTgt spid="28"/>
+                                          <p:spTgt spid="2"/>
                                         </p:tgtEl>
                                         <p:attrNameLst>
                                           <p:attrName>ppt_w</p:attrName>
@@ -3903,9 +5992,9 @@
                                     </p:anim>
                                     <p:anim calcmode="lin" valueType="num">
                                       <p:cBhvr>
-                                        <p:cTn id="8" dur="250" fill="hold"/>
+                                        <p:cTn id="8" dur="500" fill="hold"/>
                                         <p:tgtEl>
-                                          <p:spTgt spid="28"/>
+                                          <p:spTgt spid="2"/>
                                         </p:tgtEl>
                                         <p:attrNameLst>
                                           <p:attrName>ppt_h</p:attrName>
@@ -3926,9 +6015,9 @@
                                     </p:anim>
                                     <p:animEffect transition="in" filter="fade">
                                       <p:cBhvr>
-                                        <p:cTn id="9" dur="250"/>
+                                        <p:cTn id="9" dur="500"/>
                                         <p:tgtEl>
-                                          <p:spTgt spid="28"/>
+                                          <p:spTgt spid="2"/>
                                         </p:tgtEl>
                                       </p:cBhvr>
                                     </p:animEffect>
@@ -3936,56 +6025,42 @@
                                 </p:cTn>
                               </p:par>
                               <p:par>
-                                <p:cTn id="10" presetID="6" presetClass="emph" presetSubtype="0" decel="100000" fill="hold" grpId="1" nodeType="withEffect">
+                                <p:cTn id="10" presetID="35" presetClass="path" presetSubtype="0" accel="50000" decel="50000" fill="hold" nodeType="withEffect">
                                   <p:stCondLst>
-                                    <p:cond delay="200"/>
+                                    <p:cond delay="0"/>
                                   </p:stCondLst>
                                   <p:childTnLst>
-                                    <p:animScale>
+                                    <p:animMotion origin="layout" path="M 0 -4.44444E-6 L -0.52956 -4.44444E-6 " pathEditMode="relative" rAng="0" ptsTypes="AA">
                                       <p:cBhvr>
-                                        <p:cTn id="11" dur="250" fill="hold"/>
+                                        <p:cTn id="11" dur="1000" spd="-100000" fill="hold"/>
                                         <p:tgtEl>
-                                          <p:spTgt spid="28"/>
+                                          <p:spTgt spid="2"/>
                                         </p:tgtEl>
+                                        <p:attrNameLst>
+                                          <p:attrName>ppt_x</p:attrName>
+                                          <p:attrName>ppt_y</p:attrName>
+                                        </p:attrNameLst>
                                       </p:cBhvr>
-                                      <p:by x="120000" y="120000"/>
-                                    </p:animScale>
+                                      <p:rCtr x="-26484" y="0"/>
+                                    </p:animMotion>
                                   </p:childTnLst>
                                 </p:cTn>
                               </p:par>
                               <p:par>
-                                <p:cTn id="12" presetID="6" presetClass="emph" presetSubtype="0" decel="100000" fill="hold" grpId="2" nodeType="withEffect">
+                                <p:cTn id="12" presetID="53" presetClass="entr" presetSubtype="16" fill="hold" grpId="0" nodeType="withEffect">
                                   <p:stCondLst>
-                                    <p:cond delay="400"/>
-                                  </p:stCondLst>
-                                  <p:childTnLst>
-                                    <p:animScale>
-                                      <p:cBhvr>
-                                        <p:cTn id="13" dur="250" fill="hold"/>
-                                        <p:tgtEl>
-                                          <p:spTgt spid="28"/>
-                                        </p:tgtEl>
-                                      </p:cBhvr>
-                                      <p:by x="83000" y="83000"/>
-                                    </p:animScale>
-                                  </p:childTnLst>
-                                </p:cTn>
-                              </p:par>
-                              <p:par>
-                                <p:cTn id="14" presetID="53" presetClass="entr" presetSubtype="16" fill="hold" grpId="0" nodeType="withEffect">
-                                  <p:stCondLst>
-                                    <p:cond delay="400"/>
+                                    <p:cond delay="0"/>
                                   </p:stCondLst>
                                   <p:childTnLst>
                                     <p:set>
                                       <p:cBhvr>
-                                        <p:cTn id="15" dur="1" fill="hold">
+                                        <p:cTn id="13" dur="1" fill="hold">
                                           <p:stCondLst>
                                             <p:cond delay="0"/>
                                           </p:stCondLst>
                                         </p:cTn>
                                         <p:tgtEl>
-                                          <p:spTgt spid="29"/>
+                                          <p:spTgt spid="3"/>
                                         </p:tgtEl>
                                         <p:attrNameLst>
                                           <p:attrName>style.visibility</p:attrName>
@@ -3997,9 +6072,9 @@
                                     </p:set>
                                     <p:anim calcmode="lin" valueType="num">
                                       <p:cBhvr>
-                                        <p:cTn id="16" dur="250" fill="hold"/>
+                                        <p:cTn id="14" dur="500" fill="hold"/>
                                         <p:tgtEl>
-                                          <p:spTgt spid="29"/>
+                                          <p:spTgt spid="3"/>
                                         </p:tgtEl>
                                         <p:attrNameLst>
                                           <p:attrName>ppt_w</p:attrName>
@@ -4020,9 +6095,9 @@
                                     </p:anim>
                                     <p:anim calcmode="lin" valueType="num">
                                       <p:cBhvr>
-                                        <p:cTn id="17" dur="250" fill="hold"/>
+                                        <p:cTn id="15" dur="500" fill="hold"/>
                                         <p:tgtEl>
-                                          <p:spTgt spid="29"/>
+                                          <p:spTgt spid="3"/>
                                         </p:tgtEl>
                                         <p:attrNameLst>
                                           <p:attrName>ppt_h</p:attrName>
@@ -4043,9 +6118,9 @@
                                     </p:anim>
                                     <p:animEffect transition="in" filter="fade">
                                       <p:cBhvr>
-                                        <p:cTn id="18" dur="250"/>
+                                        <p:cTn id="16" dur="500"/>
                                         <p:tgtEl>
-                                          <p:spTgt spid="29"/>
+                                          <p:spTgt spid="3"/>
                                         </p:tgtEl>
                                       </p:cBhvr>
                                     </p:animEffect>
@@ -4053,1085 +6128,24 @@
                                 </p:cTn>
                               </p:par>
                               <p:par>
-                                <p:cTn id="19" presetID="6" presetClass="emph" presetSubtype="0" decel="100000" fill="hold" grpId="1" nodeType="withEffect">
-                                  <p:stCondLst>
-                                    <p:cond delay="600"/>
-                                  </p:stCondLst>
-                                  <p:childTnLst>
-                                    <p:animScale>
-                                      <p:cBhvr>
-                                        <p:cTn id="20" dur="250" fill="hold"/>
-                                        <p:tgtEl>
-                                          <p:spTgt spid="29"/>
-                                        </p:tgtEl>
-                                      </p:cBhvr>
-                                      <p:by x="120000" y="120000"/>
-                                    </p:animScale>
-                                  </p:childTnLst>
-                                </p:cTn>
-                              </p:par>
-                              <p:par>
-                                <p:cTn id="21" presetID="6" presetClass="emph" presetSubtype="0" decel="100000" fill="hold" grpId="2" nodeType="withEffect">
-                                  <p:stCondLst>
-                                    <p:cond delay="800"/>
-                                  </p:stCondLst>
-                                  <p:childTnLst>
-                                    <p:animScale>
-                                      <p:cBhvr>
-                                        <p:cTn id="22" dur="250" fill="hold"/>
-                                        <p:tgtEl>
-                                          <p:spTgt spid="29"/>
-                                        </p:tgtEl>
-                                      </p:cBhvr>
-                                      <p:by x="83000" y="83000"/>
-                                    </p:animScale>
-                                  </p:childTnLst>
-                                </p:cTn>
-                              </p:par>
-                            </p:childTnLst>
-                          </p:cTn>
-                        </p:par>
-                        <p:par>
-                          <p:cTn id="23" fill="hold">
-                            <p:stCondLst>
-                              <p:cond delay="500"/>
-                            </p:stCondLst>
-                            <p:childTnLst>
-                              <p:par>
-                                <p:cTn id="24" presetID="53" presetClass="entr" presetSubtype="16" fill="hold" grpId="0" nodeType="afterEffect">
-                                  <p:stCondLst>
-                                    <p:cond delay="200"/>
-                                  </p:stCondLst>
-                                  <p:childTnLst>
-                                    <p:set>
-                                      <p:cBhvr>
-                                        <p:cTn id="25" dur="1" fill="hold">
-                                          <p:stCondLst>
-                                            <p:cond delay="0"/>
-                                          </p:stCondLst>
-                                        </p:cTn>
-                                        <p:tgtEl>
-                                          <p:spTgt spid="22"/>
-                                        </p:tgtEl>
-                                        <p:attrNameLst>
-                                          <p:attrName>style.visibility</p:attrName>
-                                        </p:attrNameLst>
-                                      </p:cBhvr>
-                                      <p:to>
-                                        <p:strVal val="visible"/>
-                                      </p:to>
-                                    </p:set>
-                                    <p:anim calcmode="lin" valueType="num">
-                                      <p:cBhvr>
-                                        <p:cTn id="26" dur="500" fill="hold"/>
-                                        <p:tgtEl>
-                                          <p:spTgt spid="22"/>
-                                        </p:tgtEl>
-                                        <p:attrNameLst>
-                                          <p:attrName>ppt_w</p:attrName>
-                                        </p:attrNameLst>
-                                      </p:cBhvr>
-                                      <p:tavLst>
-                                        <p:tav tm="0">
-                                          <p:val>
-                                            <p:fltVal val="0"/>
-                                          </p:val>
-                                        </p:tav>
-                                        <p:tav tm="100000">
-                                          <p:val>
-                                            <p:strVal val="#ppt_w"/>
-                                          </p:val>
-                                        </p:tav>
-                                      </p:tavLst>
-                                    </p:anim>
-                                    <p:anim calcmode="lin" valueType="num">
-                                      <p:cBhvr>
-                                        <p:cTn id="27" dur="500" fill="hold"/>
-                                        <p:tgtEl>
-                                          <p:spTgt spid="22"/>
-                                        </p:tgtEl>
-                                        <p:attrNameLst>
-                                          <p:attrName>ppt_h</p:attrName>
-                                        </p:attrNameLst>
-                                      </p:cBhvr>
-                                      <p:tavLst>
-                                        <p:tav tm="0">
-                                          <p:val>
-                                            <p:fltVal val="0"/>
-                                          </p:val>
-                                        </p:tav>
-                                        <p:tav tm="100000">
-                                          <p:val>
-                                            <p:strVal val="#ppt_h"/>
-                                          </p:val>
-                                        </p:tav>
-                                      </p:tavLst>
-                                    </p:anim>
-                                    <p:animEffect transition="in" filter="fade">
-                                      <p:cBhvr>
-                                        <p:cTn id="28" dur="500"/>
-                                        <p:tgtEl>
-                                          <p:spTgt spid="22"/>
-                                        </p:tgtEl>
-                                      </p:cBhvr>
-                                    </p:animEffect>
-                                  </p:childTnLst>
-                                </p:cTn>
-                              </p:par>
-                              <p:par>
-                                <p:cTn id="29" presetID="53" presetClass="entr" presetSubtype="16" fill="hold" grpId="0" nodeType="withEffect">
+                                <p:cTn id="17" presetID="35" presetClass="path" presetSubtype="0" accel="50000" decel="50000" fill="hold" grpId="1" nodeType="withEffect">
                                   <p:stCondLst>
                                     <p:cond delay="0"/>
                                   </p:stCondLst>
                                   <p:childTnLst>
-                                    <p:set>
+                                    <p:animMotion origin="layout" path="M 0 2.59259E-6 L 0.12148 2.59259E-6 " pathEditMode="relative" rAng="0" ptsTypes="AA">
                                       <p:cBhvr>
-                                        <p:cTn id="30" dur="1" fill="hold">
-                                          <p:stCondLst>
-                                            <p:cond delay="0"/>
-                                          </p:stCondLst>
-                                        </p:cTn>
+                                        <p:cTn id="18" dur="1000" spd="-100000" fill="hold"/>
                                         <p:tgtEl>
-                                          <p:spTgt spid="23"/>
-                                        </p:tgtEl>
-                                        <p:attrNameLst>
-                                          <p:attrName>style.visibility</p:attrName>
-                                        </p:attrNameLst>
-                                      </p:cBhvr>
-                                      <p:to>
-                                        <p:strVal val="visible"/>
-                                      </p:to>
-                                    </p:set>
-                                    <p:anim calcmode="lin" valueType="num">
-                                      <p:cBhvr>
-                                        <p:cTn id="31" dur="500" fill="hold"/>
-                                        <p:tgtEl>
-                                          <p:spTgt spid="23"/>
-                                        </p:tgtEl>
-                                        <p:attrNameLst>
-                                          <p:attrName>ppt_w</p:attrName>
-                                        </p:attrNameLst>
-                                      </p:cBhvr>
-                                      <p:tavLst>
-                                        <p:tav tm="0">
-                                          <p:val>
-                                            <p:fltVal val="0"/>
-                                          </p:val>
-                                        </p:tav>
-                                        <p:tav tm="100000">
-                                          <p:val>
-                                            <p:strVal val="#ppt_w"/>
-                                          </p:val>
-                                        </p:tav>
-                                      </p:tavLst>
-                                    </p:anim>
-                                    <p:anim calcmode="lin" valueType="num">
-                                      <p:cBhvr>
-                                        <p:cTn id="32" dur="500" fill="hold"/>
-                                        <p:tgtEl>
-                                          <p:spTgt spid="23"/>
-                                        </p:tgtEl>
-                                        <p:attrNameLst>
-                                          <p:attrName>ppt_h</p:attrName>
-                                        </p:attrNameLst>
-                                      </p:cBhvr>
-                                      <p:tavLst>
-                                        <p:tav tm="0">
-                                          <p:val>
-                                            <p:fltVal val="0"/>
-                                          </p:val>
-                                        </p:tav>
-                                        <p:tav tm="100000">
-                                          <p:val>
-                                            <p:strVal val="#ppt_h"/>
-                                          </p:val>
-                                        </p:tav>
-                                      </p:tavLst>
-                                    </p:anim>
-                                    <p:animEffect transition="in" filter="fade">
-                                      <p:cBhvr>
-                                        <p:cTn id="33" dur="500"/>
-                                        <p:tgtEl>
-                                          <p:spTgt spid="23"/>
-                                        </p:tgtEl>
-                                      </p:cBhvr>
-                                    </p:animEffect>
-                                  </p:childTnLst>
-                                </p:cTn>
-                              </p:par>
-                              <p:par>
-                                <p:cTn id="34" presetID="53" presetClass="entr" presetSubtype="16" fill="hold" grpId="0" nodeType="withEffect">
-                                  <p:stCondLst>
-                                    <p:cond delay="400"/>
-                                  </p:stCondLst>
-                                  <p:childTnLst>
-                                    <p:set>
-                                      <p:cBhvr>
-                                        <p:cTn id="35" dur="1" fill="hold">
-                                          <p:stCondLst>
-                                            <p:cond delay="0"/>
-                                          </p:stCondLst>
-                                        </p:cTn>
-                                        <p:tgtEl>
-                                          <p:spTgt spid="26"/>
-                                        </p:tgtEl>
-                                        <p:attrNameLst>
-                                          <p:attrName>style.visibility</p:attrName>
-                                        </p:attrNameLst>
-                                      </p:cBhvr>
-                                      <p:to>
-                                        <p:strVal val="visible"/>
-                                      </p:to>
-                                    </p:set>
-                                    <p:anim calcmode="lin" valueType="num">
-                                      <p:cBhvr>
-                                        <p:cTn id="36" dur="500" fill="hold"/>
-                                        <p:tgtEl>
-                                          <p:spTgt spid="26"/>
-                                        </p:tgtEl>
-                                        <p:attrNameLst>
-                                          <p:attrName>ppt_w</p:attrName>
-                                        </p:attrNameLst>
-                                      </p:cBhvr>
-                                      <p:tavLst>
-                                        <p:tav tm="0">
-                                          <p:val>
-                                            <p:fltVal val="0"/>
-                                          </p:val>
-                                        </p:tav>
-                                        <p:tav tm="100000">
-                                          <p:val>
-                                            <p:strVal val="#ppt_w"/>
-                                          </p:val>
-                                        </p:tav>
-                                      </p:tavLst>
-                                    </p:anim>
-                                    <p:anim calcmode="lin" valueType="num">
-                                      <p:cBhvr>
-                                        <p:cTn id="37" dur="500" fill="hold"/>
-                                        <p:tgtEl>
-                                          <p:spTgt spid="26"/>
-                                        </p:tgtEl>
-                                        <p:attrNameLst>
-                                          <p:attrName>ppt_h</p:attrName>
-                                        </p:attrNameLst>
-                                      </p:cBhvr>
-                                      <p:tavLst>
-                                        <p:tav tm="0">
-                                          <p:val>
-                                            <p:fltVal val="0"/>
-                                          </p:val>
-                                        </p:tav>
-                                        <p:tav tm="100000">
-                                          <p:val>
-                                            <p:strVal val="#ppt_h"/>
-                                          </p:val>
-                                        </p:tav>
-                                      </p:tavLst>
-                                    </p:anim>
-                                    <p:animEffect transition="in" filter="fade">
-                                      <p:cBhvr>
-                                        <p:cTn id="38" dur="500"/>
-                                        <p:tgtEl>
-                                          <p:spTgt spid="26"/>
-                                        </p:tgtEl>
-                                      </p:cBhvr>
-                                    </p:animEffect>
-                                  </p:childTnLst>
-                                </p:cTn>
-                              </p:par>
-                              <p:par>
-                                <p:cTn id="39" presetID="53" presetClass="entr" presetSubtype="16" fill="hold" grpId="0" nodeType="withEffect">
-                                  <p:stCondLst>
-                                    <p:cond delay="200"/>
-                                  </p:stCondLst>
-                                  <p:childTnLst>
-                                    <p:set>
-                                      <p:cBhvr>
-                                        <p:cTn id="40" dur="1" fill="hold">
-                                          <p:stCondLst>
-                                            <p:cond delay="0"/>
-                                          </p:stCondLst>
-                                        </p:cTn>
-                                        <p:tgtEl>
-                                          <p:spTgt spid="21"/>
-                                        </p:tgtEl>
-                                        <p:attrNameLst>
-                                          <p:attrName>style.visibility</p:attrName>
-                                        </p:attrNameLst>
-                                      </p:cBhvr>
-                                      <p:to>
-                                        <p:strVal val="visible"/>
-                                      </p:to>
-                                    </p:set>
-                                    <p:anim calcmode="lin" valueType="num">
-                                      <p:cBhvr>
-                                        <p:cTn id="41" dur="500" fill="hold"/>
-                                        <p:tgtEl>
-                                          <p:spTgt spid="21"/>
-                                        </p:tgtEl>
-                                        <p:attrNameLst>
-                                          <p:attrName>ppt_w</p:attrName>
-                                        </p:attrNameLst>
-                                      </p:cBhvr>
-                                      <p:tavLst>
-                                        <p:tav tm="0">
-                                          <p:val>
-                                            <p:fltVal val="0"/>
-                                          </p:val>
-                                        </p:tav>
-                                        <p:tav tm="100000">
-                                          <p:val>
-                                            <p:strVal val="#ppt_w"/>
-                                          </p:val>
-                                        </p:tav>
-                                      </p:tavLst>
-                                    </p:anim>
-                                    <p:anim calcmode="lin" valueType="num">
-                                      <p:cBhvr>
-                                        <p:cTn id="42" dur="500" fill="hold"/>
-                                        <p:tgtEl>
-                                          <p:spTgt spid="21"/>
-                                        </p:tgtEl>
-                                        <p:attrNameLst>
-                                          <p:attrName>ppt_h</p:attrName>
-                                        </p:attrNameLst>
-                                      </p:cBhvr>
-                                      <p:tavLst>
-                                        <p:tav tm="0">
-                                          <p:val>
-                                            <p:fltVal val="0"/>
-                                          </p:val>
-                                        </p:tav>
-                                        <p:tav tm="100000">
-                                          <p:val>
-                                            <p:strVal val="#ppt_h"/>
-                                          </p:val>
-                                        </p:tav>
-                                      </p:tavLst>
-                                    </p:anim>
-                                    <p:animEffect transition="in" filter="fade">
-                                      <p:cBhvr>
-                                        <p:cTn id="43" dur="500"/>
-                                        <p:tgtEl>
-                                          <p:spTgt spid="21"/>
-                                        </p:tgtEl>
-                                      </p:cBhvr>
-                                    </p:animEffect>
-                                  </p:childTnLst>
-                                </p:cTn>
-                              </p:par>
-                              <p:par>
-                                <p:cTn id="44" presetID="53" presetClass="entr" presetSubtype="16" fill="hold" grpId="0" nodeType="withEffect">
-                                  <p:stCondLst>
-                                    <p:cond delay="0"/>
-                                  </p:stCondLst>
-                                  <p:childTnLst>
-                                    <p:set>
-                                      <p:cBhvr>
-                                        <p:cTn id="45" dur="1" fill="hold">
-                                          <p:stCondLst>
-                                            <p:cond delay="0"/>
-                                          </p:stCondLst>
-                                        </p:cTn>
-                                        <p:tgtEl>
-                                          <p:spTgt spid="27"/>
-                                        </p:tgtEl>
-                                        <p:attrNameLst>
-                                          <p:attrName>style.visibility</p:attrName>
-                                        </p:attrNameLst>
-                                      </p:cBhvr>
-                                      <p:to>
-                                        <p:strVal val="visible"/>
-                                      </p:to>
-                                    </p:set>
-                                    <p:anim calcmode="lin" valueType="num">
-                                      <p:cBhvr>
-                                        <p:cTn id="46" dur="500" fill="hold"/>
-                                        <p:tgtEl>
-                                          <p:spTgt spid="27"/>
-                                        </p:tgtEl>
-                                        <p:attrNameLst>
-                                          <p:attrName>ppt_w</p:attrName>
-                                        </p:attrNameLst>
-                                      </p:cBhvr>
-                                      <p:tavLst>
-                                        <p:tav tm="0">
-                                          <p:val>
-                                            <p:fltVal val="0"/>
-                                          </p:val>
-                                        </p:tav>
-                                        <p:tav tm="100000">
-                                          <p:val>
-                                            <p:strVal val="#ppt_w"/>
-                                          </p:val>
-                                        </p:tav>
-                                      </p:tavLst>
-                                    </p:anim>
-                                    <p:anim calcmode="lin" valueType="num">
-                                      <p:cBhvr>
-                                        <p:cTn id="47" dur="500" fill="hold"/>
-                                        <p:tgtEl>
-                                          <p:spTgt spid="27"/>
-                                        </p:tgtEl>
-                                        <p:attrNameLst>
-                                          <p:attrName>ppt_h</p:attrName>
-                                        </p:attrNameLst>
-                                      </p:cBhvr>
-                                      <p:tavLst>
-                                        <p:tav tm="0">
-                                          <p:val>
-                                            <p:fltVal val="0"/>
-                                          </p:val>
-                                        </p:tav>
-                                        <p:tav tm="100000">
-                                          <p:val>
-                                            <p:strVal val="#ppt_h"/>
-                                          </p:val>
-                                        </p:tav>
-                                      </p:tavLst>
-                                    </p:anim>
-                                    <p:animEffect transition="in" filter="fade">
-                                      <p:cBhvr>
-                                        <p:cTn id="48" dur="500"/>
-                                        <p:tgtEl>
-                                          <p:spTgt spid="27"/>
-                                        </p:tgtEl>
-                                      </p:cBhvr>
-                                    </p:animEffect>
-                                  </p:childTnLst>
-                                </p:cTn>
-                              </p:par>
-                              <p:par>
-                                <p:cTn id="49" presetID="53" presetClass="entr" presetSubtype="16" fill="hold" grpId="0" nodeType="withEffect">
-                                  <p:stCondLst>
-                                    <p:cond delay="400"/>
-                                  </p:stCondLst>
-                                  <p:childTnLst>
-                                    <p:set>
-                                      <p:cBhvr>
-                                        <p:cTn id="50" dur="1" fill="hold">
-                                          <p:stCondLst>
-                                            <p:cond delay="0"/>
-                                          </p:stCondLst>
-                                        </p:cTn>
-                                        <p:tgtEl>
-                                          <p:spTgt spid="24"/>
-                                        </p:tgtEl>
-                                        <p:attrNameLst>
-                                          <p:attrName>style.visibility</p:attrName>
-                                        </p:attrNameLst>
-                                      </p:cBhvr>
-                                      <p:to>
-                                        <p:strVal val="visible"/>
-                                      </p:to>
-                                    </p:set>
-                                    <p:anim calcmode="lin" valueType="num">
-                                      <p:cBhvr>
-                                        <p:cTn id="51" dur="500" fill="hold"/>
-                                        <p:tgtEl>
-                                          <p:spTgt spid="24"/>
-                                        </p:tgtEl>
-                                        <p:attrNameLst>
-                                          <p:attrName>ppt_w</p:attrName>
-                                        </p:attrNameLst>
-                                      </p:cBhvr>
-                                      <p:tavLst>
-                                        <p:tav tm="0">
-                                          <p:val>
-                                            <p:fltVal val="0"/>
-                                          </p:val>
-                                        </p:tav>
-                                        <p:tav tm="100000">
-                                          <p:val>
-                                            <p:strVal val="#ppt_w"/>
-                                          </p:val>
-                                        </p:tav>
-                                      </p:tavLst>
-                                    </p:anim>
-                                    <p:anim calcmode="lin" valueType="num">
-                                      <p:cBhvr>
-                                        <p:cTn id="52" dur="500" fill="hold"/>
-                                        <p:tgtEl>
-                                          <p:spTgt spid="24"/>
-                                        </p:tgtEl>
-                                        <p:attrNameLst>
-                                          <p:attrName>ppt_h</p:attrName>
-                                        </p:attrNameLst>
-                                      </p:cBhvr>
-                                      <p:tavLst>
-                                        <p:tav tm="0">
-                                          <p:val>
-                                            <p:fltVal val="0"/>
-                                          </p:val>
-                                        </p:tav>
-                                        <p:tav tm="100000">
-                                          <p:val>
-                                            <p:strVal val="#ppt_h"/>
-                                          </p:val>
-                                        </p:tav>
-                                      </p:tavLst>
-                                    </p:anim>
-                                    <p:animEffect transition="in" filter="fade">
-                                      <p:cBhvr>
-                                        <p:cTn id="53" dur="500"/>
-                                        <p:tgtEl>
-                                          <p:spTgt spid="24"/>
-                                        </p:tgtEl>
-                                      </p:cBhvr>
-                                    </p:animEffect>
-                                  </p:childTnLst>
-                                </p:cTn>
-                              </p:par>
-                            </p:childTnLst>
-                          </p:cTn>
-                        </p:par>
-                        <p:par>
-                          <p:cTn id="54" fill="hold">
-                            <p:stCondLst>
-                              <p:cond delay="1400"/>
-                            </p:stCondLst>
-                            <p:childTnLst>
-                              <p:par>
-                                <p:cTn id="55" presetID="2" presetClass="entr" presetSubtype="2" fill="hold" grpId="0" nodeType="afterEffect">
-                                  <p:stCondLst>
-                                    <p:cond delay="0"/>
-                                  </p:stCondLst>
-                                  <p:childTnLst>
-                                    <p:set>
-                                      <p:cBhvr>
-                                        <p:cTn id="56" dur="1" fill="hold">
-                                          <p:stCondLst>
-                                            <p:cond delay="0"/>
-                                          </p:stCondLst>
-                                        </p:cTn>
-                                        <p:tgtEl>
-                                          <p:spTgt spid="36"/>
-                                        </p:tgtEl>
-                                        <p:attrNameLst>
-                                          <p:attrName>style.visibility</p:attrName>
-                                        </p:attrNameLst>
-                                      </p:cBhvr>
-                                      <p:to>
-                                        <p:strVal val="visible"/>
-                                      </p:to>
-                                    </p:set>
-                                    <p:anim calcmode="lin" valueType="num">
-                                      <p:cBhvr additive="base">
-                                        <p:cTn id="57" dur="500" fill="hold"/>
-                                        <p:tgtEl>
-                                          <p:spTgt spid="36"/>
+                                          <p:spTgt spid="3"/>
                                         </p:tgtEl>
                                         <p:attrNameLst>
                                           <p:attrName>ppt_x</p:attrName>
-                                        </p:attrNameLst>
-                                      </p:cBhvr>
-                                      <p:tavLst>
-                                        <p:tav tm="0">
-                                          <p:val>
-                                            <p:strVal val="1+#ppt_w/2"/>
-                                          </p:val>
-                                        </p:tav>
-                                        <p:tav tm="100000">
-                                          <p:val>
-                                            <p:strVal val="#ppt_x"/>
-                                          </p:val>
-                                        </p:tav>
-                                      </p:tavLst>
-                                    </p:anim>
-                                    <p:anim calcmode="lin" valueType="num">
-                                      <p:cBhvr additive="base">
-                                        <p:cTn id="58" dur="500" fill="hold"/>
-                                        <p:tgtEl>
-                                          <p:spTgt spid="36"/>
-                                        </p:tgtEl>
-                                        <p:attrNameLst>
                                           <p:attrName>ppt_y</p:attrName>
                                         </p:attrNameLst>
                                       </p:cBhvr>
-                                      <p:tavLst>
-                                        <p:tav tm="0">
-                                          <p:val>
-                                            <p:strVal val="#ppt_y"/>
-                                          </p:val>
-                                        </p:tav>
-                                        <p:tav tm="100000">
-                                          <p:val>
-                                            <p:strVal val="#ppt_y"/>
-                                          </p:val>
-                                        </p:tav>
-                                      </p:tavLst>
-                                    </p:anim>
-                                  </p:childTnLst>
-                                </p:cTn>
-                              </p:par>
-                              <p:par>
-                                <p:cTn id="59" presetID="2" presetClass="entr" presetSubtype="2" fill="hold" grpId="0" nodeType="withEffect">
-                                  <p:stCondLst>
-                                    <p:cond delay="200"/>
-                                  </p:stCondLst>
-                                  <p:childTnLst>
-                                    <p:set>
-                                      <p:cBhvr>
-                                        <p:cTn id="60" dur="1" fill="hold">
-                                          <p:stCondLst>
-                                            <p:cond delay="0"/>
-                                          </p:stCondLst>
-                                        </p:cTn>
-                                        <p:tgtEl>
-                                          <p:spTgt spid="38"/>
-                                        </p:tgtEl>
-                                        <p:attrNameLst>
-                                          <p:attrName>style.visibility</p:attrName>
-                                        </p:attrNameLst>
-                                      </p:cBhvr>
-                                      <p:to>
-                                        <p:strVal val="visible"/>
-                                      </p:to>
-                                    </p:set>
-                                    <p:anim calcmode="lin" valueType="num">
-                                      <p:cBhvr additive="base">
-                                        <p:cTn id="61" dur="500" fill="hold"/>
-                                        <p:tgtEl>
-                                          <p:spTgt spid="38"/>
-                                        </p:tgtEl>
-                                        <p:attrNameLst>
-                                          <p:attrName>ppt_x</p:attrName>
-                                        </p:attrNameLst>
-                                      </p:cBhvr>
-                                      <p:tavLst>
-                                        <p:tav tm="0">
-                                          <p:val>
-                                            <p:strVal val="1+#ppt_w/2"/>
-                                          </p:val>
-                                        </p:tav>
-                                        <p:tav tm="100000">
-                                          <p:val>
-                                            <p:strVal val="#ppt_x"/>
-                                          </p:val>
-                                        </p:tav>
-                                      </p:tavLst>
-                                    </p:anim>
-                                    <p:anim calcmode="lin" valueType="num">
-                                      <p:cBhvr additive="base">
-                                        <p:cTn id="62" dur="500" fill="hold"/>
-                                        <p:tgtEl>
-                                          <p:spTgt spid="38"/>
-                                        </p:tgtEl>
-                                        <p:attrNameLst>
-                                          <p:attrName>ppt_y</p:attrName>
-                                        </p:attrNameLst>
-                                      </p:cBhvr>
-                                      <p:tavLst>
-                                        <p:tav tm="0">
-                                          <p:val>
-                                            <p:strVal val="#ppt_y"/>
-                                          </p:val>
-                                        </p:tav>
-                                        <p:tav tm="100000">
-                                          <p:val>
-                                            <p:strVal val="#ppt_y"/>
-                                          </p:val>
-                                        </p:tav>
-                                      </p:tavLst>
-                                    </p:anim>
-                                  </p:childTnLst>
-                                </p:cTn>
-                              </p:par>
-                              <p:par>
-                                <p:cTn id="63" presetID="2" presetClass="entr" presetSubtype="2" fill="hold" grpId="0" nodeType="withEffect">
-                                  <p:stCondLst>
-                                    <p:cond delay="400"/>
-                                  </p:stCondLst>
-                                  <p:childTnLst>
-                                    <p:set>
-                                      <p:cBhvr>
-                                        <p:cTn id="64" dur="1" fill="hold">
-                                          <p:stCondLst>
-                                            <p:cond delay="0"/>
-                                          </p:stCondLst>
-                                        </p:cTn>
-                                        <p:tgtEl>
-                                          <p:spTgt spid="39"/>
-                                        </p:tgtEl>
-                                        <p:attrNameLst>
-                                          <p:attrName>style.visibility</p:attrName>
-                                        </p:attrNameLst>
-                                      </p:cBhvr>
-                                      <p:to>
-                                        <p:strVal val="visible"/>
-                                      </p:to>
-                                    </p:set>
-                                    <p:anim calcmode="lin" valueType="num">
-                                      <p:cBhvr additive="base">
-                                        <p:cTn id="65" dur="500" fill="hold"/>
-                                        <p:tgtEl>
-                                          <p:spTgt spid="39"/>
-                                        </p:tgtEl>
-                                        <p:attrNameLst>
-                                          <p:attrName>ppt_x</p:attrName>
-                                        </p:attrNameLst>
-                                      </p:cBhvr>
-                                      <p:tavLst>
-                                        <p:tav tm="0">
-                                          <p:val>
-                                            <p:strVal val="1+#ppt_w/2"/>
-                                          </p:val>
-                                        </p:tav>
-                                        <p:tav tm="100000">
-                                          <p:val>
-                                            <p:strVal val="#ppt_x"/>
-                                          </p:val>
-                                        </p:tav>
-                                      </p:tavLst>
-                                    </p:anim>
-                                    <p:anim calcmode="lin" valueType="num">
-                                      <p:cBhvr additive="base">
-                                        <p:cTn id="66" dur="500" fill="hold"/>
-                                        <p:tgtEl>
-                                          <p:spTgt spid="39"/>
-                                        </p:tgtEl>
-                                        <p:attrNameLst>
-                                          <p:attrName>ppt_y</p:attrName>
-                                        </p:attrNameLst>
-                                      </p:cBhvr>
-                                      <p:tavLst>
-                                        <p:tav tm="0">
-                                          <p:val>
-                                            <p:strVal val="#ppt_y"/>
-                                          </p:val>
-                                        </p:tav>
-                                        <p:tav tm="100000">
-                                          <p:val>
-                                            <p:strVal val="#ppt_y"/>
-                                          </p:val>
-                                        </p:tav>
-                                      </p:tavLst>
-                                    </p:anim>
-                                  </p:childTnLst>
-                                </p:cTn>
-                              </p:par>
-                              <p:par>
-                                <p:cTn id="67" presetID="53" presetClass="entr" presetSubtype="16" fill="hold" grpId="0" nodeType="withEffect">
-                                  <p:stCondLst>
-                                    <p:cond delay="200"/>
-                                  </p:stCondLst>
-                                  <p:childTnLst>
-                                    <p:set>
-                                      <p:cBhvr>
-                                        <p:cTn id="68" dur="1" fill="hold">
-                                          <p:stCondLst>
-                                            <p:cond delay="0"/>
-                                          </p:stCondLst>
-                                        </p:cTn>
-                                        <p:tgtEl>
-                                          <p:spTgt spid="43"/>
-                                        </p:tgtEl>
-                                        <p:attrNameLst>
-                                          <p:attrName>style.visibility</p:attrName>
-                                        </p:attrNameLst>
-                                      </p:cBhvr>
-                                      <p:to>
-                                        <p:strVal val="visible"/>
-                                      </p:to>
-                                    </p:set>
-                                    <p:anim calcmode="lin" valueType="num">
-                                      <p:cBhvr>
-                                        <p:cTn id="69" dur="500" fill="hold"/>
-                                        <p:tgtEl>
-                                          <p:spTgt spid="43"/>
-                                        </p:tgtEl>
-                                        <p:attrNameLst>
-                                          <p:attrName>ppt_w</p:attrName>
-                                        </p:attrNameLst>
-                                      </p:cBhvr>
-                                      <p:tavLst>
-                                        <p:tav tm="0">
-                                          <p:val>
-                                            <p:fltVal val="0"/>
-                                          </p:val>
-                                        </p:tav>
-                                        <p:tav tm="100000">
-                                          <p:val>
-                                            <p:strVal val="#ppt_w"/>
-                                          </p:val>
-                                        </p:tav>
-                                      </p:tavLst>
-                                    </p:anim>
-                                    <p:anim calcmode="lin" valueType="num">
-                                      <p:cBhvr>
-                                        <p:cTn id="70" dur="500" fill="hold"/>
-                                        <p:tgtEl>
-                                          <p:spTgt spid="43"/>
-                                        </p:tgtEl>
-                                        <p:attrNameLst>
-                                          <p:attrName>ppt_h</p:attrName>
-                                        </p:attrNameLst>
-                                      </p:cBhvr>
-                                      <p:tavLst>
-                                        <p:tav tm="0">
-                                          <p:val>
-                                            <p:fltVal val="0"/>
-                                          </p:val>
-                                        </p:tav>
-                                        <p:tav tm="100000">
-                                          <p:val>
-                                            <p:strVal val="#ppt_h"/>
-                                          </p:val>
-                                        </p:tav>
-                                      </p:tavLst>
-                                    </p:anim>
-                                    <p:animEffect transition="in" filter="fade">
-                                      <p:cBhvr>
-                                        <p:cTn id="71" dur="500"/>
-                                        <p:tgtEl>
-                                          <p:spTgt spid="43"/>
-                                        </p:tgtEl>
-                                      </p:cBhvr>
-                                    </p:animEffect>
-                                  </p:childTnLst>
-                                </p:cTn>
-                              </p:par>
-                              <p:par>
-                                <p:cTn id="72" presetID="53" presetClass="entr" presetSubtype="16" fill="hold" grpId="0" nodeType="withEffect">
-                                  <p:stCondLst>
-                                    <p:cond delay="400"/>
-                                  </p:stCondLst>
-                                  <p:childTnLst>
-                                    <p:set>
-                                      <p:cBhvr>
-                                        <p:cTn id="73" dur="1" fill="hold">
-                                          <p:stCondLst>
-                                            <p:cond delay="0"/>
-                                          </p:stCondLst>
-                                        </p:cTn>
-                                        <p:tgtEl>
-                                          <p:spTgt spid="44"/>
-                                        </p:tgtEl>
-                                        <p:attrNameLst>
-                                          <p:attrName>style.visibility</p:attrName>
-                                        </p:attrNameLst>
-                                      </p:cBhvr>
-                                      <p:to>
-                                        <p:strVal val="visible"/>
-                                      </p:to>
-                                    </p:set>
-                                    <p:anim calcmode="lin" valueType="num">
-                                      <p:cBhvr>
-                                        <p:cTn id="74" dur="500" fill="hold"/>
-                                        <p:tgtEl>
-                                          <p:spTgt spid="44"/>
-                                        </p:tgtEl>
-                                        <p:attrNameLst>
-                                          <p:attrName>ppt_w</p:attrName>
-                                        </p:attrNameLst>
-                                      </p:cBhvr>
-                                      <p:tavLst>
-                                        <p:tav tm="0">
-                                          <p:val>
-                                            <p:fltVal val="0"/>
-                                          </p:val>
-                                        </p:tav>
-                                        <p:tav tm="100000">
-                                          <p:val>
-                                            <p:strVal val="#ppt_w"/>
-                                          </p:val>
-                                        </p:tav>
-                                      </p:tavLst>
-                                    </p:anim>
-                                    <p:anim calcmode="lin" valueType="num">
-                                      <p:cBhvr>
-                                        <p:cTn id="75" dur="500" fill="hold"/>
-                                        <p:tgtEl>
-                                          <p:spTgt spid="44"/>
-                                        </p:tgtEl>
-                                        <p:attrNameLst>
-                                          <p:attrName>ppt_h</p:attrName>
-                                        </p:attrNameLst>
-                                      </p:cBhvr>
-                                      <p:tavLst>
-                                        <p:tav tm="0">
-                                          <p:val>
-                                            <p:fltVal val="0"/>
-                                          </p:val>
-                                        </p:tav>
-                                        <p:tav tm="100000">
-                                          <p:val>
-                                            <p:strVal val="#ppt_h"/>
-                                          </p:val>
-                                        </p:tav>
-                                      </p:tavLst>
-                                    </p:anim>
-                                    <p:animEffect transition="in" filter="fade">
-                                      <p:cBhvr>
-                                        <p:cTn id="76" dur="500"/>
-                                        <p:tgtEl>
-                                          <p:spTgt spid="44"/>
-                                        </p:tgtEl>
-                                      </p:cBhvr>
-                                    </p:animEffect>
-                                  </p:childTnLst>
-                                </p:cTn>
-                              </p:par>
-                              <p:par>
-                                <p:cTn id="77" presetID="53" presetClass="entr" presetSubtype="16" fill="hold" grpId="0" nodeType="withEffect">
-                                  <p:stCondLst>
-                                    <p:cond delay="800"/>
-                                  </p:stCondLst>
-                                  <p:childTnLst>
-                                    <p:set>
-                                      <p:cBhvr>
-                                        <p:cTn id="78" dur="1" fill="hold">
-                                          <p:stCondLst>
-                                            <p:cond delay="0"/>
-                                          </p:stCondLst>
-                                        </p:cTn>
-                                        <p:tgtEl>
-                                          <p:spTgt spid="46"/>
-                                        </p:tgtEl>
-                                        <p:attrNameLst>
-                                          <p:attrName>style.visibility</p:attrName>
-                                        </p:attrNameLst>
-                                      </p:cBhvr>
-                                      <p:to>
-                                        <p:strVal val="visible"/>
-                                      </p:to>
-                                    </p:set>
-                                    <p:anim calcmode="lin" valueType="num">
-                                      <p:cBhvr>
-                                        <p:cTn id="79" dur="500" fill="hold"/>
-                                        <p:tgtEl>
-                                          <p:spTgt spid="46"/>
-                                        </p:tgtEl>
-                                        <p:attrNameLst>
-                                          <p:attrName>ppt_w</p:attrName>
-                                        </p:attrNameLst>
-                                      </p:cBhvr>
-                                      <p:tavLst>
-                                        <p:tav tm="0">
-                                          <p:val>
-                                            <p:fltVal val="0"/>
-                                          </p:val>
-                                        </p:tav>
-                                        <p:tav tm="100000">
-                                          <p:val>
-                                            <p:strVal val="#ppt_w"/>
-                                          </p:val>
-                                        </p:tav>
-                                      </p:tavLst>
-                                    </p:anim>
-                                    <p:anim calcmode="lin" valueType="num">
-                                      <p:cBhvr>
-                                        <p:cTn id="80" dur="500" fill="hold"/>
-                                        <p:tgtEl>
-                                          <p:spTgt spid="46"/>
-                                        </p:tgtEl>
-                                        <p:attrNameLst>
-                                          <p:attrName>ppt_h</p:attrName>
-                                        </p:attrNameLst>
-                                      </p:cBhvr>
-                                      <p:tavLst>
-                                        <p:tav tm="0">
-                                          <p:val>
-                                            <p:fltVal val="0"/>
-                                          </p:val>
-                                        </p:tav>
-                                        <p:tav tm="100000">
-                                          <p:val>
-                                            <p:strVal val="#ppt_h"/>
-                                          </p:val>
-                                        </p:tav>
-                                      </p:tavLst>
-                                    </p:anim>
-                                    <p:animEffect transition="in" filter="fade">
-                                      <p:cBhvr>
-                                        <p:cTn id="81" dur="500"/>
-                                        <p:tgtEl>
-                                          <p:spTgt spid="46"/>
-                                        </p:tgtEl>
-                                      </p:cBhvr>
-                                    </p:animEffect>
-                                  </p:childTnLst>
-                                </p:cTn>
-                              </p:par>
-                              <p:par>
-                                <p:cTn id="82" presetID="53" presetClass="entr" presetSubtype="16" fill="hold" grpId="0" nodeType="withEffect">
-                                  <p:stCondLst>
-                                    <p:cond delay="400"/>
-                                  </p:stCondLst>
-                                  <p:childTnLst>
-                                    <p:set>
-                                      <p:cBhvr>
-                                        <p:cTn id="83" dur="1" fill="hold">
-                                          <p:stCondLst>
-                                            <p:cond delay="0"/>
-                                          </p:stCondLst>
-                                        </p:cTn>
-                                        <p:tgtEl>
-                                          <p:spTgt spid="20"/>
-                                        </p:tgtEl>
-                                        <p:attrNameLst>
-                                          <p:attrName>style.visibility</p:attrName>
-                                        </p:attrNameLst>
-                                      </p:cBhvr>
-                                      <p:to>
-                                        <p:strVal val="visible"/>
-                                      </p:to>
-                                    </p:set>
-                                    <p:anim calcmode="lin" valueType="num">
-                                      <p:cBhvr>
-                                        <p:cTn id="84" dur="500" fill="hold"/>
-                                        <p:tgtEl>
-                                          <p:spTgt spid="20"/>
-                                        </p:tgtEl>
-                                        <p:attrNameLst>
-                                          <p:attrName>ppt_w</p:attrName>
-                                        </p:attrNameLst>
-                                      </p:cBhvr>
-                                      <p:tavLst>
-                                        <p:tav tm="0">
-                                          <p:val>
-                                            <p:fltVal val="0"/>
-                                          </p:val>
-                                        </p:tav>
-                                        <p:tav tm="100000">
-                                          <p:val>
-                                            <p:strVal val="#ppt_w"/>
-                                          </p:val>
-                                        </p:tav>
-                                      </p:tavLst>
-                                    </p:anim>
-                                    <p:anim calcmode="lin" valueType="num">
-                                      <p:cBhvr>
-                                        <p:cTn id="85" dur="500" fill="hold"/>
-                                        <p:tgtEl>
-                                          <p:spTgt spid="20"/>
-                                        </p:tgtEl>
-                                        <p:attrNameLst>
-                                          <p:attrName>ppt_h</p:attrName>
-                                        </p:attrNameLst>
-                                      </p:cBhvr>
-                                      <p:tavLst>
-                                        <p:tav tm="0">
-                                          <p:val>
-                                            <p:fltVal val="0"/>
-                                          </p:val>
-                                        </p:tav>
-                                        <p:tav tm="100000">
-                                          <p:val>
-                                            <p:strVal val="#ppt_h"/>
-                                          </p:val>
-                                        </p:tav>
-                                      </p:tavLst>
-                                    </p:anim>
-                                    <p:animEffect transition="in" filter="fade">
-                                      <p:cBhvr>
-                                        <p:cTn id="86" dur="500"/>
-                                        <p:tgtEl>
-                                          <p:spTgt spid="20"/>
-                                        </p:tgtEl>
-                                      </p:cBhvr>
-                                    </p:animEffect>
+                                      <p:rCtr x="6068" y="0"/>
+                                    </p:animMotion>
                                   </p:childTnLst>
                                 </p:cTn>
                               </p:par>
@@ -5163,25 +6177,8 @@
       </p:par>
     </p:tnLst>
     <p:bldLst>
-      <p:bldP spid="36" grpId="0" animBg="1"/>
-      <p:bldP spid="38" grpId="0" animBg="1"/>
-      <p:bldP spid="39" grpId="0" animBg="1"/>
-      <p:bldP spid="43" grpId="0"/>
-      <p:bldP spid="44" grpId="0"/>
-      <p:bldP spid="46" grpId="0"/>
-      <p:bldP spid="21" grpId="0" animBg="1"/>
-      <p:bldP spid="22" grpId="0" animBg="1"/>
-      <p:bldP spid="23" grpId="0" animBg="1"/>
-      <p:bldP spid="24" grpId="0" animBg="1"/>
-      <p:bldP spid="26" grpId="0" animBg="1"/>
-      <p:bldP spid="27" grpId="0" animBg="1"/>
-      <p:bldP spid="28" grpId="0" animBg="1"/>
-      <p:bldP spid="28" grpId="1" animBg="1"/>
-      <p:bldP spid="28" grpId="2" animBg="1"/>
-      <p:bldP spid="29" grpId="0" bldLvl="0" animBg="1"/>
-      <p:bldP spid="29" grpId="1" bldLvl="0" animBg="1"/>
-      <p:bldP spid="29" grpId="2" bldLvl="0" animBg="1"/>
-      <p:bldP spid="20" grpId="0"/>
+      <p:bldP spid="3" grpId="0"/>
+      <p:bldP spid="3" grpId="1"/>
     </p:bldLst>
   </p:timing>
 </p:sld>
@@ -5248,7 +6245,7 @@
         <p:spPr>
           <a:xfrm>
             <a:off x="193574" y="189773"/>
-            <a:ext cx="3086619" cy="415498"/>
+            <a:ext cx="3086619" cy="414020"/>
           </a:xfrm>
           <a:prstGeom prst="rect">
             <a:avLst/>
@@ -5262,6 +6259,17 @@
           <a:lstStyle/>
           <a:p>
             <a:r>
+              <a:rPr lang="en-US" altLang="zh-CN" sz="2100" b="1" dirty="0">
+                <a:solidFill>
+                  <a:srgbClr val="005973"/>
+                </a:solidFill>
+                <a:latin typeface="微软雅黑" panose="020B0503020204020204" pitchFamily="34" charset="-122"/>
+                <a:ea typeface="微软雅黑" panose="020B0503020204020204" pitchFamily="34" charset="-122"/>
+                <a:cs typeface="Aharoni" panose="02010803020104030203" pitchFamily="2" charset="-79"/>
+              </a:rPr>
+              <a:t>Bom</a:t>
+            </a:r>
+            <a:r>
               <a:rPr lang="zh-CN" altLang="en-US" sz="2100" b="1" dirty="0">
                 <a:solidFill>
                   <a:srgbClr val="005973"/>
@@ -5269,9 +6277,8 @@
                 <a:latin typeface="微软雅黑" panose="020B0503020204020204" pitchFamily="34" charset="-122"/>
                 <a:ea typeface="微软雅黑" panose="020B0503020204020204" pitchFamily="34" charset="-122"/>
                 <a:cs typeface="Aharoni" panose="02010803020104030203" pitchFamily="2" charset="-79"/>
-                <a:sym typeface="+mn-ea"/>
               </a:rPr>
-              <a:t>搜索</a:t>
+              <a:t>前台化的简单介绍</a:t>
             </a:r>
             <a:endParaRPr lang="zh-CN" altLang="en-US" sz="2100" b="1" dirty="0">
               <a:solidFill>
@@ -5286,20 +6293,14 @@
       </p:sp>
       <p:sp>
         <p:nvSpPr>
-          <p:cNvPr id="70" name="文本框 69">
-            <a:extLst>
-              <a:ext uri="{FF2B5EF4-FFF2-40B4-BE49-F238E27FC236}">
-                <a16:creationId xmlns:a16="http://schemas.microsoft.com/office/drawing/2014/main" xmlns="" id="{47D1B164-D44C-D441-AFCD-EDF874634436}"/>
-              </a:ext>
-            </a:extLst>
-          </p:cNvPr>
+          <p:cNvPr id="70" name="文本框 69"/>
           <p:cNvSpPr txBox="1"/>
           <p:nvPr/>
         </p:nvSpPr>
         <p:spPr>
           <a:xfrm>
             <a:off x="611560" y="1017810"/>
-            <a:ext cx="8020544" cy="1169551"/>
+            <a:ext cx="8020544" cy="1168400"/>
           </a:xfrm>
           <a:prstGeom prst="rect">
             <a:avLst/>
@@ -5312,59 +6313,56 @@
           </a:bodyPr>
           <a:lstStyle/>
           <a:p>
-            <a:endParaRPr lang="en-US" altLang="zh-CN" sz="1400" dirty="0"/>
+            <a:r>
+              <a:rPr lang="en-US" altLang="en-GB" sz="1400" dirty="0"/>
+              <a:t>Bom</a:t>
+            </a:r>
+            <a:r>
+              <a:rPr lang="zh-CN" altLang="en-US" sz="1400" dirty="0"/>
+              <a:t>功能主要是分两块，一是根据用户表格提供的一些数据，比如型号、参数、厂牌去匹配我们库里的型号，在筛选出优质的货源，满足用户的配但需求。</a:t>
+            </a:r>
+            <a:endParaRPr lang="zh-CN" altLang="en-US" sz="1400" dirty="0"/>
           </a:p>
           <a:p>
-            <a:pPr marL="285750" indent="-285750">
-              <a:buFont typeface="Arial" pitchFamily="34" charset="0"/>
-              <a:buChar char="•"/>
-            </a:pPr>
             <a:r>
               <a:rPr lang="zh-CN" altLang="en-US" sz="1400" dirty="0"/>
-              <a:t>轻量搜索</a:t>
+              <a:t>以往的</a:t>
             </a:r>
-            <a:endParaRPr lang="en-US" altLang="zh-CN" sz="1400" dirty="0"/>
+            <a:r>
+              <a:rPr lang="en-US" altLang="zh-CN" sz="1400" dirty="0"/>
+              <a:t>Bom</a:t>
+            </a:r>
+            <a:r>
+              <a:rPr lang="zh-CN" altLang="en-US" sz="1400" dirty="0"/>
+              <a:t>，配型配单工作主要是在</a:t>
+            </a:r>
+            <a:r>
+              <a:rPr lang="en-US" altLang="zh-CN" sz="1400" dirty="0"/>
+              <a:t>ERP</a:t>
+            </a:r>
+            <a:r>
+              <a:rPr lang="zh-CN" altLang="en-US" sz="1400" dirty="0"/>
+              <a:t>后台，由我们相关的同事拿用户的表单需求去操作配单，现在我们把这个功能，推向前台，用户可以通过我们的平台直接进行配型配单操作。</a:t>
+            </a:r>
+            <a:endParaRPr lang="en-GB" altLang="zh-CN" sz="1400" dirty="0"/>
           </a:p>
           <a:p>
-            <a:pPr marL="285750" indent="-285750">
-              <a:buFont typeface="Arial" pitchFamily="34" charset="0"/>
-              <a:buChar char="•"/>
-            </a:pPr>
-            <a:endParaRPr lang="en-US" altLang="zh-CN" sz="1400" dirty="0"/>
-          </a:p>
-          <a:p>
-            <a:pPr marL="285750" indent="-285750">
-              <a:buFont typeface="Arial" pitchFamily="34" charset="0"/>
-              <a:buChar char="•"/>
-            </a:pPr>
-            <a:r>
-              <a:rPr lang="zh-CN" altLang="en-US" sz="1400" dirty="0"/>
-              <a:t>请求体搜索</a:t>
-            </a:r>
-            <a:endParaRPr lang="en" altLang="zh-CN" sz="1400" dirty="0"/>
-          </a:p>
-          <a:p>
-            <a:endParaRPr lang="en" altLang="zh-CN" sz="1400" dirty="0"/>
+            <a:endParaRPr lang="en-GB" altLang="zh-CN" sz="1400" dirty="0"/>
           </a:p>
         </p:txBody>
       </p:sp>
     </p:spTree>
-    <p:extLst>
-      <p:ext uri="{BB962C8B-B14F-4D97-AF65-F5344CB8AC3E}">
-        <p14:creationId xmlns:p14="http://schemas.microsoft.com/office/powerpoint/2010/main" val="4123279061"/>
-      </p:ext>
-    </p:extLst>
   </p:cSld>
   <p:clrMapOvr>
     <a:masterClrMapping/>
   </p:clrMapOvr>
-  <mc:AlternateContent xmlns:mc="http://schemas.openxmlformats.org/markup-compatibility/2006" xmlns:p14="http://schemas.microsoft.com/office/powerpoint/2010/main">
-    <mc:Choice Requires="p14">
+  <mc:AlternateContent xmlns:mc="http://schemas.openxmlformats.org/markup-compatibility/2006">
+    <mc:Choice xmlns:p14="http://schemas.microsoft.com/office/powerpoint/2010/main" Requires="p14">
       <p:transition spd="slow" p14:dur="1400">
         <p14:doors dir="vert"/>
       </p:transition>
     </mc:Choice>
-    <mc:Fallback xmlns="">
+    <mc:Fallback>
       <p:transition spd="slow">
         <p:fade/>
       </p:transition>
@@ -5651,12 +6649,1307 @@
           <a:chExt cx="0" cy="0"/>
         </a:xfrm>
       </p:grpSpPr>
+      <p:cxnSp>
+        <p:nvCxnSpPr>
+          <p:cNvPr id="2" name="直接连接符 1"/>
+          <p:cNvCxnSpPr/>
+          <p:nvPr/>
+        </p:nvCxnSpPr>
+        <p:spPr>
+          <a:xfrm>
+            <a:off x="0" y="581892"/>
+            <a:ext cx="9144000" cy="0"/>
+          </a:xfrm>
+          <a:prstGeom prst="line">
+            <a:avLst/>
+          </a:prstGeom>
+          <a:ln w="19050">
+            <a:solidFill>
+              <a:schemeClr val="accent1"/>
+            </a:solidFill>
+          </a:ln>
+        </p:spPr>
+        <p:style>
+          <a:lnRef idx="1">
+            <a:schemeClr val="accent1"/>
+          </a:lnRef>
+          <a:fillRef idx="0">
+            <a:schemeClr val="accent1"/>
+          </a:fillRef>
+          <a:effectRef idx="0">
+            <a:schemeClr val="accent1"/>
+          </a:effectRef>
+          <a:fontRef idx="minor">
+            <a:schemeClr val="tx1"/>
+          </a:fontRef>
+        </p:style>
+      </p:cxnSp>
+      <p:sp>
+        <p:nvSpPr>
+          <p:cNvPr id="3" name="文本框 2"/>
+          <p:cNvSpPr txBox="1"/>
+          <p:nvPr/>
+        </p:nvSpPr>
+        <p:spPr>
+          <a:xfrm>
+            <a:off x="193574" y="189773"/>
+            <a:ext cx="3086619" cy="414020"/>
+          </a:xfrm>
+          <a:prstGeom prst="rect">
+            <a:avLst/>
+          </a:prstGeom>
+          <a:noFill/>
+        </p:spPr>
+        <p:txBody>
+          <a:bodyPr wrap="square" rtlCol="0">
+            <a:spAutoFit/>
+          </a:bodyPr>
+          <a:lstStyle/>
+          <a:p>
+            <a:r>
+              <a:rPr lang="en-US" altLang="zh-CN" sz="2100" b="1" dirty="0">
+                <a:solidFill>
+                  <a:srgbClr val="005973"/>
+                </a:solidFill>
+                <a:latin typeface="微软雅黑" panose="020B0503020204020204" pitchFamily="34" charset="-122"/>
+                <a:ea typeface="微软雅黑" panose="020B0503020204020204" pitchFamily="34" charset="-122"/>
+                <a:cs typeface="Aharoni" panose="02010803020104030203" pitchFamily="2" charset="-79"/>
+              </a:rPr>
+              <a:t>Bom</a:t>
+            </a:r>
+            <a:r>
+              <a:rPr lang="zh-CN" altLang="en-US" sz="2100" b="1" dirty="0">
+                <a:solidFill>
+                  <a:srgbClr val="005973"/>
+                </a:solidFill>
+                <a:latin typeface="微软雅黑" panose="020B0503020204020204" pitchFamily="34" charset="-122"/>
+                <a:ea typeface="微软雅黑" panose="020B0503020204020204" pitchFamily="34" charset="-122"/>
+                <a:cs typeface="Aharoni" panose="02010803020104030203" pitchFamily="2" charset="-79"/>
+              </a:rPr>
+              <a:t>前台化的简单介绍</a:t>
+            </a:r>
+            <a:endParaRPr lang="zh-CN" altLang="en-US" sz="2100" b="1" dirty="0">
+              <a:solidFill>
+                <a:srgbClr val="005973"/>
+              </a:solidFill>
+              <a:latin typeface="微软雅黑" panose="020B0503020204020204" pitchFamily="34" charset="-122"/>
+              <a:ea typeface="微软雅黑" panose="020B0503020204020204" pitchFamily="34" charset="-122"/>
+              <a:cs typeface="Aharoni" panose="02010803020104030203" pitchFamily="2" charset="-79"/>
+            </a:endParaRPr>
+          </a:p>
+        </p:txBody>
+      </p:sp>
+      <p:graphicFrame>
+        <p:nvGraphicFramePr>
+          <p:cNvPr id="6" name="图示 6"/>
+          <p:cNvGraphicFramePr/>
+          <p:nvPr/>
+        </p:nvGraphicFramePr>
+        <p:xfrm>
+          <a:off x="1934845" y="1033463"/>
+          <a:ext cx="5274310" cy="3076575"/>
+        </p:xfrm>
+        <a:graphic>
+          <a:graphicData uri="http://schemas.openxmlformats.org/drawingml/2006/diagram">
+            <dgm:relIds xmlns:dgm="http://schemas.openxmlformats.org/drawingml/2006/diagram" xmlns:r="http://schemas.openxmlformats.org/officeDocument/2006/relationships" r:dm="rId1" r:lo="rId2" r:qs="rId3" r:cs="rId4"/>
+          </a:graphicData>
+        </a:graphic>
+      </p:graphicFrame>
     </p:spTree>
-    <p:extLst>
-      <p:ext uri="{BB962C8B-B14F-4D97-AF65-F5344CB8AC3E}">
-        <p14:creationId xmlns:p14="http://schemas.microsoft.com/office/powerpoint/2010/main" val="3833481911"/>
-      </p:ext>
-    </p:extLst>
+  </p:cSld>
+  <p:clrMapOvr>
+    <a:masterClrMapping/>
+  </p:clrMapOvr>
+  <mc:AlternateContent xmlns:mc="http://schemas.openxmlformats.org/markup-compatibility/2006">
+    <mc:Choice xmlns:p14="http://schemas.microsoft.com/office/powerpoint/2010/main" Requires="p14">
+      <p:transition spd="slow" p14:dur="1400">
+        <p14:doors dir="vert"/>
+      </p:transition>
+    </mc:Choice>
+    <mc:Fallback>
+      <p:transition spd="slow">
+        <p:fade/>
+      </p:transition>
+    </mc:Fallback>
+  </mc:AlternateContent>
+  <p:timing>
+    <p:tnLst>
+      <p:par>
+        <p:cTn id="1" dur="indefinite" restart="never" nodeType="tmRoot">
+          <p:childTnLst>
+            <p:seq concurrent="1" nextAc="seek">
+              <p:cTn id="2" dur="indefinite" nodeType="mainSeq">
+                <p:childTnLst>
+                  <p:par>
+                    <p:cTn id="3" fill="hold">
+                      <p:stCondLst>
+                        <p:cond delay="indefinite"/>
+                        <p:cond evt="onBegin" delay="0">
+                          <p:tn val="2"/>
+                        </p:cond>
+                      </p:stCondLst>
+                      <p:childTnLst>
+                        <p:par>
+                          <p:cTn id="4" fill="hold">
+                            <p:stCondLst>
+                              <p:cond delay="0"/>
+                            </p:stCondLst>
+                            <p:childTnLst>
+                              <p:par>
+                                <p:cTn id="5" presetID="53" presetClass="entr" presetSubtype="16" fill="hold" nodeType="afterEffect">
+                                  <p:stCondLst>
+                                    <p:cond delay="0"/>
+                                  </p:stCondLst>
+                                  <p:childTnLst>
+                                    <p:set>
+                                      <p:cBhvr>
+                                        <p:cTn id="6" dur="1" fill="hold">
+                                          <p:stCondLst>
+                                            <p:cond delay="0"/>
+                                          </p:stCondLst>
+                                        </p:cTn>
+                                        <p:tgtEl>
+                                          <p:spTgt spid="2"/>
+                                        </p:tgtEl>
+                                        <p:attrNameLst>
+                                          <p:attrName>style.visibility</p:attrName>
+                                        </p:attrNameLst>
+                                      </p:cBhvr>
+                                      <p:to>
+                                        <p:strVal val="visible"/>
+                                      </p:to>
+                                    </p:set>
+                                    <p:anim calcmode="lin" valueType="num">
+                                      <p:cBhvr>
+                                        <p:cTn id="7" dur="500" fill="hold"/>
+                                        <p:tgtEl>
+                                          <p:spTgt spid="2"/>
+                                        </p:tgtEl>
+                                        <p:attrNameLst>
+                                          <p:attrName>ppt_w</p:attrName>
+                                        </p:attrNameLst>
+                                      </p:cBhvr>
+                                      <p:tavLst>
+                                        <p:tav tm="0">
+                                          <p:val>
+                                            <p:fltVal val="0"/>
+                                          </p:val>
+                                        </p:tav>
+                                        <p:tav tm="100000">
+                                          <p:val>
+                                            <p:strVal val="#ppt_w"/>
+                                          </p:val>
+                                        </p:tav>
+                                      </p:tavLst>
+                                    </p:anim>
+                                    <p:anim calcmode="lin" valueType="num">
+                                      <p:cBhvr>
+                                        <p:cTn id="8" dur="500" fill="hold"/>
+                                        <p:tgtEl>
+                                          <p:spTgt spid="2"/>
+                                        </p:tgtEl>
+                                        <p:attrNameLst>
+                                          <p:attrName>ppt_h</p:attrName>
+                                        </p:attrNameLst>
+                                      </p:cBhvr>
+                                      <p:tavLst>
+                                        <p:tav tm="0">
+                                          <p:val>
+                                            <p:fltVal val="0"/>
+                                          </p:val>
+                                        </p:tav>
+                                        <p:tav tm="100000">
+                                          <p:val>
+                                            <p:strVal val="#ppt_h"/>
+                                          </p:val>
+                                        </p:tav>
+                                      </p:tavLst>
+                                    </p:anim>
+                                    <p:animEffect transition="in" filter="fade">
+                                      <p:cBhvr>
+                                        <p:cTn id="9" dur="500"/>
+                                        <p:tgtEl>
+                                          <p:spTgt spid="2"/>
+                                        </p:tgtEl>
+                                      </p:cBhvr>
+                                    </p:animEffect>
+                                  </p:childTnLst>
+                                </p:cTn>
+                              </p:par>
+                              <p:par>
+                                <p:cTn id="10" presetID="35" presetClass="path" presetSubtype="0" accel="50000" decel="50000" fill="hold" nodeType="withEffect">
+                                  <p:stCondLst>
+                                    <p:cond delay="0"/>
+                                  </p:stCondLst>
+                                  <p:childTnLst>
+                                    <p:animMotion origin="layout" path="M 0 -4.44444E-6 L -0.52956 -4.44444E-6 " pathEditMode="relative" rAng="0" ptsTypes="AA">
+                                      <p:cBhvr>
+                                        <p:cTn id="11" dur="1000" spd="-100000" fill="hold"/>
+                                        <p:tgtEl>
+                                          <p:spTgt spid="2"/>
+                                        </p:tgtEl>
+                                        <p:attrNameLst>
+                                          <p:attrName>ppt_x</p:attrName>
+                                          <p:attrName>ppt_y</p:attrName>
+                                        </p:attrNameLst>
+                                      </p:cBhvr>
+                                      <p:rCtr x="-26484" y="0"/>
+                                    </p:animMotion>
+                                  </p:childTnLst>
+                                </p:cTn>
+                              </p:par>
+                              <p:par>
+                                <p:cTn id="12" presetID="53" presetClass="entr" presetSubtype="16" fill="hold" grpId="0" nodeType="withEffect">
+                                  <p:stCondLst>
+                                    <p:cond delay="0"/>
+                                  </p:stCondLst>
+                                  <p:childTnLst>
+                                    <p:set>
+                                      <p:cBhvr>
+                                        <p:cTn id="13" dur="1" fill="hold">
+                                          <p:stCondLst>
+                                            <p:cond delay="0"/>
+                                          </p:stCondLst>
+                                        </p:cTn>
+                                        <p:tgtEl>
+                                          <p:spTgt spid="3"/>
+                                        </p:tgtEl>
+                                        <p:attrNameLst>
+                                          <p:attrName>style.visibility</p:attrName>
+                                        </p:attrNameLst>
+                                      </p:cBhvr>
+                                      <p:to>
+                                        <p:strVal val="visible"/>
+                                      </p:to>
+                                    </p:set>
+                                    <p:anim calcmode="lin" valueType="num">
+                                      <p:cBhvr>
+                                        <p:cTn id="14" dur="500" fill="hold"/>
+                                        <p:tgtEl>
+                                          <p:spTgt spid="3"/>
+                                        </p:tgtEl>
+                                        <p:attrNameLst>
+                                          <p:attrName>ppt_w</p:attrName>
+                                        </p:attrNameLst>
+                                      </p:cBhvr>
+                                      <p:tavLst>
+                                        <p:tav tm="0">
+                                          <p:val>
+                                            <p:fltVal val="0"/>
+                                          </p:val>
+                                        </p:tav>
+                                        <p:tav tm="100000">
+                                          <p:val>
+                                            <p:strVal val="#ppt_w"/>
+                                          </p:val>
+                                        </p:tav>
+                                      </p:tavLst>
+                                    </p:anim>
+                                    <p:anim calcmode="lin" valueType="num">
+                                      <p:cBhvr>
+                                        <p:cTn id="15" dur="500" fill="hold"/>
+                                        <p:tgtEl>
+                                          <p:spTgt spid="3"/>
+                                        </p:tgtEl>
+                                        <p:attrNameLst>
+                                          <p:attrName>ppt_h</p:attrName>
+                                        </p:attrNameLst>
+                                      </p:cBhvr>
+                                      <p:tavLst>
+                                        <p:tav tm="0">
+                                          <p:val>
+                                            <p:fltVal val="0"/>
+                                          </p:val>
+                                        </p:tav>
+                                        <p:tav tm="100000">
+                                          <p:val>
+                                            <p:strVal val="#ppt_h"/>
+                                          </p:val>
+                                        </p:tav>
+                                      </p:tavLst>
+                                    </p:anim>
+                                    <p:animEffect transition="in" filter="fade">
+                                      <p:cBhvr>
+                                        <p:cTn id="16" dur="500"/>
+                                        <p:tgtEl>
+                                          <p:spTgt spid="3"/>
+                                        </p:tgtEl>
+                                      </p:cBhvr>
+                                    </p:animEffect>
+                                  </p:childTnLst>
+                                </p:cTn>
+                              </p:par>
+                              <p:par>
+                                <p:cTn id="17" presetID="35" presetClass="path" presetSubtype="0" accel="50000" decel="50000" fill="hold" grpId="1" nodeType="withEffect">
+                                  <p:stCondLst>
+                                    <p:cond delay="0"/>
+                                  </p:stCondLst>
+                                  <p:childTnLst>
+                                    <p:animMotion origin="layout" path="M 0 2.59259E-6 L 0.12148 2.59259E-6 " pathEditMode="relative" rAng="0" ptsTypes="AA">
+                                      <p:cBhvr>
+                                        <p:cTn id="18" dur="1000" spd="-100000" fill="hold"/>
+                                        <p:tgtEl>
+                                          <p:spTgt spid="3"/>
+                                        </p:tgtEl>
+                                        <p:attrNameLst>
+                                          <p:attrName>ppt_x</p:attrName>
+                                          <p:attrName>ppt_y</p:attrName>
+                                        </p:attrNameLst>
+                                      </p:cBhvr>
+                                      <p:rCtr x="6068" y="0"/>
+                                    </p:animMotion>
+                                  </p:childTnLst>
+                                </p:cTn>
+                              </p:par>
+                            </p:childTnLst>
+                          </p:cTn>
+                        </p:par>
+                      </p:childTnLst>
+                    </p:cTn>
+                  </p:par>
+                </p:childTnLst>
+              </p:cTn>
+              <p:prevCondLst>
+                <p:cond evt="onPrev" delay="0">
+                  <p:tgtEl>
+                    <p:sldTgt/>
+                  </p:tgtEl>
+                </p:cond>
+              </p:prevCondLst>
+              <p:nextCondLst>
+                <p:cond evt="onNext" delay="0">
+                  <p:tgtEl>
+                    <p:sldTgt/>
+                  </p:tgtEl>
+                </p:cond>
+              </p:nextCondLst>
+            </p:seq>
+          </p:childTnLst>
+        </p:cTn>
+      </p:par>
+    </p:tnLst>
+    <p:bldLst>
+      <p:bldP spid="3" grpId="0"/>
+      <p:bldP spid="3" grpId="1"/>
+    </p:bldLst>
+  </p:timing>
+</p:sld>
+</file>
+
+<file path=ppt/slides/slide5.xml><?xml version="1.0" encoding="utf-8"?>
+<p:sld xmlns:a="http://schemas.openxmlformats.org/drawingml/2006/main" xmlns:r="http://schemas.openxmlformats.org/officeDocument/2006/relationships" xmlns:p="http://schemas.openxmlformats.org/presentationml/2006/main">
+  <p:cSld>
+    <p:spTree>
+      <p:nvGrpSpPr>
+        <p:cNvPr id="1" name=""/>
+        <p:cNvGrpSpPr/>
+        <p:nvPr/>
+      </p:nvGrpSpPr>
+      <p:grpSpPr>
+        <a:xfrm>
+          <a:off x="0" y="0"/>
+          <a:ext cx="0" cy="0"/>
+          <a:chOff x="0" y="0"/>
+          <a:chExt cx="0" cy="0"/>
+        </a:xfrm>
+      </p:grpSpPr>
+      <p:cxnSp>
+        <p:nvCxnSpPr>
+          <p:cNvPr id="2" name="直接连接符 1"/>
+          <p:cNvCxnSpPr/>
+          <p:nvPr/>
+        </p:nvCxnSpPr>
+        <p:spPr>
+          <a:xfrm>
+            <a:off x="0" y="581892"/>
+            <a:ext cx="9144000" cy="0"/>
+          </a:xfrm>
+          <a:prstGeom prst="line">
+            <a:avLst/>
+          </a:prstGeom>
+          <a:ln w="19050">
+            <a:solidFill>
+              <a:schemeClr val="accent1"/>
+            </a:solidFill>
+          </a:ln>
+        </p:spPr>
+        <p:style>
+          <a:lnRef idx="1">
+            <a:schemeClr val="accent1"/>
+          </a:lnRef>
+          <a:fillRef idx="0">
+            <a:schemeClr val="accent1"/>
+          </a:fillRef>
+          <a:effectRef idx="0">
+            <a:schemeClr val="accent1"/>
+          </a:effectRef>
+          <a:fontRef idx="minor">
+            <a:schemeClr val="tx1"/>
+          </a:fontRef>
+        </p:style>
+      </p:cxnSp>
+      <p:sp>
+        <p:nvSpPr>
+          <p:cNvPr id="3" name="文本框 2"/>
+          <p:cNvSpPr txBox="1"/>
+          <p:nvPr/>
+        </p:nvSpPr>
+        <p:spPr>
+          <a:xfrm>
+            <a:off x="193574" y="189773"/>
+            <a:ext cx="3086619" cy="414020"/>
+          </a:xfrm>
+          <a:prstGeom prst="rect">
+            <a:avLst/>
+          </a:prstGeom>
+          <a:noFill/>
+        </p:spPr>
+        <p:txBody>
+          <a:bodyPr wrap="square" rtlCol="0">
+            <a:spAutoFit/>
+          </a:bodyPr>
+          <a:lstStyle/>
+          <a:p>
+            <a:r>
+              <a:rPr lang="en-US" altLang="zh-CN" sz="2100" b="1" dirty="0">
+                <a:solidFill>
+                  <a:srgbClr val="005973"/>
+                </a:solidFill>
+                <a:latin typeface="微软雅黑" panose="020B0503020204020204" pitchFamily="34" charset="-122"/>
+                <a:ea typeface="微软雅黑" panose="020B0503020204020204" pitchFamily="34" charset="-122"/>
+                <a:cs typeface="Aharoni" panose="02010803020104030203" pitchFamily="2" charset="-79"/>
+              </a:rPr>
+              <a:t>Bom</a:t>
+            </a:r>
+            <a:r>
+              <a:rPr lang="zh-CN" altLang="en-US" sz="2100" b="1" dirty="0">
+                <a:solidFill>
+                  <a:srgbClr val="005973"/>
+                </a:solidFill>
+                <a:latin typeface="微软雅黑" panose="020B0503020204020204" pitchFamily="34" charset="-122"/>
+                <a:ea typeface="微软雅黑" panose="020B0503020204020204" pitchFamily="34" charset="-122"/>
+                <a:cs typeface="Aharoni" panose="02010803020104030203" pitchFamily="2" charset="-79"/>
+              </a:rPr>
+              <a:t>前台化的简单介绍</a:t>
+            </a:r>
+            <a:endParaRPr lang="zh-CN" altLang="en-US" sz="2100" b="1" dirty="0">
+              <a:solidFill>
+                <a:srgbClr val="005973"/>
+              </a:solidFill>
+              <a:latin typeface="微软雅黑" panose="020B0503020204020204" pitchFamily="34" charset="-122"/>
+              <a:ea typeface="微软雅黑" panose="020B0503020204020204" pitchFamily="34" charset="-122"/>
+              <a:cs typeface="Aharoni" panose="02010803020104030203" pitchFamily="2" charset="-79"/>
+            </a:endParaRPr>
+          </a:p>
+        </p:txBody>
+      </p:sp>
+      <p:sp>
+        <p:nvSpPr>
+          <p:cNvPr id="70" name="文本框 69"/>
+          <p:cNvSpPr txBox="1"/>
+          <p:nvPr/>
+        </p:nvSpPr>
+        <p:spPr>
+          <a:xfrm>
+            <a:off x="611560" y="1017810"/>
+            <a:ext cx="8020544" cy="1168400"/>
+          </a:xfrm>
+          <a:prstGeom prst="rect">
+            <a:avLst/>
+          </a:prstGeom>
+          <a:noFill/>
+        </p:spPr>
+        <p:txBody>
+          <a:bodyPr wrap="square" rtlCol="0">
+            <a:spAutoFit/>
+          </a:bodyPr>
+          <a:lstStyle/>
+          <a:p>
+            <a:r>
+              <a:rPr lang="en-US" altLang="en-GB" sz="1400" dirty="0"/>
+              <a:t>Bom</a:t>
+            </a:r>
+            <a:r>
+              <a:rPr lang="zh-CN" altLang="en-US" sz="1400" dirty="0"/>
+              <a:t>功能主要是分两块，一是根据用户表格提供的一些数据，比如型号、参数、厂牌去匹配我们库里的型号，在筛选出优质的货源，满足用户的配但需求。</a:t>
+            </a:r>
+            <a:endParaRPr lang="zh-CN" altLang="en-US" sz="1400" dirty="0"/>
+          </a:p>
+          <a:p>
+            <a:r>
+              <a:rPr lang="zh-CN" altLang="en-US" sz="1400" dirty="0"/>
+              <a:t>以往的</a:t>
+            </a:r>
+            <a:r>
+              <a:rPr lang="en-US" altLang="zh-CN" sz="1400" dirty="0"/>
+              <a:t>Bom</a:t>
+            </a:r>
+            <a:r>
+              <a:rPr lang="zh-CN" altLang="en-US" sz="1400" dirty="0"/>
+              <a:t>，配型配单工作主要是在</a:t>
+            </a:r>
+            <a:r>
+              <a:rPr lang="en-US" altLang="zh-CN" sz="1400" dirty="0"/>
+              <a:t>ERP</a:t>
+            </a:r>
+            <a:r>
+              <a:rPr lang="zh-CN" altLang="en-US" sz="1400" dirty="0"/>
+              <a:t>后台，由我们相关的同事拿用户的表单需求去操作配单，现在我们把这个功能，推向前台，用户可以通过我们的平台直接进行配型配单操作。</a:t>
+            </a:r>
+            <a:endParaRPr lang="en-GB" altLang="zh-CN" sz="1400" dirty="0"/>
+          </a:p>
+          <a:p>
+            <a:endParaRPr lang="en-GB" altLang="zh-CN" sz="1400" dirty="0"/>
+          </a:p>
+        </p:txBody>
+      </p:sp>
+    </p:spTree>
+  </p:cSld>
+  <p:clrMapOvr>
+    <a:masterClrMapping/>
+  </p:clrMapOvr>
+  <mc:AlternateContent xmlns:mc="http://schemas.openxmlformats.org/markup-compatibility/2006">
+    <mc:Choice xmlns:p14="http://schemas.microsoft.com/office/powerpoint/2010/main" Requires="p14">
+      <p:transition spd="slow" p14:dur="1400">
+        <p14:doors dir="vert"/>
+      </p:transition>
+    </mc:Choice>
+    <mc:Fallback>
+      <p:transition spd="slow">
+        <p:fade/>
+      </p:transition>
+    </mc:Fallback>
+  </mc:AlternateContent>
+  <p:timing>
+    <p:tnLst>
+      <p:par>
+        <p:cTn id="1" dur="indefinite" restart="never" nodeType="tmRoot">
+          <p:childTnLst>
+            <p:seq concurrent="1" nextAc="seek">
+              <p:cTn id="2" dur="indefinite" nodeType="mainSeq">
+                <p:childTnLst>
+                  <p:par>
+                    <p:cTn id="3" fill="hold">
+                      <p:stCondLst>
+                        <p:cond delay="indefinite"/>
+                        <p:cond evt="onBegin" delay="0">
+                          <p:tn val="2"/>
+                        </p:cond>
+                      </p:stCondLst>
+                      <p:childTnLst>
+                        <p:par>
+                          <p:cTn id="4" fill="hold">
+                            <p:stCondLst>
+                              <p:cond delay="0"/>
+                            </p:stCondLst>
+                            <p:childTnLst>
+                              <p:par>
+                                <p:cTn id="5" presetID="53" presetClass="entr" presetSubtype="16" fill="hold" nodeType="afterEffect">
+                                  <p:stCondLst>
+                                    <p:cond delay="0"/>
+                                  </p:stCondLst>
+                                  <p:childTnLst>
+                                    <p:set>
+                                      <p:cBhvr>
+                                        <p:cTn id="6" dur="1" fill="hold">
+                                          <p:stCondLst>
+                                            <p:cond delay="0"/>
+                                          </p:stCondLst>
+                                        </p:cTn>
+                                        <p:tgtEl>
+                                          <p:spTgt spid="2"/>
+                                        </p:tgtEl>
+                                        <p:attrNameLst>
+                                          <p:attrName>style.visibility</p:attrName>
+                                        </p:attrNameLst>
+                                      </p:cBhvr>
+                                      <p:to>
+                                        <p:strVal val="visible"/>
+                                      </p:to>
+                                    </p:set>
+                                    <p:anim calcmode="lin" valueType="num">
+                                      <p:cBhvr>
+                                        <p:cTn id="7" dur="500" fill="hold"/>
+                                        <p:tgtEl>
+                                          <p:spTgt spid="2"/>
+                                        </p:tgtEl>
+                                        <p:attrNameLst>
+                                          <p:attrName>ppt_w</p:attrName>
+                                        </p:attrNameLst>
+                                      </p:cBhvr>
+                                      <p:tavLst>
+                                        <p:tav tm="0">
+                                          <p:val>
+                                            <p:fltVal val="0"/>
+                                          </p:val>
+                                        </p:tav>
+                                        <p:tav tm="100000">
+                                          <p:val>
+                                            <p:strVal val="#ppt_w"/>
+                                          </p:val>
+                                        </p:tav>
+                                      </p:tavLst>
+                                    </p:anim>
+                                    <p:anim calcmode="lin" valueType="num">
+                                      <p:cBhvr>
+                                        <p:cTn id="8" dur="500" fill="hold"/>
+                                        <p:tgtEl>
+                                          <p:spTgt spid="2"/>
+                                        </p:tgtEl>
+                                        <p:attrNameLst>
+                                          <p:attrName>ppt_h</p:attrName>
+                                        </p:attrNameLst>
+                                      </p:cBhvr>
+                                      <p:tavLst>
+                                        <p:tav tm="0">
+                                          <p:val>
+                                            <p:fltVal val="0"/>
+                                          </p:val>
+                                        </p:tav>
+                                        <p:tav tm="100000">
+                                          <p:val>
+                                            <p:strVal val="#ppt_h"/>
+                                          </p:val>
+                                        </p:tav>
+                                      </p:tavLst>
+                                    </p:anim>
+                                    <p:animEffect transition="in" filter="fade">
+                                      <p:cBhvr>
+                                        <p:cTn id="9" dur="500"/>
+                                        <p:tgtEl>
+                                          <p:spTgt spid="2"/>
+                                        </p:tgtEl>
+                                      </p:cBhvr>
+                                    </p:animEffect>
+                                  </p:childTnLst>
+                                </p:cTn>
+                              </p:par>
+                              <p:par>
+                                <p:cTn id="10" presetID="35" presetClass="path" presetSubtype="0" accel="50000" decel="50000" fill="hold" nodeType="withEffect">
+                                  <p:stCondLst>
+                                    <p:cond delay="0"/>
+                                  </p:stCondLst>
+                                  <p:childTnLst>
+                                    <p:animMotion origin="layout" path="M 0 -4.44444E-6 L -0.52956 -4.44444E-6 " pathEditMode="relative" rAng="0" ptsTypes="AA">
+                                      <p:cBhvr>
+                                        <p:cTn id="11" dur="1000" spd="-100000" fill="hold"/>
+                                        <p:tgtEl>
+                                          <p:spTgt spid="2"/>
+                                        </p:tgtEl>
+                                        <p:attrNameLst>
+                                          <p:attrName>ppt_x</p:attrName>
+                                          <p:attrName>ppt_y</p:attrName>
+                                        </p:attrNameLst>
+                                      </p:cBhvr>
+                                      <p:rCtr x="-26484" y="0"/>
+                                    </p:animMotion>
+                                  </p:childTnLst>
+                                </p:cTn>
+                              </p:par>
+                              <p:par>
+                                <p:cTn id="12" presetID="53" presetClass="entr" presetSubtype="16" fill="hold" grpId="0" nodeType="withEffect">
+                                  <p:stCondLst>
+                                    <p:cond delay="0"/>
+                                  </p:stCondLst>
+                                  <p:childTnLst>
+                                    <p:set>
+                                      <p:cBhvr>
+                                        <p:cTn id="13" dur="1" fill="hold">
+                                          <p:stCondLst>
+                                            <p:cond delay="0"/>
+                                          </p:stCondLst>
+                                        </p:cTn>
+                                        <p:tgtEl>
+                                          <p:spTgt spid="3"/>
+                                        </p:tgtEl>
+                                        <p:attrNameLst>
+                                          <p:attrName>style.visibility</p:attrName>
+                                        </p:attrNameLst>
+                                      </p:cBhvr>
+                                      <p:to>
+                                        <p:strVal val="visible"/>
+                                      </p:to>
+                                    </p:set>
+                                    <p:anim calcmode="lin" valueType="num">
+                                      <p:cBhvr>
+                                        <p:cTn id="14" dur="500" fill="hold"/>
+                                        <p:tgtEl>
+                                          <p:spTgt spid="3"/>
+                                        </p:tgtEl>
+                                        <p:attrNameLst>
+                                          <p:attrName>ppt_w</p:attrName>
+                                        </p:attrNameLst>
+                                      </p:cBhvr>
+                                      <p:tavLst>
+                                        <p:tav tm="0">
+                                          <p:val>
+                                            <p:fltVal val="0"/>
+                                          </p:val>
+                                        </p:tav>
+                                        <p:tav tm="100000">
+                                          <p:val>
+                                            <p:strVal val="#ppt_w"/>
+                                          </p:val>
+                                        </p:tav>
+                                      </p:tavLst>
+                                    </p:anim>
+                                    <p:anim calcmode="lin" valueType="num">
+                                      <p:cBhvr>
+                                        <p:cTn id="15" dur="500" fill="hold"/>
+                                        <p:tgtEl>
+                                          <p:spTgt spid="3"/>
+                                        </p:tgtEl>
+                                        <p:attrNameLst>
+                                          <p:attrName>ppt_h</p:attrName>
+                                        </p:attrNameLst>
+                                      </p:cBhvr>
+                                      <p:tavLst>
+                                        <p:tav tm="0">
+                                          <p:val>
+                                            <p:fltVal val="0"/>
+                                          </p:val>
+                                        </p:tav>
+                                        <p:tav tm="100000">
+                                          <p:val>
+                                            <p:strVal val="#ppt_h"/>
+                                          </p:val>
+                                        </p:tav>
+                                      </p:tavLst>
+                                    </p:anim>
+                                    <p:animEffect transition="in" filter="fade">
+                                      <p:cBhvr>
+                                        <p:cTn id="16" dur="500"/>
+                                        <p:tgtEl>
+                                          <p:spTgt spid="3"/>
+                                        </p:tgtEl>
+                                      </p:cBhvr>
+                                    </p:animEffect>
+                                  </p:childTnLst>
+                                </p:cTn>
+                              </p:par>
+                              <p:par>
+                                <p:cTn id="17" presetID="35" presetClass="path" presetSubtype="0" accel="50000" decel="50000" fill="hold" grpId="1" nodeType="withEffect">
+                                  <p:stCondLst>
+                                    <p:cond delay="0"/>
+                                  </p:stCondLst>
+                                  <p:childTnLst>
+                                    <p:animMotion origin="layout" path="M 0 2.59259E-6 L 0.12148 2.59259E-6 " pathEditMode="relative" rAng="0" ptsTypes="AA">
+                                      <p:cBhvr>
+                                        <p:cTn id="18" dur="1000" spd="-100000" fill="hold"/>
+                                        <p:tgtEl>
+                                          <p:spTgt spid="3"/>
+                                        </p:tgtEl>
+                                        <p:attrNameLst>
+                                          <p:attrName>ppt_x</p:attrName>
+                                          <p:attrName>ppt_y</p:attrName>
+                                        </p:attrNameLst>
+                                      </p:cBhvr>
+                                      <p:rCtr x="6068" y="0"/>
+                                    </p:animMotion>
+                                  </p:childTnLst>
+                                </p:cTn>
+                              </p:par>
+                            </p:childTnLst>
+                          </p:cTn>
+                        </p:par>
+                      </p:childTnLst>
+                    </p:cTn>
+                  </p:par>
+                </p:childTnLst>
+              </p:cTn>
+              <p:prevCondLst>
+                <p:cond evt="onPrev" delay="0">
+                  <p:tgtEl>
+                    <p:sldTgt/>
+                  </p:tgtEl>
+                </p:cond>
+              </p:prevCondLst>
+              <p:nextCondLst>
+                <p:cond evt="onNext" delay="0">
+                  <p:tgtEl>
+                    <p:sldTgt/>
+                  </p:tgtEl>
+                </p:cond>
+              </p:nextCondLst>
+            </p:seq>
+          </p:childTnLst>
+        </p:cTn>
+      </p:par>
+    </p:tnLst>
+    <p:bldLst>
+      <p:bldP spid="3" grpId="0"/>
+      <p:bldP spid="3" grpId="1"/>
+    </p:bldLst>
+  </p:timing>
+</p:sld>
+</file>
+
+<file path=ppt/slides/slide6.xml><?xml version="1.0" encoding="utf-8"?>
+<p:sld xmlns:a="http://schemas.openxmlformats.org/drawingml/2006/main" xmlns:r="http://schemas.openxmlformats.org/officeDocument/2006/relationships" xmlns:p="http://schemas.openxmlformats.org/presentationml/2006/main">
+  <p:cSld>
+    <p:spTree>
+      <p:nvGrpSpPr>
+        <p:cNvPr id="1" name=""/>
+        <p:cNvGrpSpPr/>
+        <p:nvPr/>
+      </p:nvGrpSpPr>
+      <p:grpSpPr>
+        <a:xfrm>
+          <a:off x="0" y="0"/>
+          <a:ext cx="0" cy="0"/>
+          <a:chOff x="0" y="0"/>
+          <a:chExt cx="0" cy="0"/>
+        </a:xfrm>
+      </p:grpSpPr>
+      <p:cxnSp>
+        <p:nvCxnSpPr>
+          <p:cNvPr id="2" name="直接连接符 1"/>
+          <p:cNvCxnSpPr/>
+          <p:nvPr/>
+        </p:nvCxnSpPr>
+        <p:spPr>
+          <a:xfrm>
+            <a:off x="0" y="581892"/>
+            <a:ext cx="9144000" cy="0"/>
+          </a:xfrm>
+          <a:prstGeom prst="line">
+            <a:avLst/>
+          </a:prstGeom>
+          <a:ln w="19050">
+            <a:solidFill>
+              <a:schemeClr val="accent1"/>
+            </a:solidFill>
+          </a:ln>
+        </p:spPr>
+        <p:style>
+          <a:lnRef idx="1">
+            <a:schemeClr val="accent1"/>
+          </a:lnRef>
+          <a:fillRef idx="0">
+            <a:schemeClr val="accent1"/>
+          </a:fillRef>
+          <a:effectRef idx="0">
+            <a:schemeClr val="accent1"/>
+          </a:effectRef>
+          <a:fontRef idx="minor">
+            <a:schemeClr val="tx1"/>
+          </a:fontRef>
+        </p:style>
+      </p:cxnSp>
+      <p:sp>
+        <p:nvSpPr>
+          <p:cNvPr id="3" name="文本框 2"/>
+          <p:cNvSpPr txBox="1"/>
+          <p:nvPr/>
+        </p:nvSpPr>
+        <p:spPr>
+          <a:xfrm>
+            <a:off x="193574" y="189773"/>
+            <a:ext cx="3086619" cy="414020"/>
+          </a:xfrm>
+          <a:prstGeom prst="rect">
+            <a:avLst/>
+          </a:prstGeom>
+          <a:noFill/>
+        </p:spPr>
+        <p:txBody>
+          <a:bodyPr wrap="square" rtlCol="0">
+            <a:spAutoFit/>
+          </a:bodyPr>
+          <a:lstStyle/>
+          <a:p>
+            <a:r>
+              <a:rPr lang="en-US" altLang="zh-CN" sz="2100" b="1" dirty="0">
+                <a:solidFill>
+                  <a:srgbClr val="005973"/>
+                </a:solidFill>
+                <a:latin typeface="微软雅黑" panose="020B0503020204020204" pitchFamily="34" charset="-122"/>
+                <a:ea typeface="微软雅黑" panose="020B0503020204020204" pitchFamily="34" charset="-122"/>
+                <a:cs typeface="Aharoni" panose="02010803020104030203" pitchFamily="2" charset="-79"/>
+              </a:rPr>
+              <a:t>Bom</a:t>
+            </a:r>
+            <a:r>
+              <a:rPr lang="zh-CN" altLang="en-US" sz="2100" b="1" dirty="0">
+                <a:solidFill>
+                  <a:srgbClr val="005973"/>
+                </a:solidFill>
+                <a:latin typeface="微软雅黑" panose="020B0503020204020204" pitchFamily="34" charset="-122"/>
+                <a:ea typeface="微软雅黑" panose="020B0503020204020204" pitchFamily="34" charset="-122"/>
+                <a:cs typeface="Aharoni" panose="02010803020104030203" pitchFamily="2" charset="-79"/>
+              </a:rPr>
+              <a:t>前台化的简单介绍</a:t>
+            </a:r>
+            <a:endParaRPr lang="zh-CN" altLang="en-US" sz="2100" b="1" dirty="0">
+              <a:solidFill>
+                <a:srgbClr val="005973"/>
+              </a:solidFill>
+              <a:latin typeface="微软雅黑" panose="020B0503020204020204" pitchFamily="34" charset="-122"/>
+              <a:ea typeface="微软雅黑" panose="020B0503020204020204" pitchFamily="34" charset="-122"/>
+              <a:cs typeface="Aharoni" panose="02010803020104030203" pitchFamily="2" charset="-79"/>
+            </a:endParaRPr>
+          </a:p>
+        </p:txBody>
+      </p:sp>
+      <p:sp>
+        <p:nvSpPr>
+          <p:cNvPr id="70" name="文本框 69"/>
+          <p:cNvSpPr txBox="1"/>
+          <p:nvPr/>
+        </p:nvSpPr>
+        <p:spPr>
+          <a:xfrm>
+            <a:off x="611560" y="1017810"/>
+            <a:ext cx="8020544" cy="1168400"/>
+          </a:xfrm>
+          <a:prstGeom prst="rect">
+            <a:avLst/>
+          </a:prstGeom>
+          <a:noFill/>
+        </p:spPr>
+        <p:txBody>
+          <a:bodyPr wrap="square" rtlCol="0">
+            <a:spAutoFit/>
+          </a:bodyPr>
+          <a:lstStyle/>
+          <a:p>
+            <a:r>
+              <a:rPr lang="en-US" altLang="en-GB" sz="1400" dirty="0"/>
+              <a:t>Bom</a:t>
+            </a:r>
+            <a:r>
+              <a:rPr lang="zh-CN" altLang="en-US" sz="1400" dirty="0"/>
+              <a:t>功能主要是分两块，一是根据用户表格提供的一些数据，比如型号、参数、厂牌去匹配我们库里的型号，在筛选出优质的货源，满足用户的配但需求。</a:t>
+            </a:r>
+            <a:endParaRPr lang="zh-CN" altLang="en-US" sz="1400" dirty="0"/>
+          </a:p>
+          <a:p>
+            <a:r>
+              <a:rPr lang="zh-CN" altLang="en-US" sz="1400" dirty="0"/>
+              <a:t>以往的</a:t>
+            </a:r>
+            <a:r>
+              <a:rPr lang="en-US" altLang="zh-CN" sz="1400" dirty="0"/>
+              <a:t>Bom</a:t>
+            </a:r>
+            <a:r>
+              <a:rPr lang="zh-CN" altLang="en-US" sz="1400" dirty="0"/>
+              <a:t>，配型配单工作主要是在</a:t>
+            </a:r>
+            <a:r>
+              <a:rPr lang="en-US" altLang="zh-CN" sz="1400" dirty="0"/>
+              <a:t>ERP</a:t>
+            </a:r>
+            <a:r>
+              <a:rPr lang="zh-CN" altLang="en-US" sz="1400" dirty="0"/>
+              <a:t>后台，由我们相关的同事拿用户的表单需求去操作配单，现在我们把这个功能，推向前台，用户可以通过我们的平台直接进行配型配单操作。</a:t>
+            </a:r>
+            <a:endParaRPr lang="en-GB" altLang="zh-CN" sz="1400" dirty="0"/>
+          </a:p>
+          <a:p>
+            <a:endParaRPr lang="en-GB" altLang="zh-CN" sz="1400" dirty="0"/>
+          </a:p>
+        </p:txBody>
+      </p:sp>
+    </p:spTree>
+  </p:cSld>
+  <p:clrMapOvr>
+    <a:masterClrMapping/>
+  </p:clrMapOvr>
+  <mc:AlternateContent xmlns:mc="http://schemas.openxmlformats.org/markup-compatibility/2006">
+    <mc:Choice xmlns:p14="http://schemas.microsoft.com/office/powerpoint/2010/main" Requires="p14">
+      <p:transition spd="slow" p14:dur="1400">
+        <p14:doors dir="vert"/>
+      </p:transition>
+    </mc:Choice>
+    <mc:Fallback>
+      <p:transition spd="slow">
+        <p:fade/>
+      </p:transition>
+    </mc:Fallback>
+  </mc:AlternateContent>
+  <p:timing>
+    <p:tnLst>
+      <p:par>
+        <p:cTn id="1" dur="indefinite" restart="never" nodeType="tmRoot">
+          <p:childTnLst>
+            <p:seq concurrent="1" nextAc="seek">
+              <p:cTn id="2" dur="indefinite" nodeType="mainSeq">
+                <p:childTnLst>
+                  <p:par>
+                    <p:cTn id="3" fill="hold">
+                      <p:stCondLst>
+                        <p:cond delay="indefinite"/>
+                        <p:cond evt="onBegin" delay="0">
+                          <p:tn val="2"/>
+                        </p:cond>
+                      </p:stCondLst>
+                      <p:childTnLst>
+                        <p:par>
+                          <p:cTn id="4" fill="hold">
+                            <p:stCondLst>
+                              <p:cond delay="0"/>
+                            </p:stCondLst>
+                            <p:childTnLst>
+                              <p:par>
+                                <p:cTn id="5" presetID="53" presetClass="entr" presetSubtype="16" fill="hold" nodeType="afterEffect">
+                                  <p:stCondLst>
+                                    <p:cond delay="0"/>
+                                  </p:stCondLst>
+                                  <p:childTnLst>
+                                    <p:set>
+                                      <p:cBhvr>
+                                        <p:cTn id="6" dur="1" fill="hold">
+                                          <p:stCondLst>
+                                            <p:cond delay="0"/>
+                                          </p:stCondLst>
+                                        </p:cTn>
+                                        <p:tgtEl>
+                                          <p:spTgt spid="2"/>
+                                        </p:tgtEl>
+                                        <p:attrNameLst>
+                                          <p:attrName>style.visibility</p:attrName>
+                                        </p:attrNameLst>
+                                      </p:cBhvr>
+                                      <p:to>
+                                        <p:strVal val="visible"/>
+                                      </p:to>
+                                    </p:set>
+                                    <p:anim calcmode="lin" valueType="num">
+                                      <p:cBhvr>
+                                        <p:cTn id="7" dur="500" fill="hold"/>
+                                        <p:tgtEl>
+                                          <p:spTgt spid="2"/>
+                                        </p:tgtEl>
+                                        <p:attrNameLst>
+                                          <p:attrName>ppt_w</p:attrName>
+                                        </p:attrNameLst>
+                                      </p:cBhvr>
+                                      <p:tavLst>
+                                        <p:tav tm="0">
+                                          <p:val>
+                                            <p:fltVal val="0"/>
+                                          </p:val>
+                                        </p:tav>
+                                        <p:tav tm="100000">
+                                          <p:val>
+                                            <p:strVal val="#ppt_w"/>
+                                          </p:val>
+                                        </p:tav>
+                                      </p:tavLst>
+                                    </p:anim>
+                                    <p:anim calcmode="lin" valueType="num">
+                                      <p:cBhvr>
+                                        <p:cTn id="8" dur="500" fill="hold"/>
+                                        <p:tgtEl>
+                                          <p:spTgt spid="2"/>
+                                        </p:tgtEl>
+                                        <p:attrNameLst>
+                                          <p:attrName>ppt_h</p:attrName>
+                                        </p:attrNameLst>
+                                      </p:cBhvr>
+                                      <p:tavLst>
+                                        <p:tav tm="0">
+                                          <p:val>
+                                            <p:fltVal val="0"/>
+                                          </p:val>
+                                        </p:tav>
+                                        <p:tav tm="100000">
+                                          <p:val>
+                                            <p:strVal val="#ppt_h"/>
+                                          </p:val>
+                                        </p:tav>
+                                      </p:tavLst>
+                                    </p:anim>
+                                    <p:animEffect transition="in" filter="fade">
+                                      <p:cBhvr>
+                                        <p:cTn id="9" dur="500"/>
+                                        <p:tgtEl>
+                                          <p:spTgt spid="2"/>
+                                        </p:tgtEl>
+                                      </p:cBhvr>
+                                    </p:animEffect>
+                                  </p:childTnLst>
+                                </p:cTn>
+                              </p:par>
+                              <p:par>
+                                <p:cTn id="10" presetID="35" presetClass="path" presetSubtype="0" accel="50000" decel="50000" fill="hold" nodeType="withEffect">
+                                  <p:stCondLst>
+                                    <p:cond delay="0"/>
+                                  </p:stCondLst>
+                                  <p:childTnLst>
+                                    <p:animMotion origin="layout" path="M 0 -4.44444E-6 L -0.52956 -4.44444E-6 " pathEditMode="relative" rAng="0" ptsTypes="AA">
+                                      <p:cBhvr>
+                                        <p:cTn id="11" dur="1000" spd="-100000" fill="hold"/>
+                                        <p:tgtEl>
+                                          <p:spTgt spid="2"/>
+                                        </p:tgtEl>
+                                        <p:attrNameLst>
+                                          <p:attrName>ppt_x</p:attrName>
+                                          <p:attrName>ppt_y</p:attrName>
+                                        </p:attrNameLst>
+                                      </p:cBhvr>
+                                      <p:rCtr x="-26484" y="0"/>
+                                    </p:animMotion>
+                                  </p:childTnLst>
+                                </p:cTn>
+                              </p:par>
+                              <p:par>
+                                <p:cTn id="12" presetID="53" presetClass="entr" presetSubtype="16" fill="hold" grpId="0" nodeType="withEffect">
+                                  <p:stCondLst>
+                                    <p:cond delay="0"/>
+                                  </p:stCondLst>
+                                  <p:childTnLst>
+                                    <p:set>
+                                      <p:cBhvr>
+                                        <p:cTn id="13" dur="1" fill="hold">
+                                          <p:stCondLst>
+                                            <p:cond delay="0"/>
+                                          </p:stCondLst>
+                                        </p:cTn>
+                                        <p:tgtEl>
+                                          <p:spTgt spid="3"/>
+                                        </p:tgtEl>
+                                        <p:attrNameLst>
+                                          <p:attrName>style.visibility</p:attrName>
+                                        </p:attrNameLst>
+                                      </p:cBhvr>
+                                      <p:to>
+                                        <p:strVal val="visible"/>
+                                      </p:to>
+                                    </p:set>
+                                    <p:anim calcmode="lin" valueType="num">
+                                      <p:cBhvr>
+                                        <p:cTn id="14" dur="500" fill="hold"/>
+                                        <p:tgtEl>
+                                          <p:spTgt spid="3"/>
+                                        </p:tgtEl>
+                                        <p:attrNameLst>
+                                          <p:attrName>ppt_w</p:attrName>
+                                        </p:attrNameLst>
+                                      </p:cBhvr>
+                                      <p:tavLst>
+                                        <p:tav tm="0">
+                                          <p:val>
+                                            <p:fltVal val="0"/>
+                                          </p:val>
+                                        </p:tav>
+                                        <p:tav tm="100000">
+                                          <p:val>
+                                            <p:strVal val="#ppt_w"/>
+                                          </p:val>
+                                        </p:tav>
+                                      </p:tavLst>
+                                    </p:anim>
+                                    <p:anim calcmode="lin" valueType="num">
+                                      <p:cBhvr>
+                                        <p:cTn id="15" dur="500" fill="hold"/>
+                                        <p:tgtEl>
+                                          <p:spTgt spid="3"/>
+                                        </p:tgtEl>
+                                        <p:attrNameLst>
+                                          <p:attrName>ppt_h</p:attrName>
+                                        </p:attrNameLst>
+                                      </p:cBhvr>
+                                      <p:tavLst>
+                                        <p:tav tm="0">
+                                          <p:val>
+                                            <p:fltVal val="0"/>
+                                          </p:val>
+                                        </p:tav>
+                                        <p:tav tm="100000">
+                                          <p:val>
+                                            <p:strVal val="#ppt_h"/>
+                                          </p:val>
+                                        </p:tav>
+                                      </p:tavLst>
+                                    </p:anim>
+                                    <p:animEffect transition="in" filter="fade">
+                                      <p:cBhvr>
+                                        <p:cTn id="16" dur="500"/>
+                                        <p:tgtEl>
+                                          <p:spTgt spid="3"/>
+                                        </p:tgtEl>
+                                      </p:cBhvr>
+                                    </p:animEffect>
+                                  </p:childTnLst>
+                                </p:cTn>
+                              </p:par>
+                              <p:par>
+                                <p:cTn id="17" presetID="35" presetClass="path" presetSubtype="0" accel="50000" decel="50000" fill="hold" grpId="1" nodeType="withEffect">
+                                  <p:stCondLst>
+                                    <p:cond delay="0"/>
+                                  </p:stCondLst>
+                                  <p:childTnLst>
+                                    <p:animMotion origin="layout" path="M 0 2.59259E-6 L 0.12148 2.59259E-6 " pathEditMode="relative" rAng="0" ptsTypes="AA">
+                                      <p:cBhvr>
+                                        <p:cTn id="18" dur="1000" spd="-100000" fill="hold"/>
+                                        <p:tgtEl>
+                                          <p:spTgt spid="3"/>
+                                        </p:tgtEl>
+                                        <p:attrNameLst>
+                                          <p:attrName>ppt_x</p:attrName>
+                                          <p:attrName>ppt_y</p:attrName>
+                                        </p:attrNameLst>
+                                      </p:cBhvr>
+                                      <p:rCtr x="6068" y="0"/>
+                                    </p:animMotion>
+                                  </p:childTnLst>
+                                </p:cTn>
+                              </p:par>
+                            </p:childTnLst>
+                          </p:cTn>
+                        </p:par>
+                      </p:childTnLst>
+                    </p:cTn>
+                  </p:par>
+                </p:childTnLst>
+              </p:cTn>
+              <p:prevCondLst>
+                <p:cond evt="onPrev" delay="0">
+                  <p:tgtEl>
+                    <p:sldTgt/>
+                  </p:tgtEl>
+                </p:cond>
+              </p:prevCondLst>
+              <p:nextCondLst>
+                <p:cond evt="onNext" delay="0">
+                  <p:tgtEl>
+                    <p:sldTgt/>
+                  </p:tgtEl>
+                </p:cond>
+              </p:nextCondLst>
+            </p:seq>
+          </p:childTnLst>
+        </p:cTn>
+      </p:par>
+    </p:tnLst>
+    <p:bldLst>
+      <p:bldP spid="3" grpId="0"/>
+      <p:bldP spid="3" grpId="1"/>
+    </p:bldLst>
+  </p:timing>
+</p:sld>
+</file>
+
+<file path=ppt/slides/slide7.xml><?xml version="1.0" encoding="utf-8"?>
+<p:sld xmlns:a="http://schemas.openxmlformats.org/drawingml/2006/main" xmlns:r="http://schemas.openxmlformats.org/officeDocument/2006/relationships" xmlns:p="http://schemas.openxmlformats.org/presentationml/2006/main">
+  <p:cSld>
+    <p:spTree>
+      <p:nvGrpSpPr>
+        <p:cNvPr id="1" name=""/>
+        <p:cNvGrpSpPr/>
+        <p:nvPr/>
+      </p:nvGrpSpPr>
+      <p:grpSpPr>
+        <a:xfrm>
+          <a:off x="0" y="0"/>
+          <a:ext cx="0" cy="0"/>
+          <a:chOff x="0" y="0"/>
+          <a:chExt cx="0" cy="0"/>
+        </a:xfrm>
+      </p:grpSpPr>
+    </p:spTree>
   </p:cSld>
   <p:clrMapOvr>
     <a:masterClrMapping/>
@@ -5943,7 +8236,11 @@
       </a:style>
     </a:spDef>
   </a:objectDefaults>
-  <a:extraClrSchemeLst/>
+  <a:extLst>
+    <a:ext uri="{05A4C25C-085E-4340-85A3-A5531E510DB2}">
+      <thm15:themeFamily xmlns:thm15="http://schemas.microsoft.com/office/thememl/2012/main" name="Office Theme" id="{62F939B6-93AF-4DB8-9C6B-D6C7DFDC589F}" vid="{4A3C46E8-61CC-4603-A589-7422A47A8E4A}"/>
+    </a:ext>
+  </a:extLst>
 </a:theme>
 </file>
 
@@ -6227,7 +8524,10 @@
       </a:bgFillStyleLst>
     </a:fmtScheme>
   </a:themeElements>
-  <a:objectDefaults/>
-  <a:extraClrSchemeLst/>
+  <a:extLst>
+    <a:ext uri="{05A4C25C-085E-4340-85A3-A5531E510DB2}">
+      <thm15:themeFamily xmlns:thm15="http://schemas.microsoft.com/office/thememl/2012/main" name="Office Theme" id="{62F939B6-93AF-4DB8-9C6B-D6C7DFDC589F}" vid="{4A3C46E8-61CC-4603-A589-7422A47A8E4A}"/>
+    </a:ext>
+  </a:extLst>
 </a:theme>
 </file>
--- a/doc/2019-10-22 bom项目前端开发的收获.pptx
+++ b/doc/2019-10-22 bom项目前端开发的收获.pptx
@@ -5,16 +5,16 @@
     <p:sldMasterId id="2147483648" r:id="rId1"/>
   </p:sldMasterIdLst>
   <p:notesMasterIdLst>
-    <p:notesMasterId r:id="rId10"/>
+    <p:notesMasterId r:id="rId9"/>
   </p:notesMasterIdLst>
   <p:sldIdLst>
-    <p:sldId id="267" r:id="rId3"/>
-    <p:sldId id="306" r:id="rId4"/>
-    <p:sldId id="308" r:id="rId5"/>
-    <p:sldId id="309" r:id="rId6"/>
-    <p:sldId id="310" r:id="rId7"/>
-    <p:sldId id="311" r:id="rId8"/>
-    <p:sldId id="269" r:id="rId9"/>
+    <p:sldId id="267" r:id="rId2"/>
+    <p:sldId id="306" r:id="rId3"/>
+    <p:sldId id="308" r:id="rId4"/>
+    <p:sldId id="309" r:id="rId5"/>
+    <p:sldId id="310" r:id="rId6"/>
+    <p:sldId id="311" r:id="rId7"/>
+    <p:sldId id="269" r:id="rId8"/>
   </p:sldIdLst>
   <p:sldSz cx="9144000" cy="5143500" type="screen16x9"/>
   <p:notesSz cx="6858000" cy="9144000"/>
@@ -117,7 +117,7 @@
 </file>
 
 <file path=ppt/diagrams/colors1.xml><?xml version="1.0" encoding="utf-8"?>
-<dgm:colorsDef xmlns:dgm="http://schemas.openxmlformats.org/drawingml/2006/diagram" xmlns:a="http://schemas.openxmlformats.org/drawingml/2006/main" uniqueId="urn:microsoft.com/office/officeart/2005/8/colors/accent1_2">
+<dgm:colorsDef xmlns:dgm="http://schemas.openxmlformats.org/drawingml/2006/diagram" xmlns:a="http://schemas.openxmlformats.org/drawingml/2006/main" uniqueId="urn:microsoft.com/office/officeart/2005/8/colors/accent1_2#1">
   <dgm:title val=""/>
   <dgm:desc val=""/>
   <dgm:catLst>
@@ -867,10 +867,11 @@
 <dgm:dataModel xmlns:dgm="http://schemas.openxmlformats.org/drawingml/2006/diagram" xmlns:a="http://schemas.openxmlformats.org/drawingml/2006/main">
   <dgm:ptLst>
     <dgm:pt modelId="{72E22519-E63E-4E81-8F31-647C808BDDFF}" type="doc">
-      <dgm:prSet loTypeId="urn:microsoft.com/office/officeart/2005/8/layout/chevron2" loCatId="process" qsTypeId="urn:microsoft.com/office/officeart/2005/8/quickstyle/simple1" qsCatId="simple" csTypeId="urn:microsoft.com/office/officeart/2005/8/colors/accent1_2" csCatId="accent1" phldr="1"/>
+      <dgm:prSet loTypeId="urn:microsoft.com/office/officeart/2005/8/layout/chevron2" loCatId="process" qsTypeId="urn:microsoft.com/office/officeart/2005/8/quickstyle/simple1#1" qsCatId="simple" csTypeId="urn:microsoft.com/office/officeart/2005/8/colors/accent1_2#1" csCatId="accent1" phldr="1"/>
       <dgm:spPr/>
       <dgm:t>
         <a:bodyPr/>
+        <a:lstStyle/>
         <a:p>
           <a:endParaRPr lang="zh-CN" altLang="en-US"/>
         </a:p>
@@ -881,29 +882,32 @@
       <dgm:spPr/>
       <dgm:t>
         <a:bodyPr/>
+        <a:lstStyle/>
         <a:p>
           <a:r>
-            <a:rPr lang="zh-CN" altLang="en-US"/>
+            <a:rPr lang="zh-CN" altLang="en-US" dirty="0"/>
             <a:t>智能匹配流程</a:t>
           </a:r>
         </a:p>
       </dgm:t>
     </dgm:pt>
-    <dgm:pt modelId="{B81C684C-10EB-4D19-87FC-EAC83AD4AF7C}" cxnId="{5BC934CF-8A5D-4EA1-8BE6-CA7719A718BC}" type="parTrans">
+    <dgm:pt modelId="{B81C684C-10EB-4D19-87FC-EAC83AD4AF7C}" type="parTrans" cxnId="{5BC934CF-8A5D-4EA1-8BE6-CA7719A718BC}">
       <dgm:prSet/>
       <dgm:spPr/>
       <dgm:t>
         <a:bodyPr/>
+        <a:lstStyle/>
         <a:p>
           <a:endParaRPr lang="zh-CN" altLang="en-US"/>
         </a:p>
       </dgm:t>
     </dgm:pt>
-    <dgm:pt modelId="{56D6D007-FF05-42D4-94EC-9C88E9AA35E7}" cxnId="{5BC934CF-8A5D-4EA1-8BE6-CA7719A718BC}" type="sibTrans">
+    <dgm:pt modelId="{56D6D007-FF05-42D4-94EC-9C88E9AA35E7}" type="sibTrans" cxnId="{5BC934CF-8A5D-4EA1-8BE6-CA7719A718BC}">
       <dgm:prSet/>
       <dgm:spPr/>
       <dgm:t>
         <a:bodyPr/>
+        <a:lstStyle/>
         <a:p>
           <a:endParaRPr lang="zh-CN" altLang="en-US"/>
         </a:p>
@@ -914,29 +918,32 @@
       <dgm:spPr/>
       <dgm:t>
         <a:bodyPr/>
+        <a:lstStyle/>
         <a:p>
           <a:r>
-            <a:rPr lang="zh-CN" altLang="en-US"/>
+            <a:rPr lang="zh-CN" altLang="en-US" dirty="0"/>
             <a:t>收集用户输入的数据</a:t>
           </a:r>
         </a:p>
       </dgm:t>
     </dgm:pt>
-    <dgm:pt modelId="{666CA778-0B80-41C7-AD65-6468DE95E9CF}" cxnId="{427CD0DA-2B5F-46C7-B48E-EB0C0A21F87A}" type="parTrans">
+    <dgm:pt modelId="{666CA778-0B80-41C7-AD65-6468DE95E9CF}" type="parTrans" cxnId="{427CD0DA-2B5F-46C7-B48E-EB0C0A21F87A}">
       <dgm:prSet/>
       <dgm:spPr/>
       <dgm:t>
         <a:bodyPr/>
+        <a:lstStyle/>
         <a:p>
           <a:endParaRPr lang="zh-CN" altLang="en-US"/>
         </a:p>
       </dgm:t>
     </dgm:pt>
-    <dgm:pt modelId="{0BCC4495-3770-4000-9461-4A544C9E7E59}" cxnId="{427CD0DA-2B5F-46C7-B48E-EB0C0A21F87A}" type="sibTrans">
+    <dgm:pt modelId="{0BCC4495-3770-4000-9461-4A544C9E7E59}" type="sibTrans" cxnId="{427CD0DA-2B5F-46C7-B48E-EB0C0A21F87A}">
       <dgm:prSet/>
       <dgm:spPr/>
       <dgm:t>
         <a:bodyPr/>
+        <a:lstStyle/>
         <a:p>
           <a:endParaRPr lang="zh-CN" altLang="en-US"/>
         </a:p>
@@ -947,29 +954,32 @@
       <dgm:spPr/>
       <dgm:t>
         <a:bodyPr/>
+        <a:lstStyle/>
         <a:p>
           <a:r>
-            <a:rPr lang="zh-CN" altLang="en-US"/>
+            <a:rPr lang="zh-CN" altLang="en-US" dirty="0"/>
             <a:t>标准化输出：封装，型号，位置等字段</a:t>
           </a:r>
         </a:p>
       </dgm:t>
     </dgm:pt>
-    <dgm:pt modelId="{13855004-13C2-4F32-975F-FF9B0A14FD33}" cxnId="{3522B673-D083-4AED-868E-AC3E9E15F22A}" type="parTrans">
+    <dgm:pt modelId="{13855004-13C2-4F32-975F-FF9B0A14FD33}" type="parTrans" cxnId="{3522B673-D083-4AED-868E-AC3E9E15F22A}">
       <dgm:prSet/>
       <dgm:spPr/>
       <dgm:t>
         <a:bodyPr/>
+        <a:lstStyle/>
         <a:p>
           <a:endParaRPr lang="zh-CN" altLang="en-US"/>
         </a:p>
       </dgm:t>
     </dgm:pt>
-    <dgm:pt modelId="{9883850A-AE4E-4FDF-91DA-0A6A0394949E}" cxnId="{3522B673-D083-4AED-868E-AC3E9E15F22A}" type="sibTrans">
+    <dgm:pt modelId="{9883850A-AE4E-4FDF-91DA-0A6A0394949E}" type="sibTrans" cxnId="{3522B673-D083-4AED-868E-AC3E9E15F22A}">
       <dgm:prSet/>
       <dgm:spPr/>
       <dgm:t>
         <a:bodyPr/>
+        <a:lstStyle/>
         <a:p>
           <a:endParaRPr lang="zh-CN" altLang="en-US"/>
         </a:p>
@@ -980,29 +990,32 @@
       <dgm:spPr/>
       <dgm:t>
         <a:bodyPr/>
+        <a:lstStyle/>
         <a:p>
           <a:r>
-            <a:rPr lang="zh-CN" altLang="en-US"/>
+            <a:rPr lang="zh-CN" altLang="en-US" dirty="0"/>
             <a:t>参数智能匹配</a:t>
           </a:r>
         </a:p>
       </dgm:t>
     </dgm:pt>
-    <dgm:pt modelId="{6487E77D-C017-49C0-A09E-7674EBE016C1}" cxnId="{069221DC-FE2D-4C29-8D53-A5731F369BBB}" type="parTrans">
+    <dgm:pt modelId="{6487E77D-C017-49C0-A09E-7674EBE016C1}" type="parTrans" cxnId="{069221DC-FE2D-4C29-8D53-A5731F369BBB}">
       <dgm:prSet/>
       <dgm:spPr/>
       <dgm:t>
         <a:bodyPr/>
+        <a:lstStyle/>
         <a:p>
           <a:endParaRPr lang="zh-CN" altLang="en-US"/>
         </a:p>
       </dgm:t>
     </dgm:pt>
-    <dgm:pt modelId="{F9A6603D-90B3-4D2E-B669-559207954EDC}" cxnId="{069221DC-FE2D-4C29-8D53-A5731F369BBB}" type="sibTrans">
+    <dgm:pt modelId="{F9A6603D-90B3-4D2E-B669-559207954EDC}" type="sibTrans" cxnId="{069221DC-FE2D-4C29-8D53-A5731F369BBB}">
       <dgm:prSet/>
       <dgm:spPr/>
       <dgm:t>
         <a:bodyPr/>
+        <a:lstStyle/>
         <a:p>
           <a:endParaRPr lang="zh-CN" altLang="en-US"/>
         </a:p>
@@ -1013,29 +1026,32 @@
       <dgm:spPr/>
       <dgm:t>
         <a:bodyPr/>
+        <a:lstStyle/>
         <a:p>
           <a:r>
-            <a:rPr lang="zh-CN" altLang="en-US"/>
+            <a:rPr lang="zh-CN" altLang="en-US" dirty="0"/>
             <a:t>将用户输入参数格式化过滤</a:t>
           </a:r>
         </a:p>
       </dgm:t>
     </dgm:pt>
-    <dgm:pt modelId="{A4CC7632-1186-48AA-8C6C-CB627FACF657}" cxnId="{C50245BF-484D-4779-ACF8-541A36B26158}" type="parTrans">
+    <dgm:pt modelId="{A4CC7632-1186-48AA-8C6C-CB627FACF657}" type="parTrans" cxnId="{C50245BF-484D-4779-ACF8-541A36B26158}">
       <dgm:prSet/>
       <dgm:spPr/>
       <dgm:t>
         <a:bodyPr/>
+        <a:lstStyle/>
         <a:p>
           <a:endParaRPr lang="zh-CN" altLang="en-US"/>
         </a:p>
       </dgm:t>
     </dgm:pt>
-    <dgm:pt modelId="{901A70FD-D21B-400E-A2C5-36D687DDD8DD}" cxnId="{C50245BF-484D-4779-ACF8-541A36B26158}" type="sibTrans">
+    <dgm:pt modelId="{901A70FD-D21B-400E-A2C5-36D687DDD8DD}" type="sibTrans" cxnId="{C50245BF-484D-4779-ACF8-541A36B26158}">
       <dgm:prSet/>
       <dgm:spPr/>
       <dgm:t>
         <a:bodyPr/>
+        <a:lstStyle/>
         <a:p>
           <a:endParaRPr lang="zh-CN" altLang="en-US"/>
         </a:p>
@@ -1046,29 +1062,32 @@
       <dgm:spPr/>
       <dgm:t>
         <a:bodyPr/>
+        <a:lstStyle/>
         <a:p>
           <a:r>
-            <a:rPr lang="zh-CN" altLang="en-US"/>
+            <a:rPr lang="zh-CN" altLang="en-US" dirty="0"/>
             <a:t>提取关键参数，定位类别</a:t>
           </a:r>
         </a:p>
       </dgm:t>
     </dgm:pt>
-    <dgm:pt modelId="{23014281-0B69-41F0-8B7C-443845D5C404}" cxnId="{2C0CCA6B-C276-40D1-BC5A-8C94CAC7EF57}" type="parTrans">
+    <dgm:pt modelId="{23014281-0B69-41F0-8B7C-443845D5C404}" type="parTrans" cxnId="{2C0CCA6B-C276-40D1-BC5A-8C94CAC7EF57}">
       <dgm:prSet/>
       <dgm:spPr/>
       <dgm:t>
         <a:bodyPr/>
+        <a:lstStyle/>
         <a:p>
           <a:endParaRPr lang="zh-CN" altLang="en-US"/>
         </a:p>
       </dgm:t>
     </dgm:pt>
-    <dgm:pt modelId="{8745FD29-1783-43D8-B7A6-79F82930E31F}" cxnId="{2C0CCA6B-C276-40D1-BC5A-8C94CAC7EF57}" type="sibTrans">
+    <dgm:pt modelId="{8745FD29-1783-43D8-B7A6-79F82930E31F}" type="sibTrans" cxnId="{2C0CCA6B-C276-40D1-BC5A-8C94CAC7EF57}">
       <dgm:prSet/>
       <dgm:spPr/>
       <dgm:t>
         <a:bodyPr/>
+        <a:lstStyle/>
         <a:p>
           <a:endParaRPr lang="zh-CN" altLang="en-US"/>
         </a:p>
@@ -1079,29 +1098,32 @@
       <dgm:spPr/>
       <dgm:t>
         <a:bodyPr/>
+        <a:lstStyle/>
         <a:p>
           <a:r>
-            <a:rPr lang="zh-CN" altLang="en-US"/>
+            <a:rPr lang="zh-CN" altLang="en-US" dirty="0"/>
             <a:t>智慧搜索引擎</a:t>
           </a:r>
         </a:p>
       </dgm:t>
     </dgm:pt>
-    <dgm:pt modelId="{6D5088CE-0FE6-4C0C-9CAF-2AC542D39DD8}" cxnId="{867FDB2A-4EB5-4B12-8E1D-7158AD7E5C68}" type="parTrans">
+    <dgm:pt modelId="{6D5088CE-0FE6-4C0C-9CAF-2AC542D39DD8}" type="parTrans" cxnId="{867FDB2A-4EB5-4B12-8E1D-7158AD7E5C68}">
       <dgm:prSet/>
       <dgm:spPr/>
       <dgm:t>
         <a:bodyPr/>
+        <a:lstStyle/>
         <a:p>
           <a:endParaRPr lang="zh-CN" altLang="en-US"/>
         </a:p>
       </dgm:t>
     </dgm:pt>
-    <dgm:pt modelId="{35768274-6B1B-49DF-BE19-73EF3D46B307}" cxnId="{867FDB2A-4EB5-4B12-8E1D-7158AD7E5C68}" type="sibTrans">
+    <dgm:pt modelId="{35768274-6B1B-49DF-BE19-73EF3D46B307}" type="sibTrans" cxnId="{867FDB2A-4EB5-4B12-8E1D-7158AD7E5C68}">
       <dgm:prSet/>
       <dgm:spPr/>
       <dgm:t>
         <a:bodyPr/>
+        <a:lstStyle/>
         <a:p>
           <a:endParaRPr lang="zh-CN" altLang="en-US"/>
         </a:p>
@@ -1112,29 +1134,32 @@
       <dgm:spPr/>
       <dgm:t>
         <a:bodyPr/>
+        <a:lstStyle/>
         <a:p>
           <a:r>
-            <a:rPr lang="zh-CN" altLang="en-US"/>
+            <a:rPr lang="zh-CN" altLang="en-US" dirty="0"/>
             <a:t>提取匹配度最高的数据</a:t>
           </a:r>
         </a:p>
       </dgm:t>
     </dgm:pt>
-    <dgm:pt modelId="{2A8DF3B7-8A0F-41D2-897B-58FCD6C29992}" cxnId="{06F93F2D-A7F9-4A30-949B-79177D2E2350}" type="parTrans">
+    <dgm:pt modelId="{2A8DF3B7-8A0F-41D2-897B-58FCD6C29992}" type="parTrans" cxnId="{06F93F2D-A7F9-4A30-949B-79177D2E2350}">
       <dgm:prSet/>
       <dgm:spPr/>
       <dgm:t>
         <a:bodyPr/>
+        <a:lstStyle/>
         <a:p>
           <a:endParaRPr lang="zh-CN" altLang="en-US"/>
         </a:p>
       </dgm:t>
     </dgm:pt>
-    <dgm:pt modelId="{FC170E10-5DF1-4A60-89B2-1626398A312F}" cxnId="{06F93F2D-A7F9-4A30-949B-79177D2E2350}" type="sibTrans">
+    <dgm:pt modelId="{FC170E10-5DF1-4A60-89B2-1626398A312F}" type="sibTrans" cxnId="{06F93F2D-A7F9-4A30-949B-79177D2E2350}">
       <dgm:prSet/>
       <dgm:spPr/>
       <dgm:t>
         <a:bodyPr/>
+        <a:lstStyle/>
         <a:p>
           <a:endParaRPr lang="zh-CN" altLang="en-US"/>
         </a:p>
@@ -1145,29 +1170,32 @@
       <dgm:spPr/>
       <dgm:t>
         <a:bodyPr/>
+        <a:lstStyle/>
         <a:p>
           <a:r>
-            <a:rPr lang="zh-CN" altLang="en-US"/>
+            <a:rPr lang="zh-CN" altLang="en-US" dirty="0"/>
             <a:t>优质厂牌优先展示</a:t>
           </a:r>
         </a:p>
       </dgm:t>
     </dgm:pt>
-    <dgm:pt modelId="{F8365AB3-4B27-4EB1-BB5F-06992168FF3C}" cxnId="{3CD9B510-7B46-45FE-82E4-3408DB29C3C0}" type="parTrans">
+    <dgm:pt modelId="{F8365AB3-4B27-4EB1-BB5F-06992168FF3C}" type="parTrans" cxnId="{3CD9B510-7B46-45FE-82E4-3408DB29C3C0}">
       <dgm:prSet/>
       <dgm:spPr/>
       <dgm:t>
         <a:bodyPr/>
+        <a:lstStyle/>
         <a:p>
           <a:endParaRPr lang="zh-CN" altLang="en-US"/>
         </a:p>
       </dgm:t>
     </dgm:pt>
-    <dgm:pt modelId="{92295698-538D-475C-A9C8-E42FF6BFE205}" cxnId="{3CD9B510-7B46-45FE-82E4-3408DB29C3C0}" type="sibTrans">
+    <dgm:pt modelId="{92295698-538D-475C-A9C8-E42FF6BFE205}" type="sibTrans" cxnId="{3CD9B510-7B46-45FE-82E4-3408DB29C3C0}">
       <dgm:prSet/>
       <dgm:spPr/>
       <dgm:t>
         <a:bodyPr/>
+        <a:lstStyle/>
         <a:p>
           <a:endParaRPr lang="zh-CN" altLang="en-US"/>
         </a:p>
@@ -1178,21 +1206,36 @@
       <dgm:spPr/>
       <dgm:t>
         <a:bodyPr/>
+        <a:lstStyle/>
         <a:p>
           <a:r>
-            <a:rPr lang="zh-CN" altLang="en-US"/>
+            <a:rPr lang="zh-CN" altLang="en-US" dirty="0"/>
             <a:t>参数缺失提醒等报警机制</a:t>
           </a:r>
         </a:p>
       </dgm:t>
     </dgm:pt>
-    <dgm:pt modelId="{DF78F4B5-4ED7-40EF-83F4-47BD50A4E29A}" cxnId="{3E7204E4-94AE-475D-8990-1EA17AE8B640}" type="parTrans">
+    <dgm:pt modelId="{DF78F4B5-4ED7-40EF-83F4-47BD50A4E29A}" type="parTrans" cxnId="{3E7204E4-94AE-475D-8990-1EA17AE8B640}">
       <dgm:prSet/>
       <dgm:spPr/>
+      <dgm:t>
+        <a:bodyPr/>
+        <a:lstStyle/>
+        <a:p>
+          <a:endParaRPr lang="zh-CN" altLang="en-US"/>
+        </a:p>
+      </dgm:t>
     </dgm:pt>
-    <dgm:pt modelId="{7E6C7041-39E7-43DD-825B-F3ABA73256A2}" cxnId="{3E7204E4-94AE-475D-8990-1EA17AE8B640}" type="sibTrans">
+    <dgm:pt modelId="{7E6C7041-39E7-43DD-825B-F3ABA73256A2}" type="sibTrans" cxnId="{3E7204E4-94AE-475D-8990-1EA17AE8B640}">
       <dgm:prSet/>
       <dgm:spPr/>
+      <dgm:t>
+        <a:bodyPr/>
+        <a:lstStyle/>
+        <a:p>
+          <a:endParaRPr lang="zh-CN" altLang="en-US"/>
+        </a:p>
+      </dgm:t>
     </dgm:pt>
     <dgm:pt modelId="{380CD1BC-416B-4530-908B-BA59CCDC7E83}" type="pres">
       <dgm:prSet presAssocID="{72E22519-E63E-4E81-8F31-647C808BDDFF}" presName="linearFlow" presStyleCnt="0">
@@ -1203,6 +1246,13 @@
         </dgm:presLayoutVars>
       </dgm:prSet>
       <dgm:spPr/>
+      <dgm:t>
+        <a:bodyPr/>
+        <a:lstStyle/>
+        <a:p>
+          <a:endParaRPr lang="zh-CN" altLang="en-US"/>
+        </a:p>
+      </dgm:t>
     </dgm:pt>
     <dgm:pt modelId="{848F170F-4FEC-4952-85CD-BD4CFB7EE8CF}" type="pres">
       <dgm:prSet presAssocID="{FAB57939-EFA0-4221-A514-61978AF799AE}" presName="composite" presStyleCnt="0"/>
@@ -1218,6 +1268,7 @@
       <dgm:spPr/>
       <dgm:t>
         <a:bodyPr/>
+        <a:lstStyle/>
         <a:p>
           <a:endParaRPr lang="zh-CN" altLang="en-US"/>
         </a:p>
@@ -1232,6 +1283,7 @@
       <dgm:spPr/>
       <dgm:t>
         <a:bodyPr/>
+        <a:lstStyle/>
         <a:p>
           <a:endParaRPr lang="zh-CN" altLang="en-US"/>
         </a:p>
@@ -1255,6 +1307,7 @@
       <dgm:spPr/>
       <dgm:t>
         <a:bodyPr/>
+        <a:lstStyle/>
         <a:p>
           <a:endParaRPr lang="zh-CN" altLang="en-US"/>
         </a:p>
@@ -1269,6 +1322,7 @@
       <dgm:spPr/>
       <dgm:t>
         <a:bodyPr/>
+        <a:lstStyle/>
         <a:p>
           <a:endParaRPr lang="zh-CN" altLang="en-US"/>
         </a:p>
@@ -1292,6 +1346,7 @@
       <dgm:spPr/>
       <dgm:t>
         <a:bodyPr/>
+        <a:lstStyle/>
         <a:p>
           <a:endParaRPr lang="zh-CN" altLang="en-US"/>
         </a:p>
@@ -1306,6 +1361,7 @@
       <dgm:spPr/>
       <dgm:t>
         <a:bodyPr/>
+        <a:lstStyle/>
         <a:p>
           <a:endParaRPr lang="zh-CN" altLang="en-US"/>
         </a:p>
@@ -1313,27 +1369,27 @@
     </dgm:pt>
   </dgm:ptLst>
   <dgm:cxnLst>
+    <dgm:cxn modelId="{3E7204E4-94AE-475D-8990-1EA17AE8B640}" srcId="{E3AEACC5-811E-4C39-B326-6BF5A0BCDB47}" destId="{2E3BC0E7-7D1C-46BC-85D0-DC866B86DD5A}" srcOrd="2" destOrd="0" parTransId="{DF78F4B5-4ED7-40EF-83F4-47BD50A4E29A}" sibTransId="{7E6C7041-39E7-43DD-825B-F3ABA73256A2}"/>
+    <dgm:cxn modelId="{FD9BB530-292E-419D-9402-F14C11232A5D}" type="presOf" srcId="{FAB57939-EFA0-4221-A514-61978AF799AE}" destId="{0C8C90E4-E21A-4161-97D5-A054DB119D4B}" srcOrd="0" destOrd="0" presId="urn:microsoft.com/office/officeart/2005/8/layout/chevron2"/>
+    <dgm:cxn modelId="{3EC7D98C-BC9C-446A-891F-91FF18FFA0FF}" type="presOf" srcId="{3F8CF4AF-FE4E-4105-BB05-982DDD593CB6}" destId="{513EEC51-96DD-463B-85DE-486ECB10560A}" srcOrd="0" destOrd="0" presId="urn:microsoft.com/office/officeart/2005/8/layout/chevron2"/>
+    <dgm:cxn modelId="{CBF39293-77DB-40BB-A8D7-77DDE950E2C6}" type="presOf" srcId="{E3AEACC5-811E-4C39-B326-6BF5A0BCDB47}" destId="{347AEF46-25CB-4875-818B-6D1350B95787}" srcOrd="0" destOrd="0" presId="urn:microsoft.com/office/officeart/2005/8/layout/chevron2"/>
+    <dgm:cxn modelId="{069221DC-FE2D-4C29-8D53-A5731F369BBB}" srcId="{72E22519-E63E-4E81-8F31-647C808BDDFF}" destId="{A032E63E-C5F9-48B0-AA59-8702C5E8694E}" srcOrd="1" destOrd="0" parTransId="{6487E77D-C017-49C0-A09E-7674EBE016C1}" sibTransId="{F9A6603D-90B3-4D2E-B669-559207954EDC}"/>
+    <dgm:cxn modelId="{06F93F2D-A7F9-4A30-949B-79177D2E2350}" srcId="{E3AEACC5-811E-4C39-B326-6BF5A0BCDB47}" destId="{4290A714-988C-478D-91E3-DA7C1F92281C}" srcOrd="0" destOrd="0" parTransId="{2A8DF3B7-8A0F-41D2-897B-58FCD6C29992}" sibTransId="{FC170E10-5DF1-4A60-89B2-1626398A312F}"/>
+    <dgm:cxn modelId="{6A586FF1-5103-46C7-B0D4-814E46547FE6}" type="presOf" srcId="{72E22519-E63E-4E81-8F31-647C808BDDFF}" destId="{380CD1BC-416B-4530-908B-BA59CCDC7E83}" srcOrd="0" destOrd="0" presId="urn:microsoft.com/office/officeart/2005/8/layout/chevron2"/>
+    <dgm:cxn modelId="{3522B673-D083-4AED-868E-AC3E9E15F22A}" srcId="{FAB57939-EFA0-4221-A514-61978AF799AE}" destId="{6B1E25F0-9C72-448D-B394-EA62A6B399E3}" srcOrd="1" destOrd="0" parTransId="{13855004-13C2-4F32-975F-FF9B0A14FD33}" sibTransId="{9883850A-AE4E-4FDF-91DA-0A6A0394949E}"/>
+    <dgm:cxn modelId="{C50245BF-484D-4779-ACF8-541A36B26158}" srcId="{A032E63E-C5F9-48B0-AA59-8702C5E8694E}" destId="{3F8CF4AF-FE4E-4105-BB05-982DDD593CB6}" srcOrd="0" destOrd="0" parTransId="{A4CC7632-1186-48AA-8C6C-CB627FACF657}" sibTransId="{901A70FD-D21B-400E-A2C5-36D687DDD8DD}"/>
+    <dgm:cxn modelId="{20D49279-B04F-4906-B77F-5026E09E5CA4}" type="presOf" srcId="{F087DC2C-C650-4D1C-9EC0-1C9BC1A01D5F}" destId="{12D9ED95-5505-4033-9861-9B3BCBE34AD7}" srcOrd="0" destOrd="1" presId="urn:microsoft.com/office/officeart/2005/8/layout/chevron2"/>
+    <dgm:cxn modelId="{E2E20C53-A5AF-448F-BEB6-5488B03720E6}" type="presOf" srcId="{4290A714-988C-478D-91E3-DA7C1F92281C}" destId="{12D9ED95-5505-4033-9861-9B3BCBE34AD7}" srcOrd="0" destOrd="0" presId="urn:microsoft.com/office/officeart/2005/8/layout/chevron2"/>
+    <dgm:cxn modelId="{427CD0DA-2B5F-46C7-B48E-EB0C0A21F87A}" srcId="{FAB57939-EFA0-4221-A514-61978AF799AE}" destId="{B0187E75-1A5B-4750-9856-EA728E45D51F}" srcOrd="0" destOrd="0" parTransId="{666CA778-0B80-41C7-AD65-6468DE95E9CF}" sibTransId="{0BCC4495-3770-4000-9461-4A544C9E7E59}"/>
+    <dgm:cxn modelId="{5E7A59D9-AFB2-46B4-B88D-11E3ADF6280E}" type="presOf" srcId="{B0187E75-1A5B-4750-9856-EA728E45D51F}" destId="{C5034323-FB6B-4290-857E-CDD08C8D48AD}" srcOrd="0" destOrd="0" presId="urn:microsoft.com/office/officeart/2005/8/layout/chevron2"/>
+    <dgm:cxn modelId="{E342D4D4-ECC1-4656-A1BA-D184BAB6D1CC}" type="presOf" srcId="{41AE41DF-0DEB-4D84-80AF-FB61146A7338}" destId="{513EEC51-96DD-463B-85DE-486ECB10560A}" srcOrd="0" destOrd="1" presId="urn:microsoft.com/office/officeart/2005/8/layout/chevron2"/>
+    <dgm:cxn modelId="{867FDB2A-4EB5-4B12-8E1D-7158AD7E5C68}" srcId="{72E22519-E63E-4E81-8F31-647C808BDDFF}" destId="{E3AEACC5-811E-4C39-B326-6BF5A0BCDB47}" srcOrd="2" destOrd="0" parTransId="{6D5088CE-0FE6-4C0C-9CAF-2AC542D39DD8}" sibTransId="{35768274-6B1B-49DF-BE19-73EF3D46B307}"/>
+    <dgm:cxn modelId="{5BC934CF-8A5D-4EA1-8BE6-CA7719A718BC}" srcId="{72E22519-E63E-4E81-8F31-647C808BDDFF}" destId="{FAB57939-EFA0-4221-A514-61978AF799AE}" srcOrd="0" destOrd="0" parTransId="{B81C684C-10EB-4D19-87FC-EAC83AD4AF7C}" sibTransId="{56D6D007-FF05-42D4-94EC-9C88E9AA35E7}"/>
+    <dgm:cxn modelId="{C3B89565-D58F-4D98-9C53-3B5D25705DE4}" type="presOf" srcId="{A032E63E-C5F9-48B0-AA59-8702C5E8694E}" destId="{4048F7A5-4B98-4BFE-A419-F932EF18DEB0}" srcOrd="0" destOrd="0" presId="urn:microsoft.com/office/officeart/2005/8/layout/chevron2"/>
+    <dgm:cxn modelId="{02F54AED-D3E1-4FDC-962B-5BCA13D59A40}" type="presOf" srcId="{6B1E25F0-9C72-448D-B394-EA62A6B399E3}" destId="{C5034323-FB6B-4290-857E-CDD08C8D48AD}" srcOrd="0" destOrd="1" presId="urn:microsoft.com/office/officeart/2005/8/layout/chevron2"/>
     <dgm:cxn modelId="{2C0CCA6B-C276-40D1-BC5A-8C94CAC7EF57}" srcId="{A032E63E-C5F9-48B0-AA59-8702C5E8694E}" destId="{41AE41DF-0DEB-4D84-80AF-FB61146A7338}" srcOrd="1" destOrd="0" parTransId="{23014281-0B69-41F0-8B7C-443845D5C404}" sibTransId="{8745FD29-1783-43D8-B7A6-79F82930E31F}"/>
-    <dgm:cxn modelId="{FD9BB530-292E-419D-9402-F14C11232A5D}" type="presOf" srcId="{FAB57939-EFA0-4221-A514-61978AF799AE}" destId="{0C8C90E4-E21A-4161-97D5-A054DB119D4B}" srcOrd="0" destOrd="0" presId="urn:microsoft.com/office/officeart/2005/8/layout/chevron2"/>
-    <dgm:cxn modelId="{069221DC-FE2D-4C29-8D53-A5731F369BBB}" srcId="{72E22519-E63E-4E81-8F31-647C808BDDFF}" destId="{A032E63E-C5F9-48B0-AA59-8702C5E8694E}" srcOrd="1" destOrd="0" parTransId="{6487E77D-C017-49C0-A09E-7674EBE016C1}" sibTransId="{F9A6603D-90B3-4D2E-B669-559207954EDC}"/>
-    <dgm:cxn modelId="{3EC7D98C-BC9C-446A-891F-91FF18FFA0FF}" type="presOf" srcId="{3F8CF4AF-FE4E-4105-BB05-982DDD593CB6}" destId="{513EEC51-96DD-463B-85DE-486ECB10560A}" srcOrd="0" destOrd="0" presId="urn:microsoft.com/office/officeart/2005/8/layout/chevron2"/>
-    <dgm:cxn modelId="{5BC934CF-8A5D-4EA1-8BE6-CA7719A718BC}" srcId="{72E22519-E63E-4E81-8F31-647C808BDDFF}" destId="{FAB57939-EFA0-4221-A514-61978AF799AE}" srcOrd="0" destOrd="0" parTransId="{B81C684C-10EB-4D19-87FC-EAC83AD4AF7C}" sibTransId="{56D6D007-FF05-42D4-94EC-9C88E9AA35E7}"/>
-    <dgm:cxn modelId="{06F93F2D-A7F9-4A30-949B-79177D2E2350}" srcId="{E3AEACC5-811E-4C39-B326-6BF5A0BCDB47}" destId="{4290A714-988C-478D-91E3-DA7C1F92281C}" srcOrd="0" destOrd="0" parTransId="{2A8DF3B7-8A0F-41D2-897B-58FCD6C29992}" sibTransId="{FC170E10-5DF1-4A60-89B2-1626398A312F}"/>
-    <dgm:cxn modelId="{3E7204E4-94AE-475D-8990-1EA17AE8B640}" srcId="{E3AEACC5-811E-4C39-B326-6BF5A0BCDB47}" destId="{2E3BC0E7-7D1C-46BC-85D0-DC866B86DD5A}" srcOrd="2" destOrd="0" parTransId="{DF78F4B5-4ED7-40EF-83F4-47BD50A4E29A}" sibTransId="{7E6C7041-39E7-43DD-825B-F3ABA73256A2}"/>
-    <dgm:cxn modelId="{C3B89565-D58F-4D98-9C53-3B5D25705DE4}" type="presOf" srcId="{A032E63E-C5F9-48B0-AA59-8702C5E8694E}" destId="{4048F7A5-4B98-4BFE-A419-F932EF18DEB0}" srcOrd="0" destOrd="0" presId="urn:microsoft.com/office/officeart/2005/8/layout/chevron2"/>
-    <dgm:cxn modelId="{E2E20C53-A5AF-448F-BEB6-5488B03720E6}" type="presOf" srcId="{4290A714-988C-478D-91E3-DA7C1F92281C}" destId="{12D9ED95-5505-4033-9861-9B3BCBE34AD7}" srcOrd="0" destOrd="0" presId="urn:microsoft.com/office/officeart/2005/8/layout/chevron2"/>
-    <dgm:cxn modelId="{CBF39293-77DB-40BB-A8D7-77DDE950E2C6}" type="presOf" srcId="{E3AEACC5-811E-4C39-B326-6BF5A0BCDB47}" destId="{347AEF46-25CB-4875-818B-6D1350B95787}" srcOrd="0" destOrd="0" presId="urn:microsoft.com/office/officeart/2005/8/layout/chevron2"/>
-    <dgm:cxn modelId="{02F54AED-D3E1-4FDC-962B-5BCA13D59A40}" type="presOf" srcId="{6B1E25F0-9C72-448D-B394-EA62A6B399E3}" destId="{C5034323-FB6B-4290-857E-CDD08C8D48AD}" srcOrd="0" destOrd="1" presId="urn:microsoft.com/office/officeart/2005/8/layout/chevron2"/>
-    <dgm:cxn modelId="{3522B673-D083-4AED-868E-AC3E9E15F22A}" srcId="{FAB57939-EFA0-4221-A514-61978AF799AE}" destId="{6B1E25F0-9C72-448D-B394-EA62A6B399E3}" srcOrd="1" destOrd="0" parTransId="{13855004-13C2-4F32-975F-FF9B0A14FD33}" sibTransId="{9883850A-AE4E-4FDF-91DA-0A6A0394949E}"/>
-    <dgm:cxn modelId="{427CD0DA-2B5F-46C7-B48E-EB0C0A21F87A}" srcId="{FAB57939-EFA0-4221-A514-61978AF799AE}" destId="{B0187E75-1A5B-4750-9856-EA728E45D51F}" srcOrd="0" destOrd="0" parTransId="{666CA778-0B80-41C7-AD65-6468DE95E9CF}" sibTransId="{0BCC4495-3770-4000-9461-4A544C9E7E59}"/>
-    <dgm:cxn modelId="{867FDB2A-4EB5-4B12-8E1D-7158AD7E5C68}" srcId="{72E22519-E63E-4E81-8F31-647C808BDDFF}" destId="{E3AEACC5-811E-4C39-B326-6BF5A0BCDB47}" srcOrd="2" destOrd="0" parTransId="{6D5088CE-0FE6-4C0C-9CAF-2AC542D39DD8}" sibTransId="{35768274-6B1B-49DF-BE19-73EF3D46B307}"/>
-    <dgm:cxn modelId="{C50245BF-484D-4779-ACF8-541A36B26158}" srcId="{A032E63E-C5F9-48B0-AA59-8702C5E8694E}" destId="{3F8CF4AF-FE4E-4105-BB05-982DDD593CB6}" srcOrd="0" destOrd="0" parTransId="{A4CC7632-1186-48AA-8C6C-CB627FACF657}" sibTransId="{901A70FD-D21B-400E-A2C5-36D687DDD8DD}"/>
-    <dgm:cxn modelId="{5E7A59D9-AFB2-46B4-B88D-11E3ADF6280E}" type="presOf" srcId="{B0187E75-1A5B-4750-9856-EA728E45D51F}" destId="{C5034323-FB6B-4290-857E-CDD08C8D48AD}" srcOrd="0" destOrd="0" presId="urn:microsoft.com/office/officeart/2005/8/layout/chevron2"/>
-    <dgm:cxn modelId="{20D49279-B04F-4906-B77F-5026E09E5CA4}" type="presOf" srcId="{F087DC2C-C650-4D1C-9EC0-1C9BC1A01D5F}" destId="{12D9ED95-5505-4033-9861-9B3BCBE34AD7}" srcOrd="0" destOrd="1" presId="urn:microsoft.com/office/officeart/2005/8/layout/chevron2"/>
     <dgm:cxn modelId="{507FBD77-4F8D-4973-9DFE-7AF980047745}" type="presOf" srcId="{2E3BC0E7-7D1C-46BC-85D0-DC866B86DD5A}" destId="{12D9ED95-5505-4033-9861-9B3BCBE34AD7}" srcOrd="0" destOrd="2" presId="urn:microsoft.com/office/officeart/2005/8/layout/chevron2"/>
-    <dgm:cxn modelId="{6A586FF1-5103-46C7-B0D4-814E46547FE6}" type="presOf" srcId="{72E22519-E63E-4E81-8F31-647C808BDDFF}" destId="{380CD1BC-416B-4530-908B-BA59CCDC7E83}" srcOrd="0" destOrd="0" presId="urn:microsoft.com/office/officeart/2005/8/layout/chevron2"/>
     <dgm:cxn modelId="{3CD9B510-7B46-45FE-82E4-3408DB29C3C0}" srcId="{E3AEACC5-811E-4C39-B326-6BF5A0BCDB47}" destId="{F087DC2C-C650-4D1C-9EC0-1C9BC1A01D5F}" srcOrd="1" destOrd="0" parTransId="{F8365AB3-4B27-4EB1-BB5F-06992168FF3C}" sibTransId="{92295698-538D-475C-A9C8-E42FF6BFE205}"/>
-    <dgm:cxn modelId="{E342D4D4-ECC1-4656-A1BA-D184BAB6D1CC}" type="presOf" srcId="{41AE41DF-0DEB-4D84-80AF-FB61146A7338}" destId="{513EEC51-96DD-463B-85DE-486ECB10560A}" srcOrd="0" destOrd="1" presId="urn:microsoft.com/office/officeart/2005/8/layout/chevron2"/>
     <dgm:cxn modelId="{366E4848-4176-4BEC-9962-49DD10009BBD}" type="presParOf" srcId="{380CD1BC-416B-4530-908B-BA59CCDC7E83}" destId="{848F170F-4FEC-4952-85CD-BD4CFB7EE8CF}" srcOrd="0" destOrd="0" presId="urn:microsoft.com/office/officeart/2005/8/layout/chevron2"/>
     <dgm:cxn modelId="{69CEBFAE-C5C8-4F0A-A70D-5AD49F2BC854}" type="presParOf" srcId="{848F170F-4FEC-4952-85CD-BD4CFB7EE8CF}" destId="{0C8C90E4-E21A-4161-97D5-A054DB119D4B}" srcOrd="0" destOrd="0" presId="urn:microsoft.com/office/officeart/2005/8/layout/chevron2"/>
     <dgm:cxn modelId="{D23958B3-B14A-4A7D-9410-CE284821E051}" type="presParOf" srcId="{848F170F-4FEC-4952-85CD-BD4CFB7EE8CF}" destId="{C5034323-FB6B-4290-857E-CDD08C8D48AD}" srcOrd="1" destOrd="0" presId="urn:microsoft.com/office/officeart/2005/8/layout/chevron2"/>
@@ -1350,7 +1406,7 @@
   <dgm:whole/>
   <dgm:extLst>
     <a:ext uri="http://schemas.microsoft.com/office/drawing/2008/diagram">
-      <dsp:dataModelExt xmlns:dsp="http://schemas.microsoft.com/office/drawing/2008/diagram" relId="rId5" minVer="http://schemas.openxmlformats.org/drawingml/2006/diagram"/>
+      <dsp:dataModelExt xmlns:dsp="http://schemas.microsoft.com/office/drawing/2008/diagram" relId="rId6" minVer="http://schemas.openxmlformats.org/drawingml/2006/diagram"/>
     </a:ext>
   </dgm:extLst>
 </dgm:dataModel>
@@ -1413,12 +1469,12 @@
         </a:fontRef>
       </dsp:style>
       <dsp:txBody>
-        <a:bodyPr spcFirstLastPara="0" vert="horz" wrap="square" lIns="6985" tIns="6985" rIns="6985" bIns="6985" numCol="1" spcCol="1270" anchor="ctr" anchorCtr="0">
+        <a:bodyPr spcFirstLastPara="0" vert="horz" wrap="square" lIns="6350" tIns="6350" rIns="6350" bIns="6350" numCol="1" spcCol="1270" anchor="ctr" anchorCtr="0">
           <a:noAutofit/>
         </a:bodyPr>
         <a:lstStyle/>
         <a:p>
-          <a:pPr lvl="0" algn="ctr" defTabSz="488950">
+          <a:pPr lvl="0" algn="ctr" defTabSz="444500">
             <a:lnSpc>
               <a:spcPct val="90000"/>
             </a:lnSpc>
@@ -1430,7 +1486,7 @@
             </a:spcAft>
           </a:pPr>
           <a:r>
-            <a:rPr lang="zh-CN" altLang="en-US" sz="1100" kern="1200"/>
+            <a:rPr lang="zh-CN" altLang="en-US" sz="1000" kern="1200" dirty="0"/>
             <a:t>智能匹配流程</a:t>
           </a:r>
         </a:p>
@@ -1488,12 +1544,12 @@
         <a:fontRef idx="minor"/>
       </dsp:style>
       <dsp:txBody>
-        <a:bodyPr spcFirstLastPara="0" vert="horz" wrap="square" lIns="92456" tIns="8255" rIns="8255" bIns="8255" numCol="1" spcCol="1270" anchor="ctr" anchorCtr="0">
+        <a:bodyPr spcFirstLastPara="0" vert="horz" wrap="square" lIns="71120" tIns="6350" rIns="6350" bIns="6350" numCol="1" spcCol="1270" anchor="ctr" anchorCtr="0">
           <a:noAutofit/>
         </a:bodyPr>
         <a:lstStyle/>
         <a:p>
-          <a:pPr marL="114300" lvl="1" indent="-114300" algn="l" defTabSz="577850">
+          <a:pPr marL="57150" lvl="1" indent="-57150" algn="l" defTabSz="444500">
             <a:lnSpc>
               <a:spcPct val="90000"/>
             </a:lnSpc>
@@ -1506,12 +1562,12 @@
             <a:buChar char="••"/>
           </a:pPr>
           <a:r>
-            <a:rPr lang="zh-CN" altLang="en-US" sz="1300" kern="1200"/>
+            <a:rPr lang="zh-CN" altLang="en-US" sz="1000" kern="1200" dirty="0"/>
             <a:t>收集用户输入的数据</a:t>
           </a:r>
         </a:p>
         <a:p>
-          <a:pPr marL="114300" lvl="1" indent="-114300" algn="l" defTabSz="577850">
+          <a:pPr marL="57150" lvl="1" indent="-57150" algn="l" defTabSz="444500">
             <a:lnSpc>
               <a:spcPct val="90000"/>
             </a:lnSpc>
@@ -1524,7 +1580,7 @@
             <a:buChar char="••"/>
           </a:pPr>
           <a:r>
-            <a:rPr lang="zh-CN" altLang="en-US" sz="1300" kern="1200"/>
+            <a:rPr lang="zh-CN" altLang="en-US" sz="1000" kern="1200" dirty="0"/>
             <a:t>标准化输出：封装，型号，位置等字段</a:t>
           </a:r>
         </a:p>
@@ -1583,12 +1639,12 @@
         </a:fontRef>
       </dsp:style>
       <dsp:txBody>
-        <a:bodyPr spcFirstLastPara="0" vert="horz" wrap="square" lIns="6985" tIns="6985" rIns="6985" bIns="6985" numCol="1" spcCol="1270" anchor="ctr" anchorCtr="0">
+        <a:bodyPr spcFirstLastPara="0" vert="horz" wrap="square" lIns="6350" tIns="6350" rIns="6350" bIns="6350" numCol="1" spcCol="1270" anchor="ctr" anchorCtr="0">
           <a:noAutofit/>
         </a:bodyPr>
         <a:lstStyle/>
         <a:p>
-          <a:pPr lvl="0" algn="ctr" defTabSz="488950">
+          <a:pPr lvl="0" algn="ctr" defTabSz="444500">
             <a:lnSpc>
               <a:spcPct val="90000"/>
             </a:lnSpc>
@@ -1600,7 +1656,7 @@
             </a:spcAft>
           </a:pPr>
           <a:r>
-            <a:rPr lang="zh-CN" altLang="en-US" sz="1100" kern="1200"/>
+            <a:rPr lang="zh-CN" altLang="en-US" sz="1000" kern="1200" dirty="0"/>
             <a:t>参数智能匹配</a:t>
           </a:r>
         </a:p>
@@ -1658,12 +1714,12 @@
         <a:fontRef idx="minor"/>
       </dsp:style>
       <dsp:txBody>
-        <a:bodyPr spcFirstLastPara="0" vert="horz" wrap="square" lIns="92456" tIns="8255" rIns="8255" bIns="8255" numCol="1" spcCol="1270" anchor="ctr" anchorCtr="0">
+        <a:bodyPr spcFirstLastPara="0" vert="horz" wrap="square" lIns="71120" tIns="6350" rIns="6350" bIns="6350" numCol="1" spcCol="1270" anchor="ctr" anchorCtr="0">
           <a:noAutofit/>
         </a:bodyPr>
         <a:lstStyle/>
         <a:p>
-          <a:pPr marL="114300" lvl="1" indent="-114300" algn="l" defTabSz="577850">
+          <a:pPr marL="57150" lvl="1" indent="-57150" algn="l" defTabSz="444500">
             <a:lnSpc>
               <a:spcPct val="90000"/>
             </a:lnSpc>
@@ -1676,12 +1732,12 @@
             <a:buChar char="••"/>
           </a:pPr>
           <a:r>
-            <a:rPr lang="zh-CN" altLang="en-US" sz="1300" kern="1200"/>
+            <a:rPr lang="zh-CN" altLang="en-US" sz="1000" kern="1200" dirty="0"/>
             <a:t>将用户输入参数格式化过滤</a:t>
           </a:r>
         </a:p>
         <a:p>
-          <a:pPr marL="114300" lvl="1" indent="-114300" algn="l" defTabSz="577850">
+          <a:pPr marL="57150" lvl="1" indent="-57150" algn="l" defTabSz="444500">
             <a:lnSpc>
               <a:spcPct val="90000"/>
             </a:lnSpc>
@@ -1694,7 +1750,7 @@
             <a:buChar char="••"/>
           </a:pPr>
           <a:r>
-            <a:rPr lang="zh-CN" altLang="en-US" sz="1300" kern="1200"/>
+            <a:rPr lang="zh-CN" altLang="en-US" sz="1000" kern="1200" dirty="0"/>
             <a:t>提取关键参数，定位类别</a:t>
           </a:r>
         </a:p>
@@ -1753,12 +1809,12 @@
         </a:fontRef>
       </dsp:style>
       <dsp:txBody>
-        <a:bodyPr spcFirstLastPara="0" vert="horz" wrap="square" lIns="6985" tIns="6985" rIns="6985" bIns="6985" numCol="1" spcCol="1270" anchor="ctr" anchorCtr="0">
+        <a:bodyPr spcFirstLastPara="0" vert="horz" wrap="square" lIns="6350" tIns="6350" rIns="6350" bIns="6350" numCol="1" spcCol="1270" anchor="ctr" anchorCtr="0">
           <a:noAutofit/>
         </a:bodyPr>
         <a:lstStyle/>
         <a:p>
-          <a:pPr lvl="0" algn="ctr" defTabSz="488950">
+          <a:pPr lvl="0" algn="ctr" defTabSz="444500">
             <a:lnSpc>
               <a:spcPct val="90000"/>
             </a:lnSpc>
@@ -1770,7 +1826,7 @@
             </a:spcAft>
           </a:pPr>
           <a:r>
-            <a:rPr lang="zh-CN" altLang="en-US" sz="1100" kern="1200"/>
+            <a:rPr lang="zh-CN" altLang="en-US" sz="1000" kern="1200" dirty="0"/>
             <a:t>智慧搜索引擎</a:t>
           </a:r>
         </a:p>
@@ -1828,12 +1884,12 @@
         <a:fontRef idx="minor"/>
       </dsp:style>
       <dsp:txBody>
-        <a:bodyPr spcFirstLastPara="0" vert="horz" wrap="square" lIns="92456" tIns="8255" rIns="8255" bIns="8255" numCol="1" spcCol="1270" anchor="ctr" anchorCtr="0">
+        <a:bodyPr spcFirstLastPara="0" vert="horz" wrap="square" lIns="71120" tIns="6350" rIns="6350" bIns="6350" numCol="1" spcCol="1270" anchor="ctr" anchorCtr="0">
           <a:noAutofit/>
         </a:bodyPr>
         <a:lstStyle/>
         <a:p>
-          <a:pPr marL="114300" lvl="1" indent="-114300" algn="l" defTabSz="577850">
+          <a:pPr marL="57150" lvl="1" indent="-57150" algn="l" defTabSz="444500">
             <a:lnSpc>
               <a:spcPct val="90000"/>
             </a:lnSpc>
@@ -1846,12 +1902,12 @@
             <a:buChar char="••"/>
           </a:pPr>
           <a:r>
-            <a:rPr lang="zh-CN" altLang="en-US" sz="1300" kern="1200"/>
+            <a:rPr lang="zh-CN" altLang="en-US" sz="1000" kern="1200" dirty="0"/>
             <a:t>提取匹配度最高的数据</a:t>
           </a:r>
         </a:p>
         <a:p>
-          <a:pPr marL="114300" lvl="1" indent="-114300" algn="l" defTabSz="577850">
+          <a:pPr marL="57150" lvl="1" indent="-57150" algn="l" defTabSz="444500">
             <a:lnSpc>
               <a:spcPct val="90000"/>
             </a:lnSpc>
@@ -1864,12 +1920,12 @@
             <a:buChar char="••"/>
           </a:pPr>
           <a:r>
-            <a:rPr lang="zh-CN" altLang="en-US" sz="1300" kern="1200"/>
+            <a:rPr lang="zh-CN" altLang="en-US" sz="1000" kern="1200" dirty="0"/>
             <a:t>优质厂牌优先展示</a:t>
           </a:r>
         </a:p>
         <a:p>
-          <a:pPr marL="114300" lvl="1" indent="-114300" algn="l" defTabSz="577850">
+          <a:pPr marL="57150" lvl="1" indent="-57150" algn="l" defTabSz="444500">
             <a:lnSpc>
               <a:spcPct val="90000"/>
             </a:lnSpc>
@@ -1882,7 +1938,7 @@
             <a:buChar char="••"/>
           </a:pPr>
           <a:r>
-            <a:rPr lang="zh-CN" altLang="en-US" sz="1300" kern="1200"/>
+            <a:rPr lang="zh-CN" altLang="en-US" sz="1000" kern="1200" dirty="0"/>
             <a:t>参数缺失提醒等报警机制</a:t>
           </a:r>
         </a:p>
@@ -1955,9 +2011,7 @@
   <dgm:styleData>
     <dgm:dataModel>
       <dgm:ptLst>
-        <dgm:pt modelId="0" type="doc">
-          <dgm:prSet qsTypeId="urn:microsoft.com/office/officeart/2005/8/quickstyle/simple5"/>
-        </dgm:pt>
+        <dgm:pt modelId="0" type="doc"/>
         <dgm:pt modelId="1"/>
       </dgm:ptLst>
       <dgm:cxnLst>
@@ -2068,7 +2122,7 @@
             <dgm:bulletEnabled val="1"/>
           </dgm:varLst>
           <dgm:alg type="tx"/>
-          <dgm:shape xmlns:r="http://schemas.openxmlformats.org/officeDocument/2006/relationships" type="chevron" r:blip="" rot="90">
+          <dgm:shape xmlns:r="http://schemas.openxmlformats.org/officeDocument/2006/relationships" rot="90" type="chevron" r:blip="">
             <dgm:adjLst/>
           </dgm:shape>
           <dgm:presOf axis="self" ptType="node"/>
@@ -2097,7 +2151,7 @@
                 <dgm:param type="stBulletLvl" val="1"/>
                 <dgm:param type="txAnchorVertCh" val="mid"/>
               </dgm:alg>
-              <dgm:shape xmlns:r="http://schemas.openxmlformats.org/officeDocument/2006/relationships" type="round2SameRect" r:blip="" rot="90">
+              <dgm:shape xmlns:r="http://schemas.openxmlformats.org/officeDocument/2006/relationships" rot="90" type="round2SameRect" r:blip="">
                 <dgm:adjLst/>
               </dgm:shape>
             </dgm:if>
@@ -2106,7 +2160,7 @@
                 <dgm:param type="stBulletLvl" val="1"/>
                 <dgm:param type="txAnchorVertCh" val="mid"/>
               </dgm:alg>
-              <dgm:shape xmlns:r="http://schemas.openxmlformats.org/officeDocument/2006/relationships" type="round2SameRect" r:blip="" rot="-90">
+              <dgm:shape xmlns:r="http://schemas.openxmlformats.org/officeDocument/2006/relationships" rot="-90" type="round2SameRect" r:blip="">
                 <dgm:adjLst/>
               </dgm:shape>
             </dgm:else>
@@ -2155,7 +2209,7 @@
 </file>
 
 <file path=ppt/diagrams/quickStyle1.xml><?xml version="1.0" encoding="utf-8"?>
-<dgm:styleDef xmlns:dgm="http://schemas.openxmlformats.org/drawingml/2006/diagram" xmlns:a="http://schemas.openxmlformats.org/drawingml/2006/main" uniqueId="urn:microsoft.com/office/officeart/2005/8/quickstyle/simple1">
+<dgm:styleDef xmlns:dgm="http://schemas.openxmlformats.org/drawingml/2006/diagram" xmlns:a="http://schemas.openxmlformats.org/drawingml/2006/main" uniqueId="urn:microsoft.com/office/officeart/2005/8/quickstyle/simple1#1">
   <dgm:title val=""/>
   <dgm:desc val=""/>
   <dgm:catLst>
@@ -2170,6 +2224,7 @@
       <a:camera prst="orthographicFront"/>
       <a:lightRig rig="threePt" dir="t"/>
     </dgm:scene3d>
+    <dgm:sp3d/>
     <dgm:txPr/>
     <dgm:style>
       <a:lnRef idx="2">
@@ -2189,6 +2244,7 @@
       <a:camera prst="orthographicFront"/>
       <a:lightRig rig="threePt" dir="t"/>
     </dgm:scene3d>
+    <dgm:sp3d/>
     <dgm:txPr/>
     <dgm:style>
       <a:lnRef idx="2">
@@ -2208,6 +2264,7 @@
       <a:camera prst="orthographicFront"/>
       <a:lightRig rig="threePt" dir="t"/>
     </dgm:scene3d>
+    <dgm:sp3d/>
     <dgm:txPr/>
     <dgm:style>
       <a:lnRef idx="2">
@@ -2227,6 +2284,7 @@
       <a:camera prst="orthographicFront"/>
       <a:lightRig rig="threePt" dir="t"/>
     </dgm:scene3d>
+    <dgm:sp3d/>
     <dgm:txPr/>
     <dgm:style>
       <a:lnRef idx="2">
@@ -2248,6 +2306,7 @@
       <a:camera prst="orthographicFront"/>
       <a:lightRig rig="threePt" dir="t"/>
     </dgm:scene3d>
+    <dgm:sp3d/>
     <dgm:txPr/>
     <dgm:style>
       <a:lnRef idx="2">
@@ -2269,6 +2328,7 @@
       <a:camera prst="orthographicFront"/>
       <a:lightRig rig="threePt" dir="t"/>
     </dgm:scene3d>
+    <dgm:sp3d/>
     <dgm:txPr/>
     <dgm:style>
       <a:lnRef idx="2">
@@ -2290,6 +2350,7 @@
       <a:camera prst="orthographicFront"/>
       <a:lightRig rig="threePt" dir="t"/>
     </dgm:scene3d>
+    <dgm:sp3d/>
     <dgm:txPr/>
     <dgm:style>
       <a:lnRef idx="2">
@@ -2311,6 +2372,7 @@
       <a:camera prst="orthographicFront"/>
       <a:lightRig rig="threePt" dir="t"/>
     </dgm:scene3d>
+    <dgm:sp3d/>
     <dgm:txPr/>
     <dgm:style>
       <a:lnRef idx="2">
@@ -2332,6 +2394,7 @@
       <a:camera prst="orthographicFront"/>
       <a:lightRig rig="threePt" dir="t"/>
     </dgm:scene3d>
+    <dgm:sp3d/>
     <dgm:txPr/>
     <dgm:style>
       <a:lnRef idx="2">
@@ -2353,6 +2416,7 @@
       <a:camera prst="orthographicFront"/>
       <a:lightRig rig="threePt" dir="t"/>
     </dgm:scene3d>
+    <dgm:sp3d/>
     <dgm:txPr/>
     <dgm:style>
       <a:lnRef idx="2">
@@ -2372,6 +2436,7 @@
       <a:camera prst="orthographicFront"/>
       <a:lightRig rig="threePt" dir="t"/>
     </dgm:scene3d>
+    <dgm:sp3d/>
     <dgm:txPr/>
     <dgm:style>
       <a:lnRef idx="2">
@@ -2391,6 +2456,7 @@
       <a:camera prst="orthographicFront"/>
       <a:lightRig rig="threePt" dir="t"/>
     </dgm:scene3d>
+    <dgm:sp3d/>
     <dgm:txPr/>
     <dgm:style>
       <a:lnRef idx="2">
@@ -2410,6 +2476,7 @@
       <a:camera prst="orthographicFront"/>
       <a:lightRig rig="threePt" dir="t"/>
     </dgm:scene3d>
+    <dgm:sp3d/>
     <dgm:txPr/>
     <dgm:style>
       <a:lnRef idx="0">
@@ -2429,6 +2496,7 @@
       <a:camera prst="orthographicFront"/>
       <a:lightRig rig="threePt" dir="t"/>
     </dgm:scene3d>
+    <dgm:sp3d/>
     <dgm:txPr/>
     <dgm:style>
       <a:lnRef idx="0">
@@ -2450,6 +2518,7 @@
       <a:camera prst="orthographicFront"/>
       <a:lightRig rig="threePt" dir="t"/>
     </dgm:scene3d>
+    <dgm:sp3d/>
     <dgm:txPr/>
     <dgm:style>
       <a:lnRef idx="2">
@@ -2469,6 +2538,7 @@
       <a:camera prst="orthographicFront"/>
       <a:lightRig rig="threePt" dir="t"/>
     </dgm:scene3d>
+    <dgm:sp3d/>
     <dgm:txPr/>
     <dgm:style>
       <a:lnRef idx="2">
@@ -2488,6 +2558,7 @@
       <a:camera prst="orthographicFront"/>
       <a:lightRig rig="threePt" dir="t"/>
     </dgm:scene3d>
+    <dgm:sp3d/>
     <dgm:txPr/>
     <dgm:style>
       <a:lnRef idx="0">
@@ -2507,6 +2578,7 @@
       <a:camera prst="orthographicFront"/>
       <a:lightRig rig="threePt" dir="t"/>
     </dgm:scene3d>
+    <dgm:sp3d/>
     <dgm:txPr/>
     <dgm:style>
       <a:lnRef idx="2">
@@ -2526,6 +2598,7 @@
       <a:camera prst="orthographicFront"/>
       <a:lightRig rig="threePt" dir="t"/>
     </dgm:scene3d>
+    <dgm:sp3d/>
     <dgm:txPr/>
     <dgm:style>
       <a:lnRef idx="2">
@@ -2545,6 +2618,7 @@
       <a:camera prst="orthographicFront"/>
       <a:lightRig rig="threePt" dir="t"/>
     </dgm:scene3d>
+    <dgm:sp3d/>
     <dgm:txPr/>
     <dgm:style>
       <a:lnRef idx="2">
@@ -2564,6 +2638,7 @@
       <a:camera prst="orthographicFront"/>
       <a:lightRig rig="threePt" dir="t"/>
     </dgm:scene3d>
+    <dgm:sp3d/>
     <dgm:txPr/>
     <dgm:style>
       <a:lnRef idx="2">
@@ -2583,6 +2658,7 @@
       <a:camera prst="orthographicFront"/>
       <a:lightRig rig="threePt" dir="t"/>
     </dgm:scene3d>
+    <dgm:sp3d/>
     <dgm:txPr/>
     <dgm:style>
       <a:lnRef idx="2">
@@ -2602,6 +2678,7 @@
       <a:camera prst="orthographicFront"/>
       <a:lightRig rig="threePt" dir="t"/>
     </dgm:scene3d>
+    <dgm:sp3d/>
     <dgm:txPr/>
     <dgm:style>
       <a:lnRef idx="2">
@@ -2621,6 +2698,7 @@
       <a:camera prst="orthographicFront"/>
       <a:lightRig rig="threePt" dir="t"/>
     </dgm:scene3d>
+    <dgm:sp3d/>
     <dgm:txPr/>
     <dgm:style>
       <a:lnRef idx="2">
@@ -2640,6 +2718,7 @@
       <a:camera prst="orthographicFront"/>
       <a:lightRig rig="threePt" dir="t"/>
     </dgm:scene3d>
+    <dgm:sp3d/>
     <dgm:txPr/>
     <dgm:style>
       <a:lnRef idx="2">
@@ -2659,6 +2738,7 @@
       <a:camera prst="orthographicFront"/>
       <a:lightRig rig="threePt" dir="t"/>
     </dgm:scene3d>
+    <dgm:sp3d/>
     <dgm:txPr/>
     <dgm:style>
       <a:lnRef idx="0">
@@ -2680,6 +2760,7 @@
       <a:camera prst="orthographicFront"/>
       <a:lightRig rig="threePt" dir="t"/>
     </dgm:scene3d>
+    <dgm:sp3d/>
     <dgm:txPr/>
     <dgm:style>
       <a:lnRef idx="2">
@@ -2701,6 +2782,7 @@
       <a:camera prst="orthographicFront"/>
       <a:lightRig rig="threePt" dir="t"/>
     </dgm:scene3d>
+    <dgm:sp3d/>
     <dgm:txPr/>
     <dgm:style>
       <a:lnRef idx="2">
@@ -2722,6 +2804,7 @@
       <a:camera prst="orthographicFront"/>
       <a:lightRig rig="threePt" dir="t"/>
     </dgm:scene3d>
+    <dgm:sp3d/>
     <dgm:txPr/>
     <dgm:style>
       <a:lnRef idx="2">
@@ -2743,6 +2826,7 @@
       <a:camera prst="orthographicFront"/>
       <a:lightRig rig="threePt" dir="t"/>
     </dgm:scene3d>
+    <dgm:sp3d/>
     <dgm:txPr/>
     <dgm:style>
       <a:lnRef idx="2">
@@ -2764,6 +2848,7 @@
       <a:camera prst="orthographicFront"/>
       <a:lightRig rig="threePt" dir="t"/>
     </dgm:scene3d>
+    <dgm:sp3d/>
     <dgm:txPr/>
     <dgm:style>
       <a:lnRef idx="2">
@@ -2785,6 +2870,7 @@
       <a:camera prst="orthographicFront"/>
       <a:lightRig rig="threePt" dir="t"/>
     </dgm:scene3d>
+    <dgm:sp3d/>
     <dgm:txPr/>
     <dgm:style>
       <a:lnRef idx="2">
@@ -2806,6 +2892,7 @@
       <a:camera prst="orthographicFront"/>
       <a:lightRig rig="threePt" dir="t"/>
     </dgm:scene3d>
+    <dgm:sp3d/>
     <dgm:txPr/>
     <dgm:style>
       <a:lnRef idx="2">
@@ -2825,6 +2912,7 @@
       <a:camera prst="orthographicFront"/>
       <a:lightRig rig="threePt" dir="t"/>
     </dgm:scene3d>
+    <dgm:sp3d/>
     <dgm:txPr/>
     <dgm:style>
       <a:lnRef idx="2">
@@ -2844,6 +2932,7 @@
       <a:camera prst="orthographicFront"/>
       <a:lightRig rig="threePt" dir="t"/>
     </dgm:scene3d>
+    <dgm:sp3d/>
     <dgm:txPr/>
     <dgm:style>
       <a:lnRef idx="2">
@@ -2863,6 +2952,7 @@
       <a:camera prst="orthographicFront"/>
       <a:lightRig rig="threePt" dir="t"/>
     </dgm:scene3d>
+    <dgm:sp3d/>
     <dgm:txPr/>
     <dgm:style>
       <a:lnRef idx="2">
@@ -2882,6 +2972,7 @@
       <a:camera prst="orthographicFront"/>
       <a:lightRig rig="threePt" dir="t"/>
     </dgm:scene3d>
+    <dgm:sp3d/>
     <dgm:txPr/>
     <dgm:style>
       <a:lnRef idx="2">
@@ -2903,6 +2994,7 @@
       <a:camera prst="orthographicFront"/>
       <a:lightRig rig="threePt" dir="t"/>
     </dgm:scene3d>
+    <dgm:sp3d/>
     <dgm:txPr/>
     <dgm:style>
       <a:lnRef idx="2">
@@ -2924,6 +3016,7 @@
       <a:camera prst="orthographicFront"/>
       <a:lightRig rig="threePt" dir="t"/>
     </dgm:scene3d>
+    <dgm:sp3d/>
     <dgm:txPr/>
     <dgm:style>
       <a:lnRef idx="2">
@@ -2945,6 +3038,7 @@
       <a:camera prst="orthographicFront"/>
       <a:lightRig rig="threePt" dir="t"/>
     </dgm:scene3d>
+    <dgm:sp3d/>
     <dgm:txPr/>
     <dgm:style>
       <a:lnRef idx="2">
@@ -2966,6 +3060,7 @@
       <a:camera prst="orthographicFront"/>
       <a:lightRig rig="threePt" dir="t"/>
     </dgm:scene3d>
+    <dgm:sp3d/>
     <dgm:txPr/>
     <dgm:style>
       <a:lnRef idx="0">
@@ -2985,6 +3080,7 @@
       <a:camera prst="orthographicFront"/>
       <a:lightRig rig="threePt" dir="t"/>
     </dgm:scene3d>
+    <dgm:sp3d/>
     <dgm:txPr/>
     <dgm:style>
       <a:lnRef idx="1">
@@ -3004,6 +3100,7 @@
       <a:camera prst="orthographicFront"/>
       <a:lightRig rig="threePt" dir="t"/>
     </dgm:scene3d>
+    <dgm:sp3d/>
     <dgm:txPr/>
     <dgm:style>
       <a:lnRef idx="0">
@@ -3025,6 +3122,7 @@
       <a:camera prst="orthographicFront"/>
       <a:lightRig rig="threePt" dir="t"/>
     </dgm:scene3d>
+    <dgm:sp3d/>
     <dgm:txPr/>
     <dgm:style>
       <a:lnRef idx="2">
@@ -3044,6 +3142,7 @@
       <a:camera prst="orthographicFront"/>
       <a:lightRig rig="threePt" dir="t"/>
     </dgm:scene3d>
+    <dgm:sp3d/>
     <dgm:txPr/>
     <dgm:style>
       <a:lnRef idx="2">
@@ -3063,6 +3162,7 @@
       <a:camera prst="orthographicFront"/>
       <a:lightRig rig="threePt" dir="t"/>
     </dgm:scene3d>
+    <dgm:sp3d/>
     <dgm:txPr/>
     <dgm:style>
       <a:lnRef idx="2">
@@ -3082,6 +3182,7 @@
       <a:camera prst="orthographicFront"/>
       <a:lightRig rig="threePt" dir="t"/>
     </dgm:scene3d>
+    <dgm:sp3d/>
     <dgm:txPr/>
     <dgm:style>
       <a:lnRef idx="1">
@@ -3101,6 +3202,7 @@
       <a:camera prst="orthographicFront"/>
       <a:lightRig rig="threePt" dir="t"/>
     </dgm:scene3d>
+    <dgm:sp3d/>
     <dgm:txPr/>
     <dgm:style>
       <a:lnRef idx="0">
@@ -3120,6 +3222,7 @@
       <a:camera prst="orthographicFront"/>
       <a:lightRig rig="threePt" dir="t"/>
     </dgm:scene3d>
+    <dgm:sp3d/>
     <dgm:txPr/>
     <dgm:style>
       <a:lnRef idx="2">
@@ -3221,6 +3324,7 @@
           <a:p>
             <a:fld id="{E7A6AE1F-63B1-47AD-9B8C-A17AEA898225}" type="datetimeFigureOut">
               <a:rPr lang="zh-CN" altLang="en-US" smtClean="0"/>
+              <a:t>2019/10/21</a:t>
             </a:fld>
             <a:endParaRPr lang="zh-CN" altLang="en-US"/>
           </a:p>
@@ -3287,7 +3391,6 @@
               <a:rPr lang="zh-CN" altLang="en-US"/>
               <a:t>单击此处编辑母版文本样式</a:t>
             </a:r>
-            <a:endParaRPr lang="zh-CN" altLang="en-US"/>
           </a:p>
           <a:p>
             <a:pPr lvl="1"/>
@@ -3295,7 +3398,6 @@
               <a:rPr lang="zh-CN" altLang="en-US"/>
               <a:t>第二级</a:t>
             </a:r>
-            <a:endParaRPr lang="zh-CN" altLang="en-US"/>
           </a:p>
           <a:p>
             <a:pPr lvl="2"/>
@@ -3303,7 +3405,6 @@
               <a:rPr lang="zh-CN" altLang="en-US"/>
               <a:t>第三级</a:t>
             </a:r>
-            <a:endParaRPr lang="zh-CN" altLang="en-US"/>
           </a:p>
           <a:p>
             <a:pPr lvl="3"/>
@@ -3311,7 +3412,6 @@
               <a:rPr lang="zh-CN" altLang="en-US"/>
               <a:t>第四级</a:t>
             </a:r>
-            <a:endParaRPr lang="zh-CN" altLang="en-US"/>
           </a:p>
           <a:p>
             <a:pPr lvl="4"/>
@@ -3319,7 +3419,6 @@
               <a:rPr lang="zh-CN" altLang="en-US"/>
               <a:t>第五级</a:t>
             </a:r>
-            <a:endParaRPr lang="zh-CN" altLang="en-US"/>
           </a:p>
         </p:txBody>
       </p:sp>
@@ -3383,12 +3482,18 @@
           <a:p>
             <a:fld id="{9CEB52F8-B5AC-413F-BEE6-6F443B985EDE}" type="slidenum">
               <a:rPr lang="zh-CN" altLang="en-US" smtClean="0"/>
+              <a:t>‹#›</a:t>
             </a:fld>
             <a:endParaRPr lang="zh-CN" altLang="en-US"/>
           </a:p>
         </p:txBody>
       </p:sp>
     </p:spTree>
+    <p:extLst>
+      <p:ext uri="{BB962C8B-B14F-4D97-AF65-F5344CB8AC3E}">
+        <p14:creationId xmlns:p14="http://schemas.microsoft.com/office/powerpoint/2010/main" val="3873335029"/>
+      </p:ext>
+    </p:extLst>
   </p:cSld>
   <p:clrMap bg1="lt1" tx1="dk1" bg2="lt2" tx2="dk2" accent1="accent1" accent2="accent2" accent3="accent3" accent4="accent4" accent5="accent5" accent6="accent6" hlink="hlink" folHlink="folHlink"/>
   <p:notesStyle>
@@ -4990,6 +5095,7 @@
           <a:p>
             <a:fld id="{7F10855C-C9CE-404D-9516-02768B0B9445}" type="datetimeFigureOut">
               <a:rPr lang="zh-CN" altLang="en-US" smtClean="0"/>
+              <a:t>2019/10/21</a:t>
             </a:fld>
             <a:endParaRPr lang="zh-CN" altLang="en-US"/>
           </a:p>
@@ -5031,6 +5137,7 @@
           <a:p>
             <a:fld id="{3C860A2B-FFB5-4C27-AAF9-3D9798C812F8}" type="slidenum">
               <a:rPr lang="zh-CN" altLang="en-US" smtClean="0"/>
+              <a:t>‹#›</a:t>
             </a:fld>
             <a:endParaRPr lang="zh-CN" altLang="en-US"/>
           </a:p>
@@ -5139,7 +5246,6 @@
               <a:rPr lang="zh-CN" altLang="en-US"/>
               <a:t>单击此处编辑母版文本样式</a:t>
             </a:r>
-            <a:endParaRPr lang="zh-CN" altLang="en-US"/>
           </a:p>
           <a:p>
             <a:pPr lvl="1"/>
@@ -5147,7 +5253,6 @@
               <a:rPr lang="zh-CN" altLang="en-US"/>
               <a:t>二级</a:t>
             </a:r>
-            <a:endParaRPr lang="zh-CN" altLang="en-US"/>
           </a:p>
           <a:p>
             <a:pPr lvl="2"/>
@@ -5155,7 +5260,6 @@
               <a:rPr lang="zh-CN" altLang="en-US"/>
               <a:t>三级</a:t>
             </a:r>
-            <a:endParaRPr lang="zh-CN" altLang="en-US"/>
           </a:p>
           <a:p>
             <a:pPr lvl="3"/>
@@ -5163,7 +5267,6 @@
               <a:rPr lang="zh-CN" altLang="en-US"/>
               <a:t>四级</a:t>
             </a:r>
-            <a:endParaRPr lang="zh-CN" altLang="en-US"/>
           </a:p>
           <a:p>
             <a:pPr lvl="4"/>
@@ -5192,6 +5295,7 @@
           <a:p>
             <a:fld id="{7F10855C-C9CE-404D-9516-02768B0B9445}" type="datetimeFigureOut">
               <a:rPr lang="zh-CN" altLang="en-US" smtClean="0"/>
+              <a:t>2019/10/21</a:t>
             </a:fld>
             <a:endParaRPr lang="zh-CN" altLang="en-US"/>
           </a:p>
@@ -5233,6 +5337,7 @@
           <a:p>
             <a:fld id="{3C860A2B-FFB5-4C27-AAF9-3D9798C812F8}" type="slidenum">
               <a:rPr lang="zh-CN" altLang="en-US" smtClean="0"/>
+              <a:t>‹#›</a:t>
             </a:fld>
             <a:endParaRPr lang="zh-CN" altLang="en-US"/>
           </a:p>
@@ -5601,13 +5706,6 @@
               </a:rPr>
               <a:t>共创产业繁荣</a:t>
             </a:r>
-            <a:endParaRPr lang="zh-CN" altLang="en-US" sz="2800" b="1" dirty="0">
-              <a:solidFill>
-                <a:srgbClr val="00A0E8"/>
-              </a:solidFill>
-              <a:latin typeface="微软雅黑" panose="020B0503020204020204" pitchFamily="34" charset="-122"/>
-              <a:ea typeface="微软雅黑" panose="020B0503020204020204" pitchFamily="34" charset="-122"/>
-            </a:endParaRPr>
           </a:p>
         </p:txBody>
       </p:sp>
@@ -5717,6 +5815,13 @@
   <p:clrMapOvr>
     <a:masterClrMapping/>
   </p:clrMapOvr>
+  <p:timing>
+    <p:tnLst>
+      <p:par>
+        <p:cTn id="1" dur="indefinite" restart="never" nodeType="tmRoot"/>
+      </p:par>
+    </p:tnLst>
+  </p:timing>
 </p:sld>
 </file>
 
@@ -5805,14 +5910,6 @@
               </a:rPr>
               <a:t>目录</a:t>
             </a:r>
-            <a:endParaRPr lang="zh-CN" altLang="en-US" sz="2100" b="1" dirty="0">
-              <a:solidFill>
-                <a:srgbClr val="005973"/>
-              </a:solidFill>
-              <a:latin typeface="微软雅黑" panose="020B0503020204020204" pitchFamily="34" charset="-122"/>
-              <a:ea typeface="微软雅黑" panose="020B0503020204020204" pitchFamily="34" charset="-122"/>
-              <a:cs typeface="Aharoni" panose="02010803020104030203" pitchFamily="2" charset="-79"/>
-            </a:endParaRPr>
           </a:p>
         </p:txBody>
       </p:sp>
@@ -5844,13 +5941,8 @@
             </a:r>
             <a:r>
               <a:rPr lang="zh-CN" altLang="en-US" sz="1400" dirty="0"/>
-              <a:t>前台化</a:t>
+              <a:t>前台化的简单介绍</a:t>
             </a:r>
-            <a:r>
-              <a:rPr lang="zh-CN" altLang="en-US" sz="1400" dirty="0"/>
-              <a:t>的简单介绍</a:t>
-            </a:r>
-            <a:endParaRPr lang="zh-CN" altLang="en-US" sz="1400" dirty="0"/>
           </a:p>
           <a:p>
             <a:endParaRPr lang="en-US" altLang="zh-CN" sz="1400" dirty="0"/>
@@ -5864,7 +5956,6 @@
               <a:rPr lang="zh-CN" altLang="en-US" sz="1400" dirty="0"/>
               <a:t>前台化的历程</a:t>
             </a:r>
-            <a:endParaRPr lang="zh-CN" altLang="en-US" sz="1400" dirty="0"/>
           </a:p>
           <a:p>
             <a:endParaRPr lang="en-US" altLang="zh-CN" sz="1400" dirty="0"/>
@@ -5879,8 +5970,12 @@
               <a:t>前台化暴露的</a:t>
             </a:r>
             <a:r>
-              <a:rPr lang="zh-CN" altLang="en-US" sz="1400" dirty="0"/>
+              <a:rPr lang="zh-CN" altLang="en-US" sz="1400" dirty="0" smtClean="0"/>
               <a:t>问题</a:t>
+            </a:r>
+            <a:r>
+              <a:rPr lang="zh-CN" altLang="en-US" sz="1400" dirty="0" smtClean="0"/>
+              <a:t>及相关解决策略</a:t>
             </a:r>
             <a:endParaRPr lang="zh-CN" altLang="en-US" sz="1400" dirty="0"/>
           </a:p>
@@ -5908,13 +6003,13 @@
   <p:clrMapOvr>
     <a:masterClrMapping/>
   </p:clrMapOvr>
-  <mc:AlternateContent xmlns:mc="http://schemas.openxmlformats.org/markup-compatibility/2006">
-    <mc:Choice xmlns:p14="http://schemas.microsoft.com/office/powerpoint/2010/main" Requires="p14">
+  <mc:AlternateContent xmlns:mc="http://schemas.openxmlformats.org/markup-compatibility/2006" xmlns:p14="http://schemas.microsoft.com/office/powerpoint/2010/main">
+    <mc:Choice Requires="p14">
       <p:transition spd="slow" p14:dur="1400">
         <p14:doors dir="vert"/>
       </p:transition>
     </mc:Choice>
-    <mc:Fallback>
+    <mc:Fallback xmlns="">
       <p:transition spd="slow">
         <p:fade/>
       </p:transition>
@@ -6280,14 +6375,6 @@
               </a:rPr>
               <a:t>前台化的简单介绍</a:t>
             </a:r>
-            <a:endParaRPr lang="zh-CN" altLang="en-US" sz="2100" b="1" dirty="0">
-              <a:solidFill>
-                <a:srgbClr val="005973"/>
-              </a:solidFill>
-              <a:latin typeface="微软雅黑" panose="020B0503020204020204" pitchFamily="34" charset="-122"/>
-              <a:ea typeface="微软雅黑" panose="020B0503020204020204" pitchFamily="34" charset="-122"/>
-              <a:cs typeface="Aharoni" panose="02010803020104030203" pitchFamily="2" charset="-79"/>
-            </a:endParaRPr>
           </a:p>
         </p:txBody>
       </p:sp>
@@ -6300,7 +6387,7 @@
         <p:spPr>
           <a:xfrm>
             <a:off x="611560" y="1017810"/>
-            <a:ext cx="8020544" cy="1168400"/>
+            <a:ext cx="8020544" cy="1815882"/>
           </a:xfrm>
           <a:prstGeom prst="rect">
             <a:avLst/>
@@ -6314,19 +6401,63 @@
           <a:lstStyle/>
           <a:p>
             <a:r>
-              <a:rPr lang="en-US" altLang="en-GB" sz="1400" dirty="0"/>
+              <a:rPr lang="en-US" altLang="en-GB" sz="1400" dirty="0" err="1" smtClean="0"/>
               <a:t>Bom</a:t>
             </a:r>
             <a:r>
+              <a:rPr lang="zh-CN" altLang="en-US" sz="1400" dirty="0" smtClean="0"/>
+              <a:t>功能</a:t>
+            </a:r>
+            <a:r>
               <a:rPr lang="zh-CN" altLang="en-US" sz="1400" dirty="0"/>
-              <a:t>功能主要是分两块，一是根据用户表格提供的一些数据，比如型号、参数、厂牌去匹配我们库里的型号，在筛选出优质的货源，满足用户的配但需求。</a:t>
+              <a:t>主要是分两</a:t>
             </a:r>
-            <a:endParaRPr lang="zh-CN" altLang="en-US" sz="1400" dirty="0"/>
+            <a:r>
+              <a:rPr lang="zh-CN" altLang="en-US" sz="1400" dirty="0" smtClean="0"/>
+              <a:t>块，一</a:t>
+            </a:r>
+            <a:r>
+              <a:rPr lang="zh-CN" altLang="en-US" sz="1400" dirty="0"/>
+              <a:t>是根据用户表格提供的一些数据，比如型号、参数、厂牌去匹配我们库</a:t>
+            </a:r>
+            <a:r>
+              <a:rPr lang="zh-CN" altLang="en-US" sz="1400" dirty="0" smtClean="0"/>
+              <a:t>里</a:t>
+            </a:r>
+            <a:endParaRPr lang="en-US" altLang="zh-CN" sz="1400" dirty="0" smtClean="0"/>
+          </a:p>
+          <a:p>
+            <a:endParaRPr lang="en-US" altLang="zh-CN" sz="1400" dirty="0"/>
           </a:p>
           <a:p>
             <a:r>
+              <a:rPr lang="zh-CN" altLang="en-US" sz="1400" dirty="0" smtClean="0"/>
+              <a:t>的</a:t>
+            </a:r>
+            <a:r>
               <a:rPr lang="zh-CN" altLang="en-US" sz="1400" dirty="0"/>
-              <a:t>以往的</a:t>
+              <a:t>型号</a:t>
+            </a:r>
+            <a:r>
+              <a:rPr lang="zh-CN" altLang="en-US" sz="1400" dirty="0" smtClean="0"/>
+              <a:t>，二是在</a:t>
+            </a:r>
+            <a:r>
+              <a:rPr lang="zh-CN" altLang="en-US" sz="1400" dirty="0"/>
+              <a:t>筛选出优质的货源，满足用户的配但需求。</a:t>
+            </a:r>
+          </a:p>
+          <a:p>
+            <a:endParaRPr lang="en-US" altLang="zh-CN" sz="1400" dirty="0" smtClean="0"/>
+          </a:p>
+          <a:p>
+            <a:r>
+              <a:rPr lang="zh-CN" altLang="en-US" sz="1400" dirty="0" smtClean="0"/>
+              <a:t>以往</a:t>
+            </a:r>
+            <a:r>
+              <a:rPr lang="zh-CN" altLang="en-US" sz="1400" dirty="0"/>
+              <a:t>的</a:t>
             </a:r>
             <a:r>
               <a:rPr lang="en-US" altLang="zh-CN" sz="1400" dirty="0"/>
@@ -6342,7 +6473,25 @@
             </a:r>
             <a:r>
               <a:rPr lang="zh-CN" altLang="en-US" sz="1400" dirty="0"/>
-              <a:t>后台，由我们相关的同事拿用户的表单需求去操作配单，现在我们把这个功能，推向前台，用户可以通过我们的平台直接进行配型配单操作。</a:t>
+              <a:t>后台，由我们相关的同事拿用户的表单需求去操作配单，</a:t>
+            </a:r>
+            <a:r>
+              <a:rPr lang="zh-CN" altLang="en-US" sz="1400" dirty="0" smtClean="0"/>
+              <a:t>现在</a:t>
+            </a:r>
+            <a:endParaRPr lang="en-US" altLang="zh-CN" sz="1400" dirty="0" smtClean="0"/>
+          </a:p>
+          <a:p>
+            <a:endParaRPr lang="en-US" altLang="zh-CN" sz="1400" dirty="0" smtClean="0"/>
+          </a:p>
+          <a:p>
+            <a:r>
+              <a:rPr lang="zh-CN" altLang="en-US" sz="1400" dirty="0" smtClean="0"/>
+              <a:t>我们</a:t>
+            </a:r>
+            <a:r>
+              <a:rPr lang="zh-CN" altLang="en-US" sz="1400" dirty="0"/>
+              <a:t>把这个功能，推向前台，用户可以通过我们的平台直接进行配型配单操作。</a:t>
             </a:r>
             <a:endParaRPr lang="en-GB" altLang="zh-CN" sz="1400" dirty="0"/>
           </a:p>
@@ -6356,13 +6505,13 @@
   <p:clrMapOvr>
     <a:masterClrMapping/>
   </p:clrMapOvr>
-  <mc:AlternateContent xmlns:mc="http://schemas.openxmlformats.org/markup-compatibility/2006">
-    <mc:Choice xmlns:p14="http://schemas.microsoft.com/office/powerpoint/2010/main" Requires="p14">
+  <mc:AlternateContent xmlns:mc="http://schemas.openxmlformats.org/markup-compatibility/2006" xmlns:p14="http://schemas.microsoft.com/office/powerpoint/2010/main">
+    <mc:Choice Requires="p14">
       <p:transition spd="slow" p14:dur="1400">
         <p14:doors dir="vert"/>
       </p:transition>
     </mc:Choice>
-    <mc:Fallback>
+    <mc:Fallback xmlns="">
       <p:transition spd="slow">
         <p:fade/>
       </p:transition>
@@ -6728,14 +6877,6 @@
               </a:rPr>
               <a:t>前台化的简单介绍</a:t>
             </a:r>
-            <a:endParaRPr lang="zh-CN" altLang="en-US" sz="2100" b="1" dirty="0">
-              <a:solidFill>
-                <a:srgbClr val="005973"/>
-              </a:solidFill>
-              <a:latin typeface="微软雅黑" panose="020B0503020204020204" pitchFamily="34" charset="-122"/>
-              <a:ea typeface="微软雅黑" panose="020B0503020204020204" pitchFamily="34" charset="-122"/>
-              <a:cs typeface="Aharoni" panose="02010803020104030203" pitchFamily="2" charset="-79"/>
-            </a:endParaRPr>
           </a:p>
         </p:txBody>
       </p:sp>
@@ -6751,7 +6892,7 @@
         </p:xfrm>
         <a:graphic>
           <a:graphicData uri="http://schemas.openxmlformats.org/drawingml/2006/diagram">
-            <dgm:relIds xmlns:dgm="http://schemas.openxmlformats.org/drawingml/2006/diagram" xmlns:r="http://schemas.openxmlformats.org/officeDocument/2006/relationships" r:dm="rId1" r:lo="rId2" r:qs="rId3" r:cs="rId4"/>
+            <dgm:relIds xmlns:dgm="http://schemas.openxmlformats.org/drawingml/2006/diagram" xmlns:r="http://schemas.openxmlformats.org/officeDocument/2006/relationships" r:dm="rId2" r:lo="rId3" r:qs="rId4" r:cs="rId5"/>
           </a:graphicData>
         </a:graphic>
       </p:graphicFrame>
@@ -6760,13 +6901,13 @@
   <p:clrMapOvr>
     <a:masterClrMapping/>
   </p:clrMapOvr>
-  <mc:AlternateContent xmlns:mc="http://schemas.openxmlformats.org/markup-compatibility/2006">
-    <mc:Choice xmlns:p14="http://schemas.microsoft.com/office/powerpoint/2010/main" Requires="p14">
+  <mc:AlternateContent xmlns:mc="http://schemas.openxmlformats.org/markup-compatibility/2006" xmlns:p14="http://schemas.microsoft.com/office/powerpoint/2010/main">
+    <mc:Choice Requires="p14">
       <p:transition spd="slow" p14:dur="1400">
         <p14:doors dir="vert"/>
       </p:transition>
     </mc:Choice>
-    <mc:Fallback>
+    <mc:Fallback xmlns="">
       <p:transition spd="slow">
         <p:fade/>
       </p:transition>
@@ -7111,7 +7252,7 @@
           <a:lstStyle/>
           <a:p>
             <a:r>
-              <a:rPr lang="en-US" altLang="zh-CN" sz="2100" b="1" dirty="0">
+              <a:rPr lang="en-US" altLang="zh-CN" sz="2100" b="1" dirty="0" err="1" smtClean="0">
                 <a:solidFill>
                   <a:srgbClr val="005973"/>
                 </a:solidFill>
@@ -7122,7 +7263,7 @@
               <a:t>Bom</a:t>
             </a:r>
             <a:r>
-              <a:rPr lang="zh-CN" altLang="en-US" sz="2100" b="1" dirty="0">
+              <a:rPr lang="zh-CN" altLang="en-US" sz="2100" b="1" dirty="0" smtClean="0">
                 <a:solidFill>
                   <a:srgbClr val="005973"/>
                 </a:solidFill>
@@ -7130,7 +7271,7 @@
                 <a:ea typeface="微软雅黑" panose="020B0503020204020204" pitchFamily="34" charset="-122"/>
                 <a:cs typeface="Aharoni" panose="02010803020104030203" pitchFamily="2" charset="-79"/>
               </a:rPr>
-              <a:t>前台化的简单介绍</a:t>
+              <a:t>前台化的历程</a:t>
             </a:r>
             <a:endParaRPr lang="zh-CN" altLang="en-US" sz="2100" b="1" dirty="0">
               <a:solidFill>
@@ -7145,14 +7286,232 @@
       </p:sp>
       <p:sp>
         <p:nvSpPr>
-          <p:cNvPr id="70" name="文本框 69"/>
+          <p:cNvPr id="4" name="TextBox 3">
+            <a:hlinkClick r:id="rId2" action="ppaction://hlinkfile"/>
+          </p:cNvPr>
           <p:cNvSpPr txBox="1"/>
           <p:nvPr/>
         </p:nvSpPr>
         <p:spPr>
           <a:xfrm>
-            <a:off x="611560" y="1017810"/>
-            <a:ext cx="8020544" cy="1168400"/>
+            <a:off x="827584" y="1419622"/>
+            <a:ext cx="2262158" cy="369332"/>
+          </a:xfrm>
+          <a:prstGeom prst="rect">
+            <a:avLst/>
+          </a:prstGeom>
+          <a:noFill/>
+        </p:spPr>
+        <p:txBody>
+          <a:bodyPr wrap="none" rtlCol="0">
+            <a:spAutoFit/>
+          </a:bodyPr>
+          <a:lstStyle/>
+          <a:p>
+            <a:r>
+              <a:rPr lang="zh-CN" altLang="en-US" dirty="0" smtClean="0"/>
+              <a:t>一、</a:t>
+            </a:r>
+            <a:r>
+              <a:rPr lang="en-US" altLang="zh-CN" dirty="0" smtClean="0"/>
+              <a:t>BOM</a:t>
+            </a:r>
+            <a:r>
+              <a:rPr lang="zh-CN" altLang="en-US" dirty="0" smtClean="0"/>
+              <a:t>前台化 初版</a:t>
+            </a:r>
+            <a:endParaRPr lang="zh-CN" altLang="en-US" dirty="0"/>
+          </a:p>
+        </p:txBody>
+      </p:sp>
+      <p:sp>
+        <p:nvSpPr>
+          <p:cNvPr id="5" name="TextBox 4">
+            <a:hlinkClick r:id="rId3" action="ppaction://hlinkfile"/>
+          </p:cNvPr>
+          <p:cNvSpPr txBox="1"/>
+          <p:nvPr/>
+        </p:nvSpPr>
+        <p:spPr>
+          <a:xfrm>
+            <a:off x="827584" y="2067694"/>
+            <a:ext cx="2492990" cy="369332"/>
+          </a:xfrm>
+          <a:prstGeom prst="rect">
+            <a:avLst/>
+          </a:prstGeom>
+          <a:noFill/>
+        </p:spPr>
+        <p:txBody>
+          <a:bodyPr wrap="none" rtlCol="0">
+            <a:spAutoFit/>
+          </a:bodyPr>
+          <a:lstStyle/>
+          <a:p>
+            <a:r>
+              <a:rPr lang="zh-CN" altLang="en-US" dirty="0" smtClean="0"/>
+              <a:t>二、</a:t>
+            </a:r>
+            <a:r>
+              <a:rPr lang="en-US" altLang="zh-CN" dirty="0" smtClean="0"/>
+              <a:t>BOM</a:t>
+            </a:r>
+            <a:r>
+              <a:rPr lang="zh-CN" altLang="en-US" dirty="0"/>
+              <a:t>前台</a:t>
+            </a:r>
+            <a:r>
+              <a:rPr lang="zh-CN" altLang="en-US" dirty="0" smtClean="0"/>
+              <a:t>化 功能版</a:t>
+            </a:r>
+            <a:endParaRPr lang="zh-CN" altLang="en-US" dirty="0"/>
+          </a:p>
+        </p:txBody>
+      </p:sp>
+      <p:sp>
+        <p:nvSpPr>
+          <p:cNvPr id="6" name="TextBox 5">
+            <a:hlinkClick r:id="rId4" action="ppaction://hlinkfile"/>
+          </p:cNvPr>
+          <p:cNvSpPr txBox="1"/>
+          <p:nvPr/>
+        </p:nvSpPr>
+        <p:spPr>
+          <a:xfrm>
+            <a:off x="827584" y="2715766"/>
+            <a:ext cx="2608406" cy="369332"/>
+          </a:xfrm>
+          <a:prstGeom prst="rect">
+            <a:avLst/>
+          </a:prstGeom>
+          <a:noFill/>
+        </p:spPr>
+        <p:txBody>
+          <a:bodyPr wrap="none" rtlCol="0">
+            <a:spAutoFit/>
+          </a:bodyPr>
+          <a:lstStyle/>
+          <a:p>
+            <a:r>
+              <a:rPr lang="zh-CN" altLang="en-US" dirty="0" smtClean="0"/>
+              <a:t>三、</a:t>
+            </a:r>
+            <a:r>
+              <a:rPr lang="en-US" altLang="zh-CN" dirty="0" smtClean="0"/>
+              <a:t>BOM</a:t>
+            </a:r>
+            <a:r>
+              <a:rPr lang="zh-CN" altLang="en-US" dirty="0" smtClean="0"/>
+              <a:t>前台化 功能版</a:t>
+            </a:r>
+            <a:r>
+              <a:rPr lang="en-US" altLang="zh-CN" dirty="0" smtClean="0"/>
+              <a:t>2</a:t>
+            </a:r>
+            <a:endParaRPr lang="zh-CN" altLang="en-US" dirty="0"/>
+          </a:p>
+        </p:txBody>
+      </p:sp>
+      <p:sp>
+        <p:nvSpPr>
+          <p:cNvPr id="7" name="TextBox 6"/>
+          <p:cNvSpPr txBox="1"/>
+          <p:nvPr/>
+        </p:nvSpPr>
+        <p:spPr>
+          <a:xfrm>
+            <a:off x="1780238" y="3291830"/>
+            <a:ext cx="415498" cy="369332"/>
+          </a:xfrm>
+          <a:prstGeom prst="rect">
+            <a:avLst/>
+          </a:prstGeom>
+          <a:noFill/>
+        </p:spPr>
+        <p:txBody>
+          <a:bodyPr wrap="none" rtlCol="0">
+            <a:spAutoFit/>
+          </a:bodyPr>
+          <a:lstStyle/>
+          <a:p>
+            <a:r>
+              <a:rPr lang="en-US" altLang="zh-CN" dirty="0"/>
+              <a:t>·</a:t>
+            </a:r>
+            <a:endParaRPr lang="zh-CN" altLang="en-US" dirty="0"/>
+          </a:p>
+        </p:txBody>
+      </p:sp>
+      <p:sp>
+        <p:nvSpPr>
+          <p:cNvPr id="9" name="TextBox 8"/>
+          <p:cNvSpPr txBox="1"/>
+          <p:nvPr/>
+        </p:nvSpPr>
+        <p:spPr>
+          <a:xfrm>
+            <a:off x="1780238" y="3003798"/>
+            <a:ext cx="415498" cy="369332"/>
+          </a:xfrm>
+          <a:prstGeom prst="rect">
+            <a:avLst/>
+          </a:prstGeom>
+          <a:noFill/>
+        </p:spPr>
+        <p:txBody>
+          <a:bodyPr wrap="none" rtlCol="0">
+            <a:spAutoFit/>
+          </a:bodyPr>
+          <a:lstStyle/>
+          <a:p>
+            <a:r>
+              <a:rPr lang="en-US" altLang="zh-CN" dirty="0"/>
+              <a:t>·</a:t>
+            </a:r>
+            <a:endParaRPr lang="zh-CN" altLang="en-US" dirty="0"/>
+          </a:p>
+        </p:txBody>
+      </p:sp>
+      <p:sp>
+        <p:nvSpPr>
+          <p:cNvPr id="10" name="TextBox 9"/>
+          <p:cNvSpPr txBox="1"/>
+          <p:nvPr/>
+        </p:nvSpPr>
+        <p:spPr>
+          <a:xfrm>
+            <a:off x="1780238" y="3147814"/>
+            <a:ext cx="415498" cy="369332"/>
+          </a:xfrm>
+          <a:prstGeom prst="rect">
+            <a:avLst/>
+          </a:prstGeom>
+          <a:noFill/>
+        </p:spPr>
+        <p:txBody>
+          <a:bodyPr wrap="none" rtlCol="0">
+            <a:spAutoFit/>
+          </a:bodyPr>
+          <a:lstStyle/>
+          <a:p>
+            <a:r>
+              <a:rPr lang="en-US" altLang="zh-CN" dirty="0"/>
+              <a:t>·</a:t>
+            </a:r>
+            <a:endParaRPr lang="zh-CN" altLang="en-US" dirty="0"/>
+          </a:p>
+        </p:txBody>
+      </p:sp>
+      <p:sp>
+        <p:nvSpPr>
+          <p:cNvPr id="8" name="TextBox 7"/>
+          <p:cNvSpPr txBox="1"/>
+          <p:nvPr/>
+        </p:nvSpPr>
+        <p:spPr>
+          <a:xfrm>
+            <a:off x="1286922" y="3714586"/>
+            <a:ext cx="2348974" cy="369332"/>
           </a:xfrm>
           <a:prstGeom prst="rect">
             <a:avLst/>
@@ -7166,40 +7525,14 @@
           <a:lstStyle/>
           <a:p>
             <a:r>
-              <a:rPr lang="en-US" altLang="en-GB" sz="1400" dirty="0"/>
-              <a:t>Bom</a:t>
+              <a:rPr lang="en-US" altLang="zh-CN" dirty="0" smtClean="0"/>
+              <a:t>BOM</a:t>
             </a:r>
             <a:r>
-              <a:rPr lang="zh-CN" altLang="en-US" sz="1400" dirty="0"/>
-              <a:t>功能主要是分两块，一是根据用户表格提供的一些数据，比如型号、参数、厂牌去匹配我们库里的型号，在筛选出优质的货源，满足用户的配但需求。</a:t>
+              <a:rPr lang="zh-CN" altLang="en-US" dirty="0" smtClean="0"/>
+              <a:t>前台化 最新版  </a:t>
             </a:r>
-            <a:endParaRPr lang="zh-CN" altLang="en-US" sz="1400" dirty="0"/>
-          </a:p>
-          <a:p>
-            <a:r>
-              <a:rPr lang="zh-CN" altLang="en-US" sz="1400" dirty="0"/>
-              <a:t>以往的</a:t>
-            </a:r>
-            <a:r>
-              <a:rPr lang="en-US" altLang="zh-CN" sz="1400" dirty="0"/>
-              <a:t>Bom</a:t>
-            </a:r>
-            <a:r>
-              <a:rPr lang="zh-CN" altLang="en-US" sz="1400" dirty="0"/>
-              <a:t>，配型配单工作主要是在</a:t>
-            </a:r>
-            <a:r>
-              <a:rPr lang="en-US" altLang="zh-CN" sz="1400" dirty="0"/>
-              <a:t>ERP</a:t>
-            </a:r>
-            <a:r>
-              <a:rPr lang="zh-CN" altLang="en-US" sz="1400" dirty="0"/>
-              <a:t>后台，由我们相关的同事拿用户的表单需求去操作配单，现在我们把这个功能，推向前台，用户可以通过我们的平台直接进行配型配单操作。</a:t>
-            </a:r>
-            <a:endParaRPr lang="en-GB" altLang="zh-CN" sz="1400" dirty="0"/>
-          </a:p>
-          <a:p>
-            <a:endParaRPr lang="en-GB" altLang="zh-CN" sz="1400" dirty="0"/>
+            <a:endParaRPr lang="zh-CN" altLang="en-US" dirty="0"/>
           </a:p>
         </p:txBody>
       </p:sp>
@@ -7208,13 +7541,13 @@
   <p:clrMapOvr>
     <a:masterClrMapping/>
   </p:clrMapOvr>
-  <mc:AlternateContent xmlns:mc="http://schemas.openxmlformats.org/markup-compatibility/2006">
-    <mc:Choice xmlns:p14="http://schemas.microsoft.com/office/powerpoint/2010/main" Requires="p14">
+  <mc:AlternateContent xmlns:mc="http://schemas.openxmlformats.org/markup-compatibility/2006" xmlns:p14="http://schemas.microsoft.com/office/powerpoint/2010/main">
+    <mc:Choice Requires="p14">
       <p:transition spd="slow" p14:dur="1400">
         <p14:doors dir="vert"/>
       </p:transition>
     </mc:Choice>
-    <mc:Fallback>
+    <mc:Fallback xmlns="">
       <p:transition spd="slow">
         <p:fade/>
       </p:transition>
@@ -7580,74 +7913,6 @@
               </a:rPr>
               <a:t>前台化的简单介绍</a:t>
             </a:r>
-            <a:endParaRPr lang="zh-CN" altLang="en-US" sz="2100" b="1" dirty="0">
-              <a:solidFill>
-                <a:srgbClr val="005973"/>
-              </a:solidFill>
-              <a:latin typeface="微软雅黑" panose="020B0503020204020204" pitchFamily="34" charset="-122"/>
-              <a:ea typeface="微软雅黑" panose="020B0503020204020204" pitchFamily="34" charset="-122"/>
-              <a:cs typeface="Aharoni" panose="02010803020104030203" pitchFamily="2" charset="-79"/>
-            </a:endParaRPr>
-          </a:p>
-        </p:txBody>
-      </p:sp>
-      <p:sp>
-        <p:nvSpPr>
-          <p:cNvPr id="70" name="文本框 69"/>
-          <p:cNvSpPr txBox="1"/>
-          <p:nvPr/>
-        </p:nvSpPr>
-        <p:spPr>
-          <a:xfrm>
-            <a:off x="611560" y="1017810"/>
-            <a:ext cx="8020544" cy="1168400"/>
-          </a:xfrm>
-          <a:prstGeom prst="rect">
-            <a:avLst/>
-          </a:prstGeom>
-          <a:noFill/>
-        </p:spPr>
-        <p:txBody>
-          <a:bodyPr wrap="square" rtlCol="0">
-            <a:spAutoFit/>
-          </a:bodyPr>
-          <a:lstStyle/>
-          <a:p>
-            <a:r>
-              <a:rPr lang="en-US" altLang="en-GB" sz="1400" dirty="0"/>
-              <a:t>Bom</a:t>
-            </a:r>
-            <a:r>
-              <a:rPr lang="zh-CN" altLang="en-US" sz="1400" dirty="0"/>
-              <a:t>功能主要是分两块，一是根据用户表格提供的一些数据，比如型号、参数、厂牌去匹配我们库里的型号，在筛选出优质的货源，满足用户的配但需求。</a:t>
-            </a:r>
-            <a:endParaRPr lang="zh-CN" altLang="en-US" sz="1400" dirty="0"/>
-          </a:p>
-          <a:p>
-            <a:r>
-              <a:rPr lang="zh-CN" altLang="en-US" sz="1400" dirty="0"/>
-              <a:t>以往的</a:t>
-            </a:r>
-            <a:r>
-              <a:rPr lang="en-US" altLang="zh-CN" sz="1400" dirty="0"/>
-              <a:t>Bom</a:t>
-            </a:r>
-            <a:r>
-              <a:rPr lang="zh-CN" altLang="en-US" sz="1400" dirty="0"/>
-              <a:t>，配型配单工作主要是在</a:t>
-            </a:r>
-            <a:r>
-              <a:rPr lang="en-US" altLang="zh-CN" sz="1400" dirty="0"/>
-              <a:t>ERP</a:t>
-            </a:r>
-            <a:r>
-              <a:rPr lang="zh-CN" altLang="en-US" sz="1400" dirty="0"/>
-              <a:t>后台，由我们相关的同事拿用户的表单需求去操作配单，现在我们把这个功能，推向前台，用户可以通过我们的平台直接进行配型配单操作。</a:t>
-            </a:r>
-            <a:endParaRPr lang="en-GB" altLang="zh-CN" sz="1400" dirty="0"/>
-          </a:p>
-          <a:p>
-            <a:endParaRPr lang="en-GB" altLang="zh-CN" sz="1400" dirty="0"/>
           </a:p>
         </p:txBody>
       </p:sp>
@@ -7656,13 +7921,13 @@
   <p:clrMapOvr>
     <a:masterClrMapping/>
   </p:clrMapOvr>
-  <mc:AlternateContent xmlns:mc="http://schemas.openxmlformats.org/markup-compatibility/2006">
-    <mc:Choice xmlns:p14="http://schemas.microsoft.com/office/powerpoint/2010/main" Requires="p14">
+  <mc:AlternateContent xmlns:mc="http://schemas.openxmlformats.org/markup-compatibility/2006" xmlns:p14="http://schemas.microsoft.com/office/powerpoint/2010/main">
+    <mc:Choice Requires="p14">
       <p:transition spd="slow" p14:dur="1400">
         <p14:doors dir="vert"/>
       </p:transition>
     </mc:Choice>
-    <mc:Fallback>
+    <mc:Fallback xmlns="">
       <p:transition spd="slow">
         <p:fade/>
       </p:transition>
@@ -7954,6 +8219,13 @@
   <p:clrMapOvr>
     <a:masterClrMapping/>
   </p:clrMapOvr>
+  <p:timing>
+    <p:tnLst>
+      <p:par>
+        <p:cTn id="1" dur="indefinite" restart="never" nodeType="tmRoot"/>
+      </p:par>
+    </p:tnLst>
+  </p:timing>
 </p:sld>
 </file>
 
@@ -8236,9 +8508,10 @@
       </a:style>
     </a:spDef>
   </a:objectDefaults>
+  <a:extraClrSchemeLst/>
   <a:extLst>
     <a:ext uri="{05A4C25C-085E-4340-85A3-A5531E510DB2}">
-      <thm15:themeFamily xmlns:thm15="http://schemas.microsoft.com/office/thememl/2012/main" name="Office Theme" id="{62F939B6-93AF-4DB8-9C6B-D6C7DFDC589F}" vid="{4A3C46E8-61CC-4603-A589-7422A47A8E4A}"/>
+      <thm15:themeFamily xmlns:thm15="http://schemas.microsoft.com/office/thememl/2012/main" xmlns="" name="Office Theme" id="{62F939B6-93AF-4DB8-9C6B-D6C7DFDC589F}" vid="{4A3C46E8-61CC-4603-A589-7422A47A8E4A}"/>
     </a:ext>
   </a:extLst>
 </a:theme>
@@ -8524,9 +8797,11 @@
       </a:bgFillStyleLst>
     </a:fmtScheme>
   </a:themeElements>
+  <a:objectDefaults/>
+  <a:extraClrSchemeLst/>
   <a:extLst>
     <a:ext uri="{05A4C25C-085E-4340-85A3-A5531E510DB2}">
-      <thm15:themeFamily xmlns:thm15="http://schemas.microsoft.com/office/thememl/2012/main" name="Office Theme" id="{62F939B6-93AF-4DB8-9C6B-D6C7DFDC589F}" vid="{4A3C46E8-61CC-4603-A589-7422A47A8E4A}"/>
+      <thm15:themeFamily xmlns:thm15="http://schemas.microsoft.com/office/thememl/2012/main" xmlns="" name="Office Theme" id="{62F939B6-93AF-4DB8-9C6B-D6C7DFDC589F}" vid="{4A3C46E8-61CC-4603-A589-7422A47A8E4A}"/>
     </a:ext>
   </a:extLst>
 </a:theme>

--- a/doc/2019-10-22 bom项目前端开发的收获.pptx
+++ b/doc/2019-10-22 bom项目前端开发的收获.pptx
@@ -5,16 +5,23 @@
     <p:sldMasterId id="2147483648" r:id="rId1"/>
   </p:sldMasterIdLst>
   <p:notesMasterIdLst>
-    <p:notesMasterId r:id="rId9"/>
+    <p:notesMasterId r:id="rId17"/>
   </p:notesMasterIdLst>
   <p:sldIdLst>
-    <p:sldId id="267" r:id="rId2"/>
-    <p:sldId id="306" r:id="rId3"/>
-    <p:sldId id="308" r:id="rId4"/>
-    <p:sldId id="309" r:id="rId5"/>
-    <p:sldId id="310" r:id="rId6"/>
-    <p:sldId id="311" r:id="rId7"/>
-    <p:sldId id="269" r:id="rId8"/>
+    <p:sldId id="267" r:id="rId3"/>
+    <p:sldId id="306" r:id="rId4"/>
+    <p:sldId id="308" r:id="rId5"/>
+    <p:sldId id="309" r:id="rId6"/>
+    <p:sldId id="310" r:id="rId7"/>
+    <p:sldId id="311" r:id="rId8"/>
+    <p:sldId id="313" r:id="rId9"/>
+    <p:sldId id="322" r:id="rId10"/>
+    <p:sldId id="315" r:id="rId11"/>
+    <p:sldId id="317" r:id="rId12"/>
+    <p:sldId id="318" r:id="rId13"/>
+    <p:sldId id="319" r:id="rId14"/>
+    <p:sldId id="320" r:id="rId15"/>
+    <p:sldId id="269" r:id="rId16"/>
   </p:sldIdLst>
   <p:sldSz cx="9144000" cy="5143500" type="screen16x9"/>
   <p:notesSz cx="6858000" cy="9144000"/>
@@ -113,6 +120,11 @@
       </a:defRPr>
     </a:lvl9pPr>
   </p:defaultTextStyle>
+  <p:extLst>
+    <p:ext uri="{505F2C04-C923-438B-8C0F-E0CD2BADF298}">
+      <wppc:fontMiss xmlns:wppc="http://www.wps.cn/officeDocument/PresentationCustomData" type="true"/>
+    </p:ext>
+  </p:extLst>
 </p:presentation>
 </file>
 
@@ -891,7 +903,7 @@
         </a:p>
       </dgm:t>
     </dgm:pt>
-    <dgm:pt modelId="{B81C684C-10EB-4D19-87FC-EAC83AD4AF7C}" type="parTrans" cxnId="{5BC934CF-8A5D-4EA1-8BE6-CA7719A718BC}">
+    <dgm:pt modelId="{B81C684C-10EB-4D19-87FC-EAC83AD4AF7C}" cxnId="{5BC934CF-8A5D-4EA1-8BE6-CA7719A718BC}" type="parTrans">
       <dgm:prSet/>
       <dgm:spPr/>
       <dgm:t>
@@ -902,7 +914,7 @@
         </a:p>
       </dgm:t>
     </dgm:pt>
-    <dgm:pt modelId="{56D6D007-FF05-42D4-94EC-9C88E9AA35E7}" type="sibTrans" cxnId="{5BC934CF-8A5D-4EA1-8BE6-CA7719A718BC}">
+    <dgm:pt modelId="{56D6D007-FF05-42D4-94EC-9C88E9AA35E7}" cxnId="{5BC934CF-8A5D-4EA1-8BE6-CA7719A718BC}" type="sibTrans">
       <dgm:prSet/>
       <dgm:spPr/>
       <dgm:t>
@@ -927,7 +939,7 @@
         </a:p>
       </dgm:t>
     </dgm:pt>
-    <dgm:pt modelId="{666CA778-0B80-41C7-AD65-6468DE95E9CF}" type="parTrans" cxnId="{427CD0DA-2B5F-46C7-B48E-EB0C0A21F87A}">
+    <dgm:pt modelId="{666CA778-0B80-41C7-AD65-6468DE95E9CF}" cxnId="{427CD0DA-2B5F-46C7-B48E-EB0C0A21F87A}" type="parTrans">
       <dgm:prSet/>
       <dgm:spPr/>
       <dgm:t>
@@ -938,7 +950,7 @@
         </a:p>
       </dgm:t>
     </dgm:pt>
-    <dgm:pt modelId="{0BCC4495-3770-4000-9461-4A544C9E7E59}" type="sibTrans" cxnId="{427CD0DA-2B5F-46C7-B48E-EB0C0A21F87A}">
+    <dgm:pt modelId="{0BCC4495-3770-4000-9461-4A544C9E7E59}" cxnId="{427CD0DA-2B5F-46C7-B48E-EB0C0A21F87A}" type="sibTrans">
       <dgm:prSet/>
       <dgm:spPr/>
       <dgm:t>
@@ -963,7 +975,7 @@
         </a:p>
       </dgm:t>
     </dgm:pt>
-    <dgm:pt modelId="{13855004-13C2-4F32-975F-FF9B0A14FD33}" type="parTrans" cxnId="{3522B673-D083-4AED-868E-AC3E9E15F22A}">
+    <dgm:pt modelId="{13855004-13C2-4F32-975F-FF9B0A14FD33}" cxnId="{3522B673-D083-4AED-868E-AC3E9E15F22A}" type="parTrans">
       <dgm:prSet/>
       <dgm:spPr/>
       <dgm:t>
@@ -974,7 +986,7 @@
         </a:p>
       </dgm:t>
     </dgm:pt>
-    <dgm:pt modelId="{9883850A-AE4E-4FDF-91DA-0A6A0394949E}" type="sibTrans" cxnId="{3522B673-D083-4AED-868E-AC3E9E15F22A}">
+    <dgm:pt modelId="{9883850A-AE4E-4FDF-91DA-0A6A0394949E}" cxnId="{3522B673-D083-4AED-868E-AC3E9E15F22A}" type="sibTrans">
       <dgm:prSet/>
       <dgm:spPr/>
       <dgm:t>
@@ -999,7 +1011,7 @@
         </a:p>
       </dgm:t>
     </dgm:pt>
-    <dgm:pt modelId="{6487E77D-C017-49C0-A09E-7674EBE016C1}" type="parTrans" cxnId="{069221DC-FE2D-4C29-8D53-A5731F369BBB}">
+    <dgm:pt modelId="{6487E77D-C017-49C0-A09E-7674EBE016C1}" cxnId="{069221DC-FE2D-4C29-8D53-A5731F369BBB}" type="parTrans">
       <dgm:prSet/>
       <dgm:spPr/>
       <dgm:t>
@@ -1010,7 +1022,7 @@
         </a:p>
       </dgm:t>
     </dgm:pt>
-    <dgm:pt modelId="{F9A6603D-90B3-4D2E-B669-559207954EDC}" type="sibTrans" cxnId="{069221DC-FE2D-4C29-8D53-A5731F369BBB}">
+    <dgm:pt modelId="{F9A6603D-90B3-4D2E-B669-559207954EDC}" cxnId="{069221DC-FE2D-4C29-8D53-A5731F369BBB}" type="sibTrans">
       <dgm:prSet/>
       <dgm:spPr/>
       <dgm:t>
@@ -1035,7 +1047,7 @@
         </a:p>
       </dgm:t>
     </dgm:pt>
-    <dgm:pt modelId="{A4CC7632-1186-48AA-8C6C-CB627FACF657}" type="parTrans" cxnId="{C50245BF-484D-4779-ACF8-541A36B26158}">
+    <dgm:pt modelId="{A4CC7632-1186-48AA-8C6C-CB627FACF657}" cxnId="{C50245BF-484D-4779-ACF8-541A36B26158}" type="parTrans">
       <dgm:prSet/>
       <dgm:spPr/>
       <dgm:t>
@@ -1046,7 +1058,7 @@
         </a:p>
       </dgm:t>
     </dgm:pt>
-    <dgm:pt modelId="{901A70FD-D21B-400E-A2C5-36D687DDD8DD}" type="sibTrans" cxnId="{C50245BF-484D-4779-ACF8-541A36B26158}">
+    <dgm:pt modelId="{901A70FD-D21B-400E-A2C5-36D687DDD8DD}" cxnId="{C50245BF-484D-4779-ACF8-541A36B26158}" type="sibTrans">
       <dgm:prSet/>
       <dgm:spPr/>
       <dgm:t>
@@ -1071,7 +1083,7 @@
         </a:p>
       </dgm:t>
     </dgm:pt>
-    <dgm:pt modelId="{23014281-0B69-41F0-8B7C-443845D5C404}" type="parTrans" cxnId="{2C0CCA6B-C276-40D1-BC5A-8C94CAC7EF57}">
+    <dgm:pt modelId="{23014281-0B69-41F0-8B7C-443845D5C404}" cxnId="{2C0CCA6B-C276-40D1-BC5A-8C94CAC7EF57}" type="parTrans">
       <dgm:prSet/>
       <dgm:spPr/>
       <dgm:t>
@@ -1082,7 +1094,7 @@
         </a:p>
       </dgm:t>
     </dgm:pt>
-    <dgm:pt modelId="{8745FD29-1783-43D8-B7A6-79F82930E31F}" type="sibTrans" cxnId="{2C0CCA6B-C276-40D1-BC5A-8C94CAC7EF57}">
+    <dgm:pt modelId="{8745FD29-1783-43D8-B7A6-79F82930E31F}" cxnId="{2C0CCA6B-C276-40D1-BC5A-8C94CAC7EF57}" type="sibTrans">
       <dgm:prSet/>
       <dgm:spPr/>
       <dgm:t>
@@ -1107,7 +1119,7 @@
         </a:p>
       </dgm:t>
     </dgm:pt>
-    <dgm:pt modelId="{6D5088CE-0FE6-4C0C-9CAF-2AC542D39DD8}" type="parTrans" cxnId="{867FDB2A-4EB5-4B12-8E1D-7158AD7E5C68}">
+    <dgm:pt modelId="{6D5088CE-0FE6-4C0C-9CAF-2AC542D39DD8}" cxnId="{867FDB2A-4EB5-4B12-8E1D-7158AD7E5C68}" type="parTrans">
       <dgm:prSet/>
       <dgm:spPr/>
       <dgm:t>
@@ -1118,7 +1130,7 @@
         </a:p>
       </dgm:t>
     </dgm:pt>
-    <dgm:pt modelId="{35768274-6B1B-49DF-BE19-73EF3D46B307}" type="sibTrans" cxnId="{867FDB2A-4EB5-4B12-8E1D-7158AD7E5C68}">
+    <dgm:pt modelId="{35768274-6B1B-49DF-BE19-73EF3D46B307}" cxnId="{867FDB2A-4EB5-4B12-8E1D-7158AD7E5C68}" type="sibTrans">
       <dgm:prSet/>
       <dgm:spPr/>
       <dgm:t>
@@ -1143,7 +1155,7 @@
         </a:p>
       </dgm:t>
     </dgm:pt>
-    <dgm:pt modelId="{2A8DF3B7-8A0F-41D2-897B-58FCD6C29992}" type="parTrans" cxnId="{06F93F2D-A7F9-4A30-949B-79177D2E2350}">
+    <dgm:pt modelId="{2A8DF3B7-8A0F-41D2-897B-58FCD6C29992}" cxnId="{06F93F2D-A7F9-4A30-949B-79177D2E2350}" type="parTrans">
       <dgm:prSet/>
       <dgm:spPr/>
       <dgm:t>
@@ -1154,7 +1166,7 @@
         </a:p>
       </dgm:t>
     </dgm:pt>
-    <dgm:pt modelId="{FC170E10-5DF1-4A60-89B2-1626398A312F}" type="sibTrans" cxnId="{06F93F2D-A7F9-4A30-949B-79177D2E2350}">
+    <dgm:pt modelId="{FC170E10-5DF1-4A60-89B2-1626398A312F}" cxnId="{06F93F2D-A7F9-4A30-949B-79177D2E2350}" type="sibTrans">
       <dgm:prSet/>
       <dgm:spPr/>
       <dgm:t>
@@ -1179,7 +1191,7 @@
         </a:p>
       </dgm:t>
     </dgm:pt>
-    <dgm:pt modelId="{F8365AB3-4B27-4EB1-BB5F-06992168FF3C}" type="parTrans" cxnId="{3CD9B510-7B46-45FE-82E4-3408DB29C3C0}">
+    <dgm:pt modelId="{F8365AB3-4B27-4EB1-BB5F-06992168FF3C}" cxnId="{3CD9B510-7B46-45FE-82E4-3408DB29C3C0}" type="parTrans">
       <dgm:prSet/>
       <dgm:spPr/>
       <dgm:t>
@@ -1190,7 +1202,7 @@
         </a:p>
       </dgm:t>
     </dgm:pt>
-    <dgm:pt modelId="{92295698-538D-475C-A9C8-E42FF6BFE205}" type="sibTrans" cxnId="{3CD9B510-7B46-45FE-82E4-3408DB29C3C0}">
+    <dgm:pt modelId="{92295698-538D-475C-A9C8-E42FF6BFE205}" cxnId="{3CD9B510-7B46-45FE-82E4-3408DB29C3C0}" type="sibTrans">
       <dgm:prSet/>
       <dgm:spPr/>
       <dgm:t>
@@ -1215,7 +1227,7 @@
         </a:p>
       </dgm:t>
     </dgm:pt>
-    <dgm:pt modelId="{DF78F4B5-4ED7-40EF-83F4-47BD50A4E29A}" type="parTrans" cxnId="{3E7204E4-94AE-475D-8990-1EA17AE8B640}">
+    <dgm:pt modelId="{DF78F4B5-4ED7-40EF-83F4-47BD50A4E29A}" cxnId="{3E7204E4-94AE-475D-8990-1EA17AE8B640}" type="parTrans">
       <dgm:prSet/>
       <dgm:spPr/>
       <dgm:t>
@@ -1226,7 +1238,7 @@
         </a:p>
       </dgm:t>
     </dgm:pt>
-    <dgm:pt modelId="{7E6C7041-39E7-43DD-825B-F3ABA73256A2}" type="sibTrans" cxnId="{3E7204E4-94AE-475D-8990-1EA17AE8B640}">
+    <dgm:pt modelId="{7E6C7041-39E7-43DD-825B-F3ABA73256A2}" cxnId="{3E7204E4-94AE-475D-8990-1EA17AE8B640}" type="sibTrans">
       <dgm:prSet/>
       <dgm:spPr/>
       <dgm:t>
@@ -1406,7 +1418,7 @@
   <dgm:whole/>
   <dgm:extLst>
     <a:ext uri="http://schemas.microsoft.com/office/drawing/2008/diagram">
-      <dsp:dataModelExt xmlns:dsp="http://schemas.microsoft.com/office/drawing/2008/diagram" relId="rId6" minVer="http://schemas.openxmlformats.org/drawingml/2006/diagram"/>
+      <dsp:dataModelExt xmlns:dsp="http://schemas.microsoft.com/office/drawing/2008/diagram" relId="rId5" minVer="http://schemas.openxmlformats.org/drawingml/2006/diagram"/>
     </a:ext>
   </dgm:extLst>
 </dgm:dataModel>
@@ -2122,7 +2134,7 @@
             <dgm:bulletEnabled val="1"/>
           </dgm:varLst>
           <dgm:alg type="tx"/>
-          <dgm:shape xmlns:r="http://schemas.openxmlformats.org/officeDocument/2006/relationships" rot="90" type="chevron" r:blip="">
+          <dgm:shape xmlns:r="http://schemas.openxmlformats.org/officeDocument/2006/relationships" type="chevron" r:blip="" rot="90">
             <dgm:adjLst/>
           </dgm:shape>
           <dgm:presOf axis="self" ptType="node"/>
@@ -2151,7 +2163,7 @@
                 <dgm:param type="stBulletLvl" val="1"/>
                 <dgm:param type="txAnchorVertCh" val="mid"/>
               </dgm:alg>
-              <dgm:shape xmlns:r="http://schemas.openxmlformats.org/officeDocument/2006/relationships" rot="90" type="round2SameRect" r:blip="">
+              <dgm:shape xmlns:r="http://schemas.openxmlformats.org/officeDocument/2006/relationships" type="round2SameRect" r:blip="" rot="90">
                 <dgm:adjLst/>
               </dgm:shape>
             </dgm:if>
@@ -2160,7 +2172,7 @@
                 <dgm:param type="stBulletLvl" val="1"/>
                 <dgm:param type="txAnchorVertCh" val="mid"/>
               </dgm:alg>
-              <dgm:shape xmlns:r="http://schemas.openxmlformats.org/officeDocument/2006/relationships" rot="-90" type="round2SameRect" r:blip="">
+              <dgm:shape xmlns:r="http://schemas.openxmlformats.org/officeDocument/2006/relationships" type="round2SameRect" r:blip="" rot="-90">
                 <dgm:adjLst/>
               </dgm:shape>
             </dgm:else>
@@ -2224,7 +2236,6 @@
       <a:camera prst="orthographicFront"/>
       <a:lightRig rig="threePt" dir="t"/>
     </dgm:scene3d>
-    <dgm:sp3d/>
     <dgm:txPr/>
     <dgm:style>
       <a:lnRef idx="2">
@@ -2244,7 +2255,6 @@
       <a:camera prst="orthographicFront"/>
       <a:lightRig rig="threePt" dir="t"/>
     </dgm:scene3d>
-    <dgm:sp3d/>
     <dgm:txPr/>
     <dgm:style>
       <a:lnRef idx="2">
@@ -2264,7 +2274,6 @@
       <a:camera prst="orthographicFront"/>
       <a:lightRig rig="threePt" dir="t"/>
     </dgm:scene3d>
-    <dgm:sp3d/>
     <dgm:txPr/>
     <dgm:style>
       <a:lnRef idx="2">
@@ -2284,7 +2293,6 @@
       <a:camera prst="orthographicFront"/>
       <a:lightRig rig="threePt" dir="t"/>
     </dgm:scene3d>
-    <dgm:sp3d/>
     <dgm:txPr/>
     <dgm:style>
       <a:lnRef idx="2">
@@ -2306,7 +2314,6 @@
       <a:camera prst="orthographicFront"/>
       <a:lightRig rig="threePt" dir="t"/>
     </dgm:scene3d>
-    <dgm:sp3d/>
     <dgm:txPr/>
     <dgm:style>
       <a:lnRef idx="2">
@@ -2328,7 +2335,6 @@
       <a:camera prst="orthographicFront"/>
       <a:lightRig rig="threePt" dir="t"/>
     </dgm:scene3d>
-    <dgm:sp3d/>
     <dgm:txPr/>
     <dgm:style>
       <a:lnRef idx="2">
@@ -2350,7 +2356,6 @@
       <a:camera prst="orthographicFront"/>
       <a:lightRig rig="threePt" dir="t"/>
     </dgm:scene3d>
-    <dgm:sp3d/>
     <dgm:txPr/>
     <dgm:style>
       <a:lnRef idx="2">
@@ -2372,7 +2377,6 @@
       <a:camera prst="orthographicFront"/>
       <a:lightRig rig="threePt" dir="t"/>
     </dgm:scene3d>
-    <dgm:sp3d/>
     <dgm:txPr/>
     <dgm:style>
       <a:lnRef idx="2">
@@ -2394,7 +2398,6 @@
       <a:camera prst="orthographicFront"/>
       <a:lightRig rig="threePt" dir="t"/>
     </dgm:scene3d>
-    <dgm:sp3d/>
     <dgm:txPr/>
     <dgm:style>
       <a:lnRef idx="2">
@@ -2416,7 +2419,6 @@
       <a:camera prst="orthographicFront"/>
       <a:lightRig rig="threePt" dir="t"/>
     </dgm:scene3d>
-    <dgm:sp3d/>
     <dgm:txPr/>
     <dgm:style>
       <a:lnRef idx="2">
@@ -2436,7 +2438,6 @@
       <a:camera prst="orthographicFront"/>
       <a:lightRig rig="threePt" dir="t"/>
     </dgm:scene3d>
-    <dgm:sp3d/>
     <dgm:txPr/>
     <dgm:style>
       <a:lnRef idx="2">
@@ -2456,7 +2457,6 @@
       <a:camera prst="orthographicFront"/>
       <a:lightRig rig="threePt" dir="t"/>
     </dgm:scene3d>
-    <dgm:sp3d/>
     <dgm:txPr/>
     <dgm:style>
       <a:lnRef idx="2">
@@ -2476,7 +2476,6 @@
       <a:camera prst="orthographicFront"/>
       <a:lightRig rig="threePt" dir="t"/>
     </dgm:scene3d>
-    <dgm:sp3d/>
     <dgm:txPr/>
     <dgm:style>
       <a:lnRef idx="0">
@@ -2496,7 +2495,6 @@
       <a:camera prst="orthographicFront"/>
       <a:lightRig rig="threePt" dir="t"/>
     </dgm:scene3d>
-    <dgm:sp3d/>
     <dgm:txPr/>
     <dgm:style>
       <a:lnRef idx="0">
@@ -2518,7 +2516,6 @@
       <a:camera prst="orthographicFront"/>
       <a:lightRig rig="threePt" dir="t"/>
     </dgm:scene3d>
-    <dgm:sp3d/>
     <dgm:txPr/>
     <dgm:style>
       <a:lnRef idx="2">
@@ -2538,7 +2535,6 @@
       <a:camera prst="orthographicFront"/>
       <a:lightRig rig="threePt" dir="t"/>
     </dgm:scene3d>
-    <dgm:sp3d/>
     <dgm:txPr/>
     <dgm:style>
       <a:lnRef idx="2">
@@ -2558,7 +2554,6 @@
       <a:camera prst="orthographicFront"/>
       <a:lightRig rig="threePt" dir="t"/>
     </dgm:scene3d>
-    <dgm:sp3d/>
     <dgm:txPr/>
     <dgm:style>
       <a:lnRef idx="0">
@@ -2578,7 +2573,6 @@
       <a:camera prst="orthographicFront"/>
       <a:lightRig rig="threePt" dir="t"/>
     </dgm:scene3d>
-    <dgm:sp3d/>
     <dgm:txPr/>
     <dgm:style>
       <a:lnRef idx="2">
@@ -2598,7 +2592,6 @@
       <a:camera prst="orthographicFront"/>
       <a:lightRig rig="threePt" dir="t"/>
     </dgm:scene3d>
-    <dgm:sp3d/>
     <dgm:txPr/>
     <dgm:style>
       <a:lnRef idx="2">
@@ -2618,7 +2611,6 @@
       <a:camera prst="orthographicFront"/>
       <a:lightRig rig="threePt" dir="t"/>
     </dgm:scene3d>
-    <dgm:sp3d/>
     <dgm:txPr/>
     <dgm:style>
       <a:lnRef idx="2">
@@ -2638,7 +2630,6 @@
       <a:camera prst="orthographicFront"/>
       <a:lightRig rig="threePt" dir="t"/>
     </dgm:scene3d>
-    <dgm:sp3d/>
     <dgm:txPr/>
     <dgm:style>
       <a:lnRef idx="2">
@@ -2658,7 +2649,6 @@
       <a:camera prst="orthographicFront"/>
       <a:lightRig rig="threePt" dir="t"/>
     </dgm:scene3d>
-    <dgm:sp3d/>
     <dgm:txPr/>
     <dgm:style>
       <a:lnRef idx="2">
@@ -2678,7 +2668,6 @@
       <a:camera prst="orthographicFront"/>
       <a:lightRig rig="threePt" dir="t"/>
     </dgm:scene3d>
-    <dgm:sp3d/>
     <dgm:txPr/>
     <dgm:style>
       <a:lnRef idx="2">
@@ -2698,7 +2687,6 @@
       <a:camera prst="orthographicFront"/>
       <a:lightRig rig="threePt" dir="t"/>
     </dgm:scene3d>
-    <dgm:sp3d/>
     <dgm:txPr/>
     <dgm:style>
       <a:lnRef idx="2">
@@ -2718,7 +2706,6 @@
       <a:camera prst="orthographicFront"/>
       <a:lightRig rig="threePt" dir="t"/>
     </dgm:scene3d>
-    <dgm:sp3d/>
     <dgm:txPr/>
     <dgm:style>
       <a:lnRef idx="2">
@@ -2738,7 +2725,6 @@
       <a:camera prst="orthographicFront"/>
       <a:lightRig rig="threePt" dir="t"/>
     </dgm:scene3d>
-    <dgm:sp3d/>
     <dgm:txPr/>
     <dgm:style>
       <a:lnRef idx="0">
@@ -2760,7 +2746,6 @@
       <a:camera prst="orthographicFront"/>
       <a:lightRig rig="threePt" dir="t"/>
     </dgm:scene3d>
-    <dgm:sp3d/>
     <dgm:txPr/>
     <dgm:style>
       <a:lnRef idx="2">
@@ -2782,7 +2767,6 @@
       <a:camera prst="orthographicFront"/>
       <a:lightRig rig="threePt" dir="t"/>
     </dgm:scene3d>
-    <dgm:sp3d/>
     <dgm:txPr/>
     <dgm:style>
       <a:lnRef idx="2">
@@ -2804,7 +2788,6 @@
       <a:camera prst="orthographicFront"/>
       <a:lightRig rig="threePt" dir="t"/>
     </dgm:scene3d>
-    <dgm:sp3d/>
     <dgm:txPr/>
     <dgm:style>
       <a:lnRef idx="2">
@@ -2826,7 +2809,6 @@
       <a:camera prst="orthographicFront"/>
       <a:lightRig rig="threePt" dir="t"/>
     </dgm:scene3d>
-    <dgm:sp3d/>
     <dgm:txPr/>
     <dgm:style>
       <a:lnRef idx="2">
@@ -2848,7 +2830,6 @@
       <a:camera prst="orthographicFront"/>
       <a:lightRig rig="threePt" dir="t"/>
     </dgm:scene3d>
-    <dgm:sp3d/>
     <dgm:txPr/>
     <dgm:style>
       <a:lnRef idx="2">
@@ -2870,7 +2851,6 @@
       <a:camera prst="orthographicFront"/>
       <a:lightRig rig="threePt" dir="t"/>
     </dgm:scene3d>
-    <dgm:sp3d/>
     <dgm:txPr/>
     <dgm:style>
       <a:lnRef idx="2">
@@ -2892,7 +2872,6 @@
       <a:camera prst="orthographicFront"/>
       <a:lightRig rig="threePt" dir="t"/>
     </dgm:scene3d>
-    <dgm:sp3d/>
     <dgm:txPr/>
     <dgm:style>
       <a:lnRef idx="2">
@@ -2912,7 +2891,6 @@
       <a:camera prst="orthographicFront"/>
       <a:lightRig rig="threePt" dir="t"/>
     </dgm:scene3d>
-    <dgm:sp3d/>
     <dgm:txPr/>
     <dgm:style>
       <a:lnRef idx="2">
@@ -2932,7 +2910,6 @@
       <a:camera prst="orthographicFront"/>
       <a:lightRig rig="threePt" dir="t"/>
     </dgm:scene3d>
-    <dgm:sp3d/>
     <dgm:txPr/>
     <dgm:style>
       <a:lnRef idx="2">
@@ -2952,7 +2929,6 @@
       <a:camera prst="orthographicFront"/>
       <a:lightRig rig="threePt" dir="t"/>
     </dgm:scene3d>
-    <dgm:sp3d/>
     <dgm:txPr/>
     <dgm:style>
       <a:lnRef idx="2">
@@ -2972,7 +2948,6 @@
       <a:camera prst="orthographicFront"/>
       <a:lightRig rig="threePt" dir="t"/>
     </dgm:scene3d>
-    <dgm:sp3d/>
     <dgm:txPr/>
     <dgm:style>
       <a:lnRef idx="2">
@@ -2994,7 +2969,6 @@
       <a:camera prst="orthographicFront"/>
       <a:lightRig rig="threePt" dir="t"/>
     </dgm:scene3d>
-    <dgm:sp3d/>
     <dgm:txPr/>
     <dgm:style>
       <a:lnRef idx="2">
@@ -3016,7 +2990,6 @@
       <a:camera prst="orthographicFront"/>
       <a:lightRig rig="threePt" dir="t"/>
     </dgm:scene3d>
-    <dgm:sp3d/>
     <dgm:txPr/>
     <dgm:style>
       <a:lnRef idx="2">
@@ -3038,7 +3011,6 @@
       <a:camera prst="orthographicFront"/>
       <a:lightRig rig="threePt" dir="t"/>
     </dgm:scene3d>
-    <dgm:sp3d/>
     <dgm:txPr/>
     <dgm:style>
       <a:lnRef idx="2">
@@ -3060,7 +3032,6 @@
       <a:camera prst="orthographicFront"/>
       <a:lightRig rig="threePt" dir="t"/>
     </dgm:scene3d>
-    <dgm:sp3d/>
     <dgm:txPr/>
     <dgm:style>
       <a:lnRef idx="0">
@@ -3080,7 +3051,6 @@
       <a:camera prst="orthographicFront"/>
       <a:lightRig rig="threePt" dir="t"/>
     </dgm:scene3d>
-    <dgm:sp3d/>
     <dgm:txPr/>
     <dgm:style>
       <a:lnRef idx="1">
@@ -3100,7 +3070,6 @@
       <a:camera prst="orthographicFront"/>
       <a:lightRig rig="threePt" dir="t"/>
     </dgm:scene3d>
-    <dgm:sp3d/>
     <dgm:txPr/>
     <dgm:style>
       <a:lnRef idx="0">
@@ -3122,7 +3091,6 @@
       <a:camera prst="orthographicFront"/>
       <a:lightRig rig="threePt" dir="t"/>
     </dgm:scene3d>
-    <dgm:sp3d/>
     <dgm:txPr/>
     <dgm:style>
       <a:lnRef idx="2">
@@ -3142,7 +3110,6 @@
       <a:camera prst="orthographicFront"/>
       <a:lightRig rig="threePt" dir="t"/>
     </dgm:scene3d>
-    <dgm:sp3d/>
     <dgm:txPr/>
     <dgm:style>
       <a:lnRef idx="2">
@@ -3162,7 +3129,6 @@
       <a:camera prst="orthographicFront"/>
       <a:lightRig rig="threePt" dir="t"/>
     </dgm:scene3d>
-    <dgm:sp3d/>
     <dgm:txPr/>
     <dgm:style>
       <a:lnRef idx="2">
@@ -3182,7 +3148,6 @@
       <a:camera prst="orthographicFront"/>
       <a:lightRig rig="threePt" dir="t"/>
     </dgm:scene3d>
-    <dgm:sp3d/>
     <dgm:txPr/>
     <dgm:style>
       <a:lnRef idx="1">
@@ -3202,7 +3167,6 @@
       <a:camera prst="orthographicFront"/>
       <a:lightRig rig="threePt" dir="t"/>
     </dgm:scene3d>
-    <dgm:sp3d/>
     <dgm:txPr/>
     <dgm:style>
       <a:lnRef idx="0">
@@ -3222,7 +3186,6 @@
       <a:camera prst="orthographicFront"/>
       <a:lightRig rig="threePt" dir="t"/>
     </dgm:scene3d>
-    <dgm:sp3d/>
     <dgm:txPr/>
     <dgm:style>
       <a:lnRef idx="2">
@@ -3324,7 +3287,6 @@
           <a:p>
             <a:fld id="{E7A6AE1F-63B1-47AD-9B8C-A17AEA898225}" type="datetimeFigureOut">
               <a:rPr lang="zh-CN" altLang="en-US" smtClean="0"/>
-              <a:t>2019/10/21</a:t>
             </a:fld>
             <a:endParaRPr lang="zh-CN" altLang="en-US"/>
           </a:p>
@@ -3391,6 +3353,7 @@
               <a:rPr lang="zh-CN" altLang="en-US"/>
               <a:t>单击此处编辑母版文本样式</a:t>
             </a:r>
+            <a:endParaRPr lang="zh-CN" altLang="en-US"/>
           </a:p>
           <a:p>
             <a:pPr lvl="1"/>
@@ -3398,6 +3361,7 @@
               <a:rPr lang="zh-CN" altLang="en-US"/>
               <a:t>第二级</a:t>
             </a:r>
+            <a:endParaRPr lang="zh-CN" altLang="en-US"/>
           </a:p>
           <a:p>
             <a:pPr lvl="2"/>
@@ -3405,6 +3369,7 @@
               <a:rPr lang="zh-CN" altLang="en-US"/>
               <a:t>第三级</a:t>
             </a:r>
+            <a:endParaRPr lang="zh-CN" altLang="en-US"/>
           </a:p>
           <a:p>
             <a:pPr lvl="3"/>
@@ -3412,6 +3377,7 @@
               <a:rPr lang="zh-CN" altLang="en-US"/>
               <a:t>第四级</a:t>
             </a:r>
+            <a:endParaRPr lang="zh-CN" altLang="en-US"/>
           </a:p>
           <a:p>
             <a:pPr lvl="4"/>
@@ -3419,6 +3385,7 @@
               <a:rPr lang="zh-CN" altLang="en-US"/>
               <a:t>第五级</a:t>
             </a:r>
+            <a:endParaRPr lang="zh-CN" altLang="en-US"/>
           </a:p>
         </p:txBody>
       </p:sp>
@@ -3482,18 +3449,12 @@
           <a:p>
             <a:fld id="{9CEB52F8-B5AC-413F-BEE6-6F443B985EDE}" type="slidenum">
               <a:rPr lang="zh-CN" altLang="en-US" smtClean="0"/>
-              <a:t>‹#›</a:t>
             </a:fld>
             <a:endParaRPr lang="zh-CN" altLang="en-US"/>
           </a:p>
         </p:txBody>
       </p:sp>
     </p:spTree>
-    <p:extLst>
-      <p:ext uri="{BB962C8B-B14F-4D97-AF65-F5344CB8AC3E}">
-        <p14:creationId xmlns:p14="http://schemas.microsoft.com/office/powerpoint/2010/main" val="3873335029"/>
-      </p:ext>
-    </p:extLst>
   </p:cSld>
   <p:clrMap bg1="lt1" tx1="dk1" bg2="lt2" tx2="dk2" accent1="accent1" accent2="accent2" accent3="accent3" accent4="accent4" accent5="accent5" accent6="accent6" hlink="hlink" folHlink="folHlink"/>
   <p:notesStyle>
@@ -5095,7 +5056,6 @@
           <a:p>
             <a:fld id="{7F10855C-C9CE-404D-9516-02768B0B9445}" type="datetimeFigureOut">
               <a:rPr lang="zh-CN" altLang="en-US" smtClean="0"/>
-              <a:t>2019/10/21</a:t>
             </a:fld>
             <a:endParaRPr lang="zh-CN" altLang="en-US"/>
           </a:p>
@@ -5137,7 +5097,6 @@
           <a:p>
             <a:fld id="{3C860A2B-FFB5-4C27-AAF9-3D9798C812F8}" type="slidenum">
               <a:rPr lang="zh-CN" altLang="en-US" smtClean="0"/>
-              <a:t>‹#›</a:t>
             </a:fld>
             <a:endParaRPr lang="zh-CN" altLang="en-US"/>
           </a:p>
@@ -5246,6 +5205,7 @@
               <a:rPr lang="zh-CN" altLang="en-US"/>
               <a:t>单击此处编辑母版文本样式</a:t>
             </a:r>
+            <a:endParaRPr lang="zh-CN" altLang="en-US"/>
           </a:p>
           <a:p>
             <a:pPr lvl="1"/>
@@ -5253,6 +5213,7 @@
               <a:rPr lang="zh-CN" altLang="en-US"/>
               <a:t>二级</a:t>
             </a:r>
+            <a:endParaRPr lang="zh-CN" altLang="en-US"/>
           </a:p>
           <a:p>
             <a:pPr lvl="2"/>
@@ -5260,6 +5221,7 @@
               <a:rPr lang="zh-CN" altLang="en-US"/>
               <a:t>三级</a:t>
             </a:r>
+            <a:endParaRPr lang="zh-CN" altLang="en-US"/>
           </a:p>
           <a:p>
             <a:pPr lvl="3"/>
@@ -5267,6 +5229,7 @@
               <a:rPr lang="zh-CN" altLang="en-US"/>
               <a:t>四级</a:t>
             </a:r>
+            <a:endParaRPr lang="zh-CN" altLang="en-US"/>
           </a:p>
           <a:p>
             <a:pPr lvl="4"/>
@@ -5295,7 +5258,6 @@
           <a:p>
             <a:fld id="{7F10855C-C9CE-404D-9516-02768B0B9445}" type="datetimeFigureOut">
               <a:rPr lang="zh-CN" altLang="en-US" smtClean="0"/>
-              <a:t>2019/10/21</a:t>
             </a:fld>
             <a:endParaRPr lang="zh-CN" altLang="en-US"/>
           </a:p>
@@ -5337,7 +5299,6 @@
           <a:p>
             <a:fld id="{3C860A2B-FFB5-4C27-AAF9-3D9798C812F8}" type="slidenum">
               <a:rPr lang="zh-CN" altLang="en-US" smtClean="0"/>
-              <a:t>‹#›</a:t>
             </a:fld>
             <a:endParaRPr lang="zh-CN" altLang="en-US"/>
           </a:p>
@@ -5706,6 +5667,13 @@
               </a:rPr>
               <a:t>共创产业繁荣</a:t>
             </a:r>
+            <a:endParaRPr lang="zh-CN" altLang="en-US" sz="2800" b="1" dirty="0">
+              <a:solidFill>
+                <a:srgbClr val="00A0E8"/>
+              </a:solidFill>
+              <a:latin typeface="微软雅黑" panose="020B0503020204020204" pitchFamily="34" charset="-122"/>
+              <a:ea typeface="微软雅黑" panose="020B0503020204020204" pitchFamily="34" charset="-122"/>
+            </a:endParaRPr>
           </a:p>
         </p:txBody>
       </p:sp>
@@ -5810,6 +5778,1951 @@
           </a:p>
         </p:txBody>
       </p:sp>
+    </p:spTree>
+  </p:cSld>
+  <p:clrMapOvr>
+    <a:masterClrMapping/>
+  </p:clrMapOvr>
+  <p:timing>
+    <p:tnLst>
+      <p:par>
+        <p:cTn id="1" dur="indefinite" restart="never" nodeType="tmRoot"/>
+      </p:par>
+    </p:tnLst>
+  </p:timing>
+</p:sld>
+</file>
+
+<file path=ppt/slides/slide10.xml><?xml version="1.0" encoding="utf-8"?>
+<p:sld xmlns:a="http://schemas.openxmlformats.org/drawingml/2006/main" xmlns:r="http://schemas.openxmlformats.org/officeDocument/2006/relationships" xmlns:p="http://schemas.openxmlformats.org/presentationml/2006/main">
+  <p:cSld>
+    <p:spTree>
+      <p:nvGrpSpPr>
+        <p:cNvPr id="1" name=""/>
+        <p:cNvGrpSpPr/>
+        <p:nvPr/>
+      </p:nvGrpSpPr>
+      <p:grpSpPr>
+        <a:xfrm>
+          <a:off x="0" y="0"/>
+          <a:ext cx="0" cy="0"/>
+          <a:chOff x="0" y="0"/>
+          <a:chExt cx="0" cy="0"/>
+        </a:xfrm>
+      </p:grpSpPr>
+      <p:cxnSp>
+        <p:nvCxnSpPr>
+          <p:cNvPr id="2" name="直接连接符 1"/>
+          <p:cNvCxnSpPr/>
+          <p:nvPr/>
+        </p:nvCxnSpPr>
+        <p:spPr>
+          <a:xfrm>
+            <a:off x="0" y="581892"/>
+            <a:ext cx="9144000" cy="0"/>
+          </a:xfrm>
+          <a:prstGeom prst="line">
+            <a:avLst/>
+          </a:prstGeom>
+          <a:ln w="19050">
+            <a:solidFill>
+              <a:schemeClr val="accent1"/>
+            </a:solidFill>
+          </a:ln>
+        </p:spPr>
+        <p:style>
+          <a:lnRef idx="1">
+            <a:schemeClr val="accent1"/>
+          </a:lnRef>
+          <a:fillRef idx="0">
+            <a:schemeClr val="accent1"/>
+          </a:fillRef>
+          <a:effectRef idx="0">
+            <a:schemeClr val="accent1"/>
+          </a:effectRef>
+          <a:fontRef idx="minor">
+            <a:schemeClr val="tx1"/>
+          </a:fontRef>
+        </p:style>
+      </p:cxnSp>
+      <p:sp>
+        <p:nvSpPr>
+          <p:cNvPr id="3" name="文本框 2"/>
+          <p:cNvSpPr txBox="1"/>
+          <p:nvPr/>
+        </p:nvSpPr>
+        <p:spPr>
+          <a:xfrm>
+            <a:off x="193574" y="189773"/>
+            <a:ext cx="3086619" cy="414020"/>
+          </a:xfrm>
+          <a:prstGeom prst="rect">
+            <a:avLst/>
+          </a:prstGeom>
+          <a:noFill/>
+        </p:spPr>
+        <p:txBody>
+          <a:bodyPr wrap="square" rtlCol="0">
+            <a:spAutoFit/>
+          </a:bodyPr>
+          <a:lstStyle/>
+          <a:p>
+            <a:r>
+              <a:rPr lang="zh-CN" altLang="en-US" sz="2100" b="1" dirty="0">
+                <a:solidFill>
+                  <a:srgbClr val="005973"/>
+                </a:solidFill>
+                <a:latin typeface="微软雅黑" panose="020B0503020204020204" pitchFamily="34" charset="-122"/>
+                <a:ea typeface="微软雅黑" panose="020B0503020204020204" pitchFamily="34" charset="-122"/>
+                <a:cs typeface="Aharoni" panose="02010803020104030203" pitchFamily="2" charset="-79"/>
+              </a:rPr>
+              <a:t>前端自测标准</a:t>
+            </a:r>
+            <a:endParaRPr lang="zh-CN" altLang="en-US" sz="2100" b="1" dirty="0">
+              <a:solidFill>
+                <a:srgbClr val="005973"/>
+              </a:solidFill>
+              <a:latin typeface="微软雅黑" panose="020B0503020204020204" pitchFamily="34" charset="-122"/>
+              <a:ea typeface="微软雅黑" panose="020B0503020204020204" pitchFamily="34" charset="-122"/>
+              <a:cs typeface="Aharoni" panose="02010803020104030203" pitchFamily="2" charset="-79"/>
+            </a:endParaRPr>
+          </a:p>
+        </p:txBody>
+      </p:sp>
+      <p:sp>
+        <p:nvSpPr>
+          <p:cNvPr id="4" name="文本框 3"/>
+          <p:cNvSpPr txBox="1"/>
+          <p:nvPr/>
+        </p:nvSpPr>
+        <p:spPr>
+          <a:xfrm>
+            <a:off x="1294130" y="890905"/>
+            <a:ext cx="5759450" cy="645160"/>
+          </a:xfrm>
+          <a:prstGeom prst="rect">
+            <a:avLst/>
+          </a:prstGeom>
+          <a:noFill/>
+        </p:spPr>
+        <p:txBody>
+          <a:bodyPr wrap="square" rtlCol="0">
+            <a:spAutoFit/>
+          </a:bodyPr>
+          <a:p>
+            <a:r>
+              <a:rPr lang="zh-CN" altLang="en-US"/>
+              <a:t>二</a:t>
+            </a:r>
+            <a:r>
+              <a:rPr lang="zh-CN" altLang="en-US"/>
+              <a:t>、是否牵涉到注册、登录功能</a:t>
+            </a:r>
+            <a:endParaRPr lang="zh-CN" altLang="en-US"/>
+          </a:p>
+          <a:p>
+            <a:endParaRPr lang="zh-CN" altLang="en-US"/>
+          </a:p>
+        </p:txBody>
+      </p:sp>
+      <p:sp>
+        <p:nvSpPr>
+          <p:cNvPr id="5" name="文本框 4"/>
+          <p:cNvSpPr txBox="1"/>
+          <p:nvPr/>
+        </p:nvSpPr>
+        <p:spPr>
+          <a:xfrm>
+            <a:off x="1894205" y="1450975"/>
+            <a:ext cx="6278245" cy="1814830"/>
+          </a:xfrm>
+          <a:prstGeom prst="rect">
+            <a:avLst/>
+          </a:prstGeom>
+          <a:noFill/>
+        </p:spPr>
+        <p:txBody>
+          <a:bodyPr wrap="square" rtlCol="0">
+            <a:spAutoFit/>
+          </a:bodyPr>
+          <a:p>
+            <a:r>
+              <a:rPr lang="en-US" altLang="zh-CN" sz="1600"/>
+              <a:t>1) </a:t>
+            </a:r>
+            <a:r>
+              <a:rPr lang="zh-CN" altLang="en-US" sz="1600"/>
+              <a:t>中文商城登录、注册是否正确</a:t>
+            </a:r>
+            <a:endParaRPr lang="zh-CN" altLang="en-US" sz="1600"/>
+          </a:p>
+          <a:p>
+            <a:endParaRPr lang="zh-CN" altLang="en-US" sz="1600"/>
+          </a:p>
+          <a:p>
+            <a:r>
+              <a:rPr lang="en-US" altLang="zh-CN" sz="1600"/>
+              <a:t>2) 中文商城m,pc端登录、注册是否正确</a:t>
+            </a:r>
+            <a:endParaRPr lang="en-US" altLang="zh-CN" sz="1600"/>
+          </a:p>
+          <a:p>
+            <a:endParaRPr lang="en-US" altLang="zh-CN" sz="1600"/>
+          </a:p>
+          <a:p>
+            <a:r>
+              <a:rPr lang="en-US" altLang="zh-CN" sz="1600"/>
+              <a:t>3) 社区app/社区平台登录、注册是否正确</a:t>
+            </a:r>
+            <a:endParaRPr lang="en-US" altLang="zh-CN" sz="1600"/>
+          </a:p>
+          <a:p>
+            <a:endParaRPr lang="en-US" altLang="zh-CN" sz="1600"/>
+          </a:p>
+          <a:p>
+            <a:endParaRPr lang="en-US" altLang="zh-CN" sz="1600"/>
+          </a:p>
+        </p:txBody>
+      </p:sp>
+    </p:spTree>
+  </p:cSld>
+  <p:clrMapOvr>
+    <a:masterClrMapping/>
+  </p:clrMapOvr>
+  <mc:AlternateContent xmlns:mc="http://schemas.openxmlformats.org/markup-compatibility/2006">
+    <mc:Choice xmlns:p14="http://schemas.microsoft.com/office/powerpoint/2010/main" Requires="p14">
+      <p:transition spd="slow" p14:dur="1400">
+        <p14:doors dir="vert"/>
+      </p:transition>
+    </mc:Choice>
+    <mc:Fallback>
+      <p:transition spd="slow">
+        <p:fade/>
+      </p:transition>
+    </mc:Fallback>
+  </mc:AlternateContent>
+  <p:timing>
+    <p:tnLst>
+      <p:par>
+        <p:cTn id="1" dur="indefinite" restart="never" nodeType="tmRoot">
+          <p:childTnLst>
+            <p:seq concurrent="1" nextAc="seek">
+              <p:cTn id="2" dur="indefinite" nodeType="mainSeq">
+                <p:childTnLst>
+                  <p:par>
+                    <p:cTn id="3" fill="hold">
+                      <p:stCondLst>
+                        <p:cond delay="indefinite"/>
+                        <p:cond evt="onBegin" delay="0">
+                          <p:tn val="2"/>
+                        </p:cond>
+                      </p:stCondLst>
+                      <p:childTnLst>
+                        <p:par>
+                          <p:cTn id="4" fill="hold">
+                            <p:stCondLst>
+                              <p:cond delay="0"/>
+                            </p:stCondLst>
+                            <p:childTnLst>
+                              <p:par>
+                                <p:cTn id="5" presetID="53" presetClass="entr" presetSubtype="16" fill="hold" nodeType="afterEffect">
+                                  <p:stCondLst>
+                                    <p:cond delay="0"/>
+                                  </p:stCondLst>
+                                  <p:childTnLst>
+                                    <p:set>
+                                      <p:cBhvr>
+                                        <p:cTn id="6" dur="1" fill="hold">
+                                          <p:stCondLst>
+                                            <p:cond delay="0"/>
+                                          </p:stCondLst>
+                                        </p:cTn>
+                                        <p:tgtEl>
+                                          <p:spTgt spid="2"/>
+                                        </p:tgtEl>
+                                        <p:attrNameLst>
+                                          <p:attrName>style.visibility</p:attrName>
+                                        </p:attrNameLst>
+                                      </p:cBhvr>
+                                      <p:to>
+                                        <p:strVal val="visible"/>
+                                      </p:to>
+                                    </p:set>
+                                    <p:anim calcmode="lin" valueType="num">
+                                      <p:cBhvr>
+                                        <p:cTn id="7" dur="500" fill="hold"/>
+                                        <p:tgtEl>
+                                          <p:spTgt spid="2"/>
+                                        </p:tgtEl>
+                                        <p:attrNameLst>
+                                          <p:attrName>ppt_w</p:attrName>
+                                        </p:attrNameLst>
+                                      </p:cBhvr>
+                                      <p:tavLst>
+                                        <p:tav tm="0">
+                                          <p:val>
+                                            <p:fltVal val="0"/>
+                                          </p:val>
+                                        </p:tav>
+                                        <p:tav tm="100000">
+                                          <p:val>
+                                            <p:strVal val="#ppt_w"/>
+                                          </p:val>
+                                        </p:tav>
+                                      </p:tavLst>
+                                    </p:anim>
+                                    <p:anim calcmode="lin" valueType="num">
+                                      <p:cBhvr>
+                                        <p:cTn id="8" dur="500" fill="hold"/>
+                                        <p:tgtEl>
+                                          <p:spTgt spid="2"/>
+                                        </p:tgtEl>
+                                        <p:attrNameLst>
+                                          <p:attrName>ppt_h</p:attrName>
+                                        </p:attrNameLst>
+                                      </p:cBhvr>
+                                      <p:tavLst>
+                                        <p:tav tm="0">
+                                          <p:val>
+                                            <p:fltVal val="0"/>
+                                          </p:val>
+                                        </p:tav>
+                                        <p:tav tm="100000">
+                                          <p:val>
+                                            <p:strVal val="#ppt_h"/>
+                                          </p:val>
+                                        </p:tav>
+                                      </p:tavLst>
+                                    </p:anim>
+                                    <p:animEffect transition="in" filter="fade">
+                                      <p:cBhvr>
+                                        <p:cTn id="9" dur="500"/>
+                                        <p:tgtEl>
+                                          <p:spTgt spid="2"/>
+                                        </p:tgtEl>
+                                      </p:cBhvr>
+                                    </p:animEffect>
+                                  </p:childTnLst>
+                                </p:cTn>
+                              </p:par>
+                              <p:par>
+                                <p:cTn id="10" presetID="35" presetClass="path" presetSubtype="0" accel="50000" decel="50000" fill="hold" nodeType="withEffect">
+                                  <p:stCondLst>
+                                    <p:cond delay="0"/>
+                                  </p:stCondLst>
+                                  <p:childTnLst>
+                                    <p:animMotion origin="layout" path="M 0 -4.44444E-6 L -0.52956 -4.44444E-6 " pathEditMode="relative" rAng="0" ptsTypes="AA">
+                                      <p:cBhvr>
+                                        <p:cTn id="11" dur="1000" spd="-100000" fill="hold"/>
+                                        <p:tgtEl>
+                                          <p:spTgt spid="2"/>
+                                        </p:tgtEl>
+                                        <p:attrNameLst>
+                                          <p:attrName>ppt_x</p:attrName>
+                                          <p:attrName>ppt_y</p:attrName>
+                                        </p:attrNameLst>
+                                      </p:cBhvr>
+                                      <p:rCtr x="-26484" y="0"/>
+                                    </p:animMotion>
+                                  </p:childTnLst>
+                                </p:cTn>
+                              </p:par>
+                              <p:par>
+                                <p:cTn id="12" presetID="53" presetClass="entr" presetSubtype="16" fill="hold" grpId="0" nodeType="withEffect">
+                                  <p:stCondLst>
+                                    <p:cond delay="0"/>
+                                  </p:stCondLst>
+                                  <p:childTnLst>
+                                    <p:set>
+                                      <p:cBhvr>
+                                        <p:cTn id="13" dur="1" fill="hold">
+                                          <p:stCondLst>
+                                            <p:cond delay="0"/>
+                                          </p:stCondLst>
+                                        </p:cTn>
+                                        <p:tgtEl>
+                                          <p:spTgt spid="3"/>
+                                        </p:tgtEl>
+                                        <p:attrNameLst>
+                                          <p:attrName>style.visibility</p:attrName>
+                                        </p:attrNameLst>
+                                      </p:cBhvr>
+                                      <p:to>
+                                        <p:strVal val="visible"/>
+                                      </p:to>
+                                    </p:set>
+                                    <p:anim calcmode="lin" valueType="num">
+                                      <p:cBhvr>
+                                        <p:cTn id="14" dur="500" fill="hold"/>
+                                        <p:tgtEl>
+                                          <p:spTgt spid="3"/>
+                                        </p:tgtEl>
+                                        <p:attrNameLst>
+                                          <p:attrName>ppt_w</p:attrName>
+                                        </p:attrNameLst>
+                                      </p:cBhvr>
+                                      <p:tavLst>
+                                        <p:tav tm="0">
+                                          <p:val>
+                                            <p:fltVal val="0"/>
+                                          </p:val>
+                                        </p:tav>
+                                        <p:tav tm="100000">
+                                          <p:val>
+                                            <p:strVal val="#ppt_w"/>
+                                          </p:val>
+                                        </p:tav>
+                                      </p:tavLst>
+                                    </p:anim>
+                                    <p:anim calcmode="lin" valueType="num">
+                                      <p:cBhvr>
+                                        <p:cTn id="15" dur="500" fill="hold"/>
+                                        <p:tgtEl>
+                                          <p:spTgt spid="3"/>
+                                        </p:tgtEl>
+                                        <p:attrNameLst>
+                                          <p:attrName>ppt_h</p:attrName>
+                                        </p:attrNameLst>
+                                      </p:cBhvr>
+                                      <p:tavLst>
+                                        <p:tav tm="0">
+                                          <p:val>
+                                            <p:fltVal val="0"/>
+                                          </p:val>
+                                        </p:tav>
+                                        <p:tav tm="100000">
+                                          <p:val>
+                                            <p:strVal val="#ppt_h"/>
+                                          </p:val>
+                                        </p:tav>
+                                      </p:tavLst>
+                                    </p:anim>
+                                    <p:animEffect transition="in" filter="fade">
+                                      <p:cBhvr>
+                                        <p:cTn id="16" dur="500"/>
+                                        <p:tgtEl>
+                                          <p:spTgt spid="3"/>
+                                        </p:tgtEl>
+                                      </p:cBhvr>
+                                    </p:animEffect>
+                                  </p:childTnLst>
+                                </p:cTn>
+                              </p:par>
+                              <p:par>
+                                <p:cTn id="17" presetID="35" presetClass="path" presetSubtype="0" accel="50000" decel="50000" fill="hold" grpId="1" nodeType="withEffect">
+                                  <p:stCondLst>
+                                    <p:cond delay="0"/>
+                                  </p:stCondLst>
+                                  <p:childTnLst>
+                                    <p:animMotion origin="layout" path="M 0 2.59259E-6 L 0.12148 2.59259E-6 " pathEditMode="relative" rAng="0" ptsTypes="AA">
+                                      <p:cBhvr>
+                                        <p:cTn id="18" dur="1000" spd="-100000" fill="hold"/>
+                                        <p:tgtEl>
+                                          <p:spTgt spid="3"/>
+                                        </p:tgtEl>
+                                        <p:attrNameLst>
+                                          <p:attrName>ppt_x</p:attrName>
+                                          <p:attrName>ppt_y</p:attrName>
+                                        </p:attrNameLst>
+                                      </p:cBhvr>
+                                      <p:rCtr x="6068" y="0"/>
+                                    </p:animMotion>
+                                  </p:childTnLst>
+                                </p:cTn>
+                              </p:par>
+                            </p:childTnLst>
+                          </p:cTn>
+                        </p:par>
+                      </p:childTnLst>
+                    </p:cTn>
+                  </p:par>
+                </p:childTnLst>
+              </p:cTn>
+              <p:prevCondLst>
+                <p:cond evt="onPrev" delay="0">
+                  <p:tgtEl>
+                    <p:sldTgt/>
+                  </p:tgtEl>
+                </p:cond>
+              </p:prevCondLst>
+              <p:nextCondLst>
+                <p:cond evt="onNext" delay="0">
+                  <p:tgtEl>
+                    <p:sldTgt/>
+                  </p:tgtEl>
+                </p:cond>
+              </p:nextCondLst>
+            </p:seq>
+          </p:childTnLst>
+        </p:cTn>
+      </p:par>
+    </p:tnLst>
+    <p:bldLst>
+      <p:bldP spid="3" grpId="0"/>
+      <p:bldP spid="3" grpId="1"/>
+    </p:bldLst>
+  </p:timing>
+</p:sld>
+</file>
+
+<file path=ppt/slides/slide11.xml><?xml version="1.0" encoding="utf-8"?>
+<p:sld xmlns:a="http://schemas.openxmlformats.org/drawingml/2006/main" xmlns:r="http://schemas.openxmlformats.org/officeDocument/2006/relationships" xmlns:p="http://schemas.openxmlformats.org/presentationml/2006/main">
+  <p:cSld>
+    <p:spTree>
+      <p:nvGrpSpPr>
+        <p:cNvPr id="1" name=""/>
+        <p:cNvGrpSpPr/>
+        <p:nvPr/>
+      </p:nvGrpSpPr>
+      <p:grpSpPr>
+        <a:xfrm>
+          <a:off x="0" y="0"/>
+          <a:ext cx="0" cy="0"/>
+          <a:chOff x="0" y="0"/>
+          <a:chExt cx="0" cy="0"/>
+        </a:xfrm>
+      </p:grpSpPr>
+      <p:cxnSp>
+        <p:nvCxnSpPr>
+          <p:cNvPr id="2" name="直接连接符 1"/>
+          <p:cNvCxnSpPr/>
+          <p:nvPr/>
+        </p:nvCxnSpPr>
+        <p:spPr>
+          <a:xfrm>
+            <a:off x="0" y="581892"/>
+            <a:ext cx="9144000" cy="0"/>
+          </a:xfrm>
+          <a:prstGeom prst="line">
+            <a:avLst/>
+          </a:prstGeom>
+          <a:ln w="19050">
+            <a:solidFill>
+              <a:schemeClr val="accent1"/>
+            </a:solidFill>
+          </a:ln>
+        </p:spPr>
+        <p:style>
+          <a:lnRef idx="1">
+            <a:schemeClr val="accent1"/>
+          </a:lnRef>
+          <a:fillRef idx="0">
+            <a:schemeClr val="accent1"/>
+          </a:fillRef>
+          <a:effectRef idx="0">
+            <a:schemeClr val="accent1"/>
+          </a:effectRef>
+          <a:fontRef idx="minor">
+            <a:schemeClr val="tx1"/>
+          </a:fontRef>
+        </p:style>
+      </p:cxnSp>
+      <p:sp>
+        <p:nvSpPr>
+          <p:cNvPr id="3" name="文本框 2"/>
+          <p:cNvSpPr txBox="1"/>
+          <p:nvPr/>
+        </p:nvSpPr>
+        <p:spPr>
+          <a:xfrm>
+            <a:off x="193574" y="189773"/>
+            <a:ext cx="3086619" cy="414020"/>
+          </a:xfrm>
+          <a:prstGeom prst="rect">
+            <a:avLst/>
+          </a:prstGeom>
+          <a:noFill/>
+        </p:spPr>
+        <p:txBody>
+          <a:bodyPr wrap="square" rtlCol="0">
+            <a:spAutoFit/>
+          </a:bodyPr>
+          <a:lstStyle/>
+          <a:p>
+            <a:r>
+              <a:rPr lang="zh-CN" altLang="en-US" sz="2100" b="1" dirty="0">
+                <a:solidFill>
+                  <a:srgbClr val="005973"/>
+                </a:solidFill>
+                <a:latin typeface="微软雅黑" panose="020B0503020204020204" pitchFamily="34" charset="-122"/>
+                <a:ea typeface="微软雅黑" panose="020B0503020204020204" pitchFamily="34" charset="-122"/>
+                <a:cs typeface="Aharoni" panose="02010803020104030203" pitchFamily="2" charset="-79"/>
+              </a:rPr>
+              <a:t>前端自测标准</a:t>
+            </a:r>
+            <a:endParaRPr lang="zh-CN" altLang="en-US" sz="2100" b="1" dirty="0">
+              <a:solidFill>
+                <a:srgbClr val="005973"/>
+              </a:solidFill>
+              <a:latin typeface="微软雅黑" panose="020B0503020204020204" pitchFamily="34" charset="-122"/>
+              <a:ea typeface="微软雅黑" panose="020B0503020204020204" pitchFamily="34" charset="-122"/>
+              <a:cs typeface="Aharoni" panose="02010803020104030203" pitchFamily="2" charset="-79"/>
+            </a:endParaRPr>
+          </a:p>
+        </p:txBody>
+      </p:sp>
+      <p:sp>
+        <p:nvSpPr>
+          <p:cNvPr id="4" name="文本框 3"/>
+          <p:cNvSpPr txBox="1"/>
+          <p:nvPr/>
+        </p:nvSpPr>
+        <p:spPr>
+          <a:xfrm>
+            <a:off x="1294130" y="890905"/>
+            <a:ext cx="5759450" cy="368300"/>
+          </a:xfrm>
+          <a:prstGeom prst="rect">
+            <a:avLst/>
+          </a:prstGeom>
+          <a:noFill/>
+        </p:spPr>
+        <p:txBody>
+          <a:bodyPr wrap="square" rtlCol="0">
+            <a:spAutoFit/>
+          </a:bodyPr>
+          <a:p>
+            <a:r>
+              <a:rPr lang="zh-CN" altLang="en-US"/>
+              <a:t>三</a:t>
+            </a:r>
+            <a:r>
+              <a:rPr lang="zh-CN" altLang="en-US"/>
+              <a:t>、检查界面一致性</a:t>
+            </a:r>
+            <a:endParaRPr lang="zh-CN" altLang="en-US"/>
+          </a:p>
+        </p:txBody>
+      </p:sp>
+      <p:sp>
+        <p:nvSpPr>
+          <p:cNvPr id="5" name="文本框 4"/>
+          <p:cNvSpPr txBox="1"/>
+          <p:nvPr/>
+        </p:nvSpPr>
+        <p:spPr>
+          <a:xfrm>
+            <a:off x="1894205" y="1450975"/>
+            <a:ext cx="6278245" cy="2799715"/>
+          </a:xfrm>
+          <a:prstGeom prst="rect">
+            <a:avLst/>
+          </a:prstGeom>
+          <a:noFill/>
+        </p:spPr>
+        <p:txBody>
+          <a:bodyPr wrap="square" rtlCol="0">
+            <a:spAutoFit/>
+          </a:bodyPr>
+          <a:p>
+            <a:r>
+              <a:rPr lang="en-US" altLang="zh-CN" sz="1600"/>
+              <a:t>1) </a:t>
+            </a:r>
+            <a:r>
+              <a:rPr lang="zh-CN" altLang="en-US" sz="1600"/>
+              <a:t>所有界面中相同字段的交互是否一致？</a:t>
+            </a:r>
+            <a:endParaRPr lang="zh-CN" altLang="en-US" sz="1600"/>
+          </a:p>
+          <a:p>
+            <a:endParaRPr lang="zh-CN" altLang="en-US" sz="1600"/>
+          </a:p>
+          <a:p>
+            <a:r>
+              <a:rPr lang="en-US" altLang="zh-CN" sz="1600"/>
+              <a:t>2) 所有界面，同级别的内容，样式是否一致？</a:t>
+            </a:r>
+            <a:endParaRPr lang="en-US" altLang="zh-CN" sz="1600"/>
+          </a:p>
+          <a:p>
+            <a:endParaRPr lang="en-US" altLang="zh-CN" sz="1600"/>
+          </a:p>
+          <a:p>
+            <a:r>
+              <a:rPr lang="en-US" altLang="zh-CN" sz="1600"/>
+              <a:t>3) 所有界面，所用字体、颜色是否和设计稿一致？</a:t>
+            </a:r>
+            <a:endParaRPr lang="en-US" altLang="zh-CN" sz="1600"/>
+          </a:p>
+          <a:p>
+            <a:endParaRPr lang="en-US" altLang="zh-CN" sz="1600"/>
+          </a:p>
+          <a:p>
+            <a:r>
+              <a:rPr lang="en-US" altLang="zh-CN" sz="1600"/>
+              <a:t>4) 有没有错别字？</a:t>
+            </a:r>
+            <a:endParaRPr lang="en-US" altLang="zh-CN" sz="1600"/>
+          </a:p>
+          <a:p>
+            <a:endParaRPr lang="en-US" altLang="zh-CN" sz="1600"/>
+          </a:p>
+          <a:p>
+            <a:r>
+              <a:rPr lang="en-US" altLang="zh-CN" sz="1600"/>
+              <a:t>5) 【重要】Ie8是否自测？</a:t>
+            </a:r>
+            <a:r>
+              <a:rPr lang="zh-CN" altLang="en-US" sz="1600"/>
+              <a:t>样式是否正常</a:t>
+            </a:r>
+            <a:endParaRPr lang="zh-CN" altLang="en-US" sz="1600"/>
+          </a:p>
+          <a:p>
+            <a:endParaRPr lang="zh-CN" altLang="en-US" sz="1600"/>
+          </a:p>
+          <a:p>
+            <a:r>
+              <a:rPr lang="en-US" altLang="zh-CN" sz="1600"/>
+              <a:t>6) 【重要】提测</a:t>
+            </a:r>
+            <a:r>
+              <a:rPr lang="zh-CN" altLang="en-US" sz="1600"/>
+              <a:t>前是否有</a:t>
+            </a:r>
+            <a:r>
+              <a:rPr lang="zh-CN" altLang="en-US" sz="1600"/>
+              <a:t>让设计过一遍</a:t>
+            </a:r>
+            <a:r>
+              <a:rPr lang="en-US" altLang="zh-CN" sz="1600"/>
+              <a:t>？</a:t>
+            </a:r>
+            <a:endParaRPr lang="en-US" altLang="zh-CN" sz="1600"/>
+          </a:p>
+        </p:txBody>
+      </p:sp>
+    </p:spTree>
+  </p:cSld>
+  <p:clrMapOvr>
+    <a:masterClrMapping/>
+  </p:clrMapOvr>
+  <mc:AlternateContent xmlns:mc="http://schemas.openxmlformats.org/markup-compatibility/2006">
+    <mc:Choice xmlns:p14="http://schemas.microsoft.com/office/powerpoint/2010/main" Requires="p14">
+      <p:transition spd="slow" p14:dur="1400">
+        <p14:doors dir="vert"/>
+      </p:transition>
+    </mc:Choice>
+    <mc:Fallback>
+      <p:transition spd="slow">
+        <p:fade/>
+      </p:transition>
+    </mc:Fallback>
+  </mc:AlternateContent>
+  <p:timing>
+    <p:tnLst>
+      <p:par>
+        <p:cTn id="1" dur="indefinite" restart="never" nodeType="tmRoot">
+          <p:childTnLst>
+            <p:seq concurrent="1" nextAc="seek">
+              <p:cTn id="2" dur="indefinite" nodeType="mainSeq">
+                <p:childTnLst>
+                  <p:par>
+                    <p:cTn id="3" fill="hold">
+                      <p:stCondLst>
+                        <p:cond delay="indefinite"/>
+                        <p:cond evt="onBegin" delay="0">
+                          <p:tn val="2"/>
+                        </p:cond>
+                      </p:stCondLst>
+                      <p:childTnLst>
+                        <p:par>
+                          <p:cTn id="4" fill="hold">
+                            <p:stCondLst>
+                              <p:cond delay="0"/>
+                            </p:stCondLst>
+                            <p:childTnLst>
+                              <p:par>
+                                <p:cTn id="5" presetID="53" presetClass="entr" presetSubtype="16" fill="hold" nodeType="afterEffect">
+                                  <p:stCondLst>
+                                    <p:cond delay="0"/>
+                                  </p:stCondLst>
+                                  <p:childTnLst>
+                                    <p:set>
+                                      <p:cBhvr>
+                                        <p:cTn id="6" dur="1" fill="hold">
+                                          <p:stCondLst>
+                                            <p:cond delay="0"/>
+                                          </p:stCondLst>
+                                        </p:cTn>
+                                        <p:tgtEl>
+                                          <p:spTgt spid="2"/>
+                                        </p:tgtEl>
+                                        <p:attrNameLst>
+                                          <p:attrName>style.visibility</p:attrName>
+                                        </p:attrNameLst>
+                                      </p:cBhvr>
+                                      <p:to>
+                                        <p:strVal val="visible"/>
+                                      </p:to>
+                                    </p:set>
+                                    <p:anim calcmode="lin" valueType="num">
+                                      <p:cBhvr>
+                                        <p:cTn id="7" dur="500" fill="hold"/>
+                                        <p:tgtEl>
+                                          <p:spTgt spid="2"/>
+                                        </p:tgtEl>
+                                        <p:attrNameLst>
+                                          <p:attrName>ppt_w</p:attrName>
+                                        </p:attrNameLst>
+                                      </p:cBhvr>
+                                      <p:tavLst>
+                                        <p:tav tm="0">
+                                          <p:val>
+                                            <p:fltVal val="0"/>
+                                          </p:val>
+                                        </p:tav>
+                                        <p:tav tm="100000">
+                                          <p:val>
+                                            <p:strVal val="#ppt_w"/>
+                                          </p:val>
+                                        </p:tav>
+                                      </p:tavLst>
+                                    </p:anim>
+                                    <p:anim calcmode="lin" valueType="num">
+                                      <p:cBhvr>
+                                        <p:cTn id="8" dur="500" fill="hold"/>
+                                        <p:tgtEl>
+                                          <p:spTgt spid="2"/>
+                                        </p:tgtEl>
+                                        <p:attrNameLst>
+                                          <p:attrName>ppt_h</p:attrName>
+                                        </p:attrNameLst>
+                                      </p:cBhvr>
+                                      <p:tavLst>
+                                        <p:tav tm="0">
+                                          <p:val>
+                                            <p:fltVal val="0"/>
+                                          </p:val>
+                                        </p:tav>
+                                        <p:tav tm="100000">
+                                          <p:val>
+                                            <p:strVal val="#ppt_h"/>
+                                          </p:val>
+                                        </p:tav>
+                                      </p:tavLst>
+                                    </p:anim>
+                                    <p:animEffect transition="in" filter="fade">
+                                      <p:cBhvr>
+                                        <p:cTn id="9" dur="500"/>
+                                        <p:tgtEl>
+                                          <p:spTgt spid="2"/>
+                                        </p:tgtEl>
+                                      </p:cBhvr>
+                                    </p:animEffect>
+                                  </p:childTnLst>
+                                </p:cTn>
+                              </p:par>
+                              <p:par>
+                                <p:cTn id="10" presetID="35" presetClass="path" presetSubtype="0" accel="50000" decel="50000" fill="hold" nodeType="withEffect">
+                                  <p:stCondLst>
+                                    <p:cond delay="0"/>
+                                  </p:stCondLst>
+                                  <p:childTnLst>
+                                    <p:animMotion origin="layout" path="M 0 -4.44444E-6 L -0.52956 -4.44444E-6 " pathEditMode="relative" rAng="0" ptsTypes="AA">
+                                      <p:cBhvr>
+                                        <p:cTn id="11" dur="1000" spd="-100000" fill="hold"/>
+                                        <p:tgtEl>
+                                          <p:spTgt spid="2"/>
+                                        </p:tgtEl>
+                                        <p:attrNameLst>
+                                          <p:attrName>ppt_x</p:attrName>
+                                          <p:attrName>ppt_y</p:attrName>
+                                        </p:attrNameLst>
+                                      </p:cBhvr>
+                                      <p:rCtr x="-26484" y="0"/>
+                                    </p:animMotion>
+                                  </p:childTnLst>
+                                </p:cTn>
+                              </p:par>
+                              <p:par>
+                                <p:cTn id="12" presetID="53" presetClass="entr" presetSubtype="16" fill="hold" grpId="0" nodeType="withEffect">
+                                  <p:stCondLst>
+                                    <p:cond delay="0"/>
+                                  </p:stCondLst>
+                                  <p:childTnLst>
+                                    <p:set>
+                                      <p:cBhvr>
+                                        <p:cTn id="13" dur="1" fill="hold">
+                                          <p:stCondLst>
+                                            <p:cond delay="0"/>
+                                          </p:stCondLst>
+                                        </p:cTn>
+                                        <p:tgtEl>
+                                          <p:spTgt spid="3"/>
+                                        </p:tgtEl>
+                                        <p:attrNameLst>
+                                          <p:attrName>style.visibility</p:attrName>
+                                        </p:attrNameLst>
+                                      </p:cBhvr>
+                                      <p:to>
+                                        <p:strVal val="visible"/>
+                                      </p:to>
+                                    </p:set>
+                                    <p:anim calcmode="lin" valueType="num">
+                                      <p:cBhvr>
+                                        <p:cTn id="14" dur="500" fill="hold"/>
+                                        <p:tgtEl>
+                                          <p:spTgt spid="3"/>
+                                        </p:tgtEl>
+                                        <p:attrNameLst>
+                                          <p:attrName>ppt_w</p:attrName>
+                                        </p:attrNameLst>
+                                      </p:cBhvr>
+                                      <p:tavLst>
+                                        <p:tav tm="0">
+                                          <p:val>
+                                            <p:fltVal val="0"/>
+                                          </p:val>
+                                        </p:tav>
+                                        <p:tav tm="100000">
+                                          <p:val>
+                                            <p:strVal val="#ppt_w"/>
+                                          </p:val>
+                                        </p:tav>
+                                      </p:tavLst>
+                                    </p:anim>
+                                    <p:anim calcmode="lin" valueType="num">
+                                      <p:cBhvr>
+                                        <p:cTn id="15" dur="500" fill="hold"/>
+                                        <p:tgtEl>
+                                          <p:spTgt spid="3"/>
+                                        </p:tgtEl>
+                                        <p:attrNameLst>
+                                          <p:attrName>ppt_h</p:attrName>
+                                        </p:attrNameLst>
+                                      </p:cBhvr>
+                                      <p:tavLst>
+                                        <p:tav tm="0">
+                                          <p:val>
+                                            <p:fltVal val="0"/>
+                                          </p:val>
+                                        </p:tav>
+                                        <p:tav tm="100000">
+                                          <p:val>
+                                            <p:strVal val="#ppt_h"/>
+                                          </p:val>
+                                        </p:tav>
+                                      </p:tavLst>
+                                    </p:anim>
+                                    <p:animEffect transition="in" filter="fade">
+                                      <p:cBhvr>
+                                        <p:cTn id="16" dur="500"/>
+                                        <p:tgtEl>
+                                          <p:spTgt spid="3"/>
+                                        </p:tgtEl>
+                                      </p:cBhvr>
+                                    </p:animEffect>
+                                  </p:childTnLst>
+                                </p:cTn>
+                              </p:par>
+                              <p:par>
+                                <p:cTn id="17" presetID="35" presetClass="path" presetSubtype="0" accel="50000" decel="50000" fill="hold" grpId="1" nodeType="withEffect">
+                                  <p:stCondLst>
+                                    <p:cond delay="0"/>
+                                  </p:stCondLst>
+                                  <p:childTnLst>
+                                    <p:animMotion origin="layout" path="M 0 2.59259E-6 L 0.12148 2.59259E-6 " pathEditMode="relative" rAng="0" ptsTypes="AA">
+                                      <p:cBhvr>
+                                        <p:cTn id="18" dur="1000" spd="-100000" fill="hold"/>
+                                        <p:tgtEl>
+                                          <p:spTgt spid="3"/>
+                                        </p:tgtEl>
+                                        <p:attrNameLst>
+                                          <p:attrName>ppt_x</p:attrName>
+                                          <p:attrName>ppt_y</p:attrName>
+                                        </p:attrNameLst>
+                                      </p:cBhvr>
+                                      <p:rCtr x="6068" y="0"/>
+                                    </p:animMotion>
+                                  </p:childTnLst>
+                                </p:cTn>
+                              </p:par>
+                            </p:childTnLst>
+                          </p:cTn>
+                        </p:par>
+                      </p:childTnLst>
+                    </p:cTn>
+                  </p:par>
+                </p:childTnLst>
+              </p:cTn>
+              <p:prevCondLst>
+                <p:cond evt="onPrev" delay="0">
+                  <p:tgtEl>
+                    <p:sldTgt/>
+                  </p:tgtEl>
+                </p:cond>
+              </p:prevCondLst>
+              <p:nextCondLst>
+                <p:cond evt="onNext" delay="0">
+                  <p:tgtEl>
+                    <p:sldTgt/>
+                  </p:tgtEl>
+                </p:cond>
+              </p:nextCondLst>
+            </p:seq>
+          </p:childTnLst>
+        </p:cTn>
+      </p:par>
+    </p:tnLst>
+    <p:bldLst>
+      <p:bldP spid="3" grpId="0"/>
+      <p:bldP spid="3" grpId="1"/>
+    </p:bldLst>
+  </p:timing>
+</p:sld>
+</file>
+
+<file path=ppt/slides/slide12.xml><?xml version="1.0" encoding="utf-8"?>
+<p:sld xmlns:a="http://schemas.openxmlformats.org/drawingml/2006/main" xmlns:r="http://schemas.openxmlformats.org/officeDocument/2006/relationships" xmlns:p="http://schemas.openxmlformats.org/presentationml/2006/main">
+  <p:cSld>
+    <p:spTree>
+      <p:nvGrpSpPr>
+        <p:cNvPr id="1" name=""/>
+        <p:cNvGrpSpPr/>
+        <p:nvPr/>
+      </p:nvGrpSpPr>
+      <p:grpSpPr>
+        <a:xfrm>
+          <a:off x="0" y="0"/>
+          <a:ext cx="0" cy="0"/>
+          <a:chOff x="0" y="0"/>
+          <a:chExt cx="0" cy="0"/>
+        </a:xfrm>
+      </p:grpSpPr>
+      <p:cxnSp>
+        <p:nvCxnSpPr>
+          <p:cNvPr id="2" name="直接连接符 1"/>
+          <p:cNvCxnSpPr/>
+          <p:nvPr/>
+        </p:nvCxnSpPr>
+        <p:spPr>
+          <a:xfrm>
+            <a:off x="0" y="581892"/>
+            <a:ext cx="9144000" cy="0"/>
+          </a:xfrm>
+          <a:prstGeom prst="line">
+            <a:avLst/>
+          </a:prstGeom>
+          <a:ln w="19050">
+            <a:solidFill>
+              <a:schemeClr val="accent1"/>
+            </a:solidFill>
+          </a:ln>
+        </p:spPr>
+        <p:style>
+          <a:lnRef idx="1">
+            <a:schemeClr val="accent1"/>
+          </a:lnRef>
+          <a:fillRef idx="0">
+            <a:schemeClr val="accent1"/>
+          </a:fillRef>
+          <a:effectRef idx="0">
+            <a:schemeClr val="accent1"/>
+          </a:effectRef>
+          <a:fontRef idx="minor">
+            <a:schemeClr val="tx1"/>
+          </a:fontRef>
+        </p:style>
+      </p:cxnSp>
+      <p:sp>
+        <p:nvSpPr>
+          <p:cNvPr id="3" name="文本框 2"/>
+          <p:cNvSpPr txBox="1"/>
+          <p:nvPr/>
+        </p:nvSpPr>
+        <p:spPr>
+          <a:xfrm>
+            <a:off x="193574" y="189773"/>
+            <a:ext cx="3086619" cy="414020"/>
+          </a:xfrm>
+          <a:prstGeom prst="rect">
+            <a:avLst/>
+          </a:prstGeom>
+          <a:noFill/>
+        </p:spPr>
+        <p:txBody>
+          <a:bodyPr wrap="square" rtlCol="0">
+            <a:spAutoFit/>
+          </a:bodyPr>
+          <a:lstStyle/>
+          <a:p>
+            <a:r>
+              <a:rPr lang="zh-CN" altLang="en-US" sz="2100" b="1" dirty="0">
+                <a:solidFill>
+                  <a:srgbClr val="005973"/>
+                </a:solidFill>
+                <a:latin typeface="微软雅黑" panose="020B0503020204020204" pitchFamily="34" charset="-122"/>
+                <a:ea typeface="微软雅黑" panose="020B0503020204020204" pitchFamily="34" charset="-122"/>
+                <a:cs typeface="Aharoni" panose="02010803020104030203" pitchFamily="2" charset="-79"/>
+              </a:rPr>
+              <a:t>前端自测标准</a:t>
+            </a:r>
+            <a:endParaRPr lang="zh-CN" altLang="en-US" sz="2100" b="1" dirty="0">
+              <a:solidFill>
+                <a:srgbClr val="005973"/>
+              </a:solidFill>
+              <a:latin typeface="微软雅黑" panose="020B0503020204020204" pitchFamily="34" charset="-122"/>
+              <a:ea typeface="微软雅黑" panose="020B0503020204020204" pitchFamily="34" charset="-122"/>
+              <a:cs typeface="Aharoni" panose="02010803020104030203" pitchFamily="2" charset="-79"/>
+            </a:endParaRPr>
+          </a:p>
+        </p:txBody>
+      </p:sp>
+      <p:sp>
+        <p:nvSpPr>
+          <p:cNvPr id="4" name="文本框 3"/>
+          <p:cNvSpPr txBox="1"/>
+          <p:nvPr/>
+        </p:nvSpPr>
+        <p:spPr>
+          <a:xfrm>
+            <a:off x="1294130" y="890905"/>
+            <a:ext cx="5759450" cy="368300"/>
+          </a:xfrm>
+          <a:prstGeom prst="rect">
+            <a:avLst/>
+          </a:prstGeom>
+          <a:noFill/>
+        </p:spPr>
+        <p:txBody>
+          <a:bodyPr wrap="square" rtlCol="0">
+            <a:spAutoFit/>
+          </a:bodyPr>
+          <a:p>
+            <a:r>
+              <a:rPr lang="zh-CN" altLang="en-US"/>
+              <a:t>四</a:t>
+            </a:r>
+            <a:r>
+              <a:rPr lang="zh-CN" altLang="en-US"/>
+              <a:t>、代码检查</a:t>
+            </a:r>
+            <a:endParaRPr lang="zh-CN" altLang="en-US"/>
+          </a:p>
+        </p:txBody>
+      </p:sp>
+      <p:sp>
+        <p:nvSpPr>
+          <p:cNvPr id="5" name="文本框 4"/>
+          <p:cNvSpPr txBox="1"/>
+          <p:nvPr/>
+        </p:nvSpPr>
+        <p:spPr>
+          <a:xfrm>
+            <a:off x="1894205" y="1450975"/>
+            <a:ext cx="6278245" cy="1568450"/>
+          </a:xfrm>
+          <a:prstGeom prst="rect">
+            <a:avLst/>
+          </a:prstGeom>
+          <a:noFill/>
+        </p:spPr>
+        <p:txBody>
+          <a:bodyPr wrap="square" rtlCol="0">
+            <a:spAutoFit/>
+          </a:bodyPr>
+          <a:p>
+            <a:r>
+              <a:rPr lang="en-US" altLang="zh-CN" sz="1600"/>
+              <a:t>1) </a:t>
+            </a:r>
+            <a:r>
+              <a:rPr lang="zh-CN" altLang="en-US" sz="1600"/>
+              <a:t>用户输入数据是否加校验？</a:t>
+            </a:r>
+            <a:endParaRPr lang="zh-CN" altLang="en-US" sz="1600"/>
+          </a:p>
+          <a:p>
+            <a:endParaRPr lang="zh-CN" altLang="en-US" sz="1600"/>
+          </a:p>
+          <a:p>
+            <a:r>
+              <a:rPr lang="en-US" altLang="zh-CN" sz="1600"/>
+              <a:t>2) 代码是否可以再优化？</a:t>
+            </a:r>
+            <a:endParaRPr lang="en-US" altLang="zh-CN" sz="1600"/>
+          </a:p>
+          <a:p>
+            <a:endParaRPr lang="en-US" altLang="zh-CN" sz="1600"/>
+          </a:p>
+          <a:p>
+            <a:r>
+              <a:rPr lang="en-US" altLang="zh-CN" sz="1600"/>
+              <a:t>3) 有没有及时上传代码？</a:t>
+            </a:r>
+            <a:endParaRPr lang="en-US" altLang="zh-CN" sz="1600"/>
+          </a:p>
+          <a:p>
+            <a:endParaRPr lang="en-US" altLang="zh-CN" sz="1600"/>
+          </a:p>
+        </p:txBody>
+      </p:sp>
+    </p:spTree>
+  </p:cSld>
+  <p:clrMapOvr>
+    <a:masterClrMapping/>
+  </p:clrMapOvr>
+  <mc:AlternateContent xmlns:mc="http://schemas.openxmlformats.org/markup-compatibility/2006">
+    <mc:Choice xmlns:p14="http://schemas.microsoft.com/office/powerpoint/2010/main" Requires="p14">
+      <p:transition spd="slow" p14:dur="1400">
+        <p14:doors dir="vert"/>
+      </p:transition>
+    </mc:Choice>
+    <mc:Fallback>
+      <p:transition spd="slow">
+        <p:fade/>
+      </p:transition>
+    </mc:Fallback>
+  </mc:AlternateContent>
+  <p:timing>
+    <p:tnLst>
+      <p:par>
+        <p:cTn id="1" dur="indefinite" restart="never" nodeType="tmRoot">
+          <p:childTnLst>
+            <p:seq concurrent="1" nextAc="seek">
+              <p:cTn id="2" dur="indefinite" nodeType="mainSeq">
+                <p:childTnLst>
+                  <p:par>
+                    <p:cTn id="3" fill="hold">
+                      <p:stCondLst>
+                        <p:cond delay="indefinite"/>
+                        <p:cond evt="onBegin" delay="0">
+                          <p:tn val="2"/>
+                        </p:cond>
+                      </p:stCondLst>
+                      <p:childTnLst>
+                        <p:par>
+                          <p:cTn id="4" fill="hold">
+                            <p:stCondLst>
+                              <p:cond delay="0"/>
+                            </p:stCondLst>
+                            <p:childTnLst>
+                              <p:par>
+                                <p:cTn id="5" presetID="53" presetClass="entr" presetSubtype="16" fill="hold" nodeType="afterEffect">
+                                  <p:stCondLst>
+                                    <p:cond delay="0"/>
+                                  </p:stCondLst>
+                                  <p:childTnLst>
+                                    <p:set>
+                                      <p:cBhvr>
+                                        <p:cTn id="6" dur="1" fill="hold">
+                                          <p:stCondLst>
+                                            <p:cond delay="0"/>
+                                          </p:stCondLst>
+                                        </p:cTn>
+                                        <p:tgtEl>
+                                          <p:spTgt spid="2"/>
+                                        </p:tgtEl>
+                                        <p:attrNameLst>
+                                          <p:attrName>style.visibility</p:attrName>
+                                        </p:attrNameLst>
+                                      </p:cBhvr>
+                                      <p:to>
+                                        <p:strVal val="visible"/>
+                                      </p:to>
+                                    </p:set>
+                                    <p:anim calcmode="lin" valueType="num">
+                                      <p:cBhvr>
+                                        <p:cTn id="7" dur="500" fill="hold"/>
+                                        <p:tgtEl>
+                                          <p:spTgt spid="2"/>
+                                        </p:tgtEl>
+                                        <p:attrNameLst>
+                                          <p:attrName>ppt_w</p:attrName>
+                                        </p:attrNameLst>
+                                      </p:cBhvr>
+                                      <p:tavLst>
+                                        <p:tav tm="0">
+                                          <p:val>
+                                            <p:fltVal val="0"/>
+                                          </p:val>
+                                        </p:tav>
+                                        <p:tav tm="100000">
+                                          <p:val>
+                                            <p:strVal val="#ppt_w"/>
+                                          </p:val>
+                                        </p:tav>
+                                      </p:tavLst>
+                                    </p:anim>
+                                    <p:anim calcmode="lin" valueType="num">
+                                      <p:cBhvr>
+                                        <p:cTn id="8" dur="500" fill="hold"/>
+                                        <p:tgtEl>
+                                          <p:spTgt spid="2"/>
+                                        </p:tgtEl>
+                                        <p:attrNameLst>
+                                          <p:attrName>ppt_h</p:attrName>
+                                        </p:attrNameLst>
+                                      </p:cBhvr>
+                                      <p:tavLst>
+                                        <p:tav tm="0">
+                                          <p:val>
+                                            <p:fltVal val="0"/>
+                                          </p:val>
+                                        </p:tav>
+                                        <p:tav tm="100000">
+                                          <p:val>
+                                            <p:strVal val="#ppt_h"/>
+                                          </p:val>
+                                        </p:tav>
+                                      </p:tavLst>
+                                    </p:anim>
+                                    <p:animEffect transition="in" filter="fade">
+                                      <p:cBhvr>
+                                        <p:cTn id="9" dur="500"/>
+                                        <p:tgtEl>
+                                          <p:spTgt spid="2"/>
+                                        </p:tgtEl>
+                                      </p:cBhvr>
+                                    </p:animEffect>
+                                  </p:childTnLst>
+                                </p:cTn>
+                              </p:par>
+                              <p:par>
+                                <p:cTn id="10" presetID="35" presetClass="path" presetSubtype="0" accel="50000" decel="50000" fill="hold" nodeType="withEffect">
+                                  <p:stCondLst>
+                                    <p:cond delay="0"/>
+                                  </p:stCondLst>
+                                  <p:childTnLst>
+                                    <p:animMotion origin="layout" path="M 0 -4.44444E-6 L -0.52956 -4.44444E-6 " pathEditMode="relative" rAng="0" ptsTypes="AA">
+                                      <p:cBhvr>
+                                        <p:cTn id="11" dur="1000" spd="-100000" fill="hold"/>
+                                        <p:tgtEl>
+                                          <p:spTgt spid="2"/>
+                                        </p:tgtEl>
+                                        <p:attrNameLst>
+                                          <p:attrName>ppt_x</p:attrName>
+                                          <p:attrName>ppt_y</p:attrName>
+                                        </p:attrNameLst>
+                                      </p:cBhvr>
+                                      <p:rCtr x="-26484" y="0"/>
+                                    </p:animMotion>
+                                  </p:childTnLst>
+                                </p:cTn>
+                              </p:par>
+                              <p:par>
+                                <p:cTn id="12" presetID="53" presetClass="entr" presetSubtype="16" fill="hold" grpId="0" nodeType="withEffect">
+                                  <p:stCondLst>
+                                    <p:cond delay="0"/>
+                                  </p:stCondLst>
+                                  <p:childTnLst>
+                                    <p:set>
+                                      <p:cBhvr>
+                                        <p:cTn id="13" dur="1" fill="hold">
+                                          <p:stCondLst>
+                                            <p:cond delay="0"/>
+                                          </p:stCondLst>
+                                        </p:cTn>
+                                        <p:tgtEl>
+                                          <p:spTgt spid="3"/>
+                                        </p:tgtEl>
+                                        <p:attrNameLst>
+                                          <p:attrName>style.visibility</p:attrName>
+                                        </p:attrNameLst>
+                                      </p:cBhvr>
+                                      <p:to>
+                                        <p:strVal val="visible"/>
+                                      </p:to>
+                                    </p:set>
+                                    <p:anim calcmode="lin" valueType="num">
+                                      <p:cBhvr>
+                                        <p:cTn id="14" dur="500" fill="hold"/>
+                                        <p:tgtEl>
+                                          <p:spTgt spid="3"/>
+                                        </p:tgtEl>
+                                        <p:attrNameLst>
+                                          <p:attrName>ppt_w</p:attrName>
+                                        </p:attrNameLst>
+                                      </p:cBhvr>
+                                      <p:tavLst>
+                                        <p:tav tm="0">
+                                          <p:val>
+                                            <p:fltVal val="0"/>
+                                          </p:val>
+                                        </p:tav>
+                                        <p:tav tm="100000">
+                                          <p:val>
+                                            <p:strVal val="#ppt_w"/>
+                                          </p:val>
+                                        </p:tav>
+                                      </p:tavLst>
+                                    </p:anim>
+                                    <p:anim calcmode="lin" valueType="num">
+                                      <p:cBhvr>
+                                        <p:cTn id="15" dur="500" fill="hold"/>
+                                        <p:tgtEl>
+                                          <p:spTgt spid="3"/>
+                                        </p:tgtEl>
+                                        <p:attrNameLst>
+                                          <p:attrName>ppt_h</p:attrName>
+                                        </p:attrNameLst>
+                                      </p:cBhvr>
+                                      <p:tavLst>
+                                        <p:tav tm="0">
+                                          <p:val>
+                                            <p:fltVal val="0"/>
+                                          </p:val>
+                                        </p:tav>
+                                        <p:tav tm="100000">
+                                          <p:val>
+                                            <p:strVal val="#ppt_h"/>
+                                          </p:val>
+                                        </p:tav>
+                                      </p:tavLst>
+                                    </p:anim>
+                                    <p:animEffect transition="in" filter="fade">
+                                      <p:cBhvr>
+                                        <p:cTn id="16" dur="500"/>
+                                        <p:tgtEl>
+                                          <p:spTgt spid="3"/>
+                                        </p:tgtEl>
+                                      </p:cBhvr>
+                                    </p:animEffect>
+                                  </p:childTnLst>
+                                </p:cTn>
+                              </p:par>
+                              <p:par>
+                                <p:cTn id="17" presetID="35" presetClass="path" presetSubtype="0" accel="50000" decel="50000" fill="hold" grpId="1" nodeType="withEffect">
+                                  <p:stCondLst>
+                                    <p:cond delay="0"/>
+                                  </p:stCondLst>
+                                  <p:childTnLst>
+                                    <p:animMotion origin="layout" path="M 0 2.59259E-6 L 0.12148 2.59259E-6 " pathEditMode="relative" rAng="0" ptsTypes="AA">
+                                      <p:cBhvr>
+                                        <p:cTn id="18" dur="1000" spd="-100000" fill="hold"/>
+                                        <p:tgtEl>
+                                          <p:spTgt spid="3"/>
+                                        </p:tgtEl>
+                                        <p:attrNameLst>
+                                          <p:attrName>ppt_x</p:attrName>
+                                          <p:attrName>ppt_y</p:attrName>
+                                        </p:attrNameLst>
+                                      </p:cBhvr>
+                                      <p:rCtr x="6068" y="0"/>
+                                    </p:animMotion>
+                                  </p:childTnLst>
+                                </p:cTn>
+                              </p:par>
+                            </p:childTnLst>
+                          </p:cTn>
+                        </p:par>
+                      </p:childTnLst>
+                    </p:cTn>
+                  </p:par>
+                </p:childTnLst>
+              </p:cTn>
+              <p:prevCondLst>
+                <p:cond evt="onPrev" delay="0">
+                  <p:tgtEl>
+                    <p:sldTgt/>
+                  </p:tgtEl>
+                </p:cond>
+              </p:prevCondLst>
+              <p:nextCondLst>
+                <p:cond evt="onNext" delay="0">
+                  <p:tgtEl>
+                    <p:sldTgt/>
+                  </p:tgtEl>
+                </p:cond>
+              </p:nextCondLst>
+            </p:seq>
+          </p:childTnLst>
+        </p:cTn>
+      </p:par>
+    </p:tnLst>
+    <p:bldLst>
+      <p:bldP spid="3" grpId="0"/>
+      <p:bldP spid="3" grpId="1"/>
+    </p:bldLst>
+  </p:timing>
+</p:sld>
+</file>
+
+<file path=ppt/slides/slide13.xml><?xml version="1.0" encoding="utf-8"?>
+<p:sld xmlns:a="http://schemas.openxmlformats.org/drawingml/2006/main" xmlns:r="http://schemas.openxmlformats.org/officeDocument/2006/relationships" xmlns:p="http://schemas.openxmlformats.org/presentationml/2006/main">
+  <p:cSld>
+    <p:spTree>
+      <p:nvGrpSpPr>
+        <p:cNvPr id="1" name=""/>
+        <p:cNvGrpSpPr/>
+        <p:nvPr/>
+      </p:nvGrpSpPr>
+      <p:grpSpPr>
+        <a:xfrm>
+          <a:off x="0" y="0"/>
+          <a:ext cx="0" cy="0"/>
+          <a:chOff x="0" y="0"/>
+          <a:chExt cx="0" cy="0"/>
+        </a:xfrm>
+      </p:grpSpPr>
+      <p:cxnSp>
+        <p:nvCxnSpPr>
+          <p:cNvPr id="2" name="直接连接符 1"/>
+          <p:cNvCxnSpPr/>
+          <p:nvPr/>
+        </p:nvCxnSpPr>
+        <p:spPr>
+          <a:xfrm>
+            <a:off x="0" y="581892"/>
+            <a:ext cx="9144000" cy="0"/>
+          </a:xfrm>
+          <a:prstGeom prst="line">
+            <a:avLst/>
+          </a:prstGeom>
+          <a:ln w="19050">
+            <a:solidFill>
+              <a:schemeClr val="accent1"/>
+            </a:solidFill>
+          </a:ln>
+        </p:spPr>
+        <p:style>
+          <a:lnRef idx="1">
+            <a:schemeClr val="accent1"/>
+          </a:lnRef>
+          <a:fillRef idx="0">
+            <a:schemeClr val="accent1"/>
+          </a:fillRef>
+          <a:effectRef idx="0">
+            <a:schemeClr val="accent1"/>
+          </a:effectRef>
+          <a:fontRef idx="minor">
+            <a:schemeClr val="tx1"/>
+          </a:fontRef>
+        </p:style>
+      </p:cxnSp>
+      <p:sp>
+        <p:nvSpPr>
+          <p:cNvPr id="3" name="文本框 2"/>
+          <p:cNvSpPr txBox="1"/>
+          <p:nvPr/>
+        </p:nvSpPr>
+        <p:spPr>
+          <a:xfrm>
+            <a:off x="193574" y="189773"/>
+            <a:ext cx="3086619" cy="414020"/>
+          </a:xfrm>
+          <a:prstGeom prst="rect">
+            <a:avLst/>
+          </a:prstGeom>
+          <a:noFill/>
+        </p:spPr>
+        <p:txBody>
+          <a:bodyPr wrap="square" rtlCol="0">
+            <a:spAutoFit/>
+          </a:bodyPr>
+          <a:lstStyle/>
+          <a:p>
+            <a:r>
+              <a:rPr lang="zh-CN" altLang="en-US" sz="2100" b="1" dirty="0">
+                <a:solidFill>
+                  <a:srgbClr val="005973"/>
+                </a:solidFill>
+                <a:latin typeface="微软雅黑" panose="020B0503020204020204" pitchFamily="34" charset="-122"/>
+                <a:ea typeface="微软雅黑" panose="020B0503020204020204" pitchFamily="34" charset="-122"/>
+                <a:cs typeface="Aharoni" panose="02010803020104030203" pitchFamily="2" charset="-79"/>
+              </a:rPr>
+              <a:t>前端自测标准</a:t>
+            </a:r>
+            <a:endParaRPr lang="zh-CN" altLang="en-US" sz="2100" b="1" dirty="0">
+              <a:solidFill>
+                <a:srgbClr val="005973"/>
+              </a:solidFill>
+              <a:latin typeface="微软雅黑" panose="020B0503020204020204" pitchFamily="34" charset="-122"/>
+              <a:ea typeface="微软雅黑" panose="020B0503020204020204" pitchFamily="34" charset="-122"/>
+              <a:cs typeface="Aharoni" panose="02010803020104030203" pitchFamily="2" charset="-79"/>
+            </a:endParaRPr>
+          </a:p>
+        </p:txBody>
+      </p:sp>
+      <p:sp>
+        <p:nvSpPr>
+          <p:cNvPr id="4" name="文本框 3"/>
+          <p:cNvSpPr txBox="1"/>
+          <p:nvPr/>
+        </p:nvSpPr>
+        <p:spPr>
+          <a:xfrm>
+            <a:off x="1294130" y="890905"/>
+            <a:ext cx="5759450" cy="368300"/>
+          </a:xfrm>
+          <a:prstGeom prst="rect">
+            <a:avLst/>
+          </a:prstGeom>
+          <a:noFill/>
+        </p:spPr>
+        <p:txBody>
+          <a:bodyPr wrap="square" rtlCol="0">
+            <a:spAutoFit/>
+          </a:bodyPr>
+          <a:p>
+            <a:r>
+              <a:rPr lang="zh-CN" altLang="en-US"/>
+              <a:t>五</a:t>
+            </a:r>
+            <a:r>
+              <a:rPr lang="zh-CN" altLang="en-US"/>
+              <a:t>、合理性建议</a:t>
+            </a:r>
+            <a:endParaRPr lang="zh-CN" altLang="en-US"/>
+          </a:p>
+        </p:txBody>
+      </p:sp>
+      <p:sp>
+        <p:nvSpPr>
+          <p:cNvPr id="5" name="文本框 4"/>
+          <p:cNvSpPr txBox="1"/>
+          <p:nvPr/>
+        </p:nvSpPr>
+        <p:spPr>
+          <a:xfrm>
+            <a:off x="1894205" y="1450975"/>
+            <a:ext cx="6278245" cy="1568450"/>
+          </a:xfrm>
+          <a:prstGeom prst="rect">
+            <a:avLst/>
+          </a:prstGeom>
+          <a:noFill/>
+        </p:spPr>
+        <p:txBody>
+          <a:bodyPr wrap="square" rtlCol="0">
+            <a:spAutoFit/>
+          </a:bodyPr>
+          <a:p>
+            <a:r>
+              <a:rPr lang="en-US" altLang="zh-CN" sz="1600"/>
+              <a:t>1) </a:t>
+            </a:r>
+            <a:r>
+              <a:rPr lang="zh-CN" altLang="en-US" sz="1600"/>
+              <a:t>有没有发现软件设计的漏洞？</a:t>
+            </a:r>
+            <a:endParaRPr lang="zh-CN" altLang="en-US" sz="1600"/>
+          </a:p>
+          <a:p>
+            <a:endParaRPr lang="zh-CN" altLang="en-US" sz="1600"/>
+          </a:p>
+          <a:p>
+            <a:r>
+              <a:rPr lang="en-US" altLang="zh-CN" sz="1600"/>
+              <a:t>2) 当前的业务流程是否合理？</a:t>
+            </a:r>
+            <a:endParaRPr lang="en-US" altLang="zh-CN" sz="1600"/>
+          </a:p>
+          <a:p>
+            <a:endParaRPr lang="en-US" altLang="zh-CN" sz="1600"/>
+          </a:p>
+          <a:p>
+            <a:r>
+              <a:rPr lang="en-US" altLang="zh-CN" sz="1600"/>
+              <a:t>3) 有没有合理性配置需求未处理？</a:t>
+            </a:r>
+            <a:endParaRPr lang="en-US" altLang="zh-CN" sz="1600"/>
+          </a:p>
+          <a:p>
+            <a:endParaRPr lang="en-US" altLang="zh-CN" sz="1600"/>
+          </a:p>
+        </p:txBody>
+      </p:sp>
+    </p:spTree>
+  </p:cSld>
+  <p:clrMapOvr>
+    <a:masterClrMapping/>
+  </p:clrMapOvr>
+  <mc:AlternateContent xmlns:mc="http://schemas.openxmlformats.org/markup-compatibility/2006">
+    <mc:Choice xmlns:p14="http://schemas.microsoft.com/office/powerpoint/2010/main" Requires="p14">
+      <p:transition spd="slow" p14:dur="1400">
+        <p14:doors dir="vert"/>
+      </p:transition>
+    </mc:Choice>
+    <mc:Fallback>
+      <p:transition spd="slow">
+        <p:fade/>
+      </p:transition>
+    </mc:Fallback>
+  </mc:AlternateContent>
+  <p:timing>
+    <p:tnLst>
+      <p:par>
+        <p:cTn id="1" dur="indefinite" restart="never" nodeType="tmRoot">
+          <p:childTnLst>
+            <p:seq concurrent="1" nextAc="seek">
+              <p:cTn id="2" dur="indefinite" nodeType="mainSeq">
+                <p:childTnLst>
+                  <p:par>
+                    <p:cTn id="3" fill="hold">
+                      <p:stCondLst>
+                        <p:cond delay="indefinite"/>
+                        <p:cond evt="onBegin" delay="0">
+                          <p:tn val="2"/>
+                        </p:cond>
+                      </p:stCondLst>
+                      <p:childTnLst>
+                        <p:par>
+                          <p:cTn id="4" fill="hold">
+                            <p:stCondLst>
+                              <p:cond delay="0"/>
+                            </p:stCondLst>
+                            <p:childTnLst>
+                              <p:par>
+                                <p:cTn id="5" presetID="53" presetClass="entr" presetSubtype="16" fill="hold" nodeType="afterEffect">
+                                  <p:stCondLst>
+                                    <p:cond delay="0"/>
+                                  </p:stCondLst>
+                                  <p:childTnLst>
+                                    <p:set>
+                                      <p:cBhvr>
+                                        <p:cTn id="6" dur="1" fill="hold">
+                                          <p:stCondLst>
+                                            <p:cond delay="0"/>
+                                          </p:stCondLst>
+                                        </p:cTn>
+                                        <p:tgtEl>
+                                          <p:spTgt spid="2"/>
+                                        </p:tgtEl>
+                                        <p:attrNameLst>
+                                          <p:attrName>style.visibility</p:attrName>
+                                        </p:attrNameLst>
+                                      </p:cBhvr>
+                                      <p:to>
+                                        <p:strVal val="visible"/>
+                                      </p:to>
+                                    </p:set>
+                                    <p:anim calcmode="lin" valueType="num">
+                                      <p:cBhvr>
+                                        <p:cTn id="7" dur="500" fill="hold"/>
+                                        <p:tgtEl>
+                                          <p:spTgt spid="2"/>
+                                        </p:tgtEl>
+                                        <p:attrNameLst>
+                                          <p:attrName>ppt_w</p:attrName>
+                                        </p:attrNameLst>
+                                      </p:cBhvr>
+                                      <p:tavLst>
+                                        <p:tav tm="0">
+                                          <p:val>
+                                            <p:fltVal val="0"/>
+                                          </p:val>
+                                        </p:tav>
+                                        <p:tav tm="100000">
+                                          <p:val>
+                                            <p:strVal val="#ppt_w"/>
+                                          </p:val>
+                                        </p:tav>
+                                      </p:tavLst>
+                                    </p:anim>
+                                    <p:anim calcmode="lin" valueType="num">
+                                      <p:cBhvr>
+                                        <p:cTn id="8" dur="500" fill="hold"/>
+                                        <p:tgtEl>
+                                          <p:spTgt spid="2"/>
+                                        </p:tgtEl>
+                                        <p:attrNameLst>
+                                          <p:attrName>ppt_h</p:attrName>
+                                        </p:attrNameLst>
+                                      </p:cBhvr>
+                                      <p:tavLst>
+                                        <p:tav tm="0">
+                                          <p:val>
+                                            <p:fltVal val="0"/>
+                                          </p:val>
+                                        </p:tav>
+                                        <p:tav tm="100000">
+                                          <p:val>
+                                            <p:strVal val="#ppt_h"/>
+                                          </p:val>
+                                        </p:tav>
+                                      </p:tavLst>
+                                    </p:anim>
+                                    <p:animEffect transition="in" filter="fade">
+                                      <p:cBhvr>
+                                        <p:cTn id="9" dur="500"/>
+                                        <p:tgtEl>
+                                          <p:spTgt spid="2"/>
+                                        </p:tgtEl>
+                                      </p:cBhvr>
+                                    </p:animEffect>
+                                  </p:childTnLst>
+                                </p:cTn>
+                              </p:par>
+                              <p:par>
+                                <p:cTn id="10" presetID="35" presetClass="path" presetSubtype="0" accel="50000" decel="50000" fill="hold" nodeType="withEffect">
+                                  <p:stCondLst>
+                                    <p:cond delay="0"/>
+                                  </p:stCondLst>
+                                  <p:childTnLst>
+                                    <p:animMotion origin="layout" path="M 0 -4.44444E-6 L -0.52956 -4.44444E-6 " pathEditMode="relative" rAng="0" ptsTypes="AA">
+                                      <p:cBhvr>
+                                        <p:cTn id="11" dur="1000" spd="-100000" fill="hold"/>
+                                        <p:tgtEl>
+                                          <p:spTgt spid="2"/>
+                                        </p:tgtEl>
+                                        <p:attrNameLst>
+                                          <p:attrName>ppt_x</p:attrName>
+                                          <p:attrName>ppt_y</p:attrName>
+                                        </p:attrNameLst>
+                                      </p:cBhvr>
+                                      <p:rCtr x="-26484" y="0"/>
+                                    </p:animMotion>
+                                  </p:childTnLst>
+                                </p:cTn>
+                              </p:par>
+                              <p:par>
+                                <p:cTn id="12" presetID="53" presetClass="entr" presetSubtype="16" fill="hold" grpId="0" nodeType="withEffect">
+                                  <p:stCondLst>
+                                    <p:cond delay="0"/>
+                                  </p:stCondLst>
+                                  <p:childTnLst>
+                                    <p:set>
+                                      <p:cBhvr>
+                                        <p:cTn id="13" dur="1" fill="hold">
+                                          <p:stCondLst>
+                                            <p:cond delay="0"/>
+                                          </p:stCondLst>
+                                        </p:cTn>
+                                        <p:tgtEl>
+                                          <p:spTgt spid="3"/>
+                                        </p:tgtEl>
+                                        <p:attrNameLst>
+                                          <p:attrName>style.visibility</p:attrName>
+                                        </p:attrNameLst>
+                                      </p:cBhvr>
+                                      <p:to>
+                                        <p:strVal val="visible"/>
+                                      </p:to>
+                                    </p:set>
+                                    <p:anim calcmode="lin" valueType="num">
+                                      <p:cBhvr>
+                                        <p:cTn id="14" dur="500" fill="hold"/>
+                                        <p:tgtEl>
+                                          <p:spTgt spid="3"/>
+                                        </p:tgtEl>
+                                        <p:attrNameLst>
+                                          <p:attrName>ppt_w</p:attrName>
+                                        </p:attrNameLst>
+                                      </p:cBhvr>
+                                      <p:tavLst>
+                                        <p:tav tm="0">
+                                          <p:val>
+                                            <p:fltVal val="0"/>
+                                          </p:val>
+                                        </p:tav>
+                                        <p:tav tm="100000">
+                                          <p:val>
+                                            <p:strVal val="#ppt_w"/>
+                                          </p:val>
+                                        </p:tav>
+                                      </p:tavLst>
+                                    </p:anim>
+                                    <p:anim calcmode="lin" valueType="num">
+                                      <p:cBhvr>
+                                        <p:cTn id="15" dur="500" fill="hold"/>
+                                        <p:tgtEl>
+                                          <p:spTgt spid="3"/>
+                                        </p:tgtEl>
+                                        <p:attrNameLst>
+                                          <p:attrName>ppt_h</p:attrName>
+                                        </p:attrNameLst>
+                                      </p:cBhvr>
+                                      <p:tavLst>
+                                        <p:tav tm="0">
+                                          <p:val>
+                                            <p:fltVal val="0"/>
+                                          </p:val>
+                                        </p:tav>
+                                        <p:tav tm="100000">
+                                          <p:val>
+                                            <p:strVal val="#ppt_h"/>
+                                          </p:val>
+                                        </p:tav>
+                                      </p:tavLst>
+                                    </p:anim>
+                                    <p:animEffect transition="in" filter="fade">
+                                      <p:cBhvr>
+                                        <p:cTn id="16" dur="500"/>
+                                        <p:tgtEl>
+                                          <p:spTgt spid="3"/>
+                                        </p:tgtEl>
+                                      </p:cBhvr>
+                                    </p:animEffect>
+                                  </p:childTnLst>
+                                </p:cTn>
+                              </p:par>
+                              <p:par>
+                                <p:cTn id="17" presetID="35" presetClass="path" presetSubtype="0" accel="50000" decel="50000" fill="hold" grpId="1" nodeType="withEffect">
+                                  <p:stCondLst>
+                                    <p:cond delay="0"/>
+                                  </p:stCondLst>
+                                  <p:childTnLst>
+                                    <p:animMotion origin="layout" path="M 0 2.59259E-6 L 0.12148 2.59259E-6 " pathEditMode="relative" rAng="0" ptsTypes="AA">
+                                      <p:cBhvr>
+                                        <p:cTn id="18" dur="1000" spd="-100000" fill="hold"/>
+                                        <p:tgtEl>
+                                          <p:spTgt spid="3"/>
+                                        </p:tgtEl>
+                                        <p:attrNameLst>
+                                          <p:attrName>ppt_x</p:attrName>
+                                          <p:attrName>ppt_y</p:attrName>
+                                        </p:attrNameLst>
+                                      </p:cBhvr>
+                                      <p:rCtr x="6068" y="0"/>
+                                    </p:animMotion>
+                                  </p:childTnLst>
+                                </p:cTn>
+                              </p:par>
+                            </p:childTnLst>
+                          </p:cTn>
+                        </p:par>
+                      </p:childTnLst>
+                    </p:cTn>
+                  </p:par>
+                </p:childTnLst>
+              </p:cTn>
+              <p:prevCondLst>
+                <p:cond evt="onPrev" delay="0">
+                  <p:tgtEl>
+                    <p:sldTgt/>
+                  </p:tgtEl>
+                </p:cond>
+              </p:prevCondLst>
+              <p:nextCondLst>
+                <p:cond evt="onNext" delay="0">
+                  <p:tgtEl>
+                    <p:sldTgt/>
+                  </p:tgtEl>
+                </p:cond>
+              </p:nextCondLst>
+            </p:seq>
+          </p:childTnLst>
+        </p:cTn>
+      </p:par>
+    </p:tnLst>
+    <p:bldLst>
+      <p:bldP spid="3" grpId="0"/>
+      <p:bldP spid="3" grpId="1"/>
+    </p:bldLst>
+  </p:timing>
+</p:sld>
+</file>
+
+<file path=ppt/slides/slide14.xml><?xml version="1.0" encoding="utf-8"?>
+<p:sld xmlns:a="http://schemas.openxmlformats.org/drawingml/2006/main" xmlns:r="http://schemas.openxmlformats.org/officeDocument/2006/relationships" xmlns:p="http://schemas.openxmlformats.org/presentationml/2006/main">
+  <p:cSld>
+    <p:spTree>
+      <p:nvGrpSpPr>
+        <p:cNvPr id="1" name=""/>
+        <p:cNvGrpSpPr/>
+        <p:nvPr/>
+      </p:nvGrpSpPr>
+      <p:grpSpPr>
+        <a:xfrm>
+          <a:off x="0" y="0"/>
+          <a:ext cx="0" cy="0"/>
+          <a:chOff x="0" y="0"/>
+          <a:chExt cx="0" cy="0"/>
+        </a:xfrm>
+      </p:grpSpPr>
     </p:spTree>
   </p:cSld>
   <p:clrMapOvr>
@@ -5910,6 +7823,14 @@
               </a:rPr>
               <a:t>目录</a:t>
             </a:r>
+            <a:endParaRPr lang="zh-CN" altLang="en-US" sz="2100" b="1" dirty="0">
+              <a:solidFill>
+                <a:srgbClr val="005973"/>
+              </a:solidFill>
+              <a:latin typeface="微软雅黑" panose="020B0503020204020204" pitchFamily="34" charset="-122"/>
+              <a:ea typeface="微软雅黑" panose="020B0503020204020204" pitchFamily="34" charset="-122"/>
+              <a:cs typeface="Aharoni" panose="02010803020104030203" pitchFamily="2" charset="-79"/>
+            </a:endParaRPr>
           </a:p>
         </p:txBody>
       </p:sp>
@@ -5943,6 +7864,7 @@
               <a:rPr lang="zh-CN" altLang="en-US" sz="1400" dirty="0"/>
               <a:t>前台化的简单介绍</a:t>
             </a:r>
+            <a:endParaRPr lang="zh-CN" altLang="en-US" sz="1400" dirty="0"/>
           </a:p>
           <a:p>
             <a:endParaRPr lang="en-US" altLang="zh-CN" sz="1400" dirty="0"/>
@@ -5956,6 +7878,7 @@
               <a:rPr lang="zh-CN" altLang="en-US" sz="1400" dirty="0"/>
               <a:t>前台化的历程</a:t>
             </a:r>
+            <a:endParaRPr lang="zh-CN" altLang="en-US" sz="1400" dirty="0"/>
           </a:p>
           <a:p>
             <a:endParaRPr lang="en-US" altLang="zh-CN" sz="1400" dirty="0"/>
@@ -5989,7 +7912,7 @@
             </a:r>
             <a:r>
               <a:rPr lang="zh-CN" altLang="en-US" sz="1400" dirty="0"/>
-              <a:t>前台化成果</a:t>
+              <a:t>前台化总结及改善方案</a:t>
             </a:r>
             <a:endParaRPr lang="en-GB" altLang="zh-CN" sz="1400" dirty="0"/>
           </a:p>
@@ -6003,13 +7926,13 @@
   <p:clrMapOvr>
     <a:masterClrMapping/>
   </p:clrMapOvr>
-  <mc:AlternateContent xmlns:mc="http://schemas.openxmlformats.org/markup-compatibility/2006" xmlns:p14="http://schemas.microsoft.com/office/powerpoint/2010/main">
-    <mc:Choice Requires="p14">
+  <mc:AlternateContent xmlns:mc="http://schemas.openxmlformats.org/markup-compatibility/2006">
+    <mc:Choice xmlns:p14="http://schemas.microsoft.com/office/powerpoint/2010/main" Requires="p14">
       <p:transition spd="slow" p14:dur="1400">
         <p14:doors dir="vert"/>
       </p:transition>
     </mc:Choice>
-    <mc:Fallback xmlns="">
+    <mc:Fallback>
       <p:transition spd="slow">
         <p:fade/>
       </p:transition>
@@ -6375,6 +8298,14 @@
               </a:rPr>
               <a:t>前台化的简单介绍</a:t>
             </a:r>
+            <a:endParaRPr lang="zh-CN" altLang="en-US" sz="2100" b="1" dirty="0">
+              <a:solidFill>
+                <a:srgbClr val="005973"/>
+              </a:solidFill>
+              <a:latin typeface="微软雅黑" panose="020B0503020204020204" pitchFamily="34" charset="-122"/>
+              <a:ea typeface="微软雅黑" panose="020B0503020204020204" pitchFamily="34" charset="-122"/>
+              <a:cs typeface="Aharoni" panose="02010803020104030203" pitchFamily="2" charset="-79"/>
+            </a:endParaRPr>
           </a:p>
         </p:txBody>
       </p:sp>
@@ -6446,6 +8377,7 @@
               <a:rPr lang="zh-CN" altLang="en-US" sz="1400" dirty="0"/>
               <a:t>筛选出优质的货源，满足用户的配但需求。</a:t>
             </a:r>
+            <a:endParaRPr lang="zh-CN" altLang="en-US" sz="1400" dirty="0"/>
           </a:p>
           <a:p>
             <a:endParaRPr lang="en-US" altLang="zh-CN" sz="1400" dirty="0" smtClean="0"/>
@@ -6505,13 +8437,13 @@
   <p:clrMapOvr>
     <a:masterClrMapping/>
   </p:clrMapOvr>
-  <mc:AlternateContent xmlns:mc="http://schemas.openxmlformats.org/markup-compatibility/2006" xmlns:p14="http://schemas.microsoft.com/office/powerpoint/2010/main">
-    <mc:Choice Requires="p14">
+  <mc:AlternateContent xmlns:mc="http://schemas.openxmlformats.org/markup-compatibility/2006">
+    <mc:Choice xmlns:p14="http://schemas.microsoft.com/office/powerpoint/2010/main" Requires="p14">
       <p:transition spd="slow" p14:dur="1400">
         <p14:doors dir="vert"/>
       </p:transition>
     </mc:Choice>
-    <mc:Fallback xmlns="">
+    <mc:Fallback>
       <p:transition spd="slow">
         <p:fade/>
       </p:transition>
@@ -6877,6 +8809,14 @@
               </a:rPr>
               <a:t>前台化的简单介绍</a:t>
             </a:r>
+            <a:endParaRPr lang="zh-CN" altLang="en-US" sz="2100" b="1" dirty="0">
+              <a:solidFill>
+                <a:srgbClr val="005973"/>
+              </a:solidFill>
+              <a:latin typeface="微软雅黑" panose="020B0503020204020204" pitchFamily="34" charset="-122"/>
+              <a:ea typeface="微软雅黑" panose="020B0503020204020204" pitchFamily="34" charset="-122"/>
+              <a:cs typeface="Aharoni" panose="02010803020104030203" pitchFamily="2" charset="-79"/>
+            </a:endParaRPr>
           </a:p>
         </p:txBody>
       </p:sp>
@@ -6892,7 +8832,7 @@
         </p:xfrm>
         <a:graphic>
           <a:graphicData uri="http://schemas.openxmlformats.org/drawingml/2006/diagram">
-            <dgm:relIds xmlns:dgm="http://schemas.openxmlformats.org/drawingml/2006/diagram" xmlns:r="http://schemas.openxmlformats.org/officeDocument/2006/relationships" r:dm="rId2" r:lo="rId3" r:qs="rId4" r:cs="rId5"/>
+            <dgm:relIds xmlns:dgm="http://schemas.openxmlformats.org/drawingml/2006/diagram" xmlns:r="http://schemas.openxmlformats.org/officeDocument/2006/relationships" r:dm="rId1" r:lo="rId2" r:qs="rId3" r:cs="rId4"/>
           </a:graphicData>
         </a:graphic>
       </p:graphicFrame>
@@ -6901,13 +8841,13 @@
   <p:clrMapOvr>
     <a:masterClrMapping/>
   </p:clrMapOvr>
-  <mc:AlternateContent xmlns:mc="http://schemas.openxmlformats.org/markup-compatibility/2006" xmlns:p14="http://schemas.microsoft.com/office/powerpoint/2010/main">
-    <mc:Choice Requires="p14">
+  <mc:AlternateContent xmlns:mc="http://schemas.openxmlformats.org/markup-compatibility/2006">
+    <mc:Choice xmlns:p14="http://schemas.microsoft.com/office/powerpoint/2010/main" Requires="p14">
       <p:transition spd="slow" p14:dur="1400">
         <p14:doors dir="vert"/>
       </p:transition>
     </mc:Choice>
-    <mc:Fallback xmlns="">
+    <mc:Fallback>
       <p:transition spd="slow">
         <p:fade/>
       </p:transition>
@@ -7287,7 +9227,7 @@
       <p:sp>
         <p:nvSpPr>
           <p:cNvPr id="4" name="TextBox 3">
-            <a:hlinkClick r:id="rId2" action="ppaction://hlinkfile"/>
+            <a:hlinkClick r:id="rId1" action="ppaction://hlinkfile"/>
           </p:cNvPr>
           <p:cNvSpPr txBox="1"/>
           <p:nvPr/>
@@ -7327,7 +9267,7 @@
       <p:sp>
         <p:nvSpPr>
           <p:cNvPr id="5" name="TextBox 4">
-            <a:hlinkClick r:id="rId3" action="ppaction://hlinkfile"/>
+            <a:hlinkClick r:id="rId2" action="ppaction://hlinkfile"/>
           </p:cNvPr>
           <p:cNvSpPr txBox="1"/>
           <p:nvPr/>
@@ -7371,7 +9311,7 @@
       <p:sp>
         <p:nvSpPr>
           <p:cNvPr id="6" name="TextBox 5">
-            <a:hlinkClick r:id="rId4" action="ppaction://hlinkfile"/>
+            <a:hlinkClick r:id="rId3" action="ppaction://hlinkfile"/>
           </p:cNvPr>
           <p:cNvSpPr txBox="1"/>
           <p:nvPr/>
@@ -7541,13 +9481,13 @@
   <p:clrMapOvr>
     <a:masterClrMapping/>
   </p:clrMapOvr>
-  <mc:AlternateContent xmlns:mc="http://schemas.openxmlformats.org/markup-compatibility/2006" xmlns:p14="http://schemas.microsoft.com/office/powerpoint/2010/main">
-    <mc:Choice Requires="p14">
+  <mc:AlternateContent xmlns:mc="http://schemas.openxmlformats.org/markup-compatibility/2006">
+    <mc:Choice xmlns:p14="http://schemas.microsoft.com/office/powerpoint/2010/main" Requires="p14">
       <p:transition spd="slow" p14:dur="1400">
         <p14:doors dir="vert"/>
       </p:transition>
     </mc:Choice>
-    <mc:Fallback xmlns="">
+    <mc:Fallback>
       <p:transition spd="slow">
         <p:fade/>
       </p:transition>
@@ -7911,8 +9851,238 @@
                 <a:ea typeface="微软雅黑" panose="020B0503020204020204" pitchFamily="34" charset="-122"/>
                 <a:cs typeface="Aharoni" panose="02010803020104030203" pitchFamily="2" charset="-79"/>
               </a:rPr>
-              <a:t>前台化的简单介绍</a:t>
-            </a:r>
+              <a:t>前台化问题及收获</a:t>
+            </a:r>
+            <a:endParaRPr lang="en-US" altLang="zh-CN" sz="2100" b="1" dirty="0">
+              <a:solidFill>
+                <a:srgbClr val="005973"/>
+              </a:solidFill>
+              <a:latin typeface="微软雅黑" panose="020B0503020204020204" pitchFamily="34" charset="-122"/>
+              <a:ea typeface="微软雅黑" panose="020B0503020204020204" pitchFamily="34" charset="-122"/>
+              <a:cs typeface="Aharoni" panose="02010803020104030203" pitchFamily="2" charset="-79"/>
+            </a:endParaRPr>
+          </a:p>
+        </p:txBody>
+      </p:sp>
+      <p:sp>
+        <p:nvSpPr>
+          <p:cNvPr id="4" name="文本框 3"/>
+          <p:cNvSpPr txBox="1"/>
+          <p:nvPr/>
+        </p:nvSpPr>
+        <p:spPr>
+          <a:xfrm>
+            <a:off x="1133475" y="1008380"/>
+            <a:ext cx="3656965" cy="368300"/>
+          </a:xfrm>
+          <a:prstGeom prst="rect">
+            <a:avLst/>
+          </a:prstGeom>
+          <a:noFill/>
+        </p:spPr>
+        <p:txBody>
+          <a:bodyPr wrap="square" rtlCol="0">
+            <a:spAutoFit/>
+          </a:bodyPr>
+          <a:p>
+            <a:r>
+              <a:rPr lang="en-US" altLang="zh-CN"/>
+              <a:t>1</a:t>
+            </a:r>
+            <a:r>
+              <a:rPr lang="zh-CN" altLang="en-US"/>
+              <a:t>、</a:t>
+            </a:r>
+            <a:r>
+              <a:rPr lang="en-US" altLang="zh-CN"/>
+              <a:t>BOM</a:t>
+            </a:r>
+            <a:r>
+              <a:rPr lang="zh-CN" altLang="en-US"/>
+              <a:t>前台化</a:t>
+            </a:r>
+            <a:r>
+              <a:rPr lang="zh-CN" altLang="en-US"/>
+              <a:t>巨大的</a:t>
+            </a:r>
+            <a:r>
+              <a:rPr lang="en-US" altLang="zh-CN"/>
+              <a:t>bug</a:t>
+            </a:r>
+            <a:r>
+              <a:rPr lang="zh-CN" altLang="en-US"/>
+              <a:t>量</a:t>
+            </a:r>
+            <a:endParaRPr lang="zh-CN" altLang="en-US"/>
+          </a:p>
+        </p:txBody>
+      </p:sp>
+      <p:sp>
+        <p:nvSpPr>
+          <p:cNvPr id="6" name="文本框 5"/>
+          <p:cNvSpPr txBox="1"/>
+          <p:nvPr/>
+        </p:nvSpPr>
+        <p:spPr>
+          <a:xfrm>
+            <a:off x="1598295" y="1598295"/>
+            <a:ext cx="2830195" cy="368300"/>
+          </a:xfrm>
+          <a:prstGeom prst="rect">
+            <a:avLst/>
+          </a:prstGeom>
+          <a:noFill/>
+        </p:spPr>
+        <p:txBody>
+          <a:bodyPr wrap="square" rtlCol="0">
+            <a:spAutoFit/>
+          </a:bodyPr>
+          <a:p>
+            <a:r>
+              <a:rPr lang="en-US" altLang="zh-CN"/>
+              <a:t>1). </a:t>
+            </a:r>
+            <a:r>
+              <a:rPr lang="zh-CN" altLang="en-US"/>
+              <a:t>浏览器兼容性问题</a:t>
+            </a:r>
+            <a:endParaRPr lang="zh-CN" altLang="en-US"/>
+          </a:p>
+        </p:txBody>
+      </p:sp>
+      <p:sp>
+        <p:nvSpPr>
+          <p:cNvPr id="8" name="文本框 7"/>
+          <p:cNvSpPr txBox="1"/>
+          <p:nvPr/>
+        </p:nvSpPr>
+        <p:spPr>
+          <a:xfrm>
+            <a:off x="1587500" y="2077720"/>
+            <a:ext cx="3670935" cy="368300"/>
+          </a:xfrm>
+          <a:prstGeom prst="rect">
+            <a:avLst/>
+          </a:prstGeom>
+          <a:noFill/>
+        </p:spPr>
+        <p:txBody>
+          <a:bodyPr wrap="square" rtlCol="0">
+            <a:spAutoFit/>
+          </a:bodyPr>
+          <a:p>
+            <a:r>
+              <a:rPr lang="en-US" altLang="zh-CN"/>
+              <a:t>2). </a:t>
+            </a:r>
+            <a:r>
+              <a:rPr lang="zh-CN" altLang="en-US"/>
+              <a:t>代码耦合性问题</a:t>
+            </a:r>
+            <a:endParaRPr lang="zh-CN" altLang="en-US"/>
+          </a:p>
+        </p:txBody>
+      </p:sp>
+      <p:sp>
+        <p:nvSpPr>
+          <p:cNvPr id="9" name="文本框 8"/>
+          <p:cNvSpPr txBox="1"/>
+          <p:nvPr/>
+        </p:nvSpPr>
+        <p:spPr>
+          <a:xfrm>
+            <a:off x="1579880" y="2593975"/>
+            <a:ext cx="4322445" cy="368300"/>
+          </a:xfrm>
+          <a:prstGeom prst="rect">
+            <a:avLst/>
+          </a:prstGeom>
+          <a:noFill/>
+        </p:spPr>
+        <p:txBody>
+          <a:bodyPr wrap="square" rtlCol="0">
+            <a:spAutoFit/>
+          </a:bodyPr>
+          <a:p>
+            <a:r>
+              <a:rPr lang="en-US" altLang="zh-CN"/>
+              <a:t>3). </a:t>
+            </a:r>
+            <a:r>
+              <a:rPr lang="zh-CN" altLang="en-US"/>
+              <a:t>无自测或自测覆盖率不全的问题</a:t>
+            </a:r>
+            <a:endParaRPr lang="zh-CN" altLang="en-US"/>
+          </a:p>
+        </p:txBody>
+      </p:sp>
+      <p:sp>
+        <p:nvSpPr>
+          <p:cNvPr id="10" name="文本框 9"/>
+          <p:cNvSpPr txBox="1"/>
+          <p:nvPr/>
+        </p:nvSpPr>
+        <p:spPr>
+          <a:xfrm>
+            <a:off x="1557655" y="3134360"/>
+            <a:ext cx="3735070" cy="368300"/>
+          </a:xfrm>
+          <a:prstGeom prst="rect">
+            <a:avLst/>
+          </a:prstGeom>
+          <a:noFill/>
+        </p:spPr>
+        <p:txBody>
+          <a:bodyPr wrap="square" rtlCol="0">
+            <a:spAutoFit/>
+          </a:bodyPr>
+          <a:p>
+            <a:r>
+              <a:rPr lang="en-US" altLang="zh-CN"/>
+              <a:t>4). </a:t>
+            </a:r>
+            <a:r>
+              <a:rPr lang="zh-CN" altLang="en-US"/>
+              <a:t>前后端协调问题</a:t>
+            </a:r>
+            <a:endParaRPr lang="zh-CN" altLang="en-US"/>
+          </a:p>
+        </p:txBody>
+      </p:sp>
+      <p:sp>
+        <p:nvSpPr>
+          <p:cNvPr id="11" name="文本框 10"/>
+          <p:cNvSpPr txBox="1"/>
+          <p:nvPr/>
+        </p:nvSpPr>
+        <p:spPr>
+          <a:xfrm>
+            <a:off x="1565275" y="3685540"/>
+            <a:ext cx="3367405" cy="368300"/>
+          </a:xfrm>
+          <a:prstGeom prst="rect">
+            <a:avLst/>
+          </a:prstGeom>
+          <a:noFill/>
+        </p:spPr>
+        <p:txBody>
+          <a:bodyPr wrap="square" rtlCol="0">
+            <a:spAutoFit/>
+          </a:bodyPr>
+          <a:p>
+            <a:r>
+              <a:rPr lang="en-US" altLang="zh-CN"/>
+              <a:t>5). </a:t>
+            </a:r>
+            <a:r>
+              <a:rPr lang="zh-CN" altLang="en-US"/>
+              <a:t>需求理解与信息传递</a:t>
+            </a:r>
+            <a:r>
+              <a:rPr lang="zh-CN" altLang="en-US"/>
+              <a:t>问题</a:t>
+            </a:r>
+            <a:endParaRPr lang="zh-CN" altLang="en-US"/>
           </a:p>
         </p:txBody>
       </p:sp>
@@ -7921,13 +10091,13 @@
   <p:clrMapOvr>
     <a:masterClrMapping/>
   </p:clrMapOvr>
-  <mc:AlternateContent xmlns:mc="http://schemas.openxmlformats.org/markup-compatibility/2006" xmlns:p14="http://schemas.microsoft.com/office/powerpoint/2010/main">
-    <mc:Choice Requires="p14">
+  <mc:AlternateContent xmlns:mc="http://schemas.openxmlformats.org/markup-compatibility/2006">
+    <mc:Choice xmlns:p14="http://schemas.microsoft.com/office/powerpoint/2010/main" Requires="p14">
       <p:transition spd="slow" p14:dur="1400">
         <p14:doors dir="vert"/>
       </p:transition>
     </mc:Choice>
-    <mc:Fallback xmlns="">
+    <mc:Fallback>
       <p:transition spd="slow">
         <p:fade/>
       </p:transition>
@@ -8214,17 +10384,1403 @@
           <a:chExt cx="0" cy="0"/>
         </a:xfrm>
       </p:grpSpPr>
+      <p:cxnSp>
+        <p:nvCxnSpPr>
+          <p:cNvPr id="2" name="直接连接符 1"/>
+          <p:cNvCxnSpPr/>
+          <p:nvPr/>
+        </p:nvCxnSpPr>
+        <p:spPr>
+          <a:xfrm>
+            <a:off x="0" y="581892"/>
+            <a:ext cx="9144000" cy="0"/>
+          </a:xfrm>
+          <a:prstGeom prst="line">
+            <a:avLst/>
+          </a:prstGeom>
+          <a:ln w="19050">
+            <a:solidFill>
+              <a:schemeClr val="accent1"/>
+            </a:solidFill>
+          </a:ln>
+        </p:spPr>
+        <p:style>
+          <a:lnRef idx="1">
+            <a:schemeClr val="accent1"/>
+          </a:lnRef>
+          <a:fillRef idx="0">
+            <a:schemeClr val="accent1"/>
+          </a:fillRef>
+          <a:effectRef idx="0">
+            <a:schemeClr val="accent1"/>
+          </a:effectRef>
+          <a:fontRef idx="minor">
+            <a:schemeClr val="tx1"/>
+          </a:fontRef>
+        </p:style>
+      </p:cxnSp>
+      <p:sp>
+        <p:nvSpPr>
+          <p:cNvPr id="3" name="文本框 2"/>
+          <p:cNvSpPr txBox="1"/>
+          <p:nvPr/>
+        </p:nvSpPr>
+        <p:spPr>
+          <a:xfrm>
+            <a:off x="193574" y="189773"/>
+            <a:ext cx="3086619" cy="414020"/>
+          </a:xfrm>
+          <a:prstGeom prst="rect">
+            <a:avLst/>
+          </a:prstGeom>
+          <a:noFill/>
+        </p:spPr>
+        <p:txBody>
+          <a:bodyPr wrap="square" rtlCol="0">
+            <a:spAutoFit/>
+          </a:bodyPr>
+          <a:lstStyle/>
+          <a:p>
+            <a:r>
+              <a:rPr lang="en-US" altLang="zh-CN" sz="2100" b="1" dirty="0">
+                <a:solidFill>
+                  <a:srgbClr val="005973"/>
+                </a:solidFill>
+                <a:latin typeface="微软雅黑" panose="020B0503020204020204" pitchFamily="34" charset="-122"/>
+                <a:ea typeface="微软雅黑" panose="020B0503020204020204" pitchFamily="34" charset="-122"/>
+                <a:cs typeface="Aharoni" panose="02010803020104030203" pitchFamily="2" charset="-79"/>
+              </a:rPr>
+              <a:t>Bom</a:t>
+            </a:r>
+            <a:r>
+              <a:rPr lang="zh-CN" altLang="en-US" sz="2100" b="1" dirty="0">
+                <a:solidFill>
+                  <a:srgbClr val="005973"/>
+                </a:solidFill>
+                <a:latin typeface="微软雅黑" panose="020B0503020204020204" pitchFamily="34" charset="-122"/>
+                <a:ea typeface="微软雅黑" panose="020B0503020204020204" pitchFamily="34" charset="-122"/>
+                <a:cs typeface="Aharoni" panose="02010803020104030203" pitchFamily="2" charset="-79"/>
+              </a:rPr>
+              <a:t>前台化问题及收获</a:t>
+            </a:r>
+            <a:endParaRPr lang="en-US" altLang="zh-CN" sz="2100" b="1" dirty="0">
+              <a:solidFill>
+                <a:srgbClr val="005973"/>
+              </a:solidFill>
+              <a:latin typeface="微软雅黑" panose="020B0503020204020204" pitchFamily="34" charset="-122"/>
+              <a:ea typeface="微软雅黑" panose="020B0503020204020204" pitchFamily="34" charset="-122"/>
+              <a:cs typeface="Aharoni" panose="02010803020104030203" pitchFamily="2" charset="-79"/>
+            </a:endParaRPr>
+          </a:p>
+        </p:txBody>
+      </p:sp>
+      <p:sp>
+        <p:nvSpPr>
+          <p:cNvPr id="6" name="文本框 5"/>
+          <p:cNvSpPr txBox="1"/>
+          <p:nvPr/>
+        </p:nvSpPr>
+        <p:spPr>
+          <a:xfrm>
+            <a:off x="1598295" y="1598295"/>
+            <a:ext cx="4363720" cy="368300"/>
+          </a:xfrm>
+          <a:prstGeom prst="rect">
+            <a:avLst/>
+          </a:prstGeom>
+          <a:noFill/>
+        </p:spPr>
+        <p:txBody>
+          <a:bodyPr wrap="square" rtlCol="0">
+            <a:spAutoFit/>
+          </a:bodyPr>
+          <a:p>
+            <a:r>
+              <a:rPr lang="en-US" altLang="zh-CN"/>
+              <a:t>6). </a:t>
+            </a:r>
+            <a:r>
+              <a:rPr lang="zh-CN" altLang="en-US"/>
+              <a:t>需求变更与开发时间的冲突问题</a:t>
+            </a:r>
+            <a:endParaRPr lang="zh-CN" altLang="en-US"/>
+          </a:p>
+        </p:txBody>
+      </p:sp>
+      <p:sp>
+        <p:nvSpPr>
+          <p:cNvPr id="5" name="文本框 4"/>
+          <p:cNvSpPr txBox="1"/>
+          <p:nvPr/>
+        </p:nvSpPr>
+        <p:spPr>
+          <a:xfrm>
+            <a:off x="1587500" y="2232660"/>
+            <a:ext cx="4569460" cy="368300"/>
+          </a:xfrm>
+          <a:prstGeom prst="rect">
+            <a:avLst/>
+          </a:prstGeom>
+          <a:noFill/>
+        </p:spPr>
+        <p:txBody>
+          <a:bodyPr wrap="square" rtlCol="0">
+            <a:spAutoFit/>
+          </a:bodyPr>
+          <a:p>
+            <a:r>
+              <a:rPr lang="en-US" altLang="zh-CN"/>
+              <a:t>7). </a:t>
+            </a:r>
+            <a:r>
+              <a:rPr lang="zh-CN" altLang="en-US"/>
+              <a:t>风险预估</a:t>
+            </a:r>
+            <a:endParaRPr lang="zh-CN" altLang="en-US"/>
+          </a:p>
+        </p:txBody>
+      </p:sp>
     </p:spTree>
   </p:cSld>
   <p:clrMapOvr>
     <a:masterClrMapping/>
   </p:clrMapOvr>
+  <mc:AlternateContent xmlns:mc="http://schemas.openxmlformats.org/markup-compatibility/2006">
+    <mc:Choice xmlns:p14="http://schemas.microsoft.com/office/powerpoint/2010/main" Requires="p14">
+      <p:transition spd="slow" p14:dur="1400">
+        <p14:doors dir="vert"/>
+      </p:transition>
+    </mc:Choice>
+    <mc:Fallback>
+      <p:transition spd="slow">
+        <p:fade/>
+      </p:transition>
+    </mc:Fallback>
+  </mc:AlternateContent>
   <p:timing>
     <p:tnLst>
       <p:par>
-        <p:cTn id="1" dur="indefinite" restart="never" nodeType="tmRoot"/>
+        <p:cTn id="1" dur="indefinite" restart="never" nodeType="tmRoot">
+          <p:childTnLst>
+            <p:seq concurrent="1" nextAc="seek">
+              <p:cTn id="2" dur="indefinite" nodeType="mainSeq">
+                <p:childTnLst>
+                  <p:par>
+                    <p:cTn id="3" fill="hold">
+                      <p:stCondLst>
+                        <p:cond delay="indefinite"/>
+                        <p:cond evt="onBegin" delay="0">
+                          <p:tn val="2"/>
+                        </p:cond>
+                      </p:stCondLst>
+                      <p:childTnLst>
+                        <p:par>
+                          <p:cTn id="4" fill="hold">
+                            <p:stCondLst>
+                              <p:cond delay="0"/>
+                            </p:stCondLst>
+                            <p:childTnLst>
+                              <p:par>
+                                <p:cTn id="5" presetID="53" presetClass="entr" presetSubtype="16" fill="hold" nodeType="afterEffect">
+                                  <p:stCondLst>
+                                    <p:cond delay="0"/>
+                                  </p:stCondLst>
+                                  <p:childTnLst>
+                                    <p:set>
+                                      <p:cBhvr>
+                                        <p:cTn id="6" dur="1" fill="hold">
+                                          <p:stCondLst>
+                                            <p:cond delay="0"/>
+                                          </p:stCondLst>
+                                        </p:cTn>
+                                        <p:tgtEl>
+                                          <p:spTgt spid="2"/>
+                                        </p:tgtEl>
+                                        <p:attrNameLst>
+                                          <p:attrName>style.visibility</p:attrName>
+                                        </p:attrNameLst>
+                                      </p:cBhvr>
+                                      <p:to>
+                                        <p:strVal val="visible"/>
+                                      </p:to>
+                                    </p:set>
+                                    <p:anim calcmode="lin" valueType="num">
+                                      <p:cBhvr>
+                                        <p:cTn id="7" dur="500" fill="hold"/>
+                                        <p:tgtEl>
+                                          <p:spTgt spid="2"/>
+                                        </p:tgtEl>
+                                        <p:attrNameLst>
+                                          <p:attrName>ppt_w</p:attrName>
+                                        </p:attrNameLst>
+                                      </p:cBhvr>
+                                      <p:tavLst>
+                                        <p:tav tm="0">
+                                          <p:val>
+                                            <p:fltVal val="0"/>
+                                          </p:val>
+                                        </p:tav>
+                                        <p:tav tm="100000">
+                                          <p:val>
+                                            <p:strVal val="#ppt_w"/>
+                                          </p:val>
+                                        </p:tav>
+                                      </p:tavLst>
+                                    </p:anim>
+                                    <p:anim calcmode="lin" valueType="num">
+                                      <p:cBhvr>
+                                        <p:cTn id="8" dur="500" fill="hold"/>
+                                        <p:tgtEl>
+                                          <p:spTgt spid="2"/>
+                                        </p:tgtEl>
+                                        <p:attrNameLst>
+                                          <p:attrName>ppt_h</p:attrName>
+                                        </p:attrNameLst>
+                                      </p:cBhvr>
+                                      <p:tavLst>
+                                        <p:tav tm="0">
+                                          <p:val>
+                                            <p:fltVal val="0"/>
+                                          </p:val>
+                                        </p:tav>
+                                        <p:tav tm="100000">
+                                          <p:val>
+                                            <p:strVal val="#ppt_h"/>
+                                          </p:val>
+                                        </p:tav>
+                                      </p:tavLst>
+                                    </p:anim>
+                                    <p:animEffect transition="in" filter="fade">
+                                      <p:cBhvr>
+                                        <p:cTn id="9" dur="500"/>
+                                        <p:tgtEl>
+                                          <p:spTgt spid="2"/>
+                                        </p:tgtEl>
+                                      </p:cBhvr>
+                                    </p:animEffect>
+                                  </p:childTnLst>
+                                </p:cTn>
+                              </p:par>
+                              <p:par>
+                                <p:cTn id="10" presetID="35" presetClass="path" presetSubtype="0" accel="50000" decel="50000" fill="hold" nodeType="withEffect">
+                                  <p:stCondLst>
+                                    <p:cond delay="0"/>
+                                  </p:stCondLst>
+                                  <p:childTnLst>
+                                    <p:animMotion origin="layout" path="M 0 -4.44444E-6 L -0.52956 -4.44444E-6 " pathEditMode="relative" rAng="0" ptsTypes="AA">
+                                      <p:cBhvr>
+                                        <p:cTn id="11" dur="1000" spd="-100000" fill="hold"/>
+                                        <p:tgtEl>
+                                          <p:spTgt spid="2"/>
+                                        </p:tgtEl>
+                                        <p:attrNameLst>
+                                          <p:attrName>ppt_x</p:attrName>
+                                          <p:attrName>ppt_y</p:attrName>
+                                        </p:attrNameLst>
+                                      </p:cBhvr>
+                                      <p:rCtr x="-26484" y="0"/>
+                                    </p:animMotion>
+                                  </p:childTnLst>
+                                </p:cTn>
+                              </p:par>
+                              <p:par>
+                                <p:cTn id="12" presetID="53" presetClass="entr" presetSubtype="16" fill="hold" grpId="0" nodeType="withEffect">
+                                  <p:stCondLst>
+                                    <p:cond delay="0"/>
+                                  </p:stCondLst>
+                                  <p:childTnLst>
+                                    <p:set>
+                                      <p:cBhvr>
+                                        <p:cTn id="13" dur="1" fill="hold">
+                                          <p:stCondLst>
+                                            <p:cond delay="0"/>
+                                          </p:stCondLst>
+                                        </p:cTn>
+                                        <p:tgtEl>
+                                          <p:spTgt spid="3"/>
+                                        </p:tgtEl>
+                                        <p:attrNameLst>
+                                          <p:attrName>style.visibility</p:attrName>
+                                        </p:attrNameLst>
+                                      </p:cBhvr>
+                                      <p:to>
+                                        <p:strVal val="visible"/>
+                                      </p:to>
+                                    </p:set>
+                                    <p:anim calcmode="lin" valueType="num">
+                                      <p:cBhvr>
+                                        <p:cTn id="14" dur="500" fill="hold"/>
+                                        <p:tgtEl>
+                                          <p:spTgt spid="3"/>
+                                        </p:tgtEl>
+                                        <p:attrNameLst>
+                                          <p:attrName>ppt_w</p:attrName>
+                                        </p:attrNameLst>
+                                      </p:cBhvr>
+                                      <p:tavLst>
+                                        <p:tav tm="0">
+                                          <p:val>
+                                            <p:fltVal val="0"/>
+                                          </p:val>
+                                        </p:tav>
+                                        <p:tav tm="100000">
+                                          <p:val>
+                                            <p:strVal val="#ppt_w"/>
+                                          </p:val>
+                                        </p:tav>
+                                      </p:tavLst>
+                                    </p:anim>
+                                    <p:anim calcmode="lin" valueType="num">
+                                      <p:cBhvr>
+                                        <p:cTn id="15" dur="500" fill="hold"/>
+                                        <p:tgtEl>
+                                          <p:spTgt spid="3"/>
+                                        </p:tgtEl>
+                                        <p:attrNameLst>
+                                          <p:attrName>ppt_h</p:attrName>
+                                        </p:attrNameLst>
+                                      </p:cBhvr>
+                                      <p:tavLst>
+                                        <p:tav tm="0">
+                                          <p:val>
+                                            <p:fltVal val="0"/>
+                                          </p:val>
+                                        </p:tav>
+                                        <p:tav tm="100000">
+                                          <p:val>
+                                            <p:strVal val="#ppt_h"/>
+                                          </p:val>
+                                        </p:tav>
+                                      </p:tavLst>
+                                    </p:anim>
+                                    <p:animEffect transition="in" filter="fade">
+                                      <p:cBhvr>
+                                        <p:cTn id="16" dur="500"/>
+                                        <p:tgtEl>
+                                          <p:spTgt spid="3"/>
+                                        </p:tgtEl>
+                                      </p:cBhvr>
+                                    </p:animEffect>
+                                  </p:childTnLst>
+                                </p:cTn>
+                              </p:par>
+                              <p:par>
+                                <p:cTn id="17" presetID="35" presetClass="path" presetSubtype="0" accel="50000" decel="50000" fill="hold" grpId="1" nodeType="withEffect">
+                                  <p:stCondLst>
+                                    <p:cond delay="0"/>
+                                  </p:stCondLst>
+                                  <p:childTnLst>
+                                    <p:animMotion origin="layout" path="M 0 2.59259E-6 L 0.12148 2.59259E-6 " pathEditMode="relative" rAng="0" ptsTypes="AA">
+                                      <p:cBhvr>
+                                        <p:cTn id="18" dur="1000" spd="-100000" fill="hold"/>
+                                        <p:tgtEl>
+                                          <p:spTgt spid="3"/>
+                                        </p:tgtEl>
+                                        <p:attrNameLst>
+                                          <p:attrName>ppt_x</p:attrName>
+                                          <p:attrName>ppt_y</p:attrName>
+                                        </p:attrNameLst>
+                                      </p:cBhvr>
+                                      <p:rCtr x="6068" y="0"/>
+                                    </p:animMotion>
+                                  </p:childTnLst>
+                                </p:cTn>
+                              </p:par>
+                            </p:childTnLst>
+                          </p:cTn>
+                        </p:par>
+                      </p:childTnLst>
+                    </p:cTn>
+                  </p:par>
+                </p:childTnLst>
+              </p:cTn>
+              <p:prevCondLst>
+                <p:cond evt="onPrev" delay="0">
+                  <p:tgtEl>
+                    <p:sldTgt/>
+                  </p:tgtEl>
+                </p:cond>
+              </p:prevCondLst>
+              <p:nextCondLst>
+                <p:cond evt="onNext" delay="0">
+                  <p:tgtEl>
+                    <p:sldTgt/>
+                  </p:tgtEl>
+                </p:cond>
+              </p:nextCondLst>
+            </p:seq>
+          </p:childTnLst>
+        </p:cTn>
       </p:par>
     </p:tnLst>
+    <p:bldLst>
+      <p:bldP spid="3" grpId="0"/>
+      <p:bldP spid="3" grpId="1"/>
+    </p:bldLst>
+  </p:timing>
+</p:sld>
+</file>
+
+<file path=ppt/slides/slide8.xml><?xml version="1.0" encoding="utf-8"?>
+<p:sld xmlns:a="http://schemas.openxmlformats.org/drawingml/2006/main" xmlns:r="http://schemas.openxmlformats.org/officeDocument/2006/relationships" xmlns:p="http://schemas.openxmlformats.org/presentationml/2006/main">
+  <p:cSld>
+    <p:spTree>
+      <p:nvGrpSpPr>
+        <p:cNvPr id="1" name=""/>
+        <p:cNvGrpSpPr/>
+        <p:nvPr/>
+      </p:nvGrpSpPr>
+      <p:grpSpPr>
+        <a:xfrm>
+          <a:off x="0" y="0"/>
+          <a:ext cx="0" cy="0"/>
+          <a:chOff x="0" y="0"/>
+          <a:chExt cx="0" cy="0"/>
+        </a:xfrm>
+      </p:grpSpPr>
+      <p:cxnSp>
+        <p:nvCxnSpPr>
+          <p:cNvPr id="2" name="直接连接符 1"/>
+          <p:cNvCxnSpPr/>
+          <p:nvPr/>
+        </p:nvCxnSpPr>
+        <p:spPr>
+          <a:xfrm>
+            <a:off x="0" y="581892"/>
+            <a:ext cx="9144000" cy="0"/>
+          </a:xfrm>
+          <a:prstGeom prst="line">
+            <a:avLst/>
+          </a:prstGeom>
+          <a:ln w="19050">
+            <a:solidFill>
+              <a:schemeClr val="accent1"/>
+            </a:solidFill>
+          </a:ln>
+        </p:spPr>
+        <p:style>
+          <a:lnRef idx="1">
+            <a:schemeClr val="accent1"/>
+          </a:lnRef>
+          <a:fillRef idx="0">
+            <a:schemeClr val="accent1"/>
+          </a:fillRef>
+          <a:effectRef idx="0">
+            <a:schemeClr val="accent1"/>
+          </a:effectRef>
+          <a:fontRef idx="minor">
+            <a:schemeClr val="tx1"/>
+          </a:fontRef>
+        </p:style>
+      </p:cxnSp>
+      <p:sp>
+        <p:nvSpPr>
+          <p:cNvPr id="3" name="文本框 2"/>
+          <p:cNvSpPr txBox="1"/>
+          <p:nvPr/>
+        </p:nvSpPr>
+        <p:spPr>
+          <a:xfrm>
+            <a:off x="193574" y="189773"/>
+            <a:ext cx="3086619" cy="414020"/>
+          </a:xfrm>
+          <a:prstGeom prst="rect">
+            <a:avLst/>
+          </a:prstGeom>
+          <a:noFill/>
+        </p:spPr>
+        <p:txBody>
+          <a:bodyPr wrap="square" rtlCol="0">
+            <a:spAutoFit/>
+          </a:bodyPr>
+          <a:lstStyle/>
+          <a:p>
+            <a:r>
+              <a:rPr lang="zh-CN" altLang="en-US" sz="2100" b="1" dirty="0">
+                <a:solidFill>
+                  <a:srgbClr val="005973"/>
+                </a:solidFill>
+                <a:latin typeface="微软雅黑" panose="020B0503020204020204" pitchFamily="34" charset="-122"/>
+                <a:ea typeface="微软雅黑" panose="020B0503020204020204" pitchFamily="34" charset="-122"/>
+                <a:cs typeface="Aharoni" panose="02010803020104030203" pitchFamily="2" charset="-79"/>
+              </a:rPr>
+              <a:t>常见</a:t>
+            </a:r>
+            <a:r>
+              <a:rPr lang="en-US" altLang="zh-CN" sz="2100" b="1" dirty="0">
+                <a:solidFill>
+                  <a:srgbClr val="005973"/>
+                </a:solidFill>
+                <a:latin typeface="微软雅黑" panose="020B0503020204020204" pitchFamily="34" charset="-122"/>
+                <a:ea typeface="微软雅黑" panose="020B0503020204020204" pitchFamily="34" charset="-122"/>
+                <a:cs typeface="Aharoni" panose="02010803020104030203" pitchFamily="2" charset="-79"/>
+              </a:rPr>
+              <a:t>BUG</a:t>
+            </a:r>
+            <a:r>
+              <a:rPr lang="zh-CN" altLang="en-US" sz="2100" b="1" dirty="0">
+                <a:solidFill>
+                  <a:srgbClr val="005973"/>
+                </a:solidFill>
+                <a:latin typeface="微软雅黑" panose="020B0503020204020204" pitchFamily="34" charset="-122"/>
+                <a:ea typeface="微软雅黑" panose="020B0503020204020204" pitchFamily="34" charset="-122"/>
+                <a:cs typeface="Aharoni" panose="02010803020104030203" pitchFamily="2" charset="-79"/>
+              </a:rPr>
+              <a:t>点汇总</a:t>
+            </a:r>
+            <a:endParaRPr lang="zh-CN" altLang="en-US" sz="2100" b="1" dirty="0">
+              <a:solidFill>
+                <a:srgbClr val="005973"/>
+              </a:solidFill>
+              <a:latin typeface="微软雅黑" panose="020B0503020204020204" pitchFamily="34" charset="-122"/>
+              <a:ea typeface="微软雅黑" panose="020B0503020204020204" pitchFamily="34" charset="-122"/>
+              <a:cs typeface="Aharoni" panose="02010803020104030203" pitchFamily="2" charset="-79"/>
+            </a:endParaRPr>
+          </a:p>
+        </p:txBody>
+      </p:sp>
+      <p:sp>
+        <p:nvSpPr>
+          <p:cNvPr id="6" name="文本框 5"/>
+          <p:cNvSpPr txBox="1"/>
+          <p:nvPr/>
+        </p:nvSpPr>
+        <p:spPr>
+          <a:xfrm>
+            <a:off x="1598295" y="952500"/>
+            <a:ext cx="5653405" cy="3692525"/>
+          </a:xfrm>
+          <a:prstGeom prst="rect">
+            <a:avLst/>
+          </a:prstGeom>
+          <a:noFill/>
+        </p:spPr>
+        <p:txBody>
+          <a:bodyPr wrap="square" rtlCol="0">
+            <a:spAutoFit/>
+          </a:bodyPr>
+          <a:p>
+            <a:r>
+              <a:rPr lang="zh-CN" altLang="en-US"/>
+              <a:t>1、最直接的与设计稿有出入</a:t>
+            </a:r>
+            <a:endParaRPr lang="zh-CN" altLang="en-US"/>
+          </a:p>
+          <a:p>
+            <a:r>
+              <a:rPr lang="zh-CN" altLang="en-US"/>
+              <a:t>2、浏览器兼容性</a:t>
+            </a:r>
+            <a:endParaRPr lang="zh-CN" altLang="en-US"/>
+          </a:p>
+          <a:p>
+            <a:r>
+              <a:rPr lang="zh-CN" altLang="en-US"/>
+              <a:t>3、表单验证信息及规则是否统一</a:t>
+            </a:r>
+            <a:endParaRPr lang="zh-CN" altLang="en-US"/>
+          </a:p>
+          <a:p>
+            <a:r>
+              <a:rPr lang="zh-CN" altLang="en-US"/>
+              <a:t>3、表单没有限制重复提交</a:t>
+            </a:r>
+            <a:endParaRPr lang="zh-CN" altLang="en-US"/>
+          </a:p>
+          <a:p>
+            <a:r>
+              <a:rPr lang="zh-CN" altLang="en-US"/>
+              <a:t>4、弹窗样式是否统一（高度、宽度、图标及文字间距、是否有边框）</a:t>
+            </a:r>
+            <a:endParaRPr lang="zh-CN" altLang="en-US"/>
+          </a:p>
+          <a:p>
+            <a:r>
+              <a:rPr lang="zh-CN" altLang="en-US"/>
+              <a:t>5、链接及按钮鼠标经过场景是否按UI规范里的规定去实现</a:t>
+            </a:r>
+            <a:endParaRPr lang="zh-CN" altLang="en-US"/>
+          </a:p>
+          <a:p>
+            <a:r>
+              <a:rPr lang="zh-CN" altLang="en-US"/>
+              <a:t>6、按钮是否有加圆角</a:t>
+            </a:r>
+            <a:endParaRPr lang="zh-CN" altLang="en-US"/>
+          </a:p>
+          <a:p>
+            <a:r>
+              <a:rPr lang="zh-CN" altLang="en-US"/>
+              <a:t>7、弹窗后屏幕是否有缩进(通常出现在有bootstrap弹框的时候)</a:t>
+            </a:r>
+            <a:endParaRPr lang="zh-CN" altLang="en-US"/>
+          </a:p>
+          <a:p>
+            <a:r>
+              <a:rPr lang="zh-CN" altLang="en-US"/>
+              <a:t>8、文字大小、间距，颜色</a:t>
+            </a:r>
+            <a:endParaRPr lang="zh-CN" altLang="en-US"/>
+          </a:p>
+          <a:p>
+            <a:r>
+              <a:rPr lang="zh-CN" altLang="en-US"/>
+              <a:t>9、提示文案与需求不一致</a:t>
+            </a:r>
+            <a:endParaRPr lang="zh-CN" altLang="en-US"/>
+          </a:p>
+        </p:txBody>
+      </p:sp>
+    </p:spTree>
+  </p:cSld>
+  <p:clrMapOvr>
+    <a:masterClrMapping/>
+  </p:clrMapOvr>
+  <mc:AlternateContent xmlns:mc="http://schemas.openxmlformats.org/markup-compatibility/2006">
+    <mc:Choice xmlns:p14="http://schemas.microsoft.com/office/powerpoint/2010/main" Requires="p14">
+      <p:transition spd="slow" p14:dur="1400">
+        <p14:doors dir="vert"/>
+      </p:transition>
+    </mc:Choice>
+    <mc:Fallback>
+      <p:transition spd="slow">
+        <p:fade/>
+      </p:transition>
+    </mc:Fallback>
+  </mc:AlternateContent>
+  <p:timing>
+    <p:tnLst>
+      <p:par>
+        <p:cTn id="1" dur="indefinite" restart="never" nodeType="tmRoot">
+          <p:childTnLst>
+            <p:seq concurrent="1" nextAc="seek">
+              <p:cTn id="2" dur="indefinite" nodeType="mainSeq">
+                <p:childTnLst>
+                  <p:par>
+                    <p:cTn id="3" fill="hold">
+                      <p:stCondLst>
+                        <p:cond delay="indefinite"/>
+                        <p:cond evt="onBegin" delay="0">
+                          <p:tn val="2"/>
+                        </p:cond>
+                      </p:stCondLst>
+                      <p:childTnLst>
+                        <p:par>
+                          <p:cTn id="4" fill="hold">
+                            <p:stCondLst>
+                              <p:cond delay="0"/>
+                            </p:stCondLst>
+                            <p:childTnLst>
+                              <p:par>
+                                <p:cTn id="5" presetID="53" presetClass="entr" presetSubtype="16" fill="hold" nodeType="afterEffect">
+                                  <p:stCondLst>
+                                    <p:cond delay="0"/>
+                                  </p:stCondLst>
+                                  <p:childTnLst>
+                                    <p:set>
+                                      <p:cBhvr>
+                                        <p:cTn id="6" dur="1" fill="hold">
+                                          <p:stCondLst>
+                                            <p:cond delay="0"/>
+                                          </p:stCondLst>
+                                        </p:cTn>
+                                        <p:tgtEl>
+                                          <p:spTgt spid="2"/>
+                                        </p:tgtEl>
+                                        <p:attrNameLst>
+                                          <p:attrName>style.visibility</p:attrName>
+                                        </p:attrNameLst>
+                                      </p:cBhvr>
+                                      <p:to>
+                                        <p:strVal val="visible"/>
+                                      </p:to>
+                                    </p:set>
+                                    <p:anim calcmode="lin" valueType="num">
+                                      <p:cBhvr>
+                                        <p:cTn id="7" dur="500" fill="hold"/>
+                                        <p:tgtEl>
+                                          <p:spTgt spid="2"/>
+                                        </p:tgtEl>
+                                        <p:attrNameLst>
+                                          <p:attrName>ppt_w</p:attrName>
+                                        </p:attrNameLst>
+                                      </p:cBhvr>
+                                      <p:tavLst>
+                                        <p:tav tm="0">
+                                          <p:val>
+                                            <p:fltVal val="0"/>
+                                          </p:val>
+                                        </p:tav>
+                                        <p:tav tm="100000">
+                                          <p:val>
+                                            <p:strVal val="#ppt_w"/>
+                                          </p:val>
+                                        </p:tav>
+                                      </p:tavLst>
+                                    </p:anim>
+                                    <p:anim calcmode="lin" valueType="num">
+                                      <p:cBhvr>
+                                        <p:cTn id="8" dur="500" fill="hold"/>
+                                        <p:tgtEl>
+                                          <p:spTgt spid="2"/>
+                                        </p:tgtEl>
+                                        <p:attrNameLst>
+                                          <p:attrName>ppt_h</p:attrName>
+                                        </p:attrNameLst>
+                                      </p:cBhvr>
+                                      <p:tavLst>
+                                        <p:tav tm="0">
+                                          <p:val>
+                                            <p:fltVal val="0"/>
+                                          </p:val>
+                                        </p:tav>
+                                        <p:tav tm="100000">
+                                          <p:val>
+                                            <p:strVal val="#ppt_h"/>
+                                          </p:val>
+                                        </p:tav>
+                                      </p:tavLst>
+                                    </p:anim>
+                                    <p:animEffect transition="in" filter="fade">
+                                      <p:cBhvr>
+                                        <p:cTn id="9" dur="500"/>
+                                        <p:tgtEl>
+                                          <p:spTgt spid="2"/>
+                                        </p:tgtEl>
+                                      </p:cBhvr>
+                                    </p:animEffect>
+                                  </p:childTnLst>
+                                </p:cTn>
+                              </p:par>
+                              <p:par>
+                                <p:cTn id="10" presetID="35" presetClass="path" presetSubtype="0" accel="50000" decel="50000" fill="hold" nodeType="withEffect">
+                                  <p:stCondLst>
+                                    <p:cond delay="0"/>
+                                  </p:stCondLst>
+                                  <p:childTnLst>
+                                    <p:animMotion origin="layout" path="M 0 -4.44444E-6 L -0.52956 -4.44444E-6 " pathEditMode="relative" rAng="0" ptsTypes="AA">
+                                      <p:cBhvr>
+                                        <p:cTn id="11" dur="1000" spd="-100000" fill="hold"/>
+                                        <p:tgtEl>
+                                          <p:spTgt spid="2"/>
+                                        </p:tgtEl>
+                                        <p:attrNameLst>
+                                          <p:attrName>ppt_x</p:attrName>
+                                          <p:attrName>ppt_y</p:attrName>
+                                        </p:attrNameLst>
+                                      </p:cBhvr>
+                                      <p:rCtr x="-26484" y="0"/>
+                                    </p:animMotion>
+                                  </p:childTnLst>
+                                </p:cTn>
+                              </p:par>
+                              <p:par>
+                                <p:cTn id="12" presetID="53" presetClass="entr" presetSubtype="16" fill="hold" grpId="0" nodeType="withEffect">
+                                  <p:stCondLst>
+                                    <p:cond delay="0"/>
+                                  </p:stCondLst>
+                                  <p:childTnLst>
+                                    <p:set>
+                                      <p:cBhvr>
+                                        <p:cTn id="13" dur="1" fill="hold">
+                                          <p:stCondLst>
+                                            <p:cond delay="0"/>
+                                          </p:stCondLst>
+                                        </p:cTn>
+                                        <p:tgtEl>
+                                          <p:spTgt spid="3"/>
+                                        </p:tgtEl>
+                                        <p:attrNameLst>
+                                          <p:attrName>style.visibility</p:attrName>
+                                        </p:attrNameLst>
+                                      </p:cBhvr>
+                                      <p:to>
+                                        <p:strVal val="visible"/>
+                                      </p:to>
+                                    </p:set>
+                                    <p:anim calcmode="lin" valueType="num">
+                                      <p:cBhvr>
+                                        <p:cTn id="14" dur="500" fill="hold"/>
+                                        <p:tgtEl>
+                                          <p:spTgt spid="3"/>
+                                        </p:tgtEl>
+                                        <p:attrNameLst>
+                                          <p:attrName>ppt_w</p:attrName>
+                                        </p:attrNameLst>
+                                      </p:cBhvr>
+                                      <p:tavLst>
+                                        <p:tav tm="0">
+                                          <p:val>
+                                            <p:fltVal val="0"/>
+                                          </p:val>
+                                        </p:tav>
+                                        <p:tav tm="100000">
+                                          <p:val>
+                                            <p:strVal val="#ppt_w"/>
+                                          </p:val>
+                                        </p:tav>
+                                      </p:tavLst>
+                                    </p:anim>
+                                    <p:anim calcmode="lin" valueType="num">
+                                      <p:cBhvr>
+                                        <p:cTn id="15" dur="500" fill="hold"/>
+                                        <p:tgtEl>
+                                          <p:spTgt spid="3"/>
+                                        </p:tgtEl>
+                                        <p:attrNameLst>
+                                          <p:attrName>ppt_h</p:attrName>
+                                        </p:attrNameLst>
+                                      </p:cBhvr>
+                                      <p:tavLst>
+                                        <p:tav tm="0">
+                                          <p:val>
+                                            <p:fltVal val="0"/>
+                                          </p:val>
+                                        </p:tav>
+                                        <p:tav tm="100000">
+                                          <p:val>
+                                            <p:strVal val="#ppt_h"/>
+                                          </p:val>
+                                        </p:tav>
+                                      </p:tavLst>
+                                    </p:anim>
+                                    <p:animEffect transition="in" filter="fade">
+                                      <p:cBhvr>
+                                        <p:cTn id="16" dur="500"/>
+                                        <p:tgtEl>
+                                          <p:spTgt spid="3"/>
+                                        </p:tgtEl>
+                                      </p:cBhvr>
+                                    </p:animEffect>
+                                  </p:childTnLst>
+                                </p:cTn>
+                              </p:par>
+                              <p:par>
+                                <p:cTn id="17" presetID="35" presetClass="path" presetSubtype="0" accel="50000" decel="50000" fill="hold" grpId="1" nodeType="withEffect">
+                                  <p:stCondLst>
+                                    <p:cond delay="0"/>
+                                  </p:stCondLst>
+                                  <p:childTnLst>
+                                    <p:animMotion origin="layout" path="M 0 2.59259E-6 L 0.12148 2.59259E-6 " pathEditMode="relative" rAng="0" ptsTypes="AA">
+                                      <p:cBhvr>
+                                        <p:cTn id="18" dur="1000" spd="-100000" fill="hold"/>
+                                        <p:tgtEl>
+                                          <p:spTgt spid="3"/>
+                                        </p:tgtEl>
+                                        <p:attrNameLst>
+                                          <p:attrName>ppt_x</p:attrName>
+                                          <p:attrName>ppt_y</p:attrName>
+                                        </p:attrNameLst>
+                                      </p:cBhvr>
+                                      <p:rCtr x="6068" y="0"/>
+                                    </p:animMotion>
+                                  </p:childTnLst>
+                                </p:cTn>
+                              </p:par>
+                            </p:childTnLst>
+                          </p:cTn>
+                        </p:par>
+                      </p:childTnLst>
+                    </p:cTn>
+                  </p:par>
+                </p:childTnLst>
+              </p:cTn>
+              <p:prevCondLst>
+                <p:cond evt="onPrev" delay="0">
+                  <p:tgtEl>
+                    <p:sldTgt/>
+                  </p:tgtEl>
+                </p:cond>
+              </p:prevCondLst>
+              <p:nextCondLst>
+                <p:cond evt="onNext" delay="0">
+                  <p:tgtEl>
+                    <p:sldTgt/>
+                  </p:tgtEl>
+                </p:cond>
+              </p:nextCondLst>
+            </p:seq>
+          </p:childTnLst>
+        </p:cTn>
+      </p:par>
+    </p:tnLst>
+    <p:bldLst>
+      <p:bldP spid="3" grpId="0"/>
+      <p:bldP spid="3" grpId="1"/>
+    </p:bldLst>
+  </p:timing>
+</p:sld>
+</file>
+
+<file path=ppt/slides/slide9.xml><?xml version="1.0" encoding="utf-8"?>
+<p:sld xmlns:a="http://schemas.openxmlformats.org/drawingml/2006/main" xmlns:r="http://schemas.openxmlformats.org/officeDocument/2006/relationships" xmlns:p="http://schemas.openxmlformats.org/presentationml/2006/main">
+  <p:cSld>
+    <p:spTree>
+      <p:nvGrpSpPr>
+        <p:cNvPr id="1" name=""/>
+        <p:cNvGrpSpPr/>
+        <p:nvPr/>
+      </p:nvGrpSpPr>
+      <p:grpSpPr>
+        <a:xfrm>
+          <a:off x="0" y="0"/>
+          <a:ext cx="0" cy="0"/>
+          <a:chOff x="0" y="0"/>
+          <a:chExt cx="0" cy="0"/>
+        </a:xfrm>
+      </p:grpSpPr>
+      <p:cxnSp>
+        <p:nvCxnSpPr>
+          <p:cNvPr id="2" name="直接连接符 1"/>
+          <p:cNvCxnSpPr/>
+          <p:nvPr/>
+        </p:nvCxnSpPr>
+        <p:spPr>
+          <a:xfrm>
+            <a:off x="0" y="581892"/>
+            <a:ext cx="9144000" cy="0"/>
+          </a:xfrm>
+          <a:prstGeom prst="line">
+            <a:avLst/>
+          </a:prstGeom>
+          <a:ln w="19050">
+            <a:solidFill>
+              <a:schemeClr val="accent1"/>
+            </a:solidFill>
+          </a:ln>
+        </p:spPr>
+        <p:style>
+          <a:lnRef idx="1">
+            <a:schemeClr val="accent1"/>
+          </a:lnRef>
+          <a:fillRef idx="0">
+            <a:schemeClr val="accent1"/>
+          </a:fillRef>
+          <a:effectRef idx="0">
+            <a:schemeClr val="accent1"/>
+          </a:effectRef>
+          <a:fontRef idx="minor">
+            <a:schemeClr val="tx1"/>
+          </a:fontRef>
+        </p:style>
+      </p:cxnSp>
+      <p:sp>
+        <p:nvSpPr>
+          <p:cNvPr id="3" name="文本框 2"/>
+          <p:cNvSpPr txBox="1"/>
+          <p:nvPr/>
+        </p:nvSpPr>
+        <p:spPr>
+          <a:xfrm>
+            <a:off x="193574" y="189773"/>
+            <a:ext cx="3086619" cy="414020"/>
+          </a:xfrm>
+          <a:prstGeom prst="rect">
+            <a:avLst/>
+          </a:prstGeom>
+          <a:noFill/>
+        </p:spPr>
+        <p:txBody>
+          <a:bodyPr wrap="square" rtlCol="0">
+            <a:spAutoFit/>
+          </a:bodyPr>
+          <a:lstStyle/>
+          <a:p>
+            <a:r>
+              <a:rPr lang="zh-CN" altLang="en-US" sz="2100" b="1" dirty="0">
+                <a:solidFill>
+                  <a:srgbClr val="005973"/>
+                </a:solidFill>
+                <a:latin typeface="微软雅黑" panose="020B0503020204020204" pitchFamily="34" charset="-122"/>
+                <a:ea typeface="微软雅黑" panose="020B0503020204020204" pitchFamily="34" charset="-122"/>
+                <a:cs typeface="Aharoni" panose="02010803020104030203" pitchFamily="2" charset="-79"/>
+              </a:rPr>
+              <a:t>前端自测标准</a:t>
+            </a:r>
+            <a:endParaRPr lang="zh-CN" altLang="en-US" sz="2100" b="1" dirty="0">
+              <a:solidFill>
+                <a:srgbClr val="005973"/>
+              </a:solidFill>
+              <a:latin typeface="微软雅黑" panose="020B0503020204020204" pitchFamily="34" charset="-122"/>
+              <a:ea typeface="微软雅黑" panose="020B0503020204020204" pitchFamily="34" charset="-122"/>
+              <a:cs typeface="Aharoni" panose="02010803020104030203" pitchFamily="2" charset="-79"/>
+            </a:endParaRPr>
+          </a:p>
+        </p:txBody>
+      </p:sp>
+      <p:sp>
+        <p:nvSpPr>
+          <p:cNvPr id="4" name="文本框 3"/>
+          <p:cNvSpPr txBox="1"/>
+          <p:nvPr/>
+        </p:nvSpPr>
+        <p:spPr>
+          <a:xfrm>
+            <a:off x="1294130" y="890905"/>
+            <a:ext cx="4719955" cy="368300"/>
+          </a:xfrm>
+          <a:prstGeom prst="rect">
+            <a:avLst/>
+          </a:prstGeom>
+          <a:noFill/>
+        </p:spPr>
+        <p:txBody>
+          <a:bodyPr wrap="square" rtlCol="0">
+            <a:spAutoFit/>
+          </a:bodyPr>
+          <a:p>
+            <a:r>
+              <a:rPr lang="zh-CN" altLang="en-US"/>
+              <a:t>一、</a:t>
+            </a:r>
+            <a:r>
+              <a:rPr lang="zh-CN" altLang="en-US"/>
+              <a:t>测试功能</a:t>
+            </a:r>
+            <a:endParaRPr lang="zh-CN" altLang="en-US"/>
+          </a:p>
+        </p:txBody>
+      </p:sp>
+      <p:sp>
+        <p:nvSpPr>
+          <p:cNvPr id="5" name="文本框 4"/>
+          <p:cNvSpPr txBox="1"/>
+          <p:nvPr/>
+        </p:nvSpPr>
+        <p:spPr>
+          <a:xfrm>
+            <a:off x="1894205" y="1450975"/>
+            <a:ext cx="6278245" cy="1814830"/>
+          </a:xfrm>
+          <a:prstGeom prst="rect">
+            <a:avLst/>
+          </a:prstGeom>
+          <a:noFill/>
+        </p:spPr>
+        <p:txBody>
+          <a:bodyPr wrap="square" rtlCol="0">
+            <a:spAutoFit/>
+          </a:bodyPr>
+          <a:p>
+            <a:r>
+              <a:rPr lang="en-US" altLang="zh-CN" sz="1600"/>
+              <a:t>1) </a:t>
+            </a:r>
+            <a:r>
+              <a:rPr lang="zh-CN" altLang="en-US" sz="1600"/>
+              <a:t>页面功能有没有按需求走通？</a:t>
+            </a:r>
+            <a:endParaRPr lang="zh-CN" altLang="en-US" sz="1600"/>
+          </a:p>
+          <a:p>
+            <a:endParaRPr lang="zh-CN" altLang="en-US" sz="1600"/>
+          </a:p>
+          <a:p>
+            <a:r>
+              <a:rPr lang="en-US" altLang="zh-CN" sz="1600"/>
+              <a:t>2) 有没有闪退问题？有没有卡死情况？</a:t>
+            </a:r>
+            <a:endParaRPr lang="en-US" altLang="zh-CN" sz="1600"/>
+          </a:p>
+          <a:p>
+            <a:endParaRPr lang="en-US" altLang="zh-CN" sz="1600"/>
+          </a:p>
+          <a:p>
+            <a:r>
+              <a:rPr lang="en-US" altLang="zh-CN" sz="1600"/>
+              <a:t>3) 响应性能要求：一般页面3秒以内，报表页面6秒以内？</a:t>
+            </a:r>
+            <a:endParaRPr lang="en-US" altLang="zh-CN" sz="1600"/>
+          </a:p>
+          <a:p>
+            <a:endParaRPr lang="en-US" altLang="zh-CN" sz="1600"/>
+          </a:p>
+          <a:p>
+            <a:r>
+              <a:rPr lang="en-US" altLang="zh-CN" sz="1600"/>
+              <a:t>4) 数据是否正确？</a:t>
+            </a:r>
+            <a:endParaRPr lang="en-US" altLang="zh-CN" sz="1600"/>
+          </a:p>
+        </p:txBody>
+      </p:sp>
+    </p:spTree>
+  </p:cSld>
+  <p:clrMapOvr>
+    <a:masterClrMapping/>
+  </p:clrMapOvr>
+  <mc:AlternateContent xmlns:mc="http://schemas.openxmlformats.org/markup-compatibility/2006">
+    <mc:Choice xmlns:p14="http://schemas.microsoft.com/office/powerpoint/2010/main" Requires="p14">
+      <p:transition spd="slow" p14:dur="1400">
+        <p14:doors dir="vert"/>
+      </p:transition>
+    </mc:Choice>
+    <mc:Fallback>
+      <p:transition spd="slow">
+        <p:fade/>
+      </p:transition>
+    </mc:Fallback>
+  </mc:AlternateContent>
+  <p:timing>
+    <p:tnLst>
+      <p:par>
+        <p:cTn id="1" dur="indefinite" restart="never" nodeType="tmRoot">
+          <p:childTnLst>
+            <p:seq concurrent="1" nextAc="seek">
+              <p:cTn id="2" dur="indefinite" nodeType="mainSeq">
+                <p:childTnLst>
+                  <p:par>
+                    <p:cTn id="3" fill="hold">
+                      <p:stCondLst>
+                        <p:cond delay="indefinite"/>
+                        <p:cond evt="onBegin" delay="0">
+                          <p:tn val="2"/>
+                        </p:cond>
+                      </p:stCondLst>
+                      <p:childTnLst>
+                        <p:par>
+                          <p:cTn id="4" fill="hold">
+                            <p:stCondLst>
+                              <p:cond delay="0"/>
+                            </p:stCondLst>
+                            <p:childTnLst>
+                              <p:par>
+                                <p:cTn id="5" presetID="53" presetClass="entr" presetSubtype="16" fill="hold" nodeType="afterEffect">
+                                  <p:stCondLst>
+                                    <p:cond delay="0"/>
+                                  </p:stCondLst>
+                                  <p:childTnLst>
+                                    <p:set>
+                                      <p:cBhvr>
+                                        <p:cTn id="6" dur="1" fill="hold">
+                                          <p:stCondLst>
+                                            <p:cond delay="0"/>
+                                          </p:stCondLst>
+                                        </p:cTn>
+                                        <p:tgtEl>
+                                          <p:spTgt spid="2"/>
+                                        </p:tgtEl>
+                                        <p:attrNameLst>
+                                          <p:attrName>style.visibility</p:attrName>
+                                        </p:attrNameLst>
+                                      </p:cBhvr>
+                                      <p:to>
+                                        <p:strVal val="visible"/>
+                                      </p:to>
+                                    </p:set>
+                                    <p:anim calcmode="lin" valueType="num">
+                                      <p:cBhvr>
+                                        <p:cTn id="7" dur="500" fill="hold"/>
+                                        <p:tgtEl>
+                                          <p:spTgt spid="2"/>
+                                        </p:tgtEl>
+                                        <p:attrNameLst>
+                                          <p:attrName>ppt_w</p:attrName>
+                                        </p:attrNameLst>
+                                      </p:cBhvr>
+                                      <p:tavLst>
+                                        <p:tav tm="0">
+                                          <p:val>
+                                            <p:fltVal val="0"/>
+                                          </p:val>
+                                        </p:tav>
+                                        <p:tav tm="100000">
+                                          <p:val>
+                                            <p:strVal val="#ppt_w"/>
+                                          </p:val>
+                                        </p:tav>
+                                      </p:tavLst>
+                                    </p:anim>
+                                    <p:anim calcmode="lin" valueType="num">
+                                      <p:cBhvr>
+                                        <p:cTn id="8" dur="500" fill="hold"/>
+                                        <p:tgtEl>
+                                          <p:spTgt spid="2"/>
+                                        </p:tgtEl>
+                                        <p:attrNameLst>
+                                          <p:attrName>ppt_h</p:attrName>
+                                        </p:attrNameLst>
+                                      </p:cBhvr>
+                                      <p:tavLst>
+                                        <p:tav tm="0">
+                                          <p:val>
+                                            <p:fltVal val="0"/>
+                                          </p:val>
+                                        </p:tav>
+                                        <p:tav tm="100000">
+                                          <p:val>
+                                            <p:strVal val="#ppt_h"/>
+                                          </p:val>
+                                        </p:tav>
+                                      </p:tavLst>
+                                    </p:anim>
+                                    <p:animEffect transition="in" filter="fade">
+                                      <p:cBhvr>
+                                        <p:cTn id="9" dur="500"/>
+                                        <p:tgtEl>
+                                          <p:spTgt spid="2"/>
+                                        </p:tgtEl>
+                                      </p:cBhvr>
+                                    </p:animEffect>
+                                  </p:childTnLst>
+                                </p:cTn>
+                              </p:par>
+                              <p:par>
+                                <p:cTn id="10" presetID="35" presetClass="path" presetSubtype="0" accel="50000" decel="50000" fill="hold" nodeType="withEffect">
+                                  <p:stCondLst>
+                                    <p:cond delay="0"/>
+                                  </p:stCondLst>
+                                  <p:childTnLst>
+                                    <p:animMotion origin="layout" path="M 0 -4.44444E-6 L -0.52956 -4.44444E-6 " pathEditMode="relative" rAng="0" ptsTypes="AA">
+                                      <p:cBhvr>
+                                        <p:cTn id="11" dur="1000" spd="-100000" fill="hold"/>
+                                        <p:tgtEl>
+                                          <p:spTgt spid="2"/>
+                                        </p:tgtEl>
+                                        <p:attrNameLst>
+                                          <p:attrName>ppt_x</p:attrName>
+                                          <p:attrName>ppt_y</p:attrName>
+                                        </p:attrNameLst>
+                                      </p:cBhvr>
+                                      <p:rCtr x="-26484" y="0"/>
+                                    </p:animMotion>
+                                  </p:childTnLst>
+                                </p:cTn>
+                              </p:par>
+                              <p:par>
+                                <p:cTn id="12" presetID="53" presetClass="entr" presetSubtype="16" fill="hold" grpId="0" nodeType="withEffect">
+                                  <p:stCondLst>
+                                    <p:cond delay="0"/>
+                                  </p:stCondLst>
+                                  <p:childTnLst>
+                                    <p:set>
+                                      <p:cBhvr>
+                                        <p:cTn id="13" dur="1" fill="hold">
+                                          <p:stCondLst>
+                                            <p:cond delay="0"/>
+                                          </p:stCondLst>
+                                        </p:cTn>
+                                        <p:tgtEl>
+                                          <p:spTgt spid="3"/>
+                                        </p:tgtEl>
+                                        <p:attrNameLst>
+                                          <p:attrName>style.visibility</p:attrName>
+                                        </p:attrNameLst>
+                                      </p:cBhvr>
+                                      <p:to>
+                                        <p:strVal val="visible"/>
+                                      </p:to>
+                                    </p:set>
+                                    <p:anim calcmode="lin" valueType="num">
+                                      <p:cBhvr>
+                                        <p:cTn id="14" dur="500" fill="hold"/>
+                                        <p:tgtEl>
+                                          <p:spTgt spid="3"/>
+                                        </p:tgtEl>
+                                        <p:attrNameLst>
+                                          <p:attrName>ppt_w</p:attrName>
+                                        </p:attrNameLst>
+                                      </p:cBhvr>
+                                      <p:tavLst>
+                                        <p:tav tm="0">
+                                          <p:val>
+                                            <p:fltVal val="0"/>
+                                          </p:val>
+                                        </p:tav>
+                                        <p:tav tm="100000">
+                                          <p:val>
+                                            <p:strVal val="#ppt_w"/>
+                                          </p:val>
+                                        </p:tav>
+                                      </p:tavLst>
+                                    </p:anim>
+                                    <p:anim calcmode="lin" valueType="num">
+                                      <p:cBhvr>
+                                        <p:cTn id="15" dur="500" fill="hold"/>
+                                        <p:tgtEl>
+                                          <p:spTgt spid="3"/>
+                                        </p:tgtEl>
+                                        <p:attrNameLst>
+                                          <p:attrName>ppt_h</p:attrName>
+                                        </p:attrNameLst>
+                                      </p:cBhvr>
+                                      <p:tavLst>
+                                        <p:tav tm="0">
+                                          <p:val>
+                                            <p:fltVal val="0"/>
+                                          </p:val>
+                                        </p:tav>
+                                        <p:tav tm="100000">
+                                          <p:val>
+                                            <p:strVal val="#ppt_h"/>
+                                          </p:val>
+                                        </p:tav>
+                                      </p:tavLst>
+                                    </p:anim>
+                                    <p:animEffect transition="in" filter="fade">
+                                      <p:cBhvr>
+                                        <p:cTn id="16" dur="500"/>
+                                        <p:tgtEl>
+                                          <p:spTgt spid="3"/>
+                                        </p:tgtEl>
+                                      </p:cBhvr>
+                                    </p:animEffect>
+                                  </p:childTnLst>
+                                </p:cTn>
+                              </p:par>
+                              <p:par>
+                                <p:cTn id="17" presetID="35" presetClass="path" presetSubtype="0" accel="50000" decel="50000" fill="hold" grpId="1" nodeType="withEffect">
+                                  <p:stCondLst>
+                                    <p:cond delay="0"/>
+                                  </p:stCondLst>
+                                  <p:childTnLst>
+                                    <p:animMotion origin="layout" path="M 0 2.59259E-6 L 0.12148 2.59259E-6 " pathEditMode="relative" rAng="0" ptsTypes="AA">
+                                      <p:cBhvr>
+                                        <p:cTn id="18" dur="1000" spd="-100000" fill="hold"/>
+                                        <p:tgtEl>
+                                          <p:spTgt spid="3"/>
+                                        </p:tgtEl>
+                                        <p:attrNameLst>
+                                          <p:attrName>ppt_x</p:attrName>
+                                          <p:attrName>ppt_y</p:attrName>
+                                        </p:attrNameLst>
+                                      </p:cBhvr>
+                                      <p:rCtr x="6068" y="0"/>
+                                    </p:animMotion>
+                                  </p:childTnLst>
+                                </p:cTn>
+                              </p:par>
+                            </p:childTnLst>
+                          </p:cTn>
+                        </p:par>
+                      </p:childTnLst>
+                    </p:cTn>
+                  </p:par>
+                </p:childTnLst>
+              </p:cTn>
+              <p:prevCondLst>
+                <p:cond evt="onPrev" delay="0">
+                  <p:tgtEl>
+                    <p:sldTgt/>
+                  </p:tgtEl>
+                </p:cond>
+              </p:prevCondLst>
+              <p:nextCondLst>
+                <p:cond evt="onNext" delay="0">
+                  <p:tgtEl>
+                    <p:sldTgt/>
+                  </p:tgtEl>
+                </p:cond>
+              </p:nextCondLst>
+            </p:seq>
+          </p:childTnLst>
+        </p:cTn>
+      </p:par>
+    </p:tnLst>
+    <p:bldLst>
+      <p:bldP spid="3" grpId="0"/>
+      <p:bldP spid="3" grpId="1"/>
+    </p:bldLst>
   </p:timing>
 </p:sld>
 </file>
@@ -8508,10 +12064,9 @@
       </a:style>
     </a:spDef>
   </a:objectDefaults>
-  <a:extraClrSchemeLst/>
   <a:extLst>
     <a:ext uri="{05A4C25C-085E-4340-85A3-A5531E510DB2}">
-      <thm15:themeFamily xmlns:thm15="http://schemas.microsoft.com/office/thememl/2012/main" xmlns="" name="Office Theme" id="{62F939B6-93AF-4DB8-9C6B-D6C7DFDC589F}" vid="{4A3C46E8-61CC-4603-A589-7422A47A8E4A}"/>
+      <thm15:themeFamily xmlns:thm15="http://schemas.microsoft.com/office/thememl/2012/main" name="Office Theme" id="{62F939B6-93AF-4DB8-9C6B-D6C7DFDC589F}" vid="{4A3C46E8-61CC-4603-A589-7422A47A8E4A}"/>
     </a:ext>
   </a:extLst>
 </a:theme>
@@ -8797,11 +12352,9 @@
       </a:bgFillStyleLst>
     </a:fmtScheme>
   </a:themeElements>
-  <a:objectDefaults/>
-  <a:extraClrSchemeLst/>
   <a:extLst>
     <a:ext uri="{05A4C25C-085E-4340-85A3-A5531E510DB2}">
-      <thm15:themeFamily xmlns:thm15="http://schemas.microsoft.com/office/thememl/2012/main" xmlns="" name="Office Theme" id="{62F939B6-93AF-4DB8-9C6B-D6C7DFDC589F}" vid="{4A3C46E8-61CC-4603-A589-7422A47A8E4A}"/>
+      <thm15:themeFamily xmlns:thm15="http://schemas.microsoft.com/office/thememl/2012/main" name="Office Theme" id="{62F939B6-93AF-4DB8-9C6B-D6C7DFDC589F}" vid="{4A3C46E8-61CC-4603-A589-7422A47A8E4A}"/>
     </a:ext>
   </a:extLst>
 </a:theme>
